--- a/Presentationsmaterial/Dokument/1.7 Unobtrusive Ajax.pptx
+++ b/Presentationsmaterial/Dokument/1.7 Unobtrusive Ajax.pptx
@@ -2,7 +2,7 @@
 <file path=ppt/presentation.xml><?xml version="1.0" encoding="utf-8"?>
 <p:presentation xmlns:a="http://schemas.openxmlformats.org/drawingml/2006/main" xmlns:r="http://schemas.openxmlformats.org/officeDocument/2006/relationships" xmlns:p="http://schemas.openxmlformats.org/presentationml/2006/main" saveSubsetFonts="1">
   <p:sldMasterIdLst>
-    <p:sldMasterId id="2147483759" r:id="rId1"/>
+    <p:sldMasterId id="2147483773" r:id="rId1"/>
   </p:sldMasterIdLst>
   <p:notesMasterIdLst>
     <p:notesMasterId r:id="rId12"/>
@@ -232,7 +232,7 @@
             <a:fld id="{0B3BAAB0-D539-4A20-AE97-450346457396}" type="datetimeFigureOut">
               <a:rPr lang="sv-SE" smtClean="0"/>
               <a:pPr/>
-              <a:t>2011-11-28</a:t>
+              <a:t>2013-11-23</a:t>
             </a:fld>
             <a:endParaRPr lang="sv-SE" dirty="0"/>
           </a:p>
@@ -503,6 +503,91 @@
 </p:notesMaster>
 </file>
 
+<file path=ppt/notesSlides/notesSlide1.xml><?xml version="1.0" encoding="utf-8"?>
+<p:notes xmlns:a="http://schemas.openxmlformats.org/drawingml/2006/main" xmlns:r="http://schemas.openxmlformats.org/officeDocument/2006/relationships" xmlns:p="http://schemas.openxmlformats.org/presentationml/2006/main">
+  <p:cSld>
+    <p:spTree>
+      <p:nvGrpSpPr>
+        <p:cNvPr id="1" name=""/>
+        <p:cNvGrpSpPr/>
+        <p:nvPr/>
+      </p:nvGrpSpPr>
+      <p:grpSpPr>
+        <a:xfrm>
+          <a:off x="0" y="0"/>
+          <a:ext cx="0" cy="0"/>
+          <a:chOff x="0" y="0"/>
+          <a:chExt cx="0" cy="0"/>
+        </a:xfrm>
+      </p:grpSpPr>
+      <p:sp>
+        <p:nvSpPr>
+          <p:cNvPr id="2" name="Platshållare för bildobjekt 1"/>
+          <p:cNvSpPr>
+            <a:spLocks noGrp="1" noRot="1" noChangeAspect="1"/>
+          </p:cNvSpPr>
+          <p:nvPr>
+            <p:ph type="sldImg"/>
+          </p:nvPr>
+        </p:nvSpPr>
+        <p:spPr/>
+      </p:sp>
+      <p:sp>
+        <p:nvSpPr>
+          <p:cNvPr id="3" name="Platshållare för anteckningar 2"/>
+          <p:cNvSpPr>
+            <a:spLocks noGrp="1"/>
+          </p:cNvSpPr>
+          <p:nvPr>
+            <p:ph type="body" idx="1"/>
+          </p:nvPr>
+        </p:nvSpPr>
+        <p:spPr/>
+        <p:txBody>
+          <a:bodyPr/>
+          <a:lstStyle/>
+          <a:p>
+            <a:endParaRPr lang="sv-SE" dirty="0"/>
+          </a:p>
+        </p:txBody>
+      </p:sp>
+      <p:sp>
+        <p:nvSpPr>
+          <p:cNvPr id="4" name="Platshållare för bildnummer 3"/>
+          <p:cNvSpPr>
+            <a:spLocks noGrp="1"/>
+          </p:cNvSpPr>
+          <p:nvPr>
+            <p:ph type="sldNum" sz="quarter" idx="10"/>
+          </p:nvPr>
+        </p:nvSpPr>
+        <p:spPr/>
+        <p:txBody>
+          <a:bodyPr/>
+          <a:lstStyle/>
+          <a:p>
+            <a:fld id="{4A768DEE-9E78-4909-9AEA-CE989E8CF6FD}" type="slidenum">
+              <a:rPr lang="sv-SE" smtClean="0"/>
+              <a:pPr/>
+              <a:t>6</a:t>
+            </a:fld>
+            <a:endParaRPr lang="sv-SE" dirty="0"/>
+          </a:p>
+        </p:txBody>
+      </p:sp>
+    </p:spTree>
+    <p:extLst>
+      <p:ext uri="{BB962C8B-B14F-4D97-AF65-F5344CB8AC3E}">
+        <p14:creationId xmlns:p14="http://schemas.microsoft.com/office/powerpoint/2010/main" val="919911888"/>
+      </p:ext>
+    </p:extLst>
+  </p:cSld>
+  <p:clrMapOvr>
+    <a:masterClrMapping/>
+  </p:clrMapOvr>
+</p:notes>
+</file>
+
 <file path=ppt/slideLayouts/slideLayout1.xml><?xml version="1.0" encoding="utf-8"?>
 <p:sldLayout xmlns:a="http://schemas.openxmlformats.org/drawingml/2006/main" xmlns:r="http://schemas.openxmlformats.org/officeDocument/2006/relationships" xmlns:p="http://schemas.openxmlformats.org/presentationml/2006/main" showMasterSp="0" preserve="1">
   <p:cSld name="Rubrikbild">
@@ -528,30 +613,6 @@
           <a:chExt cx="0" cy="0"/>
         </a:xfrm>
       </p:grpSpPr>
-      <p:pic>
-        <p:nvPicPr>
-          <p:cNvPr id="27" name="Bildobjekt 26" descr="Lnu_Wordmark_I_Datavetenskap_150mm150dpi.png"/>
-          <p:cNvPicPr>
-            <a:picLocks noChangeAspect="1"/>
-          </p:cNvPicPr>
-          <p:nvPr userDrawn="1"/>
-        </p:nvPicPr>
-        <p:blipFill>
-          <a:blip r:embed="rId2" cstate="print"/>
-          <a:stretch>
-            <a:fillRect/>
-          </a:stretch>
-        </p:blipFill>
-        <p:spPr>
-          <a:xfrm>
-            <a:off x="612000" y="5205491"/>
-            <a:ext cx="3061524" cy="461764"/>
-          </a:xfrm>
-          <a:prstGeom prst="rect">
-            <a:avLst/>
-          </a:prstGeom>
-        </p:spPr>
-      </p:pic>
       <p:sp>
         <p:nvSpPr>
           <p:cNvPr id="15" name="Rectangle 2"/>
@@ -594,7 +655,7 @@
               </a:spcAft>
               <a:defRPr lang="sv-SE" sz="7500" dirty="0">
                 <a:solidFill>
-                  <a:schemeClr val="tx1"/>
+                  <a:srgbClr val="333333"/>
                 </a:solidFill>
                 <a:latin typeface="Times New Roman" pitchFamily="18" charset="0"/>
                 <a:ea typeface="+mj-ea"/>
@@ -652,7 +713,7 @@
               <a:buNone/>
               <a:defRPr lang="sv-SE" sz="1800">
                 <a:solidFill>
-                  <a:schemeClr val="tx1"/>
+                  <a:srgbClr val="333333"/>
                 </a:solidFill>
                 <a:latin typeface="Times New Roman" pitchFamily="18" charset="0"/>
                 <a:ea typeface="+mn-ea"/>
@@ -673,7 +734,7 @@
         <p:nvCxnSpPr>
           <p:cNvPr id="24" name="Straight Connector 7"/>
           <p:cNvCxnSpPr/>
-          <p:nvPr userDrawn="1"/>
+          <p:nvPr/>
         </p:nvCxnSpPr>
         <p:spPr>
           <a:xfrm>
@@ -710,10 +771,10 @@
           <p:cNvPicPr>
             <a:picLocks noChangeAspect="1" noChangeArrowheads="1"/>
           </p:cNvPicPr>
-          <p:nvPr userDrawn="1"/>
+          <p:nvPr/>
         </p:nvPicPr>
         <p:blipFill>
-          <a:blip r:embed="rId3" cstate="print"/>
+          <a:blip r:embed="rId2" cstate="print"/>
           <a:srcRect/>
           <a:stretch>
             <a:fillRect/>
@@ -742,11 +803,11 @@
           <p:cNvSpPr>
             <a:spLocks noChangeArrowheads="1"/>
           </p:cNvSpPr>
-          <p:nvPr userDrawn="1"/>
+          <p:nvPr/>
         </p:nvSpPr>
         <p:spPr bwMode="auto">
           <a:xfrm>
-            <a:off x="0" y="1"/>
+            <a:off x="4953000" y="-13827"/>
             <a:ext cx="4191000" cy="340735"/>
           </a:xfrm>
           <a:prstGeom prst="rect">
@@ -767,7 +828,7 @@
           </a:bodyPr>
           <a:lstStyle/>
           <a:p>
-            <a:pPr eaLnBrk="0" hangingPunct="0">
+            <a:pPr algn="r" eaLnBrk="0" hangingPunct="0">
               <a:defRPr/>
             </a:pPr>
             <a:r>
@@ -778,11 +839,11 @@
                 <a:latin typeface="Times New Roman" pitchFamily="18" charset="0"/>
                 <a:cs typeface="Times New Roman" pitchFamily="18" charset="0"/>
               </a:rPr>
-              <a:t>1DV409 – ASP.NET MVC</a:t>
-            </a:r>
-          </a:p>
-          <a:p>
-            <a:pPr eaLnBrk="0" hangingPunct="0">
+              <a:t>ASP.NET MVC (1DV409)</a:t>
+            </a:r>
+          </a:p>
+          <a:p>
+            <a:pPr algn="r" eaLnBrk="0" hangingPunct="0">
               <a:defRPr/>
             </a:pPr>
             <a:endParaRPr lang="sv-SE" sz="800" dirty="0">
@@ -795,6 +856,95 @@
           </a:p>
         </p:txBody>
       </p:sp>
+      <p:pic>
+        <p:nvPicPr>
+          <p:cNvPr id="10" name="Picture 5" descr="090323_Lnu_Wordmark_Kalmar_Växjö_påhäng_transparent"/>
+          <p:cNvPicPr>
+            <a:picLocks noChangeAspect="1" noChangeArrowheads="1"/>
+          </p:cNvPicPr>
+          <p:nvPr/>
+        </p:nvPicPr>
+        <p:blipFill>
+          <a:blip r:embed="rId3" cstate="print">
+            <a:extLst>
+              <a:ext uri="{28A0092B-C50C-407E-A947-70E740481C1C}">
+                <a14:useLocalDpi xmlns:a14="http://schemas.microsoft.com/office/drawing/2010/main" val="0"/>
+              </a:ext>
+            </a:extLst>
+          </a:blip>
+          <a:srcRect/>
+          <a:stretch>
+            <a:fillRect/>
+          </a:stretch>
+        </p:blipFill>
+        <p:spPr bwMode="auto">
+          <a:xfrm>
+            <a:off x="612000" y="5228273"/>
+            <a:ext cx="2924175" cy="276225"/>
+          </a:xfrm>
+          <a:prstGeom prst="rect">
+            <a:avLst/>
+          </a:prstGeom>
+          <a:noFill/>
+          <a:ln>
+            <a:noFill/>
+          </a:ln>
+          <a:extLst>
+            <a:ext uri="{909E8E84-426E-40DD-AFC4-6F175D3DCCD1}">
+              <a14:hiddenFill xmlns:a14="http://schemas.microsoft.com/office/drawing/2010/main">
+                <a:solidFill>
+                  <a:srgbClr val="FFFFFF"/>
+                </a:solidFill>
+              </a14:hiddenFill>
+            </a:ext>
+            <a:ext uri="{91240B29-F687-4F45-9708-019B960494DF}">
+              <a14:hiddenLine xmlns:a14="http://schemas.microsoft.com/office/drawing/2010/main" w="9525">
+                <a:solidFill>
+                  <a:srgbClr val="000000"/>
+                </a:solidFill>
+                <a:miter lim="800000"/>
+                <a:headEnd/>
+                <a:tailEnd/>
+              </a14:hiddenLine>
+            </a:ext>
+          </a:extLst>
+        </p:spPr>
+      </p:pic>
+      <p:cxnSp>
+        <p:nvCxnSpPr>
+          <p:cNvPr id="9" name="Straight Connector 7"/>
+          <p:cNvCxnSpPr/>
+          <p:nvPr userDrawn="1"/>
+        </p:nvCxnSpPr>
+        <p:spPr>
+          <a:xfrm>
+            <a:off x="612000" y="5066348"/>
+            <a:ext cx="7920000" cy="1587"/>
+          </a:xfrm>
+          <a:prstGeom prst="line">
+            <a:avLst/>
+          </a:prstGeom>
+          <a:ln w="6350">
+            <a:solidFill>
+              <a:schemeClr val="tx1"/>
+            </a:solidFill>
+          </a:ln>
+        </p:spPr>
+        <p:style>
+          <a:lnRef idx="1">
+            <a:schemeClr val="dk1"/>
+          </a:lnRef>
+          <a:fillRef idx="0">
+            <a:schemeClr val="dk1"/>
+          </a:fillRef>
+          <a:effectRef idx="0">
+            <a:schemeClr val="dk1"/>
+          </a:effectRef>
+          <a:fontRef idx="minor">
+            <a:schemeClr val="tx1"/>
+          </a:fontRef>
+        </p:style>
+      </p:cxnSp>
     </p:spTree>
   </p:cSld>
   <p:clrMapOvr>
@@ -1434,7 +1584,11 @@
           <a:bodyPr/>
           <a:lstStyle>
             <a:lvl1pPr>
-              <a:defRPr sz="2700"/>
+              <a:defRPr sz="2700">
+                <a:solidFill>
+                  <a:srgbClr val="333333"/>
+                </a:solidFill>
+              </a:defRPr>
             </a:lvl1pPr>
           </a:lstStyle>
           <a:p>
@@ -1754,38 +1908,38 @@
           <a:p>
             <a:pPr lvl="0"/>
             <a:r>
-              <a:rPr lang="sv-SE" dirty="0" smtClean="0"/>
+              <a:rPr lang="sv-SE" smtClean="0"/>
               <a:t>Klicka här för att ändra format på bakgrundstexten</a:t>
             </a:r>
           </a:p>
           <a:p>
             <a:pPr lvl="1"/>
             <a:r>
-              <a:rPr lang="sv-SE" dirty="0" smtClean="0"/>
+              <a:rPr lang="sv-SE" smtClean="0"/>
               <a:t>Nivå två</a:t>
             </a:r>
           </a:p>
           <a:p>
             <a:pPr lvl="2"/>
             <a:r>
-              <a:rPr lang="sv-SE" dirty="0" smtClean="0"/>
+              <a:rPr lang="sv-SE" smtClean="0"/>
               <a:t>Nivå tre</a:t>
             </a:r>
           </a:p>
           <a:p>
             <a:pPr lvl="3"/>
             <a:r>
-              <a:rPr lang="sv-SE" dirty="0" smtClean="0"/>
+              <a:rPr lang="sv-SE" smtClean="0"/>
               <a:t>Nivå fyra</a:t>
             </a:r>
           </a:p>
           <a:p>
             <a:pPr lvl="4"/>
             <a:r>
-              <a:rPr lang="sv-SE" dirty="0" smtClean="0"/>
+              <a:rPr lang="sv-SE" smtClean="0"/>
               <a:t>Nivå fem</a:t>
             </a:r>
-            <a:endParaRPr lang="sv-SE" dirty="0"/>
+            <a:endParaRPr lang="sv-SE"/>
           </a:p>
         </p:txBody>
       </p:sp>
@@ -2056,38 +2210,38 @@
           <a:p>
             <a:pPr lvl="0"/>
             <a:r>
-              <a:rPr lang="sv-SE" dirty="0" smtClean="0"/>
+              <a:rPr lang="sv-SE" smtClean="0"/>
               <a:t>Klicka här för att ändra format på bakgrundstexten</a:t>
             </a:r>
           </a:p>
           <a:p>
             <a:pPr lvl="1"/>
             <a:r>
-              <a:rPr lang="sv-SE" dirty="0" smtClean="0"/>
+              <a:rPr lang="sv-SE" smtClean="0"/>
               <a:t>Nivå två</a:t>
             </a:r>
           </a:p>
           <a:p>
             <a:pPr lvl="2"/>
             <a:r>
-              <a:rPr lang="sv-SE" dirty="0" smtClean="0"/>
+              <a:rPr lang="sv-SE" smtClean="0"/>
               <a:t>Nivå tre</a:t>
             </a:r>
           </a:p>
           <a:p>
             <a:pPr lvl="3"/>
             <a:r>
-              <a:rPr lang="sv-SE" dirty="0" smtClean="0"/>
+              <a:rPr lang="sv-SE" smtClean="0"/>
               <a:t>Nivå fyra</a:t>
             </a:r>
           </a:p>
           <a:p>
             <a:pPr lvl="4"/>
             <a:r>
-              <a:rPr lang="sv-SE" dirty="0" smtClean="0"/>
+              <a:rPr lang="sv-SE" smtClean="0"/>
               <a:t>Nivå fem</a:t>
             </a:r>
-            <a:endParaRPr lang="sv-SE" dirty="0"/>
+            <a:endParaRPr lang="sv-SE"/>
           </a:p>
         </p:txBody>
       </p:sp>
@@ -2677,9 +2831,10 @@
           <a:p>
             <a:pPr lvl="0"/>
             <a:r>
-              <a:rPr lang="sv-SE" noProof="0" dirty="0" smtClean="0"/>
+              <a:rPr lang="sv-SE" noProof="0" smtClean="0"/>
               <a:t>Klicka på ikonen för att lägga till en bild</a:t>
             </a:r>
+            <a:endParaRPr lang="sv-SE" noProof="0" smtClean="0"/>
           </a:p>
         </p:txBody>
       </p:sp>
@@ -2975,67 +3130,9 @@
                 <a:latin typeface="Times New Roman" pitchFamily="18" charset="0"/>
                 <a:cs typeface="Times New Roman" pitchFamily="18" charset="0"/>
               </a:rPr>
-              <a:t>(10)</a:t>
+              <a:t>(13)</a:t>
             </a:r>
             <a:endParaRPr lang="en-US" sz="700" dirty="0">
-              <a:solidFill>
-                <a:schemeClr val="bg1">
-                  <a:lumMod val="75000"/>
-                </a:schemeClr>
-              </a:solidFill>
-              <a:latin typeface="Times New Roman" pitchFamily="18" charset="0"/>
-              <a:cs typeface="Times New Roman" pitchFamily="18" charset="0"/>
-            </a:endParaRPr>
-          </a:p>
-        </p:txBody>
-      </p:sp>
-      <p:sp>
-        <p:nvSpPr>
-          <p:cNvPr id="7" name="Rectangle 5"/>
-          <p:cNvSpPr>
-            <a:spLocks noChangeArrowheads="1"/>
-          </p:cNvSpPr>
-          <p:nvPr/>
-        </p:nvSpPr>
-        <p:spPr bwMode="auto">
-          <a:xfrm>
-            <a:off x="3779167" y="5512764"/>
-            <a:ext cx="1585666" cy="202236"/>
-          </a:xfrm>
-          <a:prstGeom prst="rect">
-            <a:avLst/>
-          </a:prstGeom>
-          <a:noFill/>
-          <a:ln w="9525">
-            <a:noFill/>
-            <a:miter lim="800000"/>
-            <a:headEnd/>
-            <a:tailEnd/>
-          </a:ln>
-          <a:effectLst/>
-        </p:spPr>
-        <p:txBody>
-          <a:bodyPr wrap="square" tIns="46800" bIns="46800" anchor="b">
-            <a:spAutoFit/>
-          </a:bodyPr>
-          <a:lstStyle/>
-          <a:p>
-            <a:pPr algn="ctr" eaLnBrk="0" hangingPunct="0">
-              <a:defRPr/>
-            </a:pPr>
-            <a:r>
-              <a:rPr lang="sv-SE" sz="700" noProof="0" dirty="0" smtClean="0">
-                <a:solidFill>
-                  <a:schemeClr val="bg1">
-                    <a:lumMod val="75000"/>
-                  </a:schemeClr>
-                </a:solidFill>
-                <a:latin typeface="Times New Roman" pitchFamily="18" charset="0"/>
-                <a:cs typeface="Times New Roman" pitchFamily="18" charset="0"/>
-              </a:rPr>
-              <a:t>© 2011 Mats Loock</a:t>
-            </a:r>
-            <a:endParaRPr lang="sv-SE" sz="700" noProof="0" dirty="0">
               <a:solidFill>
                 <a:schemeClr val="bg1">
                   <a:lumMod val="75000"/>
@@ -3057,7 +3154,7 @@
         </p:nvSpPr>
         <p:spPr bwMode="auto">
           <a:xfrm>
-            <a:off x="0" y="1"/>
+            <a:off x="4957665" y="1"/>
             <a:ext cx="4191000" cy="309958"/>
           </a:xfrm>
           <a:prstGeom prst="rect">
@@ -3078,7 +3175,7 @@
           </a:bodyPr>
           <a:lstStyle/>
           <a:p>
-            <a:pPr eaLnBrk="0" hangingPunct="0">
+            <a:pPr algn="r" eaLnBrk="0" hangingPunct="0">
               <a:defRPr/>
             </a:pPr>
             <a:r>
@@ -3091,11 +3188,11 @@
                 <a:latin typeface="Times New Roman" pitchFamily="18" charset="0"/>
                 <a:cs typeface="Times New Roman" pitchFamily="18" charset="0"/>
               </a:rPr>
-              <a:t>1DV409 – ASP.NET MVC</a:t>
-            </a:r>
-          </a:p>
-          <a:p>
-            <a:pPr eaLnBrk="0" hangingPunct="0">
+              <a:t>ASP.NET MVC (1DV409)</a:t>
+            </a:r>
+          </a:p>
+          <a:p>
+            <a:pPr algn="r" eaLnBrk="0" hangingPunct="0">
               <a:defRPr/>
             </a:pPr>
             <a:endParaRPr lang="sv-SE" sz="700" dirty="0">
@@ -3112,9 +3209,9 @@
       </p:sp>
       <p:pic>
         <p:nvPicPr>
-          <p:cNvPr id="12" name="Bildobjekt 11" descr="Lnu_Wordmark_I_Datavetenskap_150mm150dpi.png"/>
+          <p:cNvPr id="7" name="Picture 5" descr="090323_Lnu_Wordmark_Kalmar_Växjö_påhäng_transparent"/>
           <p:cNvPicPr>
-            <a:picLocks noChangeAspect="1"/>
+            <a:picLocks noChangeAspect="1" noChangeArrowheads="1"/>
           </p:cNvPicPr>
           <p:nvPr/>
         </p:nvPicPr>
@@ -3127,38 +3224,67 @@
               </a:schemeClr>
               <a:prstClr val="white"/>
             </a:duotone>
+            <a:extLst>
+              <a:ext uri="{28A0092B-C50C-407E-A947-70E740481C1C}">
+                <a14:useLocalDpi xmlns:a14="http://schemas.microsoft.com/office/drawing/2010/main" val="0"/>
+              </a:ext>
+            </a:extLst>
           </a:blip>
+          <a:srcRect/>
           <a:stretch>
             <a:fillRect/>
           </a:stretch>
         </p:blipFill>
-        <p:spPr>
+        <p:spPr bwMode="auto">
           <a:xfrm>
-            <a:off x="90000" y="5492628"/>
-            <a:ext cx="1439293" cy="217086"/>
+            <a:off x="89998" y="42856"/>
+            <a:ext cx="1463111" cy="137167"/>
           </a:xfrm>
           <a:prstGeom prst="rect">
             <a:avLst/>
           </a:prstGeom>
+          <a:noFill/>
+          <a:ln>
+            <a:noFill/>
+          </a:ln>
+          <a:extLst>
+            <a:ext uri="{909E8E84-426E-40DD-AFC4-6F175D3DCCD1}">
+              <a14:hiddenFill xmlns:a14="http://schemas.microsoft.com/office/drawing/2010/main">
+                <a:solidFill>
+                  <a:srgbClr val="FFFFFF"/>
+                </a:solidFill>
+              </a14:hiddenFill>
+            </a:ext>
+            <a:ext uri="{91240B29-F687-4F45-9708-019B960494DF}">
+              <a14:hiddenLine xmlns:a14="http://schemas.microsoft.com/office/drawing/2010/main" w="9525">
+                <a:solidFill>
+                  <a:srgbClr val="000000"/>
+                </a:solidFill>
+                <a:miter lim="800000"/>
+                <a:headEnd/>
+                <a:tailEnd/>
+              </a14:hiddenLine>
+            </a:ext>
+          </a:extLst>
         </p:spPr>
       </p:pic>
     </p:spTree>
   </p:cSld>
   <p:clrMap bg1="lt1" tx1="dk1" bg2="lt2" tx2="dk2" accent1="accent1" accent2="accent2" accent3="accent3" accent4="accent4" accent5="accent5" accent6="accent6" hlink="hlink" folHlink="folHlink"/>
   <p:sldLayoutIdLst>
-    <p:sldLayoutId id="2147483760" r:id="rId1"/>
-    <p:sldLayoutId id="2147483761" r:id="rId2"/>
-    <p:sldLayoutId id="2147483762" r:id="rId3"/>
-    <p:sldLayoutId id="2147483763" r:id="rId4"/>
-    <p:sldLayoutId id="2147483764" r:id="rId5"/>
-    <p:sldLayoutId id="2147483765" r:id="rId6"/>
-    <p:sldLayoutId id="2147483766" r:id="rId7"/>
-    <p:sldLayoutId id="2147483767" r:id="rId8"/>
-    <p:sldLayoutId id="2147483768" r:id="rId9"/>
-    <p:sldLayoutId id="2147483769" r:id="rId10"/>
-    <p:sldLayoutId id="2147483770" r:id="rId11"/>
-    <p:sldLayoutId id="2147483771" r:id="rId12"/>
-    <p:sldLayoutId id="2147483772" r:id="rId13"/>
+    <p:sldLayoutId id="2147483774" r:id="rId1"/>
+    <p:sldLayoutId id="2147483775" r:id="rId2"/>
+    <p:sldLayoutId id="2147483776" r:id="rId3"/>
+    <p:sldLayoutId id="2147483777" r:id="rId4"/>
+    <p:sldLayoutId id="2147483778" r:id="rId5"/>
+    <p:sldLayoutId id="2147483779" r:id="rId6"/>
+    <p:sldLayoutId id="2147483780" r:id="rId7"/>
+    <p:sldLayoutId id="2147483781" r:id="rId8"/>
+    <p:sldLayoutId id="2147483782" r:id="rId9"/>
+    <p:sldLayoutId id="2147483783" r:id="rId10"/>
+    <p:sldLayoutId id="2147483784" r:id="rId11"/>
+    <p:sldLayoutId id="2147483785" r:id="rId12"/>
+    <p:sldLayoutId id="2147483786" r:id="rId13"/>
   </p:sldLayoutIdLst>
   <p:transition>
     <p:random/>
@@ -3181,7 +3307,7 @@
         </a:spcAft>
         <a:defRPr sz="2700" b="1">
           <a:solidFill>
-            <a:schemeClr val="tx1"/>
+            <a:srgbClr val="333333"/>
           </a:solidFill>
           <a:latin typeface="Times New Roman" pitchFamily="18" charset="0"/>
           <a:ea typeface="+mj-ea"/>
@@ -4100,6 +4226,13 @@
   <p:transition>
     <p:random/>
   </p:transition>
+  <p:timing>
+    <p:tnLst>
+      <p:par>
+        <p:cTn id="1" dur="indefinite" restart="never" nodeType="tmRoot"/>
+      </p:par>
+    </p:tnLst>
+  </p:timing>
 </p:sld>
 </file>
 
@@ -4673,15 +4806,19 @@
               <a:t>…</a:t>
             </a:r>
             <a:r>
-              <a:rPr lang="sv-SE" sz="1400" dirty="0">
+              <a:rPr lang="sv-SE" sz="1400" dirty="0" smtClean="0">
                 <a:latin typeface="Consolas" pitchFamily="49" charset="0"/>
                 <a:cs typeface="Consolas" pitchFamily="49" charset="0"/>
               </a:rPr>
-              <a:t>jquery-1.5.1.min.js</a:t>
+              <a:t>jquery-1.8.1.min.js</a:t>
+            </a:r>
+            <a:r>
+              <a:rPr lang="sv-SE" dirty="0" smtClean="0"/>
+              <a:t> </a:t>
             </a:r>
             <a:r>
               <a:rPr lang="sv-SE" dirty="0"/>
-              <a:t> , eller annan lämplig version, länkas in. </a:t>
+              <a:t>, eller annan lämplig version, länkas in. </a:t>
             </a:r>
           </a:p>
           <a:p>
@@ -4718,7 +4855,15 @@
             </a:r>
             <a:r>
               <a:rPr lang="sv-SE" dirty="0" smtClean="0"/>
-              <a:t>” är det enkelt att göra asynkrona förfrågningar.</a:t>
+              <a:t>” är det enkelt att </a:t>
+            </a:r>
+            <a:r>
+              <a:rPr lang="sv-SE" dirty="0" smtClean="0"/>
+              <a:t>skapa förutsättningar för asynkrona </a:t>
+            </a:r>
+            <a:r>
+              <a:rPr lang="sv-SE" dirty="0" smtClean="0"/>
+              <a:t>förfrågningar.</a:t>
             </a:r>
           </a:p>
           <a:p>
@@ -4816,29 +4961,6 @@
       </p:grpSpPr>
       <p:sp>
         <p:nvSpPr>
-          <p:cNvPr id="2" name="Rubrik 1"/>
-          <p:cNvSpPr>
-            <a:spLocks noGrp="1"/>
-          </p:cNvSpPr>
-          <p:nvPr>
-            <p:ph type="title"/>
-          </p:nvPr>
-        </p:nvSpPr>
-        <p:spPr/>
-        <p:txBody>
-          <a:bodyPr/>
-          <a:lstStyle/>
-          <a:p>
-            <a:r>
-              <a:rPr lang="sv-SE" dirty="0" smtClean="0"/>
-              <a:t>Ett traditionellt formulär</a:t>
-            </a:r>
-            <a:endParaRPr lang="sv-SE" dirty="0"/>
-          </a:p>
-        </p:txBody>
-      </p:sp>
-      <p:sp>
-        <p:nvSpPr>
           <p:cNvPr id="3" name="Platshållare för innehåll 2"/>
           <p:cNvSpPr>
             <a:spLocks noGrp="1"/>
@@ -4873,7 +4995,7 @@
       </p:sp>
       <p:pic>
         <p:nvPicPr>
-          <p:cNvPr id="2050" name="Picture 2"/>
+          <p:cNvPr id="1028" name="Picture 4"/>
           <p:cNvPicPr>
             <a:picLocks noChangeAspect="1" noChangeArrowheads="1"/>
           </p:cNvPicPr>
@@ -4894,8 +5016,8 @@
         </p:blipFill>
         <p:spPr bwMode="auto">
           <a:xfrm rot="21000000">
-            <a:off x="517396" y="1152671"/>
-            <a:ext cx="6893334" cy="3266666"/>
+            <a:off x="550896" y="1032076"/>
+            <a:ext cx="7360000" cy="3693333"/>
           </a:xfrm>
           <a:prstGeom prst="rect">
             <a:avLst/>
@@ -4932,12 +5054,30 @@
               <a:srgbClr val="FFFFFF"/>
             </a:contourClr>
           </a:sp3d>
-          <a:extLst/>
+          <a:extLst>
+            <a:ext uri="{909E8E84-426E-40DD-AFC4-6F175D3DCCD1}">
+              <a14:hiddenFill xmlns:a14="http://schemas.microsoft.com/office/drawing/2010/main">
+                <a:solidFill>
+                  <a:schemeClr val="accent1"/>
+                </a:solidFill>
+              </a14:hiddenFill>
+            </a:ext>
+            <a:ext uri="{91240B29-F687-4F45-9708-019B960494DF}">
+              <a14:hiddenLine xmlns:a14="http://schemas.microsoft.com/office/drawing/2010/main" w="9525">
+                <a:solidFill>
+                  <a:schemeClr val="tx1"/>
+                </a:solidFill>
+                <a:miter lim="800000"/>
+                <a:headEnd/>
+                <a:tailEnd/>
+              </a14:hiddenLine>
+            </a:ext>
+          </a:extLst>
         </p:spPr>
       </p:pic>
       <p:pic>
         <p:nvPicPr>
-          <p:cNvPr id="2051" name="Picture 3"/>
+          <p:cNvPr id="1029" name="Picture 5"/>
           <p:cNvPicPr>
             <a:picLocks noChangeAspect="1" noChangeArrowheads="1"/>
           </p:cNvPicPr>
@@ -4964,9 +5104,9 @@
           </a:stretch>
         </p:blipFill>
         <p:spPr bwMode="auto">
-          <a:xfrm rot="316129">
-            <a:off x="2411323" y="3442444"/>
-            <a:ext cx="6880000" cy="2160000"/>
+          <a:xfrm rot="300000">
+            <a:off x="2397485" y="3751315"/>
+            <a:ext cx="7373334" cy="1946666"/>
           </a:xfrm>
           <a:prstGeom prst="rect">
             <a:avLst/>
@@ -5003,9 +5143,50 @@
               <a:srgbClr val="FFFFFF"/>
             </a:contourClr>
           </a:sp3d>
-          <a:extLst/>
+          <a:extLst>
+            <a:ext uri="{909E8E84-426E-40DD-AFC4-6F175D3DCCD1}">
+              <a14:hiddenFill xmlns:a14="http://schemas.microsoft.com/office/drawing/2010/main">
+                <a:solidFill>
+                  <a:schemeClr val="accent1"/>
+                </a:solidFill>
+              </a14:hiddenFill>
+            </a:ext>
+            <a:ext uri="{91240B29-F687-4F45-9708-019B960494DF}">
+              <a14:hiddenLine xmlns:a14="http://schemas.microsoft.com/office/drawing/2010/main" w="9525">
+                <a:solidFill>
+                  <a:schemeClr val="tx1"/>
+                </a:solidFill>
+                <a:miter lim="800000"/>
+                <a:headEnd/>
+                <a:tailEnd/>
+              </a14:hiddenLine>
+            </a:ext>
+          </a:extLst>
         </p:spPr>
       </p:pic>
+      <p:sp>
+        <p:nvSpPr>
+          <p:cNvPr id="2" name="Rubrik 1"/>
+          <p:cNvSpPr>
+            <a:spLocks noGrp="1"/>
+          </p:cNvSpPr>
+          <p:nvPr>
+            <p:ph type="title"/>
+          </p:nvPr>
+        </p:nvSpPr>
+        <p:spPr/>
+        <p:txBody>
+          <a:bodyPr/>
+          <a:lstStyle/>
+          <a:p>
+            <a:r>
+              <a:rPr lang="sv-SE" dirty="0" smtClean="0"/>
+              <a:t>Ett traditionellt formulär</a:t>
+            </a:r>
+            <a:endParaRPr lang="sv-SE" dirty="0"/>
+          </a:p>
+        </p:txBody>
+      </p:sp>
     </p:spTree>
   </p:cSld>
   <p:clrMapOvr>
@@ -5043,29 +5224,6 @@
       </p:grpSpPr>
       <p:sp>
         <p:nvSpPr>
-          <p:cNvPr id="2" name="Rubrik 1"/>
-          <p:cNvSpPr>
-            <a:spLocks noGrp="1"/>
-          </p:cNvSpPr>
-          <p:nvPr>
-            <p:ph type="title"/>
-          </p:nvPr>
-        </p:nvSpPr>
-        <p:spPr/>
-        <p:txBody>
-          <a:bodyPr/>
-          <a:lstStyle/>
-          <a:p>
-            <a:r>
-              <a:rPr lang="sv-SE" dirty="0" smtClean="0"/>
-              <a:t>Formulär som använder Ajax</a:t>
-            </a:r>
-            <a:endParaRPr lang="sv-SE" dirty="0"/>
-          </a:p>
-        </p:txBody>
-      </p:sp>
-      <p:sp>
-        <p:nvSpPr>
           <p:cNvPr id="3" name="Platshållare för innehåll 2"/>
           <p:cNvSpPr>
             <a:spLocks noGrp="1"/>
@@ -5100,14 +5258,14 @@
       </p:sp>
       <p:pic>
         <p:nvPicPr>
-          <p:cNvPr id="3074" name="Picture 2"/>
+          <p:cNvPr id="2050" name="Picture 2"/>
           <p:cNvPicPr>
             <a:picLocks noChangeAspect="1" noChangeArrowheads="1"/>
           </p:cNvPicPr>
           <p:nvPr/>
         </p:nvPicPr>
         <p:blipFill>
-          <a:blip r:embed="rId2">
+          <a:blip r:embed="rId3">
             <a:extLst>
               <a:ext uri="{28A0092B-C50C-407E-A947-70E740481C1C}">
                 <a14:useLocalDpi xmlns:a14="http://schemas.microsoft.com/office/drawing/2010/main" val="0"/>
@@ -5121,8 +5279,8 @@
         </p:blipFill>
         <p:spPr bwMode="auto">
           <a:xfrm>
-            <a:off x="550788" y="1187558"/>
-            <a:ext cx="7246937" cy="3133725"/>
+            <a:off x="550789" y="1039461"/>
+            <a:ext cx="4611429" cy="3625715"/>
           </a:xfrm>
           <a:prstGeom prst="rect">
             <a:avLst/>
@@ -5159,19 +5317,37 @@
               <a:srgbClr val="FFFFFF"/>
             </a:contourClr>
           </a:sp3d>
-          <a:extLst/>
+          <a:extLst>
+            <a:ext uri="{909E8E84-426E-40DD-AFC4-6F175D3DCCD1}">
+              <a14:hiddenFill xmlns:a14="http://schemas.microsoft.com/office/drawing/2010/main">
+                <a:solidFill>
+                  <a:schemeClr val="accent1"/>
+                </a:solidFill>
+              </a14:hiddenFill>
+            </a:ext>
+            <a:ext uri="{91240B29-F687-4F45-9708-019B960494DF}">
+              <a14:hiddenLine xmlns:a14="http://schemas.microsoft.com/office/drawing/2010/main" w="9525">
+                <a:solidFill>
+                  <a:schemeClr val="tx1"/>
+                </a:solidFill>
+                <a:miter lim="800000"/>
+                <a:headEnd/>
+                <a:tailEnd/>
+              </a14:hiddenLine>
+            </a:ext>
+          </a:extLst>
         </p:spPr>
       </p:pic>
       <p:pic>
         <p:nvPicPr>
-          <p:cNvPr id="3075" name="Picture 3"/>
+          <p:cNvPr id="2051" name="Picture 3"/>
           <p:cNvPicPr>
             <a:picLocks noChangeAspect="1" noChangeArrowheads="1"/>
           </p:cNvPicPr>
           <p:nvPr/>
         </p:nvPicPr>
         <p:blipFill>
-          <a:blip r:embed="rId3">
+          <a:blip r:embed="rId4">
             <a:duotone>
               <a:schemeClr val="bg2">
                 <a:shade val="45000"/>
@@ -5191,9 +5367,9 @@
           </a:stretch>
         </p:blipFill>
         <p:spPr bwMode="auto">
-          <a:xfrm rot="392832">
-            <a:off x="1921914" y="3846129"/>
-            <a:ext cx="6970713" cy="1866900"/>
+          <a:xfrm rot="267177">
+            <a:off x="1628968" y="3974729"/>
+            <a:ext cx="7422858" cy="1954286"/>
           </a:xfrm>
           <a:prstGeom prst="rect">
             <a:avLst/>
@@ -5230,9 +5406,50 @@
               <a:srgbClr val="FFFFFF"/>
             </a:contourClr>
           </a:sp3d>
-          <a:extLst/>
+          <a:extLst>
+            <a:ext uri="{909E8E84-426E-40DD-AFC4-6F175D3DCCD1}">
+              <a14:hiddenFill xmlns:a14="http://schemas.microsoft.com/office/drawing/2010/main">
+                <a:solidFill>
+                  <a:schemeClr val="accent1"/>
+                </a:solidFill>
+              </a14:hiddenFill>
+            </a:ext>
+            <a:ext uri="{91240B29-F687-4F45-9708-019B960494DF}">
+              <a14:hiddenLine xmlns:a14="http://schemas.microsoft.com/office/drawing/2010/main" w="9525">
+                <a:solidFill>
+                  <a:schemeClr val="tx1"/>
+                </a:solidFill>
+                <a:miter lim="800000"/>
+                <a:headEnd/>
+                <a:tailEnd/>
+              </a14:hiddenLine>
+            </a:ext>
+          </a:extLst>
         </p:spPr>
       </p:pic>
+      <p:sp>
+        <p:nvSpPr>
+          <p:cNvPr id="2" name="Rubrik 1"/>
+          <p:cNvSpPr>
+            <a:spLocks noGrp="1"/>
+          </p:cNvSpPr>
+          <p:nvPr>
+            <p:ph type="title"/>
+          </p:nvPr>
+        </p:nvSpPr>
+        <p:spPr/>
+        <p:txBody>
+          <a:bodyPr/>
+          <a:lstStyle/>
+          <a:p>
+            <a:r>
+              <a:rPr lang="sv-SE" dirty="0" smtClean="0"/>
+              <a:t>Formulär som använder Ajax</a:t>
+            </a:r>
+            <a:endParaRPr lang="sv-SE" dirty="0"/>
+          </a:p>
+        </p:txBody>
+      </p:sp>
     </p:spTree>
   </p:cSld>
   <p:clrMapOvr>
@@ -5270,7 +5487,7 @@
       </p:grpSpPr>
       <p:pic>
         <p:nvPicPr>
-          <p:cNvPr id="4100" name="Picture 4"/>
+          <p:cNvPr id="3076" name="Picture 4"/>
           <p:cNvPicPr>
             <a:picLocks noChangeAspect="1" noChangeArrowheads="1"/>
           </p:cNvPicPr>
@@ -5298,8 +5515,8 @@
         </p:blipFill>
         <p:spPr bwMode="auto">
           <a:xfrm>
-            <a:off x="2355657" y="3235084"/>
-            <a:ext cx="8799453" cy="2332197"/>
+            <a:off x="355518" y="3519456"/>
+            <a:ext cx="11546668" cy="2373333"/>
           </a:xfrm>
           <a:prstGeom prst="rect">
             <a:avLst/>
@@ -5335,21 +5552,35 @@
                 <a:tailEnd/>
               </a14:hiddenLine>
             </a:ext>
-            <a:ext uri="{AF507438-7753-43E0-B8FC-AC1667EBCBE1}">
-              <a14:hiddenEffects xmlns:a14="http://schemas.microsoft.com/office/drawing/2010/main">
-                <a:effectLst>
-                  <a:outerShdw dist="35921" dir="2700000" algn="ctr" rotWithShape="0">
-                    <a:schemeClr val="bg2"/>
-                  </a:outerShdw>
-                </a:effectLst>
-              </a14:hiddenEffects>
-            </a:ext>
           </a:extLst>
         </p:spPr>
       </p:pic>
+      <p:sp>
+        <p:nvSpPr>
+          <p:cNvPr id="3" name="Platshållare för innehåll 2"/>
+          <p:cNvSpPr>
+            <a:spLocks noGrp="1"/>
+          </p:cNvSpPr>
+          <p:nvPr>
+            <p:ph idx="1"/>
+          </p:nvPr>
+        </p:nvSpPr>
+        <p:spPr/>
+        <p:txBody>
+          <a:bodyPr/>
+          <a:lstStyle/>
+          <a:p>
+            <a:r>
+              <a:rPr lang="sv-SE" dirty="0" smtClean="0"/>
+              <a:t>Precis som en vanlig förfrågan hanteras en Ajax-förfrågan av en publik metod i en controllerklass. I sin enklaste form returnerar en sådan metod en sträng som ersätter innehållet i specificerat element.</a:t>
+            </a:r>
+            <a:endParaRPr lang="sv-SE" dirty="0"/>
+          </a:p>
+        </p:txBody>
+      </p:sp>
       <p:pic>
         <p:nvPicPr>
-          <p:cNvPr id="4099" name="Picture 3"/>
+          <p:cNvPr id="3075" name="Picture 3"/>
           <p:cNvPicPr>
             <a:picLocks noChangeAspect="1" noChangeArrowheads="1"/>
           </p:cNvPicPr>
@@ -5371,7 +5602,7 @@
         <p:spPr bwMode="auto">
           <a:xfrm>
             <a:off x="-126443" y="1973381"/>
-            <a:ext cx="5272382" cy="2841905"/>
+            <a:ext cx="5272382" cy="2041905"/>
           </a:xfrm>
           <a:prstGeom prst="rect">
             <a:avLst/>
@@ -5399,15 +5630,6 @@
                 <a:tailEnd/>
               </a14:hiddenLine>
             </a:ext>
-            <a:ext uri="{AF507438-7753-43E0-B8FC-AC1667EBCBE1}">
-              <a14:hiddenEffects xmlns:a14="http://schemas.microsoft.com/office/drawing/2010/main">
-                <a:effectLst>
-                  <a:outerShdw dist="35921" dir="2700000" algn="ctr" rotWithShape="0">
-                    <a:schemeClr val="bg2"/>
-                  </a:outerShdw>
-                </a:effectLst>
-              </a14:hiddenEffects>
-            </a:ext>
           </a:extLst>
         </p:spPr>
       </p:pic>
@@ -5429,29 +5651,6 @@
             <a:r>
               <a:rPr lang="sv-SE" dirty="0" smtClean="0"/>
               <a:t>Elementär hantering av Ajax-förfrågan</a:t>
-            </a:r>
-            <a:endParaRPr lang="sv-SE" dirty="0"/>
-          </a:p>
-        </p:txBody>
-      </p:sp>
-      <p:sp>
-        <p:nvSpPr>
-          <p:cNvPr id="3" name="Platshållare för innehåll 2"/>
-          <p:cNvSpPr>
-            <a:spLocks noGrp="1"/>
-          </p:cNvSpPr>
-          <p:nvPr>
-            <p:ph idx="1"/>
-          </p:nvPr>
-        </p:nvSpPr>
-        <p:spPr/>
-        <p:txBody>
-          <a:bodyPr/>
-          <a:lstStyle/>
-          <a:p>
-            <a:r>
-              <a:rPr lang="sv-SE" dirty="0" smtClean="0"/>
-              <a:t>Precis som en vanlig förfrågan hanteras en Ajax-förfrågan av en publik metod i en controllerklass. I sin enklaste form returnerar en sådan metod en sträng som ersätter innehållet i specificerat element.</a:t>
             </a:r>
             <a:endParaRPr lang="sv-SE" dirty="0"/>
           </a:p>
@@ -5514,6 +5713,88 @@
           </a:sp3d>
         </p:spPr>
       </p:pic>
+      <p:pic>
+        <p:nvPicPr>
+          <p:cNvPr id="3074" name="Picture 2"/>
+          <p:cNvPicPr>
+            <a:picLocks noChangeAspect="1" noChangeArrowheads="1"/>
+          </p:cNvPicPr>
+          <p:nvPr/>
+        </p:nvPicPr>
+        <p:blipFill>
+          <a:blip r:embed="rId5">
+            <a:extLst>
+              <a:ext uri="{28A0092B-C50C-407E-A947-70E740481C1C}">
+                <a14:useLocalDpi xmlns:a14="http://schemas.microsoft.com/office/drawing/2010/main" val="0"/>
+              </a:ext>
+            </a:extLst>
+          </a:blip>
+          <a:srcRect/>
+          <a:stretch>
+            <a:fillRect/>
+          </a:stretch>
+        </p:blipFill>
+        <p:spPr bwMode="auto">
+          <a:xfrm rot="660000">
+            <a:off x="3493300" y="2088033"/>
+            <a:ext cx="4613333" cy="1760000"/>
+          </a:xfrm>
+          <a:prstGeom prst="rect">
+            <a:avLst/>
+          </a:prstGeom>
+          <a:solidFill>
+            <a:srgbClr val="FFFFFF">
+              <a:shade val="85000"/>
+            </a:srgbClr>
+          </a:solidFill>
+          <a:ln w="190500" cap="sq">
+            <a:solidFill>
+              <a:srgbClr val="FFFFFF"/>
+            </a:solidFill>
+            <a:miter lim="800000"/>
+          </a:ln>
+          <a:effectLst>
+            <a:outerShdw blurRad="65000" dist="50800" dir="12900000" kx="195000" ky="145000" algn="tl" rotWithShape="0">
+              <a:srgbClr val="000000">
+                <a:alpha val="30000"/>
+              </a:srgbClr>
+            </a:outerShdw>
+          </a:effectLst>
+          <a:scene3d>
+            <a:camera prst="orthographicFront">
+              <a:rot lat="0" lon="0" rev="360000"/>
+            </a:camera>
+            <a:lightRig rig="twoPt" dir="t">
+              <a:rot lat="0" lon="0" rev="7200000"/>
+            </a:lightRig>
+          </a:scene3d>
+          <a:sp3d contourW="12700">
+            <a:bevelT w="25400" h="19050"/>
+            <a:contourClr>
+              <a:srgbClr val="969696"/>
+            </a:contourClr>
+          </a:sp3d>
+          <a:extLst>
+            <a:ext uri="{909E8E84-426E-40DD-AFC4-6F175D3DCCD1}">
+              <a14:hiddenFill xmlns:a14="http://schemas.microsoft.com/office/drawing/2010/main">
+                <a:solidFill>
+                  <a:schemeClr val="accent1"/>
+                </a:solidFill>
+              </a14:hiddenFill>
+            </a:ext>
+            <a:ext uri="{91240B29-F687-4F45-9708-019B960494DF}">
+              <a14:hiddenLine xmlns:a14="http://schemas.microsoft.com/office/drawing/2010/main" w="9525">
+                <a:solidFill>
+                  <a:schemeClr val="tx1"/>
+                </a:solidFill>
+                <a:miter lim="800000"/>
+                <a:headEnd/>
+                <a:tailEnd/>
+              </a14:hiddenLine>
+            </a:ext>
+          </a:extLst>
+        </p:spPr>
+      </p:pic>
     </p:spTree>
   </p:cSld>
   <p:clrMapOvr>
@@ -5549,166 +5830,16 @@
           <a:chExt cx="0" cy="0"/>
         </a:xfrm>
       </p:grpSpPr>
-      <p:grpSp>
-        <p:nvGrpSpPr>
-          <p:cNvPr id="8" name="Grupp 7"/>
-          <p:cNvGrpSpPr/>
-          <p:nvPr/>
-        </p:nvGrpSpPr>
-        <p:grpSpPr>
-          <a:xfrm>
-            <a:off x="14705" y="3063906"/>
-            <a:ext cx="3191186" cy="2240534"/>
-            <a:chOff x="-126443" y="1765738"/>
-            <a:chExt cx="5272382" cy="3701743"/>
-          </a:xfrm>
-        </p:grpSpPr>
-        <p:pic>
-          <p:nvPicPr>
-            <p:cNvPr id="10" name="Picture 3"/>
-            <p:cNvPicPr>
-              <a:picLocks noChangeAspect="1" noChangeArrowheads="1"/>
-            </p:cNvPicPr>
-            <p:nvPr/>
-          </p:nvPicPr>
-          <p:blipFill>
-            <a:blip r:embed="rId2">
-              <a:duotone>
-                <a:schemeClr val="bg2">
-                  <a:shade val="45000"/>
-                  <a:satMod val="135000"/>
-                </a:schemeClr>
-                <a:prstClr val="white"/>
-              </a:duotone>
-              <a:extLst>
-                <a:ext uri="{28A0092B-C50C-407E-A947-70E740481C1C}">
-                  <a14:useLocalDpi xmlns:a14="http://schemas.microsoft.com/office/drawing/2010/main" val="0"/>
-                </a:ext>
-              </a:extLst>
-            </a:blip>
-            <a:srcRect/>
-            <a:stretch>
-              <a:fillRect/>
-            </a:stretch>
-          </p:blipFill>
-          <p:spPr bwMode="auto">
-            <a:xfrm>
-              <a:off x="-126443" y="1973381"/>
-              <a:ext cx="5272382" cy="2841905"/>
-            </a:xfrm>
-            <a:prstGeom prst="rect">
-              <a:avLst/>
-            </a:prstGeom>
-            <a:noFill/>
-            <a:scene3d>
-              <a:camera prst="perspectiveContrastingRightFacing"/>
-              <a:lightRig rig="threePt" dir="t"/>
-            </a:scene3d>
-            <a:extLst>
-              <a:ext uri="{909E8E84-426E-40DD-AFC4-6F175D3DCCD1}">
-                <a14:hiddenFill xmlns:a14="http://schemas.microsoft.com/office/drawing/2010/main">
-                  <a:solidFill>
-                    <a:schemeClr val="accent1"/>
-                  </a:solidFill>
-                </a14:hiddenFill>
-              </a:ext>
-              <a:ext uri="{91240B29-F687-4F45-9708-019B960494DF}">
-                <a14:hiddenLine xmlns:a14="http://schemas.microsoft.com/office/drawing/2010/main" w="9525">
-                  <a:solidFill>
-                    <a:schemeClr val="tx1"/>
-                  </a:solidFill>
-                  <a:miter lim="800000"/>
-                  <a:headEnd/>
-                  <a:tailEnd/>
-                </a14:hiddenLine>
-              </a:ext>
-              <a:ext uri="{AF507438-7753-43E0-B8FC-AC1667EBCBE1}">
-                <a14:hiddenEffects xmlns:a14="http://schemas.microsoft.com/office/drawing/2010/main">
-                  <a:effectLst>
-                    <a:outerShdw dist="35921" dir="2700000" algn="ctr" rotWithShape="0">
-                      <a:schemeClr val="bg2"/>
-                    </a:outerShdw>
-                  </a:effectLst>
-                </a14:hiddenEffects>
-              </a:ext>
-            </a:extLst>
-          </p:spPr>
-        </p:pic>
-        <p:cxnSp>
-          <p:nvCxnSpPr>
-            <p:cNvPr id="5" name="Rak 4"/>
-            <p:cNvCxnSpPr/>
-            <p:nvPr/>
-          </p:nvCxnSpPr>
-          <p:spPr bwMode="auto">
-            <a:xfrm flipH="1">
-              <a:off x="517109" y="1765738"/>
-              <a:ext cx="3581925" cy="3701743"/>
-            </a:xfrm>
-            <a:prstGeom prst="line">
-              <a:avLst/>
-            </a:prstGeom>
-            <a:solidFill>
-              <a:schemeClr val="accent1"/>
-            </a:solidFill>
-            <a:ln w="38100" cap="flat" cmpd="sng" algn="ctr">
-              <a:solidFill>
-                <a:schemeClr val="accent2">
-                  <a:lumMod val="20000"/>
-                  <a:lumOff val="80000"/>
-                </a:schemeClr>
-              </a:solidFill>
-              <a:prstDash val="solid"/>
-              <a:round/>
-              <a:headEnd type="none" w="med" len="med"/>
-              <a:tailEnd type="none" w="med" len="med"/>
-            </a:ln>
-            <a:effectLst/>
-          </p:spPr>
-        </p:cxnSp>
-        <p:cxnSp>
-          <p:nvCxnSpPr>
-            <p:cNvPr id="7" name="Rak 6"/>
-            <p:cNvCxnSpPr/>
-            <p:nvPr/>
-          </p:nvCxnSpPr>
-          <p:spPr bwMode="auto">
-            <a:xfrm>
-              <a:off x="233330" y="2289153"/>
-              <a:ext cx="3963700" cy="1912079"/>
-            </a:xfrm>
-            <a:prstGeom prst="line">
-              <a:avLst/>
-            </a:prstGeom>
-            <a:solidFill>
-              <a:schemeClr val="accent1"/>
-            </a:solidFill>
-            <a:ln w="38100" cap="flat" cmpd="sng" algn="ctr">
-              <a:solidFill>
-                <a:schemeClr val="accent2">
-                  <a:lumMod val="20000"/>
-                  <a:lumOff val="80000"/>
-                </a:schemeClr>
-              </a:solidFill>
-              <a:prstDash val="solid"/>
-              <a:round/>
-              <a:headEnd type="none" w="med" len="med"/>
-              <a:tailEnd type="none" w="med" len="med"/>
-            </a:ln>
-            <a:effectLst/>
-          </p:spPr>
-        </p:cxnSp>
-      </p:grpSp>
       <p:pic>
         <p:nvPicPr>
-          <p:cNvPr id="9" name="Picture 4"/>
+          <p:cNvPr id="11" name="Picture 3"/>
           <p:cNvPicPr>
             <a:picLocks noChangeAspect="1" noChangeArrowheads="1"/>
           </p:cNvPicPr>
           <p:nvPr/>
         </p:nvPicPr>
         <p:blipFill>
-          <a:blip r:embed="rId3" cstate="print">
+          <a:blip r:embed="rId2">
             <a:duotone>
               <a:schemeClr val="bg2">
                 <a:shade val="45000"/>
@@ -5716,29 +5847,115 @@
               </a:schemeClr>
               <a:prstClr val="white"/>
             </a:duotone>
+            <a:extLst>
+              <a:ext uri="{28A0092B-C50C-407E-A947-70E740481C1C}">
+                <a14:useLocalDpi xmlns:a14="http://schemas.microsoft.com/office/drawing/2010/main" val="0"/>
+              </a:ext>
+            </a:extLst>
           </a:blip>
+          <a:srcRect/>
           <a:stretch>
             <a:fillRect/>
           </a:stretch>
         </p:blipFill>
         <p:spPr bwMode="auto">
-          <a:xfrm rot="665845">
-            <a:off x="3971844" y="3351981"/>
-            <a:ext cx="7105300" cy="2053555"/>
+          <a:xfrm>
+            <a:off x="-136589" y="3380347"/>
+            <a:ext cx="3163429" cy="1225143"/>
           </a:xfrm>
           <a:prstGeom prst="rect">
             <a:avLst/>
           </a:prstGeom>
           <a:noFill/>
-          <a:ln>
-            <a:noFill/>
-          </a:ln>
           <a:scene3d>
-            <a:camera prst="perspectiveContrastingLeftFacing"/>
+            <a:camera prst="perspectiveContrastingRightFacing"/>
             <a:lightRig rig="threePt" dir="t"/>
           </a:scene3d>
+          <a:extLst>
+            <a:ext uri="{909E8E84-426E-40DD-AFC4-6F175D3DCCD1}">
+              <a14:hiddenFill xmlns:a14="http://schemas.microsoft.com/office/drawing/2010/main">
+                <a:solidFill>
+                  <a:schemeClr val="accent1"/>
+                </a:solidFill>
+              </a14:hiddenFill>
+            </a:ext>
+            <a:ext uri="{91240B29-F687-4F45-9708-019B960494DF}">
+              <a14:hiddenLine xmlns:a14="http://schemas.microsoft.com/office/drawing/2010/main" w="9525">
+                <a:solidFill>
+                  <a:schemeClr val="tx1"/>
+                </a:solidFill>
+                <a:miter lim="800000"/>
+                <a:headEnd/>
+                <a:tailEnd/>
+              </a14:hiddenLine>
+            </a:ext>
+          </a:extLst>
         </p:spPr>
       </p:pic>
+      <p:cxnSp>
+        <p:nvCxnSpPr>
+          <p:cNvPr id="5" name="Rak 4"/>
+          <p:cNvCxnSpPr/>
+          <p:nvPr/>
+        </p:nvCxnSpPr>
+        <p:spPr bwMode="auto">
+          <a:xfrm flipH="1">
+            <a:off x="404224" y="3063906"/>
+            <a:ext cx="2168012" cy="2240534"/>
+          </a:xfrm>
+          <a:prstGeom prst="line">
+            <a:avLst/>
+          </a:prstGeom>
+          <a:solidFill>
+            <a:schemeClr val="accent1"/>
+          </a:solidFill>
+          <a:ln w="38100" cap="flat" cmpd="sng" algn="ctr">
+            <a:solidFill>
+              <a:schemeClr val="accent2">
+                <a:lumMod val="20000"/>
+                <a:lumOff val="80000"/>
+              </a:schemeClr>
+            </a:solidFill>
+            <a:prstDash val="solid"/>
+            <a:round/>
+            <a:headEnd type="none" w="med" len="med"/>
+            <a:tailEnd type="none" w="med" len="med"/>
+          </a:ln>
+          <a:effectLst/>
+        </p:spPr>
+      </p:cxnSp>
+      <p:cxnSp>
+        <p:nvCxnSpPr>
+          <p:cNvPr id="7" name="Rak 6"/>
+          <p:cNvCxnSpPr/>
+          <p:nvPr/>
+        </p:nvCxnSpPr>
+        <p:spPr bwMode="auto">
+          <a:xfrm>
+            <a:off x="232463" y="3380711"/>
+            <a:ext cx="2399087" cy="1157314"/>
+          </a:xfrm>
+          <a:prstGeom prst="line">
+            <a:avLst/>
+          </a:prstGeom>
+          <a:solidFill>
+            <a:schemeClr val="accent1"/>
+          </a:solidFill>
+          <a:ln w="38100" cap="flat" cmpd="sng" algn="ctr">
+            <a:solidFill>
+              <a:schemeClr val="accent2">
+                <a:lumMod val="20000"/>
+                <a:lumOff val="80000"/>
+              </a:schemeClr>
+            </a:solidFill>
+            <a:prstDash val="solid"/>
+            <a:round/>
+            <a:headEnd type="none" w="med" len="med"/>
+            <a:tailEnd type="none" w="med" len="med"/>
+          </a:ln>
+          <a:effectLst/>
+        </p:spPr>
+      </p:cxnSp>
       <p:sp>
         <p:nvSpPr>
           <p:cNvPr id="2" name="Rubrik 1"/>
@@ -5829,7 +6046,7 @@
           <p:nvPr/>
         </p:nvPicPr>
         <p:blipFill>
-          <a:blip r:embed="rId4">
+          <a:blip r:embed="rId3">
             <a:extLst>
               <a:ext uri="{28A0092B-C50C-407E-A947-70E740481C1C}">
                 <a14:useLocalDpi xmlns:a14="http://schemas.microsoft.com/office/drawing/2010/main" val="0"/>
@@ -5843,8 +6060,8 @@
         </p:blipFill>
         <p:spPr bwMode="auto">
           <a:xfrm>
-            <a:off x="1204450" y="2873095"/>
-            <a:ext cx="5272382" cy="2841905"/>
+            <a:off x="1261206" y="2728052"/>
+            <a:ext cx="9268528" cy="4995897"/>
           </a:xfrm>
           <a:prstGeom prst="rect">
             <a:avLst/>
@@ -5880,6 +6097,71 @@
                   </a:outerShdw>
                 </a:effectLst>
               </a14:hiddenEffects>
+            </a:ext>
+          </a:extLst>
+        </p:spPr>
+      </p:pic>
+      <p:pic>
+        <p:nvPicPr>
+          <p:cNvPr id="12" name="Picture 2"/>
+          <p:cNvPicPr>
+            <a:picLocks noChangeAspect="1" noChangeArrowheads="1"/>
+          </p:cNvPicPr>
+          <p:nvPr/>
+        </p:nvPicPr>
+        <p:blipFill>
+          <a:blip r:embed="rId4">
+            <a:duotone>
+              <a:schemeClr val="bg2">
+                <a:shade val="45000"/>
+                <a:satMod val="135000"/>
+              </a:schemeClr>
+              <a:prstClr val="white"/>
+            </a:duotone>
+            <a:extLst>
+              <a:ext uri="{28A0092B-C50C-407E-A947-70E740481C1C}">
+                <a14:useLocalDpi xmlns:a14="http://schemas.microsoft.com/office/drawing/2010/main" val="0"/>
+              </a:ext>
+            </a:extLst>
+          </a:blip>
+          <a:srcRect/>
+          <a:stretch>
+            <a:fillRect/>
+          </a:stretch>
+        </p:blipFill>
+        <p:spPr bwMode="auto">
+          <a:xfrm rot="20448478">
+            <a:off x="1432367" y="3222629"/>
+            <a:ext cx="7249524" cy="2765715"/>
+          </a:xfrm>
+          <a:prstGeom prst="rect">
+            <a:avLst/>
+          </a:prstGeom>
+          <a:noFill/>
+          <a:ln>
+            <a:noFill/>
+          </a:ln>
+          <a:scene3d>
+            <a:camera prst="perspectiveContrastingLeftFacing"/>
+            <a:lightRig rig="threePt" dir="t"/>
+          </a:scene3d>
+          <a:extLst>
+            <a:ext uri="{909E8E84-426E-40DD-AFC4-6F175D3DCCD1}">
+              <a14:hiddenFill xmlns:a14="http://schemas.microsoft.com/office/drawing/2010/main">
+                <a:solidFill>
+                  <a:schemeClr val="accent1"/>
+                </a:solidFill>
+              </a14:hiddenFill>
+            </a:ext>
+            <a:ext uri="{91240B29-F687-4F45-9708-019B960494DF}">
+              <a14:hiddenLine xmlns:a14="http://schemas.microsoft.com/office/drawing/2010/main" w="9525">
+                <a:solidFill>
+                  <a:schemeClr val="tx1"/>
+                </a:solidFill>
+                <a:miter lim="800000"/>
+                <a:headEnd/>
+                <a:tailEnd/>
+              </a14:hiddenLine>
             </a:ext>
           </a:extLst>
         </p:spPr>
@@ -5921,29 +6203,6 @@
       </p:grpSpPr>
       <p:sp>
         <p:nvSpPr>
-          <p:cNvPr id="2" name="Rubrik 1"/>
-          <p:cNvSpPr>
-            <a:spLocks noGrp="1"/>
-          </p:cNvSpPr>
-          <p:nvPr>
-            <p:ph type="title"/>
-          </p:nvPr>
-        </p:nvSpPr>
-        <p:spPr/>
-        <p:txBody>
-          <a:bodyPr/>
-          <a:lstStyle/>
-          <a:p>
-            <a:r>
-              <a:rPr lang="sv-SE" dirty="0" smtClean="0"/>
-              <a:t>En controllermetod – olika typer av förfrågningar</a:t>
-            </a:r>
-            <a:endParaRPr lang="sv-SE" dirty="0"/>
-          </a:p>
-        </p:txBody>
-      </p:sp>
-      <p:sp>
-        <p:nvSpPr>
           <p:cNvPr id="3" name="Platshållare för innehåll 2"/>
           <p:cNvSpPr>
             <a:spLocks noGrp="1"/>
@@ -6002,7 +6261,49 @@
             <a:pPr lvl="1"/>
             <a:r>
               <a:rPr lang="sv-SE" dirty="0" smtClean="0"/>
-              <a:t>Är det en ”vanlig” förfrågan returneras en vy som vanligt.</a:t>
+              <a:t>Är det en ”vanlig” förfrågan returneras en vy som vanligt</a:t>
+            </a:r>
+            <a:r>
+              <a:rPr lang="sv-SE" dirty="0" smtClean="0"/>
+              <a:t>. Observera att det inte går att skicka med modellen på vanligt sätt i detta fall på grund av den modellens typ är av typen </a:t>
+            </a:r>
+            <a:r>
+              <a:rPr lang="sv-SE" sz="1400" dirty="0">
+                <a:latin typeface="Consolas" pitchFamily="49" charset="0"/>
+                <a:cs typeface="Consolas" pitchFamily="49" charset="0"/>
+              </a:rPr>
+              <a:t>String</a:t>
+            </a:r>
+            <a:r>
+              <a:rPr lang="sv-SE" dirty="0" smtClean="0"/>
+              <a:t>, vilket medför att </a:t>
+            </a:r>
+            <a:r>
+              <a:rPr lang="sv-SE" dirty="0" err="1" smtClean="0"/>
+              <a:t>modelldatat</a:t>
+            </a:r>
+            <a:r>
+              <a:rPr lang="sv-SE" dirty="0" smtClean="0"/>
+              <a:t> tolkas som en ”</a:t>
+            </a:r>
+            <a:r>
+              <a:rPr lang="sv-SE" i="1" dirty="0" smtClean="0"/>
+              <a:t>page layout</a:t>
+            </a:r>
+            <a:r>
+              <a:rPr lang="sv-SE" dirty="0" smtClean="0"/>
+              <a:t>”. Egenskapen </a:t>
+            </a:r>
+            <a:r>
+              <a:rPr lang="sv-SE" sz="1400" dirty="0" err="1">
+                <a:latin typeface="Consolas" pitchFamily="49" charset="0"/>
+                <a:cs typeface="Consolas" pitchFamily="49" charset="0"/>
+              </a:rPr>
+              <a:t>ViewData.Model</a:t>
+            </a:r>
+            <a:r>
+              <a:rPr lang="sv-SE" dirty="0" smtClean="0"/>
+              <a:t> får istället användas.</a:t>
             </a:r>
             <a:endParaRPr lang="sv-SE" dirty="0"/>
           </a:p>
@@ -6010,7 +6311,7 @@
       </p:sp>
       <p:pic>
         <p:nvPicPr>
-          <p:cNvPr id="6146" name="Picture 2"/>
+          <p:cNvPr id="4099" name="Picture 3"/>
           <p:cNvPicPr>
             <a:picLocks noChangeAspect="1" noChangeArrowheads="1"/>
           </p:cNvPicPr>
@@ -6031,7 +6332,7 @@
         </p:blipFill>
         <p:spPr bwMode="auto">
           <a:xfrm>
-            <a:off x="2291736" y="2917927"/>
+            <a:off x="2179767" y="3347111"/>
             <a:ext cx="4162425" cy="2171700"/>
           </a:xfrm>
           <a:prstGeom prst="rect">
@@ -6069,9 +6370,50 @@
               <a:srgbClr val="969696"/>
             </a:contourClr>
           </a:sp3d>
-          <a:extLst/>
+          <a:extLst>
+            <a:ext uri="{909E8E84-426E-40DD-AFC4-6F175D3DCCD1}">
+              <a14:hiddenFill xmlns:a14="http://schemas.microsoft.com/office/drawing/2010/main">
+                <a:solidFill>
+                  <a:schemeClr val="accent1"/>
+                </a:solidFill>
+              </a14:hiddenFill>
+            </a:ext>
+            <a:ext uri="{91240B29-F687-4F45-9708-019B960494DF}">
+              <a14:hiddenLine xmlns:a14="http://schemas.microsoft.com/office/drawing/2010/main" w="9525">
+                <a:solidFill>
+                  <a:schemeClr val="tx1"/>
+                </a:solidFill>
+                <a:miter lim="800000"/>
+                <a:headEnd/>
+                <a:tailEnd/>
+              </a14:hiddenLine>
+            </a:ext>
+          </a:extLst>
         </p:spPr>
       </p:pic>
+      <p:sp>
+        <p:nvSpPr>
+          <p:cNvPr id="2" name="Rubrik 1"/>
+          <p:cNvSpPr>
+            <a:spLocks noGrp="1"/>
+          </p:cNvSpPr>
+          <p:nvPr>
+            <p:ph type="title"/>
+          </p:nvPr>
+        </p:nvSpPr>
+        <p:spPr/>
+        <p:txBody>
+          <a:bodyPr/>
+          <a:lstStyle/>
+          <a:p>
+            <a:r>
+              <a:rPr lang="sv-SE" dirty="0" smtClean="0"/>
+              <a:t>En controllermetod – olika typer av förfrågningar</a:t>
+            </a:r>
+            <a:endParaRPr lang="sv-SE" dirty="0"/>
+          </a:p>
+        </p:txBody>
+      </p:sp>
     </p:spTree>
   </p:cSld>
   <p:clrMapOvr>
@@ -6091,7 +6433,7 @@
 </file>
 
 <file path=ppt/theme/theme1.xml><?xml version="1.0" encoding="utf-8"?>
-<a:theme xmlns:a="http://schemas.openxmlformats.org/drawingml/2006/main" name="1dv409 - ASP.NET MVC - 16x10">
+<a:theme xmlns:a="http://schemas.openxmlformats.org/drawingml/2006/main" name="lnu-gray">
   <a:themeElements>
     <a:clrScheme name="Office">
       <a:dk1>

--- a/Presentationsmaterial/Dokument/1.7 Unobtrusive Ajax.pptx
+++ b/Presentationsmaterial/Dokument/1.7 Unobtrusive Ajax.pptx
@@ -5,19 +5,23 @@
     <p:sldMasterId id="2147483773" r:id="rId1"/>
   </p:sldMasterIdLst>
   <p:notesMasterIdLst>
-    <p:notesMasterId r:id="rId12"/>
+    <p:notesMasterId r:id="rId16"/>
   </p:notesMasterIdLst>
   <p:sldIdLst>
     <p:sldId id="256" r:id="rId2"/>
-    <p:sldId id="257" r:id="rId3"/>
-    <p:sldId id="258" r:id="rId4"/>
-    <p:sldId id="259" r:id="rId5"/>
-    <p:sldId id="260" r:id="rId6"/>
-    <p:sldId id="261" r:id="rId7"/>
-    <p:sldId id="262" r:id="rId8"/>
-    <p:sldId id="263" r:id="rId9"/>
-    <p:sldId id="264" r:id="rId10"/>
-    <p:sldId id="266" r:id="rId11"/>
+    <p:sldId id="271" r:id="rId3"/>
+    <p:sldId id="257" r:id="rId4"/>
+    <p:sldId id="258" r:id="rId5"/>
+    <p:sldId id="259" r:id="rId6"/>
+    <p:sldId id="260" r:id="rId7"/>
+    <p:sldId id="261" r:id="rId8"/>
+    <p:sldId id="262" r:id="rId9"/>
+    <p:sldId id="263" r:id="rId10"/>
+    <p:sldId id="264" r:id="rId11"/>
+    <p:sldId id="266" r:id="rId12"/>
+    <p:sldId id="267" r:id="rId13"/>
+    <p:sldId id="269" r:id="rId14"/>
+    <p:sldId id="270" r:id="rId15"/>
   </p:sldIdLst>
   <p:sldSz cx="9144000" cy="5715000" type="screen16x10"/>
   <p:notesSz cx="6858000" cy="9144000"/>
@@ -232,7 +236,7 @@
             <a:fld id="{0B3BAAB0-D539-4A20-AE97-450346457396}" type="datetimeFigureOut">
               <a:rPr lang="sv-SE" smtClean="0"/>
               <a:pPr/>
-              <a:t>2013-11-23</a:t>
+              <a:t>2013-11-24</a:t>
             </a:fld>
             <a:endParaRPr lang="sv-SE" dirty="0"/>
           </a:p>
@@ -547,7 +551,857 @@
           <a:bodyPr/>
           <a:lstStyle/>
           <a:p>
+            <a:endParaRPr lang="sv-SE"/>
+          </a:p>
+        </p:txBody>
+      </p:sp>
+      <p:sp>
+        <p:nvSpPr>
+          <p:cNvPr id="4" name="Platshållare för bildnummer 3"/>
+          <p:cNvSpPr>
+            <a:spLocks noGrp="1"/>
+          </p:cNvSpPr>
+          <p:nvPr>
+            <p:ph type="sldNum" sz="quarter" idx="10"/>
+          </p:nvPr>
+        </p:nvSpPr>
+        <p:spPr/>
+        <p:txBody>
+          <a:bodyPr/>
+          <a:lstStyle/>
+          <a:p>
+            <a:fld id="{4A768DEE-9E78-4909-9AEA-CE989E8CF6FD}" type="slidenum">
+              <a:rPr lang="sv-SE" smtClean="0"/>
+              <a:pPr/>
+              <a:t>1</a:t>
+            </a:fld>
             <a:endParaRPr lang="sv-SE" dirty="0"/>
+          </a:p>
+        </p:txBody>
+      </p:sp>
+    </p:spTree>
+    <p:extLst>
+      <p:ext uri="{BB962C8B-B14F-4D97-AF65-F5344CB8AC3E}">
+        <p14:creationId xmlns:p14="http://schemas.microsoft.com/office/powerpoint/2010/main" val="3795491068"/>
+      </p:ext>
+    </p:extLst>
+  </p:cSld>
+  <p:clrMapOvr>
+    <a:masterClrMapping/>
+  </p:clrMapOvr>
+</p:notes>
+</file>
+
+<file path=ppt/notesSlides/notesSlide10.xml><?xml version="1.0" encoding="utf-8"?>
+<p:notes xmlns:a="http://schemas.openxmlformats.org/drawingml/2006/main" xmlns:r="http://schemas.openxmlformats.org/officeDocument/2006/relationships" xmlns:p="http://schemas.openxmlformats.org/presentationml/2006/main">
+  <p:cSld>
+    <p:spTree>
+      <p:nvGrpSpPr>
+        <p:cNvPr id="1" name=""/>
+        <p:cNvGrpSpPr/>
+        <p:nvPr/>
+      </p:nvGrpSpPr>
+      <p:grpSpPr>
+        <a:xfrm>
+          <a:off x="0" y="0"/>
+          <a:ext cx="0" cy="0"/>
+          <a:chOff x="0" y="0"/>
+          <a:chExt cx="0" cy="0"/>
+        </a:xfrm>
+      </p:grpSpPr>
+      <p:sp>
+        <p:nvSpPr>
+          <p:cNvPr id="2" name="Platshållare för bildobjekt 1"/>
+          <p:cNvSpPr>
+            <a:spLocks noGrp="1" noRot="1" noChangeAspect="1"/>
+          </p:cNvSpPr>
+          <p:nvPr>
+            <p:ph type="sldImg"/>
+          </p:nvPr>
+        </p:nvSpPr>
+        <p:spPr/>
+      </p:sp>
+      <p:sp>
+        <p:nvSpPr>
+          <p:cNvPr id="3" name="Platshållare för anteckningar 2"/>
+          <p:cNvSpPr>
+            <a:spLocks noGrp="1"/>
+          </p:cNvSpPr>
+          <p:nvPr>
+            <p:ph type="body" idx="1"/>
+          </p:nvPr>
+        </p:nvSpPr>
+        <p:spPr/>
+        <p:txBody>
+          <a:bodyPr/>
+          <a:lstStyle/>
+          <a:p>
+            <a:endParaRPr lang="sv-SE"/>
+          </a:p>
+        </p:txBody>
+      </p:sp>
+      <p:sp>
+        <p:nvSpPr>
+          <p:cNvPr id="4" name="Platshållare för bildnummer 3"/>
+          <p:cNvSpPr>
+            <a:spLocks noGrp="1"/>
+          </p:cNvSpPr>
+          <p:nvPr>
+            <p:ph type="sldNum" sz="quarter" idx="10"/>
+          </p:nvPr>
+        </p:nvSpPr>
+        <p:spPr/>
+        <p:txBody>
+          <a:bodyPr/>
+          <a:lstStyle/>
+          <a:p>
+            <a:fld id="{4A768DEE-9E78-4909-9AEA-CE989E8CF6FD}" type="slidenum">
+              <a:rPr lang="sv-SE" smtClean="0"/>
+              <a:pPr/>
+              <a:t>10</a:t>
+            </a:fld>
+            <a:endParaRPr lang="sv-SE" dirty="0"/>
+          </a:p>
+        </p:txBody>
+      </p:sp>
+    </p:spTree>
+    <p:extLst>
+      <p:ext uri="{BB962C8B-B14F-4D97-AF65-F5344CB8AC3E}">
+        <p14:creationId xmlns:p14="http://schemas.microsoft.com/office/powerpoint/2010/main" val="822777253"/>
+      </p:ext>
+    </p:extLst>
+  </p:cSld>
+  <p:clrMapOvr>
+    <a:masterClrMapping/>
+  </p:clrMapOvr>
+</p:notes>
+</file>
+
+<file path=ppt/notesSlides/notesSlide11.xml><?xml version="1.0" encoding="utf-8"?>
+<p:notes xmlns:a="http://schemas.openxmlformats.org/drawingml/2006/main" xmlns:r="http://schemas.openxmlformats.org/officeDocument/2006/relationships" xmlns:p="http://schemas.openxmlformats.org/presentationml/2006/main">
+  <p:cSld>
+    <p:spTree>
+      <p:nvGrpSpPr>
+        <p:cNvPr id="1" name=""/>
+        <p:cNvGrpSpPr/>
+        <p:nvPr/>
+      </p:nvGrpSpPr>
+      <p:grpSpPr>
+        <a:xfrm>
+          <a:off x="0" y="0"/>
+          <a:ext cx="0" cy="0"/>
+          <a:chOff x="0" y="0"/>
+          <a:chExt cx="0" cy="0"/>
+        </a:xfrm>
+      </p:grpSpPr>
+      <p:sp>
+        <p:nvSpPr>
+          <p:cNvPr id="2" name="Platshållare för bildobjekt 1"/>
+          <p:cNvSpPr>
+            <a:spLocks noGrp="1" noRot="1" noChangeAspect="1"/>
+          </p:cNvSpPr>
+          <p:nvPr>
+            <p:ph type="sldImg"/>
+          </p:nvPr>
+        </p:nvSpPr>
+        <p:spPr/>
+      </p:sp>
+      <p:sp>
+        <p:nvSpPr>
+          <p:cNvPr id="3" name="Platshållare för anteckningar 2"/>
+          <p:cNvSpPr>
+            <a:spLocks noGrp="1"/>
+          </p:cNvSpPr>
+          <p:nvPr>
+            <p:ph type="body" idx="1"/>
+          </p:nvPr>
+        </p:nvSpPr>
+        <p:spPr/>
+        <p:txBody>
+          <a:bodyPr/>
+          <a:lstStyle/>
+          <a:p>
+            <a:endParaRPr lang="sv-SE"/>
+          </a:p>
+        </p:txBody>
+      </p:sp>
+      <p:sp>
+        <p:nvSpPr>
+          <p:cNvPr id="4" name="Platshållare för bildnummer 3"/>
+          <p:cNvSpPr>
+            <a:spLocks noGrp="1"/>
+          </p:cNvSpPr>
+          <p:nvPr>
+            <p:ph type="sldNum" sz="quarter" idx="10"/>
+          </p:nvPr>
+        </p:nvSpPr>
+        <p:spPr/>
+        <p:txBody>
+          <a:bodyPr/>
+          <a:lstStyle/>
+          <a:p>
+            <a:fld id="{4A768DEE-9E78-4909-9AEA-CE989E8CF6FD}" type="slidenum">
+              <a:rPr lang="sv-SE" smtClean="0"/>
+              <a:pPr/>
+              <a:t>11</a:t>
+            </a:fld>
+            <a:endParaRPr lang="sv-SE" dirty="0"/>
+          </a:p>
+        </p:txBody>
+      </p:sp>
+    </p:spTree>
+    <p:extLst>
+      <p:ext uri="{BB962C8B-B14F-4D97-AF65-F5344CB8AC3E}">
+        <p14:creationId xmlns:p14="http://schemas.microsoft.com/office/powerpoint/2010/main" val="2547597869"/>
+      </p:ext>
+    </p:extLst>
+  </p:cSld>
+  <p:clrMapOvr>
+    <a:masterClrMapping/>
+  </p:clrMapOvr>
+</p:notes>
+</file>
+
+<file path=ppt/notesSlides/notesSlide12.xml><?xml version="1.0" encoding="utf-8"?>
+<p:notes xmlns:a="http://schemas.openxmlformats.org/drawingml/2006/main" xmlns:r="http://schemas.openxmlformats.org/officeDocument/2006/relationships" xmlns:p="http://schemas.openxmlformats.org/presentationml/2006/main">
+  <p:cSld>
+    <p:spTree>
+      <p:nvGrpSpPr>
+        <p:cNvPr id="1" name=""/>
+        <p:cNvGrpSpPr/>
+        <p:nvPr/>
+      </p:nvGrpSpPr>
+      <p:grpSpPr>
+        <a:xfrm>
+          <a:off x="0" y="0"/>
+          <a:ext cx="0" cy="0"/>
+          <a:chOff x="0" y="0"/>
+          <a:chExt cx="0" cy="0"/>
+        </a:xfrm>
+      </p:grpSpPr>
+      <p:sp>
+        <p:nvSpPr>
+          <p:cNvPr id="2" name="Platshållare för bildobjekt 1"/>
+          <p:cNvSpPr>
+            <a:spLocks noGrp="1" noRot="1" noChangeAspect="1"/>
+          </p:cNvSpPr>
+          <p:nvPr>
+            <p:ph type="sldImg"/>
+          </p:nvPr>
+        </p:nvSpPr>
+        <p:spPr/>
+      </p:sp>
+      <p:sp>
+        <p:nvSpPr>
+          <p:cNvPr id="3" name="Platshållare för anteckningar 2"/>
+          <p:cNvSpPr>
+            <a:spLocks noGrp="1"/>
+          </p:cNvSpPr>
+          <p:nvPr>
+            <p:ph type="body" idx="1"/>
+          </p:nvPr>
+        </p:nvSpPr>
+        <p:spPr/>
+        <p:txBody>
+          <a:bodyPr/>
+          <a:lstStyle/>
+          <a:p>
+            <a:endParaRPr lang="sv-SE"/>
+          </a:p>
+        </p:txBody>
+      </p:sp>
+      <p:sp>
+        <p:nvSpPr>
+          <p:cNvPr id="4" name="Platshållare för bildnummer 3"/>
+          <p:cNvSpPr>
+            <a:spLocks noGrp="1"/>
+          </p:cNvSpPr>
+          <p:nvPr>
+            <p:ph type="sldNum" sz="quarter" idx="10"/>
+          </p:nvPr>
+        </p:nvSpPr>
+        <p:spPr/>
+        <p:txBody>
+          <a:bodyPr/>
+          <a:lstStyle/>
+          <a:p>
+            <a:fld id="{4A768DEE-9E78-4909-9AEA-CE989E8CF6FD}" type="slidenum">
+              <a:rPr lang="sv-SE" smtClean="0"/>
+              <a:pPr/>
+              <a:t>12</a:t>
+            </a:fld>
+            <a:endParaRPr lang="sv-SE" dirty="0"/>
+          </a:p>
+        </p:txBody>
+      </p:sp>
+    </p:spTree>
+    <p:extLst>
+      <p:ext uri="{BB962C8B-B14F-4D97-AF65-F5344CB8AC3E}">
+        <p14:creationId xmlns:p14="http://schemas.microsoft.com/office/powerpoint/2010/main" val="3640821167"/>
+      </p:ext>
+    </p:extLst>
+  </p:cSld>
+  <p:clrMapOvr>
+    <a:masterClrMapping/>
+  </p:clrMapOvr>
+</p:notes>
+</file>
+
+<file path=ppt/notesSlides/notesSlide13.xml><?xml version="1.0" encoding="utf-8"?>
+<p:notes xmlns:a="http://schemas.openxmlformats.org/drawingml/2006/main" xmlns:r="http://schemas.openxmlformats.org/officeDocument/2006/relationships" xmlns:p="http://schemas.openxmlformats.org/presentationml/2006/main">
+  <p:cSld>
+    <p:spTree>
+      <p:nvGrpSpPr>
+        <p:cNvPr id="1" name=""/>
+        <p:cNvGrpSpPr/>
+        <p:nvPr/>
+      </p:nvGrpSpPr>
+      <p:grpSpPr>
+        <a:xfrm>
+          <a:off x="0" y="0"/>
+          <a:ext cx="0" cy="0"/>
+          <a:chOff x="0" y="0"/>
+          <a:chExt cx="0" cy="0"/>
+        </a:xfrm>
+      </p:grpSpPr>
+      <p:sp>
+        <p:nvSpPr>
+          <p:cNvPr id="2" name="Platshållare för bildobjekt 1"/>
+          <p:cNvSpPr>
+            <a:spLocks noGrp="1" noRot="1" noChangeAspect="1"/>
+          </p:cNvSpPr>
+          <p:nvPr>
+            <p:ph type="sldImg"/>
+          </p:nvPr>
+        </p:nvSpPr>
+        <p:spPr/>
+      </p:sp>
+      <p:sp>
+        <p:nvSpPr>
+          <p:cNvPr id="3" name="Platshållare för anteckningar 2"/>
+          <p:cNvSpPr>
+            <a:spLocks noGrp="1"/>
+          </p:cNvSpPr>
+          <p:nvPr>
+            <p:ph type="body" idx="1"/>
+          </p:nvPr>
+        </p:nvSpPr>
+        <p:spPr/>
+        <p:txBody>
+          <a:bodyPr/>
+          <a:lstStyle/>
+          <a:p>
+            <a:endParaRPr lang="sv-SE"/>
+          </a:p>
+        </p:txBody>
+      </p:sp>
+      <p:sp>
+        <p:nvSpPr>
+          <p:cNvPr id="4" name="Platshållare för bildnummer 3"/>
+          <p:cNvSpPr>
+            <a:spLocks noGrp="1"/>
+          </p:cNvSpPr>
+          <p:nvPr>
+            <p:ph type="sldNum" sz="quarter" idx="10"/>
+          </p:nvPr>
+        </p:nvSpPr>
+        <p:spPr/>
+        <p:txBody>
+          <a:bodyPr/>
+          <a:lstStyle/>
+          <a:p>
+            <a:fld id="{4A768DEE-9E78-4909-9AEA-CE989E8CF6FD}" type="slidenum">
+              <a:rPr lang="sv-SE" smtClean="0"/>
+              <a:pPr/>
+              <a:t>13</a:t>
+            </a:fld>
+            <a:endParaRPr lang="sv-SE" dirty="0"/>
+          </a:p>
+        </p:txBody>
+      </p:sp>
+    </p:spTree>
+    <p:extLst>
+      <p:ext uri="{BB962C8B-B14F-4D97-AF65-F5344CB8AC3E}">
+        <p14:creationId xmlns:p14="http://schemas.microsoft.com/office/powerpoint/2010/main" val="1177741933"/>
+      </p:ext>
+    </p:extLst>
+  </p:cSld>
+  <p:clrMapOvr>
+    <a:masterClrMapping/>
+  </p:clrMapOvr>
+</p:notes>
+</file>
+
+<file path=ppt/notesSlides/notesSlide14.xml><?xml version="1.0" encoding="utf-8"?>
+<p:notes xmlns:a="http://schemas.openxmlformats.org/drawingml/2006/main" xmlns:r="http://schemas.openxmlformats.org/officeDocument/2006/relationships" xmlns:p="http://schemas.openxmlformats.org/presentationml/2006/main">
+  <p:cSld>
+    <p:spTree>
+      <p:nvGrpSpPr>
+        <p:cNvPr id="1" name=""/>
+        <p:cNvGrpSpPr/>
+        <p:nvPr/>
+      </p:nvGrpSpPr>
+      <p:grpSpPr>
+        <a:xfrm>
+          <a:off x="0" y="0"/>
+          <a:ext cx="0" cy="0"/>
+          <a:chOff x="0" y="0"/>
+          <a:chExt cx="0" cy="0"/>
+        </a:xfrm>
+      </p:grpSpPr>
+      <p:sp>
+        <p:nvSpPr>
+          <p:cNvPr id="2" name="Platshållare för bildobjekt 1"/>
+          <p:cNvSpPr>
+            <a:spLocks noGrp="1" noRot="1" noChangeAspect="1"/>
+          </p:cNvSpPr>
+          <p:nvPr>
+            <p:ph type="sldImg"/>
+          </p:nvPr>
+        </p:nvSpPr>
+        <p:spPr/>
+      </p:sp>
+      <p:sp>
+        <p:nvSpPr>
+          <p:cNvPr id="3" name="Platshållare för anteckningar 2"/>
+          <p:cNvSpPr>
+            <a:spLocks noGrp="1"/>
+          </p:cNvSpPr>
+          <p:nvPr>
+            <p:ph type="body" idx="1"/>
+          </p:nvPr>
+        </p:nvSpPr>
+        <p:spPr/>
+        <p:txBody>
+          <a:bodyPr/>
+          <a:lstStyle/>
+          <a:p>
+            <a:endParaRPr lang="sv-SE"/>
+          </a:p>
+        </p:txBody>
+      </p:sp>
+      <p:sp>
+        <p:nvSpPr>
+          <p:cNvPr id="4" name="Platshållare för bildnummer 3"/>
+          <p:cNvSpPr>
+            <a:spLocks noGrp="1"/>
+          </p:cNvSpPr>
+          <p:nvPr>
+            <p:ph type="sldNum" sz="quarter" idx="10"/>
+          </p:nvPr>
+        </p:nvSpPr>
+        <p:spPr/>
+        <p:txBody>
+          <a:bodyPr/>
+          <a:lstStyle/>
+          <a:p>
+            <a:fld id="{4A768DEE-9E78-4909-9AEA-CE989E8CF6FD}" type="slidenum">
+              <a:rPr lang="sv-SE" smtClean="0"/>
+              <a:pPr/>
+              <a:t>14</a:t>
+            </a:fld>
+            <a:endParaRPr lang="sv-SE" dirty="0"/>
+          </a:p>
+        </p:txBody>
+      </p:sp>
+    </p:spTree>
+    <p:extLst>
+      <p:ext uri="{BB962C8B-B14F-4D97-AF65-F5344CB8AC3E}">
+        <p14:creationId xmlns:p14="http://schemas.microsoft.com/office/powerpoint/2010/main" val="1277584925"/>
+      </p:ext>
+    </p:extLst>
+  </p:cSld>
+  <p:clrMapOvr>
+    <a:masterClrMapping/>
+  </p:clrMapOvr>
+</p:notes>
+</file>
+
+<file path=ppt/notesSlides/notesSlide2.xml><?xml version="1.0" encoding="utf-8"?>
+<p:notes xmlns:a="http://schemas.openxmlformats.org/drawingml/2006/main" xmlns:r="http://schemas.openxmlformats.org/officeDocument/2006/relationships" xmlns:p="http://schemas.openxmlformats.org/presentationml/2006/main">
+  <p:cSld>
+    <p:spTree>
+      <p:nvGrpSpPr>
+        <p:cNvPr id="1" name=""/>
+        <p:cNvGrpSpPr/>
+        <p:nvPr/>
+      </p:nvGrpSpPr>
+      <p:grpSpPr>
+        <a:xfrm>
+          <a:off x="0" y="0"/>
+          <a:ext cx="0" cy="0"/>
+          <a:chOff x="0" y="0"/>
+          <a:chExt cx="0" cy="0"/>
+        </a:xfrm>
+      </p:grpSpPr>
+      <p:sp>
+        <p:nvSpPr>
+          <p:cNvPr id="2" name="Platshållare för bildobjekt 1"/>
+          <p:cNvSpPr>
+            <a:spLocks noGrp="1" noRot="1" noChangeAspect="1"/>
+          </p:cNvSpPr>
+          <p:nvPr>
+            <p:ph type="sldImg"/>
+          </p:nvPr>
+        </p:nvSpPr>
+        <p:spPr/>
+      </p:sp>
+      <p:sp>
+        <p:nvSpPr>
+          <p:cNvPr id="3" name="Platshållare för anteckningar 2"/>
+          <p:cNvSpPr>
+            <a:spLocks noGrp="1"/>
+          </p:cNvSpPr>
+          <p:nvPr>
+            <p:ph type="body" idx="1"/>
+          </p:nvPr>
+        </p:nvSpPr>
+        <p:spPr/>
+        <p:txBody>
+          <a:bodyPr/>
+          <a:lstStyle/>
+          <a:p>
+            <a:endParaRPr lang="sv-SE"/>
+          </a:p>
+        </p:txBody>
+      </p:sp>
+      <p:sp>
+        <p:nvSpPr>
+          <p:cNvPr id="4" name="Platshållare för bildnummer 3"/>
+          <p:cNvSpPr>
+            <a:spLocks noGrp="1"/>
+          </p:cNvSpPr>
+          <p:nvPr>
+            <p:ph type="sldNum" sz="quarter" idx="10"/>
+          </p:nvPr>
+        </p:nvSpPr>
+        <p:spPr/>
+        <p:txBody>
+          <a:bodyPr/>
+          <a:lstStyle/>
+          <a:p>
+            <a:fld id="{3C8D67EE-7982-4113-A2C5-528CD89F9574}" type="slidenum">
+              <a:rPr lang="sv-SE" smtClean="0"/>
+              <a:pPr/>
+              <a:t>2</a:t>
+            </a:fld>
+            <a:endParaRPr lang="sv-SE"/>
+          </a:p>
+        </p:txBody>
+      </p:sp>
+    </p:spTree>
+    <p:extLst>
+      <p:ext uri="{BB962C8B-B14F-4D97-AF65-F5344CB8AC3E}">
+        <p14:creationId xmlns:p14="http://schemas.microsoft.com/office/powerpoint/2010/main" val="1427239921"/>
+      </p:ext>
+    </p:extLst>
+  </p:cSld>
+  <p:clrMapOvr>
+    <a:masterClrMapping/>
+  </p:clrMapOvr>
+</p:notes>
+</file>
+
+<file path=ppt/notesSlides/notesSlide3.xml><?xml version="1.0" encoding="utf-8"?>
+<p:notes xmlns:a="http://schemas.openxmlformats.org/drawingml/2006/main" xmlns:r="http://schemas.openxmlformats.org/officeDocument/2006/relationships" xmlns:p="http://schemas.openxmlformats.org/presentationml/2006/main">
+  <p:cSld>
+    <p:spTree>
+      <p:nvGrpSpPr>
+        <p:cNvPr id="1" name=""/>
+        <p:cNvGrpSpPr/>
+        <p:nvPr/>
+      </p:nvGrpSpPr>
+      <p:grpSpPr>
+        <a:xfrm>
+          <a:off x="0" y="0"/>
+          <a:ext cx="0" cy="0"/>
+          <a:chOff x="0" y="0"/>
+          <a:chExt cx="0" cy="0"/>
+        </a:xfrm>
+      </p:grpSpPr>
+      <p:sp>
+        <p:nvSpPr>
+          <p:cNvPr id="2" name="Platshållare för bildobjekt 1"/>
+          <p:cNvSpPr>
+            <a:spLocks noGrp="1" noRot="1" noChangeAspect="1"/>
+          </p:cNvSpPr>
+          <p:nvPr>
+            <p:ph type="sldImg"/>
+          </p:nvPr>
+        </p:nvSpPr>
+        <p:spPr/>
+      </p:sp>
+      <p:sp>
+        <p:nvSpPr>
+          <p:cNvPr id="3" name="Platshållare för anteckningar 2"/>
+          <p:cNvSpPr>
+            <a:spLocks noGrp="1"/>
+          </p:cNvSpPr>
+          <p:nvPr>
+            <p:ph type="body" idx="1"/>
+          </p:nvPr>
+        </p:nvSpPr>
+        <p:spPr/>
+        <p:txBody>
+          <a:bodyPr/>
+          <a:lstStyle/>
+          <a:p>
+            <a:endParaRPr lang="sv-SE"/>
+          </a:p>
+        </p:txBody>
+      </p:sp>
+      <p:sp>
+        <p:nvSpPr>
+          <p:cNvPr id="4" name="Platshållare för bildnummer 3"/>
+          <p:cNvSpPr>
+            <a:spLocks noGrp="1"/>
+          </p:cNvSpPr>
+          <p:nvPr>
+            <p:ph type="sldNum" sz="quarter" idx="10"/>
+          </p:nvPr>
+        </p:nvSpPr>
+        <p:spPr/>
+        <p:txBody>
+          <a:bodyPr/>
+          <a:lstStyle/>
+          <a:p>
+            <a:fld id="{4A768DEE-9E78-4909-9AEA-CE989E8CF6FD}" type="slidenum">
+              <a:rPr lang="sv-SE" smtClean="0"/>
+              <a:pPr/>
+              <a:t>3</a:t>
+            </a:fld>
+            <a:endParaRPr lang="sv-SE" dirty="0"/>
+          </a:p>
+        </p:txBody>
+      </p:sp>
+    </p:spTree>
+    <p:extLst>
+      <p:ext uri="{BB962C8B-B14F-4D97-AF65-F5344CB8AC3E}">
+        <p14:creationId xmlns:p14="http://schemas.microsoft.com/office/powerpoint/2010/main" val="2484059644"/>
+      </p:ext>
+    </p:extLst>
+  </p:cSld>
+  <p:clrMapOvr>
+    <a:masterClrMapping/>
+  </p:clrMapOvr>
+</p:notes>
+</file>
+
+<file path=ppt/notesSlides/notesSlide4.xml><?xml version="1.0" encoding="utf-8"?>
+<p:notes xmlns:a="http://schemas.openxmlformats.org/drawingml/2006/main" xmlns:r="http://schemas.openxmlformats.org/officeDocument/2006/relationships" xmlns:p="http://schemas.openxmlformats.org/presentationml/2006/main">
+  <p:cSld>
+    <p:spTree>
+      <p:nvGrpSpPr>
+        <p:cNvPr id="1" name=""/>
+        <p:cNvGrpSpPr/>
+        <p:nvPr/>
+      </p:nvGrpSpPr>
+      <p:grpSpPr>
+        <a:xfrm>
+          <a:off x="0" y="0"/>
+          <a:ext cx="0" cy="0"/>
+          <a:chOff x="0" y="0"/>
+          <a:chExt cx="0" cy="0"/>
+        </a:xfrm>
+      </p:grpSpPr>
+      <p:sp>
+        <p:nvSpPr>
+          <p:cNvPr id="2" name="Platshållare för bildobjekt 1"/>
+          <p:cNvSpPr>
+            <a:spLocks noGrp="1" noRot="1" noChangeAspect="1"/>
+          </p:cNvSpPr>
+          <p:nvPr>
+            <p:ph type="sldImg"/>
+          </p:nvPr>
+        </p:nvSpPr>
+        <p:spPr/>
+      </p:sp>
+      <p:sp>
+        <p:nvSpPr>
+          <p:cNvPr id="3" name="Platshållare för anteckningar 2"/>
+          <p:cNvSpPr>
+            <a:spLocks noGrp="1"/>
+          </p:cNvSpPr>
+          <p:nvPr>
+            <p:ph type="body" idx="1"/>
+          </p:nvPr>
+        </p:nvSpPr>
+        <p:spPr/>
+        <p:txBody>
+          <a:bodyPr/>
+          <a:lstStyle/>
+          <a:p>
+            <a:endParaRPr lang="sv-SE"/>
+          </a:p>
+        </p:txBody>
+      </p:sp>
+      <p:sp>
+        <p:nvSpPr>
+          <p:cNvPr id="4" name="Platshållare för bildnummer 3"/>
+          <p:cNvSpPr>
+            <a:spLocks noGrp="1"/>
+          </p:cNvSpPr>
+          <p:nvPr>
+            <p:ph type="sldNum" sz="quarter" idx="10"/>
+          </p:nvPr>
+        </p:nvSpPr>
+        <p:spPr/>
+        <p:txBody>
+          <a:bodyPr/>
+          <a:lstStyle/>
+          <a:p>
+            <a:fld id="{4A768DEE-9E78-4909-9AEA-CE989E8CF6FD}" type="slidenum">
+              <a:rPr lang="sv-SE" smtClean="0"/>
+              <a:pPr/>
+              <a:t>4</a:t>
+            </a:fld>
+            <a:endParaRPr lang="sv-SE" dirty="0"/>
+          </a:p>
+        </p:txBody>
+      </p:sp>
+    </p:spTree>
+    <p:extLst>
+      <p:ext uri="{BB962C8B-B14F-4D97-AF65-F5344CB8AC3E}">
+        <p14:creationId xmlns:p14="http://schemas.microsoft.com/office/powerpoint/2010/main" val="95802147"/>
+      </p:ext>
+    </p:extLst>
+  </p:cSld>
+  <p:clrMapOvr>
+    <a:masterClrMapping/>
+  </p:clrMapOvr>
+</p:notes>
+</file>
+
+<file path=ppt/notesSlides/notesSlide5.xml><?xml version="1.0" encoding="utf-8"?>
+<p:notes xmlns:a="http://schemas.openxmlformats.org/drawingml/2006/main" xmlns:r="http://schemas.openxmlformats.org/officeDocument/2006/relationships" xmlns:p="http://schemas.openxmlformats.org/presentationml/2006/main">
+  <p:cSld>
+    <p:spTree>
+      <p:nvGrpSpPr>
+        <p:cNvPr id="1" name=""/>
+        <p:cNvGrpSpPr/>
+        <p:nvPr/>
+      </p:nvGrpSpPr>
+      <p:grpSpPr>
+        <a:xfrm>
+          <a:off x="0" y="0"/>
+          <a:ext cx="0" cy="0"/>
+          <a:chOff x="0" y="0"/>
+          <a:chExt cx="0" cy="0"/>
+        </a:xfrm>
+      </p:grpSpPr>
+      <p:sp>
+        <p:nvSpPr>
+          <p:cNvPr id="2" name="Platshållare för bildobjekt 1"/>
+          <p:cNvSpPr>
+            <a:spLocks noGrp="1" noRot="1" noChangeAspect="1"/>
+          </p:cNvSpPr>
+          <p:nvPr>
+            <p:ph type="sldImg"/>
+          </p:nvPr>
+        </p:nvSpPr>
+        <p:spPr/>
+      </p:sp>
+      <p:sp>
+        <p:nvSpPr>
+          <p:cNvPr id="3" name="Platshållare för anteckningar 2"/>
+          <p:cNvSpPr>
+            <a:spLocks noGrp="1"/>
+          </p:cNvSpPr>
+          <p:nvPr>
+            <p:ph type="body" idx="1"/>
+          </p:nvPr>
+        </p:nvSpPr>
+        <p:spPr/>
+        <p:txBody>
+          <a:bodyPr/>
+          <a:lstStyle/>
+          <a:p>
+            <a:endParaRPr lang="sv-SE"/>
+          </a:p>
+        </p:txBody>
+      </p:sp>
+      <p:sp>
+        <p:nvSpPr>
+          <p:cNvPr id="4" name="Platshållare för bildnummer 3"/>
+          <p:cNvSpPr>
+            <a:spLocks noGrp="1"/>
+          </p:cNvSpPr>
+          <p:nvPr>
+            <p:ph type="sldNum" sz="quarter" idx="10"/>
+          </p:nvPr>
+        </p:nvSpPr>
+        <p:spPr/>
+        <p:txBody>
+          <a:bodyPr/>
+          <a:lstStyle/>
+          <a:p>
+            <a:fld id="{4A768DEE-9E78-4909-9AEA-CE989E8CF6FD}" type="slidenum">
+              <a:rPr lang="sv-SE" smtClean="0"/>
+              <a:pPr/>
+              <a:t>5</a:t>
+            </a:fld>
+            <a:endParaRPr lang="sv-SE" dirty="0"/>
+          </a:p>
+        </p:txBody>
+      </p:sp>
+    </p:spTree>
+    <p:extLst>
+      <p:ext uri="{BB962C8B-B14F-4D97-AF65-F5344CB8AC3E}">
+        <p14:creationId xmlns:p14="http://schemas.microsoft.com/office/powerpoint/2010/main" val="2643094055"/>
+      </p:ext>
+    </p:extLst>
+  </p:cSld>
+  <p:clrMapOvr>
+    <a:masterClrMapping/>
+  </p:clrMapOvr>
+</p:notes>
+</file>
+
+<file path=ppt/notesSlides/notesSlide6.xml><?xml version="1.0" encoding="utf-8"?>
+<p:notes xmlns:a="http://schemas.openxmlformats.org/drawingml/2006/main" xmlns:r="http://schemas.openxmlformats.org/officeDocument/2006/relationships" xmlns:p="http://schemas.openxmlformats.org/presentationml/2006/main">
+  <p:cSld>
+    <p:spTree>
+      <p:nvGrpSpPr>
+        <p:cNvPr id="1" name=""/>
+        <p:cNvGrpSpPr/>
+        <p:nvPr/>
+      </p:nvGrpSpPr>
+      <p:grpSpPr>
+        <a:xfrm>
+          <a:off x="0" y="0"/>
+          <a:ext cx="0" cy="0"/>
+          <a:chOff x="0" y="0"/>
+          <a:chExt cx="0" cy="0"/>
+        </a:xfrm>
+      </p:grpSpPr>
+      <p:sp>
+        <p:nvSpPr>
+          <p:cNvPr id="2" name="Platshållare för bildobjekt 1"/>
+          <p:cNvSpPr>
+            <a:spLocks noGrp="1" noRot="1" noChangeAspect="1"/>
+          </p:cNvSpPr>
+          <p:nvPr>
+            <p:ph type="sldImg"/>
+          </p:nvPr>
+        </p:nvSpPr>
+        <p:spPr/>
+      </p:sp>
+      <p:sp>
+        <p:nvSpPr>
+          <p:cNvPr id="3" name="Platshållare för anteckningar 2"/>
+          <p:cNvSpPr>
+            <a:spLocks noGrp="1"/>
+          </p:cNvSpPr>
+          <p:nvPr>
+            <p:ph type="body" idx="1"/>
+          </p:nvPr>
+        </p:nvSpPr>
+        <p:spPr/>
+        <p:txBody>
+          <a:bodyPr/>
+          <a:lstStyle/>
+          <a:p>
+            <a:endParaRPr lang="sv-SE"/>
           </a:p>
         </p:txBody>
       </p:sp>
@@ -578,7 +1432,262 @@
     </p:spTree>
     <p:extLst>
       <p:ext uri="{BB962C8B-B14F-4D97-AF65-F5344CB8AC3E}">
+        <p14:creationId xmlns:p14="http://schemas.microsoft.com/office/powerpoint/2010/main" val="318673568"/>
+      </p:ext>
+    </p:extLst>
+  </p:cSld>
+  <p:clrMapOvr>
+    <a:masterClrMapping/>
+  </p:clrMapOvr>
+</p:notes>
+</file>
+
+<file path=ppt/notesSlides/notesSlide7.xml><?xml version="1.0" encoding="utf-8"?>
+<p:notes xmlns:a="http://schemas.openxmlformats.org/drawingml/2006/main" xmlns:r="http://schemas.openxmlformats.org/officeDocument/2006/relationships" xmlns:p="http://schemas.openxmlformats.org/presentationml/2006/main">
+  <p:cSld>
+    <p:spTree>
+      <p:nvGrpSpPr>
+        <p:cNvPr id="1" name=""/>
+        <p:cNvGrpSpPr/>
+        <p:nvPr/>
+      </p:nvGrpSpPr>
+      <p:grpSpPr>
+        <a:xfrm>
+          <a:off x="0" y="0"/>
+          <a:ext cx="0" cy="0"/>
+          <a:chOff x="0" y="0"/>
+          <a:chExt cx="0" cy="0"/>
+        </a:xfrm>
+      </p:grpSpPr>
+      <p:sp>
+        <p:nvSpPr>
+          <p:cNvPr id="2" name="Platshållare för bildobjekt 1"/>
+          <p:cNvSpPr>
+            <a:spLocks noGrp="1" noRot="1" noChangeAspect="1"/>
+          </p:cNvSpPr>
+          <p:nvPr>
+            <p:ph type="sldImg"/>
+          </p:nvPr>
+        </p:nvSpPr>
+        <p:spPr/>
+      </p:sp>
+      <p:sp>
+        <p:nvSpPr>
+          <p:cNvPr id="3" name="Platshållare för anteckningar 2"/>
+          <p:cNvSpPr>
+            <a:spLocks noGrp="1"/>
+          </p:cNvSpPr>
+          <p:nvPr>
+            <p:ph type="body" idx="1"/>
+          </p:nvPr>
+        </p:nvSpPr>
+        <p:spPr/>
+        <p:txBody>
+          <a:bodyPr/>
+          <a:lstStyle/>
+          <a:p>
+            <a:endParaRPr lang="sv-SE" dirty="0"/>
+          </a:p>
+        </p:txBody>
+      </p:sp>
+      <p:sp>
+        <p:nvSpPr>
+          <p:cNvPr id="4" name="Platshållare för bildnummer 3"/>
+          <p:cNvSpPr>
+            <a:spLocks noGrp="1"/>
+          </p:cNvSpPr>
+          <p:nvPr>
+            <p:ph type="sldNum" sz="quarter" idx="10"/>
+          </p:nvPr>
+        </p:nvSpPr>
+        <p:spPr/>
+        <p:txBody>
+          <a:bodyPr/>
+          <a:lstStyle/>
+          <a:p>
+            <a:fld id="{4A768DEE-9E78-4909-9AEA-CE989E8CF6FD}" type="slidenum">
+              <a:rPr lang="sv-SE" smtClean="0"/>
+              <a:pPr/>
+              <a:t>7</a:t>
+            </a:fld>
+            <a:endParaRPr lang="sv-SE" dirty="0"/>
+          </a:p>
+        </p:txBody>
+      </p:sp>
+    </p:spTree>
+    <p:extLst>
+      <p:ext uri="{BB962C8B-B14F-4D97-AF65-F5344CB8AC3E}">
         <p14:creationId xmlns:p14="http://schemas.microsoft.com/office/powerpoint/2010/main" val="919911888"/>
+      </p:ext>
+    </p:extLst>
+  </p:cSld>
+  <p:clrMapOvr>
+    <a:masterClrMapping/>
+  </p:clrMapOvr>
+</p:notes>
+</file>
+
+<file path=ppt/notesSlides/notesSlide8.xml><?xml version="1.0" encoding="utf-8"?>
+<p:notes xmlns:a="http://schemas.openxmlformats.org/drawingml/2006/main" xmlns:r="http://schemas.openxmlformats.org/officeDocument/2006/relationships" xmlns:p="http://schemas.openxmlformats.org/presentationml/2006/main">
+  <p:cSld>
+    <p:spTree>
+      <p:nvGrpSpPr>
+        <p:cNvPr id="1" name=""/>
+        <p:cNvGrpSpPr/>
+        <p:nvPr/>
+      </p:nvGrpSpPr>
+      <p:grpSpPr>
+        <a:xfrm>
+          <a:off x="0" y="0"/>
+          <a:ext cx="0" cy="0"/>
+          <a:chOff x="0" y="0"/>
+          <a:chExt cx="0" cy="0"/>
+        </a:xfrm>
+      </p:grpSpPr>
+      <p:sp>
+        <p:nvSpPr>
+          <p:cNvPr id="2" name="Platshållare för bildobjekt 1"/>
+          <p:cNvSpPr>
+            <a:spLocks noGrp="1" noRot="1" noChangeAspect="1"/>
+          </p:cNvSpPr>
+          <p:nvPr>
+            <p:ph type="sldImg"/>
+          </p:nvPr>
+        </p:nvSpPr>
+        <p:spPr/>
+      </p:sp>
+      <p:sp>
+        <p:nvSpPr>
+          <p:cNvPr id="3" name="Platshållare för anteckningar 2"/>
+          <p:cNvSpPr>
+            <a:spLocks noGrp="1"/>
+          </p:cNvSpPr>
+          <p:nvPr>
+            <p:ph type="body" idx="1"/>
+          </p:nvPr>
+        </p:nvSpPr>
+        <p:spPr/>
+        <p:txBody>
+          <a:bodyPr/>
+          <a:lstStyle/>
+          <a:p>
+            <a:endParaRPr lang="sv-SE"/>
+          </a:p>
+        </p:txBody>
+      </p:sp>
+      <p:sp>
+        <p:nvSpPr>
+          <p:cNvPr id="4" name="Platshållare för bildnummer 3"/>
+          <p:cNvSpPr>
+            <a:spLocks noGrp="1"/>
+          </p:cNvSpPr>
+          <p:nvPr>
+            <p:ph type="sldNum" sz="quarter" idx="10"/>
+          </p:nvPr>
+        </p:nvSpPr>
+        <p:spPr/>
+        <p:txBody>
+          <a:bodyPr/>
+          <a:lstStyle/>
+          <a:p>
+            <a:fld id="{4A768DEE-9E78-4909-9AEA-CE989E8CF6FD}" type="slidenum">
+              <a:rPr lang="sv-SE" smtClean="0"/>
+              <a:pPr/>
+              <a:t>8</a:t>
+            </a:fld>
+            <a:endParaRPr lang="sv-SE" dirty="0"/>
+          </a:p>
+        </p:txBody>
+      </p:sp>
+    </p:spTree>
+    <p:extLst>
+      <p:ext uri="{BB962C8B-B14F-4D97-AF65-F5344CB8AC3E}">
+        <p14:creationId xmlns:p14="http://schemas.microsoft.com/office/powerpoint/2010/main" val="1588286491"/>
+      </p:ext>
+    </p:extLst>
+  </p:cSld>
+  <p:clrMapOvr>
+    <a:masterClrMapping/>
+  </p:clrMapOvr>
+</p:notes>
+</file>
+
+<file path=ppt/notesSlides/notesSlide9.xml><?xml version="1.0" encoding="utf-8"?>
+<p:notes xmlns:a="http://schemas.openxmlformats.org/drawingml/2006/main" xmlns:r="http://schemas.openxmlformats.org/officeDocument/2006/relationships" xmlns:p="http://schemas.openxmlformats.org/presentationml/2006/main">
+  <p:cSld>
+    <p:spTree>
+      <p:nvGrpSpPr>
+        <p:cNvPr id="1" name=""/>
+        <p:cNvGrpSpPr/>
+        <p:nvPr/>
+      </p:nvGrpSpPr>
+      <p:grpSpPr>
+        <a:xfrm>
+          <a:off x="0" y="0"/>
+          <a:ext cx="0" cy="0"/>
+          <a:chOff x="0" y="0"/>
+          <a:chExt cx="0" cy="0"/>
+        </a:xfrm>
+      </p:grpSpPr>
+      <p:sp>
+        <p:nvSpPr>
+          <p:cNvPr id="2" name="Platshållare för bildobjekt 1"/>
+          <p:cNvSpPr>
+            <a:spLocks noGrp="1" noRot="1" noChangeAspect="1"/>
+          </p:cNvSpPr>
+          <p:nvPr>
+            <p:ph type="sldImg"/>
+          </p:nvPr>
+        </p:nvSpPr>
+        <p:spPr/>
+      </p:sp>
+      <p:sp>
+        <p:nvSpPr>
+          <p:cNvPr id="3" name="Platshållare för anteckningar 2"/>
+          <p:cNvSpPr>
+            <a:spLocks noGrp="1"/>
+          </p:cNvSpPr>
+          <p:nvPr>
+            <p:ph type="body" idx="1"/>
+          </p:nvPr>
+        </p:nvSpPr>
+        <p:spPr/>
+        <p:txBody>
+          <a:bodyPr/>
+          <a:lstStyle/>
+          <a:p>
+            <a:endParaRPr lang="sv-SE"/>
+          </a:p>
+        </p:txBody>
+      </p:sp>
+      <p:sp>
+        <p:nvSpPr>
+          <p:cNvPr id="4" name="Platshållare för bildnummer 3"/>
+          <p:cNvSpPr>
+            <a:spLocks noGrp="1"/>
+          </p:cNvSpPr>
+          <p:nvPr>
+            <p:ph type="sldNum" sz="quarter" idx="10"/>
+          </p:nvPr>
+        </p:nvSpPr>
+        <p:spPr/>
+        <p:txBody>
+          <a:bodyPr/>
+          <a:lstStyle/>
+          <a:p>
+            <a:fld id="{4A768DEE-9E78-4909-9AEA-CE989E8CF6FD}" type="slidenum">
+              <a:rPr lang="sv-SE" smtClean="0"/>
+              <a:pPr/>
+              <a:t>9</a:t>
+            </a:fld>
+            <a:endParaRPr lang="sv-SE" dirty="0"/>
+          </a:p>
+        </p:txBody>
+      </p:sp>
+    </p:spTree>
+    <p:extLst>
+      <p:ext uri="{BB962C8B-B14F-4D97-AF65-F5344CB8AC3E}">
+        <p14:creationId xmlns:p14="http://schemas.microsoft.com/office/powerpoint/2010/main" val="1651544505"/>
       </p:ext>
     </p:extLst>
   </p:cSld>
@@ -2834,7 +3943,6 @@
               <a:rPr lang="sv-SE" noProof="0" smtClean="0"/>
               <a:t>Klicka på ikonen för att lägga till en bild</a:t>
             </a:r>
-            <a:endParaRPr lang="sv-SE" noProof="0" smtClean="0"/>
           </a:p>
         </p:txBody>
       </p:sp>
@@ -3130,7 +4238,19 @@
                 <a:latin typeface="Times New Roman" pitchFamily="18" charset="0"/>
                 <a:cs typeface="Times New Roman" pitchFamily="18" charset="0"/>
               </a:rPr>
-              <a:t>(13)</a:t>
+              <a:t>(</a:t>
+            </a:r>
+            <a:r>
+              <a:rPr lang="en-US" sz="700" dirty="0" smtClean="0">
+                <a:solidFill>
+                  <a:schemeClr val="bg1">
+                    <a:lumMod val="75000"/>
+                  </a:schemeClr>
+                </a:solidFill>
+                <a:latin typeface="Times New Roman" pitchFamily="18" charset="0"/>
+                <a:cs typeface="Times New Roman" pitchFamily="18" charset="0"/>
+              </a:rPr>
+              <a:t>14)</a:t>
             </a:r>
             <a:endParaRPr lang="en-US" sz="700" dirty="0">
               <a:solidFill>
@@ -3796,147 +4916,111 @@
       </p:grpSpPr>
       <p:sp>
         <p:nvSpPr>
-          <p:cNvPr id="8" name="Ellips 7"/>
-          <p:cNvSpPr/>
-          <p:nvPr/>
-        </p:nvSpPr>
-        <p:spPr bwMode="auto">
-          <a:xfrm>
-            <a:off x="3748645" y="4918844"/>
-            <a:ext cx="214406" cy="214406"/>
-          </a:xfrm>
-          <a:prstGeom prst="ellipse">
-            <a:avLst/>
-          </a:prstGeom>
-          <a:solidFill>
-            <a:schemeClr val="accent1"/>
-          </a:solidFill>
-          <a:ln w="9525" cap="flat" cmpd="sng" algn="ctr">
-            <a:solidFill>
-              <a:schemeClr val="tx1"/>
-            </a:solidFill>
-            <a:prstDash val="solid"/>
-            <a:round/>
-            <a:headEnd type="none" w="med" len="med"/>
-            <a:tailEnd type="none" w="med" len="med"/>
-          </a:ln>
-          <a:effectLst/>
-        </p:spPr>
-        <p:txBody>
-          <a:bodyPr vert="horz" wrap="square" lIns="90488" tIns="44450" rIns="90488" bIns="44450" numCol="1" rtlCol="0" anchor="t" anchorCtr="0" compatLnSpc="1">
-            <a:prstTxWarp prst="textNoShape">
-              <a:avLst/>
-            </a:prstTxWarp>
-          </a:bodyPr>
+          <p:cNvPr id="3" name="Platshållare för innehåll 2"/>
+          <p:cNvSpPr>
+            <a:spLocks noGrp="1"/>
+          </p:cNvSpPr>
+          <p:nvPr>
+            <p:ph idx="1"/>
+          </p:nvPr>
+        </p:nvSpPr>
+        <p:spPr/>
+        <p:txBody>
+          <a:bodyPr/>
           <a:lstStyle/>
           <a:p>
-            <a:pPr marL="0" marR="0" indent="0" algn="l" defTabSz="914400" rtl="0" eaLnBrk="1" fontAlgn="base" latinLnBrk="0" hangingPunct="1">
-              <a:lnSpc>
-                <a:spcPct val="100000"/>
-              </a:lnSpc>
-              <a:spcBef>
-                <a:spcPct val="0"/>
-              </a:spcBef>
-              <a:spcAft>
-                <a:spcPct val="0"/>
-              </a:spcAft>
-              <a:buClrTx/>
-              <a:buSzTx/>
-              <a:buFontTx/>
-              <a:buNone/>
-              <a:tabLst/>
-            </a:pPr>
-            <a:endParaRPr kumimoji="0" lang="sv-SE" sz="1800" b="0" i="0" u="none" strike="noStrike" cap="none" normalizeH="0" baseline="0" smtClean="0">
-              <a:ln>
-                <a:noFill/>
-              </a:ln>
-              <a:solidFill>
-                <a:schemeClr val="tx1"/>
-              </a:solidFill>
-              <a:effectLst/>
-              <a:latin typeface="Arial" charset="0"/>
-            </a:endParaRPr>
+            <a:r>
+              <a:rPr lang="sv-SE" dirty="0" smtClean="0"/>
+              <a:t>Controllermetoden måste kunna hantera både en Ajax-förfrågan och en vanlig förfrågan. Genom att använda metoden </a:t>
+            </a:r>
+            <a:r>
+              <a:rPr lang="sv-SE" sz="1400" dirty="0" err="1" smtClean="0">
+                <a:latin typeface="Consolas" pitchFamily="49" charset="0"/>
+                <a:cs typeface="Consolas" pitchFamily="49" charset="0"/>
+              </a:rPr>
+              <a:t>Request.IsAjaxRequest</a:t>
+            </a:r>
+            <a:r>
+              <a:rPr lang="sv-SE" sz="1400" dirty="0" smtClean="0">
+                <a:latin typeface="Consolas" pitchFamily="49" charset="0"/>
+                <a:cs typeface="Consolas" pitchFamily="49" charset="0"/>
+              </a:rPr>
+              <a:t>()</a:t>
+            </a:r>
+            <a:r>
+              <a:rPr lang="sv-SE" dirty="0" smtClean="0"/>
+              <a:t> kan du ta reda på vilket sätt förfrågan görs.</a:t>
+            </a:r>
+          </a:p>
+          <a:p>
+            <a:pPr lvl="1"/>
+            <a:r>
+              <a:rPr lang="sv-SE" dirty="0" smtClean="0"/>
+              <a:t>Är det fråga om en Ajax-förfrågan returneras en sträng med hjälp av </a:t>
+            </a:r>
+            <a:r>
+              <a:rPr lang="sv-SE" sz="1400" dirty="0" err="1" smtClean="0">
+                <a:latin typeface="Consolas" pitchFamily="49" charset="0"/>
+                <a:cs typeface="Consolas" pitchFamily="49" charset="0"/>
+              </a:rPr>
+              <a:t>Content</a:t>
+            </a:r>
+            <a:r>
+              <a:rPr lang="sv-SE" dirty="0" smtClean="0"/>
+              <a:t>.</a:t>
+            </a:r>
+          </a:p>
+          <a:p>
+            <a:pPr lvl="1"/>
+            <a:r>
+              <a:rPr lang="sv-SE" dirty="0" smtClean="0"/>
+              <a:t>Är det en ”vanlig” förfrågan returneras en vy som vanligt. Observera att det inte går att skicka med modellen på vanligt sätt i detta fall på grund av den modellens typ är av typen </a:t>
+            </a:r>
+            <a:r>
+              <a:rPr lang="sv-SE" sz="1400" dirty="0">
+                <a:latin typeface="Consolas" pitchFamily="49" charset="0"/>
+                <a:cs typeface="Consolas" pitchFamily="49" charset="0"/>
+              </a:rPr>
+              <a:t>String</a:t>
+            </a:r>
+            <a:r>
+              <a:rPr lang="sv-SE" dirty="0" smtClean="0"/>
+              <a:t>, vilket medför att </a:t>
+            </a:r>
+            <a:r>
+              <a:rPr lang="sv-SE" dirty="0" err="1" smtClean="0"/>
+              <a:t>modelldatat</a:t>
+            </a:r>
+            <a:r>
+              <a:rPr lang="sv-SE" dirty="0" smtClean="0"/>
+              <a:t> tolkas som en ”</a:t>
+            </a:r>
+            <a:r>
+              <a:rPr lang="sv-SE" i="1" dirty="0" smtClean="0"/>
+              <a:t>page layout</a:t>
+            </a:r>
+            <a:r>
+              <a:rPr lang="sv-SE" dirty="0" smtClean="0"/>
+              <a:t>”. Egenskapen </a:t>
+            </a:r>
+            <a:r>
+              <a:rPr lang="sv-SE" sz="1400" dirty="0" err="1">
+                <a:latin typeface="Consolas" pitchFamily="49" charset="0"/>
+                <a:cs typeface="Consolas" pitchFamily="49" charset="0"/>
+              </a:rPr>
+              <a:t>ViewData.Model</a:t>
+            </a:r>
+            <a:r>
+              <a:rPr lang="sv-SE" dirty="0" smtClean="0"/>
+              <a:t> får istället användas.</a:t>
+            </a:r>
+            <a:endParaRPr lang="sv-SE" dirty="0"/>
           </a:p>
         </p:txBody>
       </p:sp>
       <p:pic>
         <p:nvPicPr>
-          <p:cNvPr id="7173" name="Picture 5"/>
-          <p:cNvPicPr>
-            <a:picLocks noChangeAspect="1" noChangeArrowheads="1"/>
-          </p:cNvPicPr>
-          <p:nvPr/>
-        </p:nvPicPr>
-        <p:blipFill>
-          <a:blip r:embed="rId2">
-            <a:duotone>
-              <a:schemeClr val="bg2">
-                <a:shade val="45000"/>
-                <a:satMod val="135000"/>
-              </a:schemeClr>
-              <a:prstClr val="white"/>
-            </a:duotone>
-            <a:extLst>
-              <a:ext uri="{28A0092B-C50C-407E-A947-70E740481C1C}">
-                <a14:useLocalDpi xmlns:a14="http://schemas.microsoft.com/office/drawing/2010/main" val="0"/>
-              </a:ext>
-            </a:extLst>
-          </a:blip>
-          <a:srcRect/>
-          <a:stretch>
-            <a:fillRect/>
-          </a:stretch>
-        </p:blipFill>
-        <p:spPr bwMode="auto">
-          <a:xfrm>
-            <a:off x="5697295" y="-646837"/>
-            <a:ext cx="3755731" cy="5479953"/>
-          </a:xfrm>
-          <a:prstGeom prst="rect">
-            <a:avLst/>
-          </a:prstGeom>
-          <a:noFill/>
-          <a:ln>
-            <a:noFill/>
-          </a:ln>
-          <a:effectLst/>
-          <a:scene3d>
-            <a:camera prst="perspectiveHeroicExtremeLeftFacing"/>
-            <a:lightRig rig="threePt" dir="t"/>
-          </a:scene3d>
-          <a:extLst>
-            <a:ext uri="{909E8E84-426E-40DD-AFC4-6F175D3DCCD1}">
-              <a14:hiddenFill xmlns:a14="http://schemas.microsoft.com/office/drawing/2010/main">
-                <a:solidFill>
-                  <a:schemeClr val="accent1"/>
-                </a:solidFill>
-              </a14:hiddenFill>
-            </a:ext>
-            <a:ext uri="{91240B29-F687-4F45-9708-019B960494DF}">
-              <a14:hiddenLine xmlns:a14="http://schemas.microsoft.com/office/drawing/2010/main" w="9525">
-                <a:solidFill>
-                  <a:schemeClr val="tx1"/>
-                </a:solidFill>
-                <a:miter lim="800000"/>
-                <a:headEnd/>
-                <a:tailEnd/>
-              </a14:hiddenLine>
-            </a:ext>
-            <a:ext uri="{AF507438-7753-43E0-B8FC-AC1667EBCBE1}">
-              <a14:hiddenEffects xmlns:a14="http://schemas.microsoft.com/office/drawing/2010/main">
-                <a:effectLst>
-                  <a:outerShdw dist="35921" dir="2700000" algn="ctr" rotWithShape="0">
-                    <a:schemeClr val="bg2"/>
-                  </a:outerShdw>
-                </a:effectLst>
-              </a14:hiddenEffects>
-            </a:ext>
-          </a:extLst>
-        </p:spPr>
-      </p:pic>
-      <p:pic>
-        <p:nvPicPr>
-          <p:cNvPr id="7170" name="Picture 2"/>
+          <p:cNvPr id="4099" name="Picture 3"/>
           <p:cNvPicPr>
             <a:picLocks noChangeAspect="1" noChangeArrowheads="1"/>
           </p:cNvPicPr>
@@ -3957,8 +5041,8 @@
         </p:blipFill>
         <p:spPr bwMode="auto">
           <a:xfrm>
-            <a:off x="611370" y="1695451"/>
-            <a:ext cx="2446667" cy="1626667"/>
+            <a:off x="2179767" y="3347111"/>
+            <a:ext cx="4162425" cy="2171700"/>
           </a:xfrm>
           <a:prstGeom prst="rect">
             <a:avLst/>
@@ -4015,9 +5099,175 @@
           <a:p>
             <a:r>
               <a:rPr lang="sv-SE" dirty="0" smtClean="0"/>
-              <a:t>Ajax och ”partial views”</a:t>
+              <a:t>En controllermetod – olika typer av förfrågningar</a:t>
             </a:r>
             <a:endParaRPr lang="sv-SE" dirty="0"/>
+          </a:p>
+        </p:txBody>
+      </p:sp>
+    </p:spTree>
+  </p:cSld>
+  <p:clrMapOvr>
+    <a:masterClrMapping/>
+  </p:clrMapOvr>
+  <p:transition>
+    <p:random/>
+  </p:transition>
+  <p:timing>
+    <p:tnLst>
+      <p:par>
+        <p:cTn id="1" dur="indefinite" restart="never" nodeType="tmRoot"/>
+      </p:par>
+    </p:tnLst>
+  </p:timing>
+</p:sld>
+</file>
+
+<file path=ppt/slides/slide11.xml><?xml version="1.0" encoding="utf-8"?>
+<p:sld xmlns:a="http://schemas.openxmlformats.org/drawingml/2006/main" xmlns:r="http://schemas.openxmlformats.org/officeDocument/2006/relationships" xmlns:p="http://schemas.openxmlformats.org/presentationml/2006/main">
+  <p:cSld>
+    <p:spTree>
+      <p:nvGrpSpPr>
+        <p:cNvPr id="1" name=""/>
+        <p:cNvGrpSpPr/>
+        <p:nvPr/>
+      </p:nvGrpSpPr>
+      <p:grpSpPr>
+        <a:xfrm>
+          <a:off x="0" y="0"/>
+          <a:ext cx="0" cy="0"/>
+          <a:chOff x="0" y="0"/>
+          <a:chExt cx="0" cy="0"/>
+        </a:xfrm>
+      </p:grpSpPr>
+      <p:pic>
+        <p:nvPicPr>
+          <p:cNvPr id="5126" name="Picture 6"/>
+          <p:cNvPicPr>
+            <a:picLocks noChangeAspect="1" noChangeArrowheads="1"/>
+          </p:cNvPicPr>
+          <p:nvPr/>
+        </p:nvPicPr>
+        <p:blipFill>
+          <a:blip r:embed="rId3">
+            <a:duotone>
+              <a:schemeClr val="bg2">
+                <a:shade val="45000"/>
+                <a:satMod val="135000"/>
+              </a:schemeClr>
+              <a:prstClr val="white"/>
+            </a:duotone>
+            <a:extLst>
+              <a:ext uri="{28A0092B-C50C-407E-A947-70E740481C1C}">
+                <a14:useLocalDpi xmlns:a14="http://schemas.microsoft.com/office/drawing/2010/main" val="0"/>
+              </a:ext>
+            </a:extLst>
+          </a:blip>
+          <a:srcRect/>
+          <a:stretch>
+            <a:fillRect/>
+          </a:stretch>
+        </p:blipFill>
+        <p:spPr bwMode="auto">
+          <a:xfrm>
+            <a:off x="5826588" y="-307824"/>
+            <a:ext cx="3497143" cy="6377143"/>
+          </a:xfrm>
+          <a:prstGeom prst="rect">
+            <a:avLst/>
+          </a:prstGeom>
+          <a:noFill/>
+          <a:ln>
+            <a:noFill/>
+          </a:ln>
+          <a:effectLst/>
+          <a:scene3d>
+            <a:camera prst="perspectiveHeroicExtremeLeftFacing"/>
+            <a:lightRig rig="threePt" dir="t"/>
+          </a:scene3d>
+          <a:extLst>
+            <a:ext uri="{909E8E84-426E-40DD-AFC4-6F175D3DCCD1}">
+              <a14:hiddenFill xmlns:a14="http://schemas.microsoft.com/office/drawing/2010/main">
+                <a:solidFill>
+                  <a:schemeClr val="accent1"/>
+                </a:solidFill>
+              </a14:hiddenFill>
+            </a:ext>
+            <a:ext uri="{91240B29-F687-4F45-9708-019B960494DF}">
+              <a14:hiddenLine xmlns:a14="http://schemas.microsoft.com/office/drawing/2010/main" w="9525">
+                <a:solidFill>
+                  <a:schemeClr val="tx1"/>
+                </a:solidFill>
+                <a:miter lim="800000"/>
+                <a:headEnd/>
+                <a:tailEnd/>
+              </a14:hiddenLine>
+            </a:ext>
+          </a:extLst>
+        </p:spPr>
+      </p:pic>
+      <p:sp>
+        <p:nvSpPr>
+          <p:cNvPr id="8" name="Ellips 7"/>
+          <p:cNvSpPr/>
+          <p:nvPr/>
+        </p:nvSpPr>
+        <p:spPr bwMode="auto">
+          <a:xfrm>
+            <a:off x="3950439" y="4656546"/>
+            <a:ext cx="214406" cy="214406"/>
+          </a:xfrm>
+          <a:prstGeom prst="ellipse">
+            <a:avLst/>
+          </a:prstGeom>
+          <a:solidFill>
+            <a:schemeClr val="accent1"/>
+          </a:solidFill>
+          <a:ln w="9525" cap="flat" cmpd="sng" algn="ctr">
+            <a:solidFill>
+              <a:schemeClr val="tx1"/>
+            </a:solidFill>
+            <a:prstDash val="solid"/>
+            <a:round/>
+            <a:headEnd type="none" w="med" len="med"/>
+            <a:tailEnd type="none" w="med" len="med"/>
+          </a:ln>
+          <a:effectLst/>
+        </p:spPr>
+        <p:txBody>
+          <a:bodyPr vert="horz" wrap="square" lIns="90488" tIns="44450" rIns="90488" bIns="44450" numCol="1" rtlCol="0" anchor="t" anchorCtr="0" compatLnSpc="1">
+            <a:prstTxWarp prst="textNoShape">
+              <a:avLst/>
+            </a:prstTxWarp>
+          </a:bodyPr>
+          <a:lstStyle/>
+          <a:p>
+            <a:pPr marL="0" marR="0" indent="0" algn="l" defTabSz="914400" rtl="0" eaLnBrk="1" fontAlgn="base" latinLnBrk="0" hangingPunct="1">
+              <a:lnSpc>
+                <a:spcPct val="100000"/>
+              </a:lnSpc>
+              <a:spcBef>
+                <a:spcPct val="0"/>
+              </a:spcBef>
+              <a:spcAft>
+                <a:spcPct val="0"/>
+              </a:spcAft>
+              <a:buClrTx/>
+              <a:buSzTx/>
+              <a:buFontTx/>
+              <a:buNone/>
+              <a:tabLst/>
+            </a:pPr>
+            <a:endParaRPr kumimoji="0" lang="sv-SE" sz="1800" b="0" i="0" u="none" strike="noStrike" cap="none" normalizeH="0" baseline="0" smtClean="0">
+              <a:ln>
+                <a:noFill/>
+              </a:ln>
+              <a:solidFill>
+                <a:schemeClr val="tx1"/>
+              </a:solidFill>
+              <a:effectLst/>
+              <a:latin typeface="Arial" charset="0"/>
+            </a:endParaRPr>
           </a:p>
         </p:txBody>
       </p:sp>
@@ -4053,7 +5303,7 @@
       </p:sp>
       <p:pic>
         <p:nvPicPr>
-          <p:cNvPr id="7171" name="Picture 3"/>
+          <p:cNvPr id="5122" name="Picture 2"/>
           <p:cNvPicPr>
             <a:picLocks noChangeAspect="1" noChangeArrowheads="1"/>
           </p:cNvPicPr>
@@ -4073,9 +5323,9 @@
           </a:stretch>
         </p:blipFill>
         <p:spPr bwMode="auto">
-          <a:xfrm rot="21131464">
-            <a:off x="3101000" y="2005926"/>
-            <a:ext cx="2553333" cy="806667"/>
+          <a:xfrm>
+            <a:off x="611370" y="1695451"/>
+            <a:ext cx="2586667" cy="1520000"/>
           </a:xfrm>
           <a:prstGeom prst="rect">
             <a:avLst/>
@@ -4117,7 +5367,7 @@
       </p:pic>
       <p:pic>
         <p:nvPicPr>
-          <p:cNvPr id="7172" name="Picture 4"/>
+          <p:cNvPr id="5123" name="Picture 3"/>
           <p:cNvPicPr>
             <a:picLocks noChangeAspect="1" noChangeArrowheads="1"/>
           </p:cNvPicPr>
@@ -4137,9 +5387,96 @@
           </a:stretch>
         </p:blipFill>
         <p:spPr bwMode="auto">
-          <a:xfrm rot="159185">
-            <a:off x="1946672" y="3005421"/>
-            <a:ext cx="5073334" cy="2406667"/>
+          <a:xfrm rot="473026">
+            <a:off x="3262942" y="1706588"/>
+            <a:ext cx="2186667" cy="793333"/>
+          </a:xfrm>
+          <a:prstGeom prst="rect">
+            <a:avLst/>
+          </a:prstGeom>
+          <a:solidFill>
+            <a:srgbClr val="FFFFFF">
+              <a:shade val="85000"/>
+            </a:srgbClr>
+          </a:solidFill>
+          <a:ln w="190500" cap="sq">
+            <a:solidFill>
+              <a:srgbClr val="FFFFFF"/>
+            </a:solidFill>
+            <a:miter lim="800000"/>
+          </a:ln>
+          <a:effectLst>
+            <a:outerShdw blurRad="65000" dist="50800" dir="12900000" kx="195000" ky="145000" algn="tl" rotWithShape="0">
+              <a:srgbClr val="000000">
+                <a:alpha val="30000"/>
+              </a:srgbClr>
+            </a:outerShdw>
+          </a:effectLst>
+          <a:scene3d>
+            <a:camera prst="orthographicFront">
+              <a:rot lat="0" lon="0" rev="360000"/>
+            </a:camera>
+            <a:lightRig rig="twoPt" dir="t">
+              <a:rot lat="0" lon="0" rev="7200000"/>
+            </a:lightRig>
+          </a:scene3d>
+          <a:sp3d contourW="12700">
+            <a:bevelT w="25400" h="19050"/>
+            <a:contourClr>
+              <a:srgbClr val="969696"/>
+            </a:contourClr>
+          </a:sp3d>
+          <a:extLst/>
+        </p:spPr>
+      </p:pic>
+      <p:sp>
+        <p:nvSpPr>
+          <p:cNvPr id="2" name="Rubrik 1"/>
+          <p:cNvSpPr>
+            <a:spLocks noGrp="1"/>
+          </p:cNvSpPr>
+          <p:nvPr>
+            <p:ph type="title"/>
+          </p:nvPr>
+        </p:nvSpPr>
+        <p:spPr/>
+        <p:txBody>
+          <a:bodyPr/>
+          <a:lstStyle/>
+          <a:p>
+            <a:r>
+              <a:rPr lang="sv-SE" dirty="0" smtClean="0"/>
+              <a:t>Ajax och ”partial views”</a:t>
+            </a:r>
+            <a:endParaRPr lang="sv-SE" dirty="0"/>
+          </a:p>
+        </p:txBody>
+      </p:sp>
+      <p:pic>
+        <p:nvPicPr>
+          <p:cNvPr id="5127" name="Picture 7"/>
+          <p:cNvPicPr>
+            <a:picLocks noChangeAspect="1" noChangeArrowheads="1"/>
+          </p:cNvPicPr>
+          <p:nvPr/>
+        </p:nvPicPr>
+        <p:blipFill>
+          <a:blip r:embed="rId6">
+            <a:extLst>
+              <a:ext uri="{28A0092B-C50C-407E-A947-70E740481C1C}">
+                <a14:useLocalDpi xmlns:a14="http://schemas.microsoft.com/office/drawing/2010/main" val="0"/>
+              </a:ext>
+            </a:extLst>
+          </a:blip>
+          <a:srcRect/>
+          <a:stretch>
+            <a:fillRect/>
+          </a:stretch>
+        </p:blipFill>
+        <p:spPr bwMode="auto">
+          <a:xfrm rot="180000">
+            <a:off x="2445308" y="2668267"/>
+            <a:ext cx="2606667" cy="2826667"/>
           </a:xfrm>
           <a:prstGeom prst="rect">
             <a:avLst/>
@@ -4183,19 +5520,19 @@
         <p:nvCxnSpPr>
           <p:cNvPr id="5" name="Kurva 4"/>
           <p:cNvCxnSpPr>
-            <a:stCxn id="7171" idx="3"/>
+            <a:stCxn id="5123" idx="3"/>
             <a:endCxn id="8" idx="6"/>
           </p:cNvCxnSpPr>
           <p:nvPr/>
         </p:nvCxnSpPr>
         <p:spPr bwMode="auto">
           <a:xfrm flipH="1">
-            <a:off x="3963051" y="2235799"/>
-            <a:ext cx="1679443" cy="2790248"/>
+            <a:off x="4164845" y="2253221"/>
+            <a:ext cx="1274430" cy="2510528"/>
           </a:xfrm>
           <a:prstGeom prst="curvedConnector3">
             <a:avLst>
-              <a:gd name="adj1" fmla="val -14317"/>
+              <a:gd name="adj1" fmla="val -18748"/>
             </a:avLst>
           </a:prstGeom>
           <a:ln>
@@ -4236,7 +5573,7 @@
 </p:sld>
 </file>
 
-<file path=ppt/slides/slide2.xml><?xml version="1.0" encoding="utf-8"?>
+<file path=ppt/slides/slide12.xml><?xml version="1.0" encoding="utf-8"?>
 <p:sld xmlns:a="http://schemas.openxmlformats.org/drawingml/2006/main" xmlns:r="http://schemas.openxmlformats.org/officeDocument/2006/relationships" xmlns:p="http://schemas.openxmlformats.org/presentationml/2006/main">
   <p:cSld>
     <p:spTree>
@@ -4253,37 +5590,996 @@
           <a:chExt cx="0" cy="0"/>
         </a:xfrm>
       </p:grpSpPr>
+      <p:sp>
+        <p:nvSpPr>
+          <p:cNvPr id="2" name="Rubrik 1"/>
+          <p:cNvSpPr>
+            <a:spLocks noGrp="1"/>
+          </p:cNvSpPr>
+          <p:nvPr>
+            <p:ph type="title"/>
+          </p:nvPr>
+        </p:nvSpPr>
+        <p:spPr/>
+        <p:txBody>
+          <a:bodyPr/>
+          <a:lstStyle/>
+          <a:p>
+            <a:r>
+              <a:rPr lang="sv-SE" dirty="0" smtClean="0"/>
+              <a:t>Enkel hantering av fel vid Ajax-förfrågan</a:t>
+            </a:r>
+            <a:endParaRPr lang="sv-SE" dirty="0"/>
+          </a:p>
+        </p:txBody>
+      </p:sp>
+      <p:sp>
+        <p:nvSpPr>
+          <p:cNvPr id="3" name="Platshållare för innehåll 2"/>
+          <p:cNvSpPr>
+            <a:spLocks noGrp="1"/>
+          </p:cNvSpPr>
+          <p:nvPr>
+            <p:ph idx="1"/>
+          </p:nvPr>
+        </p:nvSpPr>
+        <p:spPr/>
+        <p:txBody>
+          <a:bodyPr/>
+          <a:lstStyle/>
+          <a:p>
+            <a:r>
+              <a:rPr lang="sv-SE" dirty="0" smtClean="0"/>
+              <a:t>Det är viktigt att </a:t>
+            </a:r>
+            <a:r>
+              <a:rPr lang="sv-SE" sz="1400" dirty="0" err="1">
+                <a:latin typeface="Consolas" pitchFamily="49" charset="0"/>
+                <a:cs typeface="Consolas" pitchFamily="49" charset="0"/>
+              </a:rPr>
+              <a:t>Response.StatusCode</a:t>
+            </a:r>
+            <a:r>
+              <a:rPr lang="sv-SE" dirty="0" smtClean="0"/>
+              <a:t> sätts till lämplig felkod så att JavaScript-funktionen som definieras av </a:t>
+            </a:r>
+            <a:br>
+              <a:rPr lang="sv-SE" dirty="0" smtClean="0"/>
+            </a:br>
+            <a:r>
+              <a:rPr lang="sv-SE" sz="1400" dirty="0" err="1">
+                <a:latin typeface="Consolas" pitchFamily="49" charset="0"/>
+                <a:cs typeface="Consolas" pitchFamily="49" charset="0"/>
+              </a:rPr>
+              <a:t>OnFailure</a:t>
+            </a:r>
+            <a:r>
+              <a:rPr lang="sv-SE" dirty="0" smtClean="0"/>
+              <a:t> körs på klienten.</a:t>
+            </a:r>
+            <a:endParaRPr lang="sv-SE" dirty="0"/>
+          </a:p>
+        </p:txBody>
+      </p:sp>
       <p:pic>
         <p:nvPicPr>
-          <p:cNvPr id="7" name="Bildobjekt 6"/>
+          <p:cNvPr id="6146" name="Picture 2"/>
           <p:cNvPicPr>
-            <a:picLocks noChangeAspect="1"/>
+            <a:picLocks noChangeAspect="1" noChangeArrowheads="1"/>
           </p:cNvPicPr>
           <p:nvPr/>
         </p:nvPicPr>
         <p:blipFill>
-          <a:blip r:embed="rId2">
-            <a:duotone>
-              <a:schemeClr val="accent3">
-                <a:shade val="45000"/>
-                <a:satMod val="135000"/>
-              </a:schemeClr>
-              <a:prstClr val="white"/>
-            </a:duotone>
+          <a:blip r:embed="rId3">
             <a:extLst>
               <a:ext uri="{28A0092B-C50C-407E-A947-70E740481C1C}">
                 <a14:useLocalDpi xmlns:a14="http://schemas.microsoft.com/office/drawing/2010/main" val="0"/>
               </a:ext>
             </a:extLst>
           </a:blip>
+          <a:srcRect/>
           <a:stretch>
             <a:fillRect/>
           </a:stretch>
         </p:blipFill>
+        <p:spPr bwMode="auto">
+          <a:xfrm>
+            <a:off x="619044" y="2765981"/>
+            <a:ext cx="3286667" cy="2693333"/>
+          </a:xfrm>
+          <a:prstGeom prst="rect">
+            <a:avLst/>
+          </a:prstGeom>
+          <a:solidFill>
+            <a:srgbClr val="FFFFFF">
+              <a:shade val="85000"/>
+            </a:srgbClr>
+          </a:solidFill>
+          <a:ln w="190500" cap="sq">
+            <a:solidFill>
+              <a:srgbClr val="FFFFFF"/>
+            </a:solidFill>
+            <a:miter lim="800000"/>
+          </a:ln>
+          <a:effectLst>
+            <a:outerShdw blurRad="65000" dist="50800" dir="12900000" kx="195000" ky="145000" algn="tl" rotWithShape="0">
+              <a:srgbClr val="000000">
+                <a:alpha val="30000"/>
+              </a:srgbClr>
+            </a:outerShdw>
+          </a:effectLst>
+          <a:scene3d>
+            <a:camera prst="orthographicFront">
+              <a:rot lat="0" lon="0" rev="360000"/>
+            </a:camera>
+            <a:lightRig rig="twoPt" dir="t">
+              <a:rot lat="0" lon="0" rev="7200000"/>
+            </a:lightRig>
+          </a:scene3d>
+          <a:sp3d contourW="12700">
+            <a:bevelT w="25400" h="19050"/>
+            <a:contourClr>
+              <a:srgbClr val="969696"/>
+            </a:contourClr>
+          </a:sp3d>
+          <a:extLst/>
+        </p:spPr>
+      </p:pic>
+      <p:pic>
+        <p:nvPicPr>
+          <p:cNvPr id="6148" name="Picture 4"/>
+          <p:cNvPicPr>
+            <a:picLocks noChangeAspect="1" noChangeArrowheads="1"/>
+          </p:cNvPicPr>
+          <p:nvPr/>
+        </p:nvPicPr>
+        <p:blipFill>
+          <a:blip r:embed="rId4">
+            <a:extLst>
+              <a:ext uri="{28A0092B-C50C-407E-A947-70E740481C1C}">
+                <a14:useLocalDpi xmlns:a14="http://schemas.microsoft.com/office/drawing/2010/main" val="0"/>
+              </a:ext>
+            </a:extLst>
+          </a:blip>
+          <a:srcRect/>
+          <a:stretch>
+            <a:fillRect/>
+          </a:stretch>
+        </p:blipFill>
+        <p:spPr bwMode="auto">
+          <a:xfrm rot="496297">
+            <a:off x="4130787" y="1410224"/>
+            <a:ext cx="5393333" cy="4206667"/>
+          </a:xfrm>
+          <a:prstGeom prst="rect">
+            <a:avLst/>
+          </a:prstGeom>
+          <a:solidFill>
+            <a:srgbClr val="FFFFFF">
+              <a:shade val="85000"/>
+            </a:srgbClr>
+          </a:solidFill>
+          <a:ln w="190500" cap="sq">
+            <a:solidFill>
+              <a:srgbClr val="FFFFFF"/>
+            </a:solidFill>
+            <a:miter lim="800000"/>
+          </a:ln>
+          <a:effectLst>
+            <a:outerShdw blurRad="65000" dist="50800" dir="12900000" kx="195000" ky="145000" algn="tl" rotWithShape="0">
+              <a:srgbClr val="000000">
+                <a:alpha val="30000"/>
+              </a:srgbClr>
+            </a:outerShdw>
+          </a:effectLst>
+          <a:scene3d>
+            <a:camera prst="orthographicFront">
+              <a:rot lat="0" lon="0" rev="360000"/>
+            </a:camera>
+            <a:lightRig rig="twoPt" dir="t">
+              <a:rot lat="0" lon="0" rev="7200000"/>
+            </a:lightRig>
+          </a:scene3d>
+          <a:sp3d contourW="12700">
+            <a:bevelT w="25400" h="19050"/>
+            <a:contourClr>
+              <a:srgbClr val="969696"/>
+            </a:contourClr>
+          </a:sp3d>
+          <a:extLst/>
+        </p:spPr>
+      </p:pic>
+    </p:spTree>
+    <p:extLst>
+      <p:ext uri="{BB962C8B-B14F-4D97-AF65-F5344CB8AC3E}">
+        <p14:creationId xmlns:p14="http://schemas.microsoft.com/office/powerpoint/2010/main" val="2396015752"/>
+      </p:ext>
+    </p:extLst>
+  </p:cSld>
+  <p:clrMapOvr>
+    <a:masterClrMapping/>
+  </p:clrMapOvr>
+  <p:transition>
+    <p:random/>
+  </p:transition>
+  <p:timing>
+    <p:tnLst>
+      <p:par>
+        <p:cTn id="1" dur="indefinite" restart="never" nodeType="tmRoot"/>
+      </p:par>
+    </p:tnLst>
+  </p:timing>
+</p:sld>
+</file>
+
+<file path=ppt/slides/slide13.xml><?xml version="1.0" encoding="utf-8"?>
+<p:sld xmlns:a="http://schemas.openxmlformats.org/drawingml/2006/main" xmlns:r="http://schemas.openxmlformats.org/officeDocument/2006/relationships" xmlns:p="http://schemas.openxmlformats.org/presentationml/2006/main">
+  <p:cSld>
+    <p:spTree>
+      <p:nvGrpSpPr>
+        <p:cNvPr id="1" name=""/>
+        <p:cNvGrpSpPr/>
+        <p:nvPr/>
+      </p:nvGrpSpPr>
+      <p:grpSpPr>
+        <a:xfrm>
+          <a:off x="0" y="0"/>
+          <a:ext cx="0" cy="0"/>
+          <a:chOff x="0" y="0"/>
+          <a:chExt cx="0" cy="0"/>
+        </a:xfrm>
+      </p:grpSpPr>
+      <p:sp>
+        <p:nvSpPr>
+          <p:cNvPr id="2" name="Rubrik 1"/>
+          <p:cNvSpPr>
+            <a:spLocks noGrp="1"/>
+          </p:cNvSpPr>
+          <p:nvPr>
+            <p:ph type="title"/>
+          </p:nvPr>
+        </p:nvSpPr>
+        <p:spPr/>
+        <p:txBody>
+          <a:bodyPr/>
+          <a:lstStyle/>
+          <a:p>
+            <a:r>
+              <a:rPr lang="sv-SE" dirty="0" smtClean="0"/>
+              <a:t>Hantering </a:t>
+            </a:r>
+            <a:r>
+              <a:rPr lang="sv-SE" dirty="0"/>
+              <a:t>av fel vid </a:t>
+            </a:r>
+            <a:r>
+              <a:rPr lang="sv-SE" dirty="0" smtClean="0"/>
+              <a:t>Ajax-förfrågan med JSON</a:t>
+            </a:r>
+            <a:endParaRPr lang="sv-SE" dirty="0"/>
+          </a:p>
+        </p:txBody>
+      </p:sp>
+      <p:sp>
+        <p:nvSpPr>
+          <p:cNvPr id="3" name="Platshållare för innehåll 2"/>
+          <p:cNvSpPr>
+            <a:spLocks noGrp="1"/>
+          </p:cNvSpPr>
+          <p:nvPr>
+            <p:ph idx="1"/>
+          </p:nvPr>
+        </p:nvSpPr>
+        <p:spPr/>
+        <p:txBody>
+          <a:bodyPr/>
+          <a:lstStyle/>
+          <a:p>
+            <a:r>
+              <a:rPr lang="sv-SE" dirty="0" smtClean="0"/>
+              <a:t>För att skicka samtliga felmeddelanden, gällande så väl modellens egenskaper som formuläret i sig, till klienten kan JSON användas.</a:t>
+            </a:r>
+          </a:p>
+          <a:p>
+            <a:r>
+              <a:rPr lang="sv-SE" dirty="0" smtClean="0"/>
+              <a:t>På klienten används </a:t>
+            </a:r>
+            <a:r>
+              <a:rPr lang="sv-SE" sz="1400" dirty="0" err="1">
+                <a:latin typeface="Consolas" pitchFamily="49" charset="0"/>
+                <a:cs typeface="Consolas" pitchFamily="49" charset="0"/>
+              </a:rPr>
+              <a:t>jQuery.validate</a:t>
+            </a:r>
+            <a:r>
+              <a:rPr lang="sv-SE" sz="1400" dirty="0">
+                <a:latin typeface="Consolas" pitchFamily="49" charset="0"/>
+                <a:cs typeface="Consolas" pitchFamily="49" charset="0"/>
+              </a:rPr>
+              <a:t>().</a:t>
+            </a:r>
+            <a:r>
+              <a:rPr lang="sv-SE" sz="1400" dirty="0" err="1">
+                <a:latin typeface="Consolas" pitchFamily="49" charset="0"/>
+                <a:cs typeface="Consolas" pitchFamily="49" charset="0"/>
+              </a:rPr>
+              <a:t>showErrors</a:t>
+            </a:r>
+            <a:r>
+              <a:rPr lang="sv-SE" sz="1400" dirty="0">
+                <a:latin typeface="Consolas" pitchFamily="49" charset="0"/>
+                <a:cs typeface="Consolas" pitchFamily="49" charset="0"/>
+              </a:rPr>
+              <a:t>()</a:t>
+            </a:r>
+            <a:r>
+              <a:rPr lang="sv-SE" dirty="0" smtClean="0"/>
+              <a:t/>
+            </a:r>
+            <a:br>
+              <a:rPr lang="sv-SE" dirty="0" smtClean="0"/>
+            </a:br>
+            <a:r>
+              <a:rPr lang="sv-SE" dirty="0" smtClean="0"/>
+              <a:t>för att visa felen där de ska visas.</a:t>
+            </a:r>
+            <a:endParaRPr lang="sv-SE" dirty="0"/>
+          </a:p>
+        </p:txBody>
+      </p:sp>
+      <p:pic>
+        <p:nvPicPr>
+          <p:cNvPr id="7170" name="Picture 2"/>
+          <p:cNvPicPr>
+            <a:picLocks noChangeAspect="1" noChangeArrowheads="1"/>
+          </p:cNvPicPr>
+          <p:nvPr/>
+        </p:nvPicPr>
+        <p:blipFill>
+          <a:blip r:embed="rId3">
+            <a:extLst>
+              <a:ext uri="{28A0092B-C50C-407E-A947-70E740481C1C}">
+                <a14:useLocalDpi xmlns:a14="http://schemas.microsoft.com/office/drawing/2010/main" val="0"/>
+              </a:ext>
+            </a:extLst>
+          </a:blip>
+          <a:srcRect/>
+          <a:stretch>
+            <a:fillRect/>
+          </a:stretch>
+        </p:blipFill>
+        <p:spPr bwMode="auto">
+          <a:xfrm>
+            <a:off x="1822864" y="2149422"/>
+            <a:ext cx="3777143" cy="3131429"/>
+          </a:xfrm>
+          <a:prstGeom prst="rect">
+            <a:avLst/>
+          </a:prstGeom>
+          <a:solidFill>
+            <a:srgbClr val="FFFFFF">
+              <a:shade val="85000"/>
+            </a:srgbClr>
+          </a:solidFill>
+          <a:ln w="190500" cap="sq">
+            <a:solidFill>
+              <a:srgbClr val="FFFFFF"/>
+            </a:solidFill>
+            <a:miter lim="800000"/>
+          </a:ln>
+          <a:effectLst>
+            <a:outerShdw blurRad="65000" dist="50800" dir="12900000" kx="195000" ky="145000" algn="tl" rotWithShape="0">
+              <a:srgbClr val="000000">
+                <a:alpha val="30000"/>
+              </a:srgbClr>
+            </a:outerShdw>
+          </a:effectLst>
+          <a:scene3d>
+            <a:camera prst="orthographicFront">
+              <a:rot lat="0" lon="0" rev="360000"/>
+            </a:camera>
+            <a:lightRig rig="twoPt" dir="t">
+              <a:rot lat="0" lon="0" rev="7200000"/>
+            </a:lightRig>
+          </a:scene3d>
+          <a:sp3d contourW="12700">
+            <a:bevelT w="25400" h="19050"/>
+            <a:contourClr>
+              <a:srgbClr val="969696"/>
+            </a:contourClr>
+          </a:sp3d>
+          <a:extLst/>
+        </p:spPr>
+      </p:pic>
+      <p:pic>
+        <p:nvPicPr>
+          <p:cNvPr id="7171" name="Picture 3"/>
+          <p:cNvPicPr>
+            <a:picLocks noChangeAspect="1" noChangeArrowheads="1"/>
+          </p:cNvPicPr>
+          <p:nvPr/>
+        </p:nvPicPr>
+        <p:blipFill>
+          <a:blip r:embed="rId4">
+            <a:extLst>
+              <a:ext uri="{28A0092B-C50C-407E-A947-70E740481C1C}">
+                <a14:useLocalDpi xmlns:a14="http://schemas.microsoft.com/office/drawing/2010/main" val="0"/>
+              </a:ext>
+            </a:extLst>
+          </a:blip>
+          <a:srcRect/>
+          <a:stretch>
+            <a:fillRect/>
+          </a:stretch>
+        </p:blipFill>
+        <p:spPr bwMode="auto">
+          <a:xfrm rot="611593">
+            <a:off x="5767669" y="1384639"/>
+            <a:ext cx="3222857" cy="4160000"/>
+          </a:xfrm>
+          <a:prstGeom prst="rect">
+            <a:avLst/>
+          </a:prstGeom>
+          <a:solidFill>
+            <a:srgbClr val="FFFFFF">
+              <a:shade val="85000"/>
+            </a:srgbClr>
+          </a:solidFill>
+          <a:ln w="190500" cap="sq">
+            <a:solidFill>
+              <a:srgbClr val="FFFFFF"/>
+            </a:solidFill>
+            <a:miter lim="800000"/>
+          </a:ln>
+          <a:effectLst>
+            <a:outerShdw blurRad="65000" dist="50800" dir="12900000" kx="195000" ky="145000" algn="tl" rotWithShape="0">
+              <a:srgbClr val="000000">
+                <a:alpha val="30000"/>
+              </a:srgbClr>
+            </a:outerShdw>
+          </a:effectLst>
+          <a:scene3d>
+            <a:camera prst="orthographicFront">
+              <a:rot lat="0" lon="0" rev="360000"/>
+            </a:camera>
+            <a:lightRig rig="twoPt" dir="t">
+              <a:rot lat="0" lon="0" rev="7200000"/>
+            </a:lightRig>
+          </a:scene3d>
+          <a:sp3d contourW="12700">
+            <a:bevelT w="25400" h="19050"/>
+            <a:contourClr>
+              <a:srgbClr val="969696"/>
+            </a:contourClr>
+          </a:sp3d>
+          <a:extLst/>
+        </p:spPr>
+      </p:pic>
+    </p:spTree>
+    <p:extLst>
+      <p:ext uri="{BB962C8B-B14F-4D97-AF65-F5344CB8AC3E}">
+        <p14:creationId xmlns:p14="http://schemas.microsoft.com/office/powerpoint/2010/main" val="2547963178"/>
+      </p:ext>
+    </p:extLst>
+  </p:cSld>
+  <p:clrMapOvr>
+    <a:masterClrMapping/>
+  </p:clrMapOvr>
+  <p:transition>
+    <p:random/>
+  </p:transition>
+  <p:timing>
+    <p:tnLst>
+      <p:par>
+        <p:cTn id="1" dur="indefinite" restart="never" nodeType="tmRoot"/>
+      </p:par>
+    </p:tnLst>
+  </p:timing>
+</p:sld>
+</file>
+
+<file path=ppt/slides/slide14.xml><?xml version="1.0" encoding="utf-8"?>
+<p:sld xmlns:a="http://schemas.openxmlformats.org/drawingml/2006/main" xmlns:r="http://schemas.openxmlformats.org/officeDocument/2006/relationships" xmlns:p="http://schemas.openxmlformats.org/presentationml/2006/main">
+  <p:cSld>
+    <p:spTree>
+      <p:nvGrpSpPr>
+        <p:cNvPr id="1" name=""/>
+        <p:cNvGrpSpPr/>
+        <p:nvPr/>
+      </p:nvGrpSpPr>
+      <p:grpSpPr>
+        <a:xfrm>
+          <a:off x="0" y="0"/>
+          <a:ext cx="0" cy="0"/>
+          <a:chOff x="0" y="0"/>
+          <a:chExt cx="0" cy="0"/>
+        </a:xfrm>
+      </p:grpSpPr>
+      <p:sp>
+        <p:nvSpPr>
+          <p:cNvPr id="2" name="Rubrik 1"/>
+          <p:cNvSpPr>
+            <a:spLocks noGrp="1"/>
+          </p:cNvSpPr>
+          <p:nvPr>
+            <p:ph type="title"/>
+          </p:nvPr>
+        </p:nvSpPr>
+        <p:spPr/>
+        <p:txBody>
+          <a:bodyPr/>
+          <a:lstStyle/>
+          <a:p>
+            <a:r>
+              <a:rPr lang="sv-SE" dirty="0" smtClean="0"/>
+              <a:t>…används ValidationSummary så blir det komplexare</a:t>
+            </a:r>
+            <a:endParaRPr lang="sv-SE" dirty="0"/>
+          </a:p>
+        </p:txBody>
+      </p:sp>
+      <p:sp>
+        <p:nvSpPr>
+          <p:cNvPr id="3" name="Platshållare för innehåll 2"/>
+          <p:cNvSpPr>
+            <a:spLocks noGrp="1"/>
+          </p:cNvSpPr>
+          <p:nvPr>
+            <p:ph idx="1"/>
+          </p:nvPr>
+        </p:nvSpPr>
         <p:spPr>
           <a:xfrm>
-            <a:off x="471326" y="1722745"/>
-            <a:ext cx="9467793" cy="4713224"/>
+            <a:off x="457200" y="817563"/>
+            <a:ext cx="3269985" cy="4619625"/>
+          </a:xfrm>
+        </p:spPr>
+        <p:txBody>
+          <a:bodyPr/>
+          <a:lstStyle/>
+          <a:p>
+            <a:r>
+              <a:rPr lang="sv-SE" dirty="0" smtClean="0"/>
+              <a:t>Används </a:t>
+            </a:r>
+            <a:r>
+              <a:rPr lang="sv-SE" sz="1400" dirty="0">
+                <a:latin typeface="Consolas" pitchFamily="49" charset="0"/>
+                <a:cs typeface="Consolas" pitchFamily="49" charset="0"/>
+              </a:rPr>
+              <a:t>ValidationSummary</a:t>
+            </a:r>
+            <a:r>
+              <a:rPr lang="sv-SE" dirty="0" smtClean="0"/>
+              <a:t> för att visa fel som inte är knutna till någon egenskap i modellen, </a:t>
+            </a:r>
+            <a:r>
+              <a:rPr lang="sv-SE" dirty="0" smtClean="0"/>
+              <a:t>medför det </a:t>
+            </a:r>
+            <a:r>
+              <a:rPr lang="sv-SE" dirty="0" smtClean="0"/>
+              <a:t>att skriptet som visar fel blir mer omfattande.</a:t>
+            </a:r>
+            <a:endParaRPr lang="sv-SE" dirty="0"/>
+          </a:p>
+        </p:txBody>
+      </p:sp>
+      <p:pic>
+        <p:nvPicPr>
+          <p:cNvPr id="9218" name="Picture 2"/>
+          <p:cNvPicPr>
+            <a:picLocks noChangeAspect="1" noChangeArrowheads="1"/>
+          </p:cNvPicPr>
+          <p:nvPr/>
+        </p:nvPicPr>
+        <p:blipFill>
+          <a:blip r:embed="rId3">
+            <a:extLst>
+              <a:ext uri="{28A0092B-C50C-407E-A947-70E740481C1C}">
+                <a14:useLocalDpi xmlns:a14="http://schemas.microsoft.com/office/drawing/2010/main" val="0"/>
+              </a:ext>
+            </a:extLst>
+          </a:blip>
+          <a:srcRect/>
+          <a:stretch>
+            <a:fillRect/>
+          </a:stretch>
+        </p:blipFill>
+        <p:spPr bwMode="auto">
+          <a:xfrm rot="334775">
+            <a:off x="3471856" y="-90791"/>
+            <a:ext cx="6006667" cy="5920000"/>
+          </a:xfrm>
+          <a:prstGeom prst="rect">
+            <a:avLst/>
+          </a:prstGeom>
+          <a:solidFill>
+            <a:srgbClr val="FFFFFF">
+              <a:shade val="85000"/>
+            </a:srgbClr>
+          </a:solidFill>
+          <a:ln w="101600" cap="sq">
+            <a:solidFill>
+              <a:srgbClr val="FDFDFD"/>
+            </a:solidFill>
+            <a:miter lim="800000"/>
+          </a:ln>
+          <a:effectLst>
+            <a:outerShdw blurRad="57150" dist="37500" dir="7560000" sy="98000" kx="110000" ky="200000" algn="tl" rotWithShape="0">
+              <a:srgbClr val="000000">
+                <a:alpha val="20000"/>
+              </a:srgbClr>
+            </a:outerShdw>
+          </a:effectLst>
+          <a:scene3d>
+            <a:camera prst="perspectiveRelaxed">
+              <a:rot lat="18960000" lon="0" rev="0"/>
+            </a:camera>
+            <a:lightRig rig="twoPt" dir="t">
+              <a:rot lat="0" lon="0" rev="7200000"/>
+            </a:lightRig>
+          </a:scene3d>
+          <a:sp3d prstMaterial="matte">
+            <a:bevelT w="22860" h="12700"/>
+            <a:contourClr>
+              <a:srgbClr val="FFFFFF"/>
+            </a:contourClr>
+          </a:sp3d>
+          <a:extLst/>
+        </p:spPr>
+      </p:pic>
+    </p:spTree>
+    <p:extLst>
+      <p:ext uri="{BB962C8B-B14F-4D97-AF65-F5344CB8AC3E}">
+        <p14:creationId xmlns:p14="http://schemas.microsoft.com/office/powerpoint/2010/main" val="2345601027"/>
+      </p:ext>
+    </p:extLst>
+  </p:cSld>
+  <p:clrMapOvr>
+    <a:masterClrMapping/>
+  </p:clrMapOvr>
+  <p:transition>
+    <p:random/>
+  </p:transition>
+</p:sld>
+</file>
+
+<file path=ppt/slides/slide2.xml><?xml version="1.0" encoding="utf-8"?>
+<p:sld xmlns:a="http://schemas.openxmlformats.org/drawingml/2006/main" xmlns:r="http://schemas.openxmlformats.org/officeDocument/2006/relationships" xmlns:p="http://schemas.openxmlformats.org/presentationml/2006/main">
+  <p:cSld>
+    <p:bg>
+      <p:bgPr>
+        <a:solidFill>
+          <a:schemeClr val="accent1">
+            <a:lumMod val="20000"/>
+            <a:lumOff val="80000"/>
+          </a:schemeClr>
+        </a:solidFill>
+        <a:effectLst/>
+      </p:bgPr>
+    </p:bg>
+    <p:spTree>
+      <p:nvGrpSpPr>
+        <p:cNvPr id="1" name=""/>
+        <p:cNvGrpSpPr/>
+        <p:nvPr/>
+      </p:nvGrpSpPr>
+      <p:grpSpPr>
+        <a:xfrm>
+          <a:off x="0" y="0"/>
+          <a:ext cx="0" cy="0"/>
+          <a:chOff x="0" y="0"/>
+          <a:chExt cx="0" cy="0"/>
+        </a:xfrm>
+      </p:grpSpPr>
+      <p:sp>
+        <p:nvSpPr>
+          <p:cNvPr id="2" name="Rubrik 1"/>
+          <p:cNvSpPr>
+            <a:spLocks noGrp="1"/>
+          </p:cNvSpPr>
+          <p:nvPr>
+            <p:ph type="title"/>
+          </p:nvPr>
+        </p:nvSpPr>
+        <p:spPr/>
+        <p:txBody>
+          <a:bodyPr/>
+          <a:lstStyle/>
+          <a:p>
+            <a:r>
+              <a:rPr lang="sv-SE" dirty="0" smtClean="0"/>
+              <a:t>Upphovsrätt för detta verk</a:t>
+            </a:r>
+            <a:endParaRPr lang="sv-SE" dirty="0"/>
+          </a:p>
+        </p:txBody>
+      </p:sp>
+      <p:sp>
+        <p:nvSpPr>
+          <p:cNvPr id="3" name="Platshållare för innehåll 2"/>
+          <p:cNvSpPr>
+            <a:spLocks noGrp="1"/>
+          </p:cNvSpPr>
+          <p:nvPr>
+            <p:ph idx="1"/>
+          </p:nvPr>
+        </p:nvSpPr>
+        <p:spPr/>
+        <p:txBody>
+          <a:bodyPr/>
+          <a:lstStyle/>
+          <a:p>
+            <a:pPr marL="0" indent="0">
+              <a:buNone/>
+            </a:pPr>
+            <a:r>
+              <a:rPr lang="sv-SE" sz="1400" dirty="0"/>
+              <a:t>Detta verk är framtaget i anslutning till kursen </a:t>
+            </a:r>
+            <a:r>
+              <a:rPr lang="sv-SE" sz="1400" dirty="0" smtClean="0"/>
+              <a:t>ASP.NET MVC </a:t>
+            </a:r>
+            <a:r>
+              <a:rPr lang="sv-SE" sz="1400" dirty="0"/>
+              <a:t>vid Linnéuniversitetet.</a:t>
+            </a:r>
+          </a:p>
+          <a:p>
+            <a:pPr marL="0" indent="0">
+              <a:buNone/>
+            </a:pPr>
+            <a:r>
+              <a:rPr lang="sv-SE" sz="1400" b="1" dirty="0"/>
+              <a:t>Du får använda detta verk så här:</a:t>
+            </a:r>
+            <a:endParaRPr lang="sv-SE" sz="1400" dirty="0"/>
+          </a:p>
+          <a:p>
+            <a:pPr marL="0" indent="0">
+              <a:buNone/>
+            </a:pPr>
+            <a:r>
+              <a:rPr lang="sv-SE" sz="1400" dirty="0"/>
+              <a:t>Allt innehåll i </a:t>
+            </a:r>
+            <a:r>
+              <a:rPr lang="sv-SE" sz="1400" dirty="0" smtClean="0"/>
+              <a:t>detta verk av</a:t>
+            </a:r>
+            <a:r>
+              <a:rPr lang="sv-SE" sz="1400" dirty="0"/>
+              <a:t> Mats Loock, </a:t>
+            </a:r>
+            <a:r>
+              <a:rPr lang="sv-SE" sz="1400" dirty="0" smtClean="0"/>
+              <a:t>förutom Linnéuniversitetets logotyp och symbol, </a:t>
+            </a:r>
+            <a:r>
+              <a:rPr lang="sv-SE" sz="1400" dirty="0"/>
+              <a:t>är licensierad under</a:t>
+            </a:r>
+            <a:r>
+              <a:rPr lang="sv-SE" sz="1400" dirty="0" smtClean="0"/>
+              <a:t>:</a:t>
+            </a:r>
+          </a:p>
+          <a:p>
+            <a:pPr marL="984250" indent="0">
+              <a:buNone/>
+            </a:pPr>
+            <a:r>
+              <a:rPr lang="sv-SE" sz="1400" dirty="0" err="1"/>
+              <a:t>Creative</a:t>
+            </a:r>
+            <a:r>
+              <a:rPr lang="sv-SE" sz="1400" dirty="0"/>
+              <a:t> </a:t>
+            </a:r>
+            <a:r>
+              <a:rPr lang="sv-SE" sz="1400" dirty="0" err="1"/>
+              <a:t>Commons</a:t>
+            </a:r>
+            <a:r>
+              <a:rPr lang="sv-SE" sz="1400" dirty="0"/>
+              <a:t> Erkännande-</a:t>
+            </a:r>
+            <a:r>
+              <a:rPr lang="sv-SE" sz="1400" dirty="0" err="1"/>
+              <a:t>IckeKommersiell</a:t>
+            </a:r>
+            <a:r>
+              <a:rPr lang="sv-SE" sz="1400" dirty="0"/>
+              <a:t>-</a:t>
+            </a:r>
+            <a:r>
+              <a:rPr lang="sv-SE" sz="1400" dirty="0" err="1"/>
+              <a:t>DelaLika</a:t>
+            </a:r>
+            <a:r>
+              <a:rPr lang="sv-SE" sz="1400" dirty="0"/>
+              <a:t> 2.5 Sverige licens.</a:t>
+            </a:r>
+            <a:br>
+              <a:rPr lang="sv-SE" sz="1400" dirty="0"/>
+            </a:br>
+            <a:r>
+              <a:rPr lang="sv-SE" sz="1400" u="sng" dirty="0">
+                <a:hlinkClick r:id="rId3"/>
+              </a:rPr>
+              <a:t>http://creativecommons.org/licenses/by-nc-sa/2.5/se</a:t>
+            </a:r>
+            <a:r>
+              <a:rPr lang="sv-SE" sz="1400" u="sng" dirty="0" smtClean="0">
+                <a:hlinkClick r:id="rId3"/>
+              </a:rPr>
+              <a:t>/</a:t>
+            </a:r>
+            <a:endParaRPr lang="sv-SE" sz="1400" u="sng" dirty="0" smtClean="0"/>
+          </a:p>
+          <a:p>
+            <a:pPr marL="0" indent="0">
+              <a:buNone/>
+            </a:pPr>
+            <a:r>
+              <a:rPr lang="sv-SE" sz="1400" b="1" dirty="0"/>
+              <a:t>Det betyder att du i icke-kommersiella syften får:</a:t>
+            </a:r>
+            <a:endParaRPr lang="sv-SE" sz="1400" dirty="0"/>
+          </a:p>
+          <a:p>
+            <a:pPr lvl="0">
+              <a:buClrTx/>
+              <a:buFont typeface="Arial" pitchFamily="34" charset="0"/>
+              <a:buChar char="•"/>
+            </a:pPr>
+            <a:r>
+              <a:rPr lang="sv-SE" sz="1400" dirty="0"/>
+              <a:t>kopiera hela eller delar av innehållet</a:t>
+            </a:r>
+          </a:p>
+          <a:p>
+            <a:pPr lvl="0">
+              <a:buClrTx/>
+              <a:buFont typeface="Arial" pitchFamily="34" charset="0"/>
+              <a:buChar char="•"/>
+            </a:pPr>
+            <a:r>
+              <a:rPr lang="sv-SE" sz="1400" dirty="0"/>
+              <a:t>sprida hela eller delar av innehållet</a:t>
+            </a:r>
+          </a:p>
+          <a:p>
+            <a:pPr lvl="0">
+              <a:buClrTx/>
+              <a:buFont typeface="Arial" pitchFamily="34" charset="0"/>
+              <a:buChar char="•"/>
+            </a:pPr>
+            <a:r>
+              <a:rPr lang="sv-SE" sz="1400" dirty="0"/>
+              <a:t>visa hela eller delar av innehållet offentligt och digitalt</a:t>
+            </a:r>
+          </a:p>
+          <a:p>
+            <a:pPr lvl="0">
+              <a:buClrTx/>
+              <a:buFont typeface="Arial" pitchFamily="34" charset="0"/>
+              <a:buChar char="•"/>
+            </a:pPr>
+            <a:r>
+              <a:rPr lang="sv-SE" sz="1400" dirty="0"/>
+              <a:t>konvertera innehållet till annat format</a:t>
+            </a:r>
+          </a:p>
+          <a:p>
+            <a:pPr lvl="0">
+              <a:buClrTx/>
+              <a:buFont typeface="Arial" pitchFamily="34" charset="0"/>
+              <a:buChar char="•"/>
+            </a:pPr>
+            <a:r>
+              <a:rPr lang="sv-SE" sz="1400" dirty="0"/>
+              <a:t>du får även göra om innehållet</a:t>
+            </a:r>
+          </a:p>
+          <a:p>
+            <a:pPr marL="0" indent="0">
+              <a:buNone/>
+            </a:pPr>
+            <a:r>
+              <a:rPr lang="sv-SE" sz="1400" dirty="0"/>
+              <a:t>Om du förändrar innehållet så ta inte med </a:t>
+            </a:r>
+            <a:r>
+              <a:rPr lang="sv-SE" sz="1400" dirty="0" smtClean="0"/>
+              <a:t>Linnéuniversitetets logotyp och </a:t>
+            </a:r>
+            <a:r>
+              <a:rPr lang="sv-SE" sz="1400" dirty="0"/>
+              <a:t>symbol </a:t>
+            </a:r>
+            <a:r>
+              <a:rPr lang="sv-SE" sz="1400" dirty="0" smtClean="0"/>
+              <a:t>i </a:t>
+            </a:r>
+            <a:r>
+              <a:rPr lang="sv-SE" sz="1400" dirty="0"/>
+              <a:t>din nya version!</a:t>
+            </a:r>
+          </a:p>
+          <a:p>
+            <a:pPr marL="0" indent="0">
+              <a:buNone/>
+            </a:pPr>
+            <a:r>
+              <a:rPr lang="sv-SE" sz="1400" dirty="0"/>
+              <a:t>Vid all användning måste du ange källan: ”Linnéuniversitetet – </a:t>
+            </a:r>
+            <a:r>
+              <a:rPr lang="sv-SE" sz="1400" dirty="0" smtClean="0"/>
+              <a:t>ASP.NET MVC” </a:t>
+            </a:r>
+            <a:r>
+              <a:rPr lang="sv-SE" sz="1400" dirty="0"/>
+              <a:t>och en länk till </a:t>
+            </a:r>
+            <a:r>
+              <a:rPr lang="sv-SE" sz="1400" u="sng" dirty="0">
+                <a:hlinkClick r:id="rId4"/>
+              </a:rPr>
+              <a:t>https://</a:t>
+            </a:r>
+            <a:r>
+              <a:rPr lang="sv-SE" sz="1400" u="sng" dirty="0" smtClean="0">
+                <a:hlinkClick r:id="rId4"/>
+              </a:rPr>
+              <a:t>coursepress.lnu.se/kurs/aspnet-mvc</a:t>
+            </a:r>
+            <a:r>
+              <a:rPr lang="sv-SE" sz="1400" dirty="0" smtClean="0"/>
+              <a:t> </a:t>
+            </a:r>
+            <a:r>
+              <a:rPr lang="sv-SE" sz="1400" dirty="0"/>
+              <a:t>och till </a:t>
+            </a:r>
+            <a:r>
+              <a:rPr lang="sv-SE" sz="1400" dirty="0" err="1"/>
+              <a:t>Creative</a:t>
+            </a:r>
+            <a:r>
+              <a:rPr lang="sv-SE" sz="1400" dirty="0"/>
+              <a:t> Common-licensen här ovan.</a:t>
+            </a:r>
+          </a:p>
+        </p:txBody>
+      </p:sp>
+      <p:pic>
+        <p:nvPicPr>
+          <p:cNvPr id="12" name="Bildobjekt 11"/>
+          <p:cNvPicPr/>
+          <p:nvPr/>
+        </p:nvPicPr>
+        <p:blipFill>
+          <a:blip r:embed="rId5">
+            <a:extLst>
+              <a:ext uri="{28A0092B-C50C-407E-A947-70E740481C1C}">
+                <a14:useLocalDpi xmlns:a14="http://schemas.microsoft.com/office/drawing/2010/main" val="0"/>
+              </a:ext>
+            </a:extLst>
+          </a:blip>
+          <a:srcRect/>
+          <a:stretch>
+            <a:fillRect/>
+          </a:stretch>
+        </p:blipFill>
+        <p:spPr bwMode="auto">
+          <a:xfrm>
+            <a:off x="539552" y="1836273"/>
+            <a:ext cx="836930" cy="293370"/>
           </a:xfrm>
           <a:prstGeom prst="rect">
             <a:avLst/>
@@ -4292,160 +6588,14 @@
           <a:ln>
             <a:noFill/>
           </a:ln>
-          <a:scene3d>
-            <a:camera prst="isometricOffAxis2Top"/>
-            <a:lightRig rig="threePt" dir="t"/>
-          </a:scene3d>
         </p:spPr>
       </p:pic>
-      <p:sp>
-        <p:nvSpPr>
-          <p:cNvPr id="2" name="Rubrik 1"/>
-          <p:cNvSpPr>
-            <a:spLocks noGrp="1"/>
-          </p:cNvSpPr>
-          <p:nvPr>
-            <p:ph type="title"/>
-          </p:nvPr>
-        </p:nvSpPr>
-        <p:spPr/>
-        <p:txBody>
-          <a:bodyPr/>
-          <a:lstStyle/>
-          <a:p>
-            <a:r>
-              <a:rPr lang="sv-SE" dirty="0" smtClean="0"/>
-              <a:t>Använd Ajax när du…</a:t>
-            </a:r>
-            <a:endParaRPr lang="sv-SE" dirty="0"/>
-          </a:p>
-        </p:txBody>
-      </p:sp>
-      <p:sp>
-        <p:nvSpPr>
-          <p:cNvPr id="3" name="Platshållare för innehåll 2"/>
-          <p:cNvSpPr>
-            <a:spLocks noGrp="1"/>
-          </p:cNvSpPr>
-          <p:nvPr>
-            <p:ph idx="1"/>
-          </p:nvPr>
-        </p:nvSpPr>
-        <p:spPr>
-          <a:xfrm>
-            <a:off x="457199" y="817563"/>
-            <a:ext cx="8081890" cy="4619625"/>
-          </a:xfrm>
-        </p:spPr>
-        <p:txBody>
-          <a:bodyPr/>
-          <a:lstStyle/>
-          <a:p>
-            <a:r>
-              <a:rPr lang="sv-SE" dirty="0" smtClean="0"/>
-              <a:t>…har komplexa sidor och bara behöver uppdatera en liten del av sidan.</a:t>
-            </a:r>
-          </a:p>
-          <a:p>
-            <a:r>
-              <a:rPr lang="sv-SE" dirty="0" smtClean="0"/>
-              <a:t>…vill att användare ska uppfatta att din applikation har korta svarstider.</a:t>
-            </a:r>
-          </a:p>
-          <a:p>
-            <a:r>
-              <a:rPr lang="sv-SE" dirty="0" smtClean="0"/>
-              <a:t>…vill reducera belastningen av webbservern och databasserver.</a:t>
-            </a:r>
-          </a:p>
-          <a:p>
-            <a:r>
-              <a:rPr lang="sv-SE" dirty="0" smtClean="0"/>
-              <a:t>…har behov av asynkrona anrop.</a:t>
-            </a:r>
-            <a:endParaRPr lang="sv-SE" dirty="0"/>
-          </a:p>
-        </p:txBody>
-      </p:sp>
-      <p:sp>
-        <p:nvSpPr>
-          <p:cNvPr id="5" name="AutoShape 2" descr="data:image/jpeg;base64,/9j/4AAQSkZJRgABAQAAAQABAAD/2wBDAAkGBwgHBgkIBwgKCgkLDRYPDQwMDRsUFRAWIB0iIiAdHx8kKDQsJCYxJx8fLT0tMTU3Ojo6Iys/RD84QzQ5Ojf/2wBDAQoKCg0MDRoPDxo3JR8lNzc3Nzc3Nzc3Nzc3Nzc3Nzc3Nzc3Nzc3Nzc3Nzc3Nzc3Nzc3Nzc3Nzc3Nzc3Nzc3Nzf/wAARCAByAOUDASIAAhEBAxEB/8QAHAABAAIDAQEBAAAAAAAAAAAAAAYHAQQFAwII/8QAQxAAAQQCAAMEBwQGCAYDAAAAAQACAwQFEQYSIRMxQVEHFCJhcYGRFSOx0RYyQlKhsiQzQ1NicpKiNDZUdJPhRcHC/8QAGgEBAAMBAQEAAAAAAAAAAAAAAAIDBQQBBv/EACsRAAICAgEDAwMDBQAAAAAAAAABAgMEESESMUEFEzIUUcGx4fAVYZGh0f/aAAwDAQACEQMRAD8AvFERAEREAREQBERAERfEkjYml0jg1o7ySg2faLlyZ/GxnRstd/lBK+P0jxn9+f8AQVP25/Yh7kPuddFoVsvQsuDYrMZce5pOifqt4Hai013JKSfYyiIvD0IiIAiIgCIiAIiIAiIgCIiAIiIAiIgCIiAIiIAiIgMFQLifJvtZCSEP+5hPIG+BPiVPT3Kp8jLvI29/37/5iuvDgpTbfg482bjBJeTap1LmQkcyjX7Qs/Wc52mt92/Nbh4dzgBPq1c+4Tnf8qkfBDW/YTHgDb5Hknz9oj/6C769sybFNpeDyrFrcE35KrkEkUj4p2PjlYdOa7vBUq4Qy0kz3UZ3l2m80RPfod4WvxVhshbyvbUawkjMQBPOG9QSvLhnD5Opl4p7VcRxNa4E84PerLLK7Kdt8ldddld2orgm4WVgLKzzRCIiAIiIAiIgCIiAIiIAiIgCIiAIiIAiIgCIscw80BlFjmHmE5ggDu5U3lJdZO4PKd4/3FXISCFRmZn1mL48rMn8xWh6etykZnqc+mEX/ctLgQ83Ddc/45P5ypDvSjPo7dzcK1nH9+T+dy53HHFpoPdi6BIslo7WTu5AR05fM+9USqlZfKEfuzoV8aseNku2kevF3FTaxfQx0gMx6SStP6nuHv8AwWpwlxXyObRyUh5CdRTPPcfI/mq+9YcRzEEgk9T4nx6/NO3JB6bA7/d4LTWFX7XT/syn6hY7epf4L9adjoR8llV1wNxc4zQ4rIOLu0IbXl7zv90/mrE5gsi6mVUumRs0Xwvh1xPpFjmHmE2PNVF+zKIsEgeKAyixzDzTYQbMosbATmHmgMoscw81lAEREAREQBERAEREBg96qf0j5ySxmxTrTvZHTbp3I8jbzrfd5DX1KsfiDJR4jE2r0n9kzbR+87wH10qDnnfNLJPM7ckjnPefMk7K0vTqeqTm+yMr1S5xgq0+WbPr1n/qrH/ld+atH0f571vh+VlpznS0dhx6uc5mtg+Z8R8lBc/w5LisHir5aQ6dn9IB/YcfaaPpsfJfHBGY+yuIoHPdqvP9zNvu0e4/I6/iuu+EL6W4LscONKzGyFGb7/k78PpHndmu2kiAxjhyiIfrtH7+/P3KIZeZk2WuywuDo5J3vYR4gnYU1474Nc0yZXCxc3N7U9ZgHXzc33+Y8VXYeCAW9W66FSxFU1118ca0RzffT9uzlb2mTCnxdLieF6mOxpAucz3SSkbEYLyQBvvPVSCpXpekHFtlsRuq36rwySWJvQ+4E9CCPDwKhXC/D1riG72UYdHVYfvrGthv+Ee/8PxujFY6riqUdSlE2OKMaAHefMnzO/FceZKqt6r+W97O7BhbZHdnw1rRW3pJx9bFR4ipSibHExkvQDvO29T71rejevDdzNmvZjbJFJVcHMcNggkeC6XpfOrGL/yyfixc/wBFJ3xHL/2x/EK6Lf0Tfn9yiUEvUEtcfsTjh7g/H4O3NZj55ZHuPZuk6mJp/Zb+feVF/Sfm3+vQYyrM9gib2kpa4gknuH0/EKw8jbioUZ7c7uWKFhe4/BUBfuy37ti5OdyTyF592+4fIdPkqMGt22Oc+dHR6hNU1KuHGz09etf9VY/8rvzVk+i/MvtUp8dYlc+WB3PGXuJJYfee/R39Qobe4dfU4Pp5og88km5B5Ru0G/xA/wBS0eGsscNm6t0uPZtdyzAfuHv+nf8AJdl0IZFMuhco4KJWY18XN8P8l9rjcU4Y5nGOhimfBOw88UjHEadruOu8HxC67HB7Q5p209QV9aWFFuL2j6OUVKOmfn+xNfqWJK9qazHNE7lewyu2D9VYfo34mNuL7JuybniG4Xud1kb4j4j8FsekLhY5Ouchj4x67C08zWj+tYPD4jw/9qqq1mSrZisVnujmhcHMI6FpHn+XxW1H28ynXZmDJWYN++8X+hdPGXELMDjC5habcwLYGHz8XEeQVOvyFwvL327Bc47J7V3Ur0zmZtZy+bdx3UtDWMb+qwDwH4qVejrhc3pmZe/H/RmHdZjv7Q/v68h4fXySuEMSnqn3PLJ2Zt6jDiKJH6P8Dao1jkMnLK6zO0csT3k9k35nvPj9FMvBYaAOgHRfSxpzc5OTN6utVxUV4CIiiTCIiAIiIAsbWVr3rMdOrNZncGxRML3OPgANlNb4PG9LbK49LWYL56+Ihf7LR204Hif2B+J+ih3DVSG7nacVuRkdYP55XPcAOVvXXXzOh814ZW5Nk8jZvTb5p5C/XkPAfIaC9aeAy96Bs9THTzQuPsvbrR18Svoa4Rpo6JPWz5qyyV2R1xW9foWzxPJiMvgLNEZCpzuZuI9q3o4dW+PmAqUPVpD+/uK7H6KZ8d2Hs/7fzWlext/HSNjyFWSvI4czRJrqPltRxYV1bjGe9lmZO23U5Q1oubgjLjN8PwSyEOmj+5m8faA7/mNH5rg8Q8AVshlWWqFmOrFK7dlg1/qZ5E/Tx+Mf9GWVNDNmlK7UFxuuvcJB3fUbH0UWvxyxX7Ub+ZrmzPaQfMOK5oYso3yUJaOmWZCWPFzjv/qL7xGPqYyjHUoRMjijHQN8T47963VAPRNeg+zbFF0oFhsxk5HHq5pA6j6Kfk671nXQcLHFmnRZGytSiVl6Yf8AiMX/AJJPxYtD0Uf8xy/9sfxC+vSpkILuVrV6zxIarHCQt6gOdo6/h/FY9FTeTNW5nnTIq3tE9w2f/S1EmsHT/nJkuSl6gmv5wdv0s5gw06+JhJ5rB7SXXgwHoPmfwKrjF1WXsjWqyyNjileA97nAAN7z1+AK2+JclJmM3avE7Y95EQ8mDo3+HX5rxo4TKZCHtqNCaeIO5edmtb8upXRTBU0dMnrZzX2O+/cVvX4LjyU+EvYabGuv0xFJEYwBK32enTXwVHPY6J7o36LmEtJHcSDrp7l1f0Uz4/8Ah7P+381q38VkMdyfaFOWvz75C/XX6EqGLCuptRnvZPMnbalKUNaLY9GuY+0sAyCV+56buyds7Jb+yfp0+Sl21Sfo/wAqcRxDF2juWvZ+5kHhs/qn6/iVdRdob6aCzM2r27XrszVwbvdpX3XB52rEVWCWew8RxRtLnucegAVC8RXquSzVu3RgEMEj9gDpza73EeBKkvpC4odlbDsbQfqnE77x7T/WuH/5H4qNYHC2M5k46MG2td7Ur/7tm+p+Pl713YdPsQds+DPzcj6iapr55OexzWvaXsEjWuBcwno4eI+fcr64ZydLK4mvPjwGRhoaYgNGMjvaqq424WOAuMkrc7qMw9hx68jvFpPv7x81q8JZ+xw9kmzDb6shDZ4/MeY94U8itZVSnDuiGPa8O5ws7MvYIvCjahu1Y7NZ4kikaHNcPEFe6w+3c3001tBERD0IiIAiIgB7lGeOob9vFNp0K0kwmdqYscBpo666nxKky4nGOTdh+HL1yFzRYEfZ1+YEgyu9lg0Op9ojoOqlGXTJMjOKnFxZWbeEMu5wb9mzNJOtuczQ/iraxNKLG46tThGmQxhg346HeoHhM7fo4CTGYx0t6zj7TYXT2oHySdg9peyXs9tfJ3FvTXVp8luRcZXHurVWepPuXmwupHs3xtf7ThPtjjzAsDSddO/qrbsidySl4KKMWuhtw8k8Giopx/gn5ehFLWhMtiu/bWggFwPQjZ+R+S4x41zVSvWsXa+Pkbfq9rUEXOzs39vFD94STsffNd01rlI6r6ylriatxBVDbGMfeixluV2myiu9rXwnRZzbDuut7Ogd9d6VUJuElJF1kI2RcZdiOx8MZmGRk0OOsMkY4OY4OZ0IPT9pd3iThCzkC3K1a4bYmY11mqSAQ/XUtPd8t/Nb1nirMCtkMlBFjm0acUbzFMHB7jJE1w2/emgFw2dHptYOe4kdeZiGHEfaLbboJLHZyGEt7HtQQzm2D1AI5j5+5dMsy1yUt8o5Y4NMYuGuGQiXEz1ngTVbMTx3Exu6fMBfLoJtFrn2teIIepjFxplLlOO5BVoMhr069m7E9zi94le5pEZHQa5SQSDs9OnetwcT33Y2OaCnUntOsZCJsA9jn7B0gYNk9CeVuyenXwVn18/KK/6bX4bILVwVq27kq0p5CfHsy1v1KmLOGreG4YswVIHWL17lbOYiBys13AkjprY+a7XCeanyDLcOTlgFyryOlY2rJWLGuBI215PToeoJB0Vxb+YtUuLM9HTtxiaRlCOuySCSw0vLZ3ODY2EHm5W77x0Gz3KqzMsnpPsWV4NVe2u5Fv0Sy2iBipvhzs/NWpw3jG4jDVaYA5mMHOR4uPUn6qLV+M8g6OpHLBUZayDIvU2nmaHOEjmz7BO9NaA7XeN9V5t4xzD3WG1Ia1/tYBYpPirSQtLDK1m/bd95prub2eXetDvCjdkzuSUiyjErpbcCweij3G+HdmcM6OBnPPE4SRgHW/MfMbXGp8UZnI2IsdQlxnr7GTSWZLNeaJo5C0BnZF3M0kPaSdkAFp67XhdzWatQSWbjMeKMWahpRxRiUSEiwxnOXB48z7OtHQ30JCphJxkpIvnBTi4y7EZ/RLLb6YucHzDmbH+5TPM2M/ZwFapBj7AsSx8tl7Xt20DpodfHzUfyvF3EEvDVud0uPh9Zx9ues+sHiSEwv1127rsHw1ynz2pLx7ckiwdTGPtSw2MlM2CSxXjcXRsA5pHtA2R0Gh36Lgr7MqdjTl4OavDrrTUfJBxwlldADFTf6mfmrH4O4fjwWP5XNabU2nTOHn4D4BRqrxbnLlHEw40UPWn0LMto22SaMtdzWOAAIIDiSdkHQIOvBa+U4nyWaqRzU/Vq+PjsYwvHM7tnmZ8b+jgQA0BwGtHfXu1orcqy1aZ7Th1Uy6orkn+XxtfLY+anaYHRyN17wfAj3hVVZ4OykE8kbaEsrWu02Rjm6ePMAlSD0g2JaWbqR07ssEOSYIcryte4Q1w8ASggjs3bcW7/AMW/2VyJ83lMfleJsRTlc45Gya2Ld1d6vK2FnabPcAGODx/lPvUaciyn4kr8Wu/5o73BEGaw9j1Kxj7ApSu3zOc3UR8x17j4hTwdygXo0nnmMbp5pZCcHjnEveTtxa/Z6+J8T4qejuCrsm5y6mWVVquPSuxlERQLAiIgCIiALwtU69vsvWYWS9jIJY+Yb5XjucPeF7ogOZkuHsNlZXS5LGVbUjmtaXSxhxIaSW9/ls6+JWpFw3WjzdG8xsUdbHVXwU6scIa2Ln1zu38GtAA1rbu/a7yIDnPweKkhZDJQrviZC+BrHMBAjdouZo+B5R09wXnQ4bwmOby0MXUrDkezUUQb7L9cw6efK3fwC6qIDSZiceyvNXbTh7GdoZLGW7a9oaGgEePsgBeOPwGIxscMePx1asyB7nxtiYGhrnDRPTxI6LpogOOeF8EX03nEUi6kNViYQexG96b5deqP4VwEluxbkw9J1iwHNmkMLeaQEaId5grsIgOZS4ew9ClYo08ZUhqWARNCyIBsgI0Q4ePTp8F4N4T4fbj/ALPbhqIp9oJexEI5ef8Ae15+9dpEBz4MJi67abYKFdgohwqgRj7jmGncvlsHS0v0O4a5Z2/YdDU41KOwbp45ubr8+vxXdRAcSXhHh2anFTmwtB9aJ7nxxOgaWtce8geZW63D45sHYNpQiHtxY5A3p2ocHB2vPYB+S3kQEZwXBWGxdSSOTH057M7Hx2bBrgOnY52yHeYPTfnpduPGUopq80daJslaIwwuDesbDrbR5D2R9FtogNEYfHCy+0KcPbvDw6Tl6kP1zfXlbv4BaknCnD8s9aeXD0nTVWMZBIYRzRtZ+qAfDXguyiA0psVQmfbfNUhkdciENgvYD2rACA13mPaPT3lfVXG0qbJWVq8cbZnc0vKP1zyhuz5nQA+S20QHBt8GcNXOy9bwdGbsYmwx88IPIxvRrR5ALutaGNDWjTQNAeSyiAIiIAiIgCIiAIiIAiIgCIiAIiIAiIgCIiAIiIAiIgCIiAIiIAiIgCIiAIiIAiIgP//Z"/>
-          <p:cNvSpPr>
-            <a:spLocks noChangeAspect="1" noChangeArrowheads="1"/>
-          </p:cNvSpPr>
-          <p:nvPr/>
-        </p:nvSpPr>
-        <p:spPr bwMode="auto">
-          <a:xfrm>
-            <a:off x="155575" y="-144463"/>
-            <a:ext cx="304800" cy="304801"/>
-          </a:xfrm>
-          <a:prstGeom prst="rect">
-            <a:avLst/>
-          </a:prstGeom>
-          <a:noFill/>
-          <a:extLst>
-            <a:ext uri="{909E8E84-426E-40DD-AFC4-6F175D3DCCD1}">
-              <a14:hiddenFill xmlns:a14="http://schemas.microsoft.com/office/drawing/2010/main">
-                <a:solidFill>
-                  <a:srgbClr val="FFFFFF"/>
-                </a:solidFill>
-              </a14:hiddenFill>
-            </a:ext>
-          </a:extLst>
-        </p:spPr>
-        <p:txBody>
-          <a:bodyPr vert="horz" wrap="square" lIns="91440" tIns="45720" rIns="91440" bIns="45720" numCol="1" anchor="t" anchorCtr="0" compatLnSpc="1">
-            <a:prstTxWarp prst="textNoShape">
-              <a:avLst/>
-            </a:prstTxWarp>
-          </a:bodyPr>
-          <a:lstStyle/>
-          <a:p>
-            <a:endParaRPr lang="sv-SE"/>
-          </a:p>
-        </p:txBody>
-      </p:sp>
-      <p:sp>
-        <p:nvSpPr>
-          <p:cNvPr id="6" name="AutoShape 4" descr="data:image/jpeg;base64,/9j/4AAQSkZJRgABAQAAAQABAAD/2wBDAAkGBwgHBgkIBwgKCgkLDRYPDQwMDRsUFRAWIB0iIiAdHx8kKDQsJCYxJx8fLT0tMTU3Ojo6Iys/RD84QzQ5Ojf/2wBDAQoKCg0MDRoPDxo3JR8lNzc3Nzc3Nzc3Nzc3Nzc3Nzc3Nzc3Nzc3Nzc3Nzc3Nzc3Nzc3Nzc3Nzc3Nzc3Nzc3Nzf/wAARCAByAOUDASIAAhEBAxEB/8QAHAABAAIDAQEBAAAAAAAAAAAAAAYHAQQFAwII/8QAQxAAAQQCAAMEBwQGCAYDAAAAAQACAwQFEQYSIRMxQVEHFCJhcYGRFSOx0RYyQlKhsiQzQ1NicpKiNDZUdJPhRcHC/8QAGgEBAAMBAQEAAAAAAAAAAAAAAAIDBQQBBv/EACsRAAICAgEDAwMDBQAAAAAAAAABAgMEESESMUEFEzIUUcGx4fAVYZGh0f/aAAwDAQACEQMRAD8AvFERAEREAREQBERAERfEkjYml0jg1o7ySg2faLlyZ/GxnRstd/lBK+P0jxn9+f8AQVP25/Yh7kPuddFoVsvQsuDYrMZce5pOifqt4Hai013JKSfYyiIvD0IiIAiIgCIiAIiIAiIgCIiAIiIAiIgCIiAIiIAiIgMFQLifJvtZCSEP+5hPIG+BPiVPT3Kp8jLvI29/37/5iuvDgpTbfg482bjBJeTap1LmQkcyjX7Qs/Wc52mt92/Nbh4dzgBPq1c+4Tnf8qkfBDW/YTHgDb5Hknz9oj/6C769sybFNpeDyrFrcE35KrkEkUj4p2PjlYdOa7vBUq4Qy0kz3UZ3l2m80RPfod4WvxVhshbyvbUawkjMQBPOG9QSvLhnD5Opl4p7VcRxNa4E84PerLLK7Kdt8ldddld2orgm4WVgLKzzRCIiAIiIAiIgCIiAIiIAiIgCIiAIiIAiIgCIscw80BlFjmHmE5ggDu5U3lJdZO4PKd4/3FXISCFRmZn1mL48rMn8xWh6etykZnqc+mEX/ctLgQ83Ddc/45P5ypDvSjPo7dzcK1nH9+T+dy53HHFpoPdi6BIslo7WTu5AR05fM+9USqlZfKEfuzoV8aseNku2kevF3FTaxfQx0gMx6SStP6nuHv8AwWpwlxXyObRyUh5CdRTPPcfI/mq+9YcRzEEgk9T4nx6/NO3JB6bA7/d4LTWFX7XT/syn6hY7epf4L9adjoR8llV1wNxc4zQ4rIOLu0IbXl7zv90/mrE5gsi6mVUumRs0Xwvh1xPpFjmHmE2PNVF+zKIsEgeKAyixzDzTYQbMosbATmHmgMoscw81lAEREAREQBERAEREBg96qf0j5ySxmxTrTvZHTbp3I8jbzrfd5DX1KsfiDJR4jE2r0n9kzbR+87wH10qDnnfNLJPM7ckjnPefMk7K0vTqeqTm+yMr1S5xgq0+WbPr1n/qrH/ld+atH0f571vh+VlpznS0dhx6uc5mtg+Z8R8lBc/w5LisHir5aQ6dn9IB/YcfaaPpsfJfHBGY+yuIoHPdqvP9zNvu0e4/I6/iuu+EL6W4LscONKzGyFGb7/k78PpHndmu2kiAxjhyiIfrtH7+/P3KIZeZk2WuywuDo5J3vYR4gnYU1474Nc0yZXCxc3N7U9ZgHXzc33+Y8VXYeCAW9W66FSxFU1118ca0RzffT9uzlb2mTCnxdLieF6mOxpAucz3SSkbEYLyQBvvPVSCpXpekHFtlsRuq36rwySWJvQ+4E9CCPDwKhXC/D1riG72UYdHVYfvrGthv+Ee/8PxujFY6riqUdSlE2OKMaAHefMnzO/FceZKqt6r+W97O7BhbZHdnw1rRW3pJx9bFR4ipSibHExkvQDvO29T71rejevDdzNmvZjbJFJVcHMcNggkeC6XpfOrGL/yyfixc/wBFJ3xHL/2x/EK6Lf0Tfn9yiUEvUEtcfsTjh7g/H4O3NZj55ZHuPZuk6mJp/Zb+feVF/Sfm3+vQYyrM9gib2kpa4gknuH0/EKw8jbioUZ7c7uWKFhe4/BUBfuy37ti5OdyTyF592+4fIdPkqMGt22Oc+dHR6hNU1KuHGz09etf9VY/8rvzVk+i/MvtUp8dYlc+WB3PGXuJJYfee/R39Qobe4dfU4Pp5og88km5B5Ru0G/xA/wBS0eGsscNm6t0uPZtdyzAfuHv+nf8AJdl0IZFMuhco4KJWY18XN8P8l9rjcU4Y5nGOhimfBOw88UjHEadruOu8HxC67HB7Q5p209QV9aWFFuL2j6OUVKOmfn+xNfqWJK9qazHNE7lewyu2D9VYfo34mNuL7JuybniG4Xud1kb4j4j8FsekLhY5Ouchj4x67C08zWj+tYPD4jw/9qqq1mSrZisVnujmhcHMI6FpHn+XxW1H28ynXZmDJWYN++8X+hdPGXELMDjC5habcwLYGHz8XEeQVOvyFwvL327Bc47J7V3Ur0zmZtZy+bdx3UtDWMb+qwDwH4qVejrhc3pmZe/H/RmHdZjv7Q/v68h4fXySuEMSnqn3PLJ2Zt6jDiKJH6P8Dao1jkMnLK6zO0csT3k9k35nvPj9FMvBYaAOgHRfSxpzc5OTN6utVxUV4CIiiTCIiAIiIAsbWVr3rMdOrNZncGxRML3OPgANlNb4PG9LbK49LWYL56+Ihf7LR204Hif2B+J+ih3DVSG7nacVuRkdYP55XPcAOVvXXXzOh814ZW5Nk8jZvTb5p5C/XkPAfIaC9aeAy96Bs9THTzQuPsvbrR18Svoa4Rpo6JPWz5qyyV2R1xW9foWzxPJiMvgLNEZCpzuZuI9q3o4dW+PmAqUPVpD+/uK7H6KZ8d2Hs/7fzWlext/HSNjyFWSvI4czRJrqPltRxYV1bjGe9lmZO23U5Q1oubgjLjN8PwSyEOmj+5m8faA7/mNH5rg8Q8AVshlWWqFmOrFK7dlg1/qZ5E/Tx+Mf9GWVNDNmlK7UFxuuvcJB3fUbH0UWvxyxX7Ub+ZrmzPaQfMOK5oYso3yUJaOmWZCWPFzjv/qL7xGPqYyjHUoRMjijHQN8T47963VAPRNeg+zbFF0oFhsxk5HHq5pA6j6Kfk671nXQcLHFmnRZGytSiVl6Yf8AiMX/AJJPxYtD0Uf8xy/9sfxC+vSpkILuVrV6zxIarHCQt6gOdo6/h/FY9FTeTNW5nnTIq3tE9w2f/S1EmsHT/nJkuSl6gmv5wdv0s5gw06+JhJ5rB7SXXgwHoPmfwKrjF1WXsjWqyyNjileA97nAAN7z1+AK2+JclJmM3avE7Y95EQ8mDo3+HX5rxo4TKZCHtqNCaeIO5edmtb8upXRTBU0dMnrZzX2O+/cVvX4LjyU+EvYabGuv0xFJEYwBK32enTXwVHPY6J7o36LmEtJHcSDrp7l1f0Uz4/8Ah7P+381q38VkMdyfaFOWvz75C/XX6EqGLCuptRnvZPMnbalKUNaLY9GuY+0sAyCV+56buyds7Jb+yfp0+Sl21Sfo/wAqcRxDF2juWvZ+5kHhs/qn6/iVdRdob6aCzM2r27XrszVwbvdpX3XB52rEVWCWew8RxRtLnucegAVC8RXquSzVu3RgEMEj9gDpza73EeBKkvpC4odlbDsbQfqnE77x7T/WuH/5H4qNYHC2M5k46MG2td7Ur/7tm+p+Pl713YdPsQds+DPzcj6iapr55OexzWvaXsEjWuBcwno4eI+fcr64ZydLK4mvPjwGRhoaYgNGMjvaqq424WOAuMkrc7qMw9hx68jvFpPv7x81q8JZ+xw9kmzDb6shDZ4/MeY94U8itZVSnDuiGPa8O5ws7MvYIvCjahu1Y7NZ4kikaHNcPEFe6w+3c3001tBERD0IiIAiIgB7lGeOob9vFNp0K0kwmdqYscBpo666nxKky4nGOTdh+HL1yFzRYEfZ1+YEgyu9lg0Op9ojoOqlGXTJMjOKnFxZWbeEMu5wb9mzNJOtuczQ/iraxNKLG46tThGmQxhg346HeoHhM7fo4CTGYx0t6zj7TYXT2oHySdg9peyXs9tfJ3FvTXVp8luRcZXHurVWepPuXmwupHs3xtf7ThPtjjzAsDSddO/qrbsidySl4KKMWuhtw8k8Giopx/gn5ehFLWhMtiu/bWggFwPQjZ+R+S4x41zVSvWsXa+Pkbfq9rUEXOzs39vFD94STsffNd01rlI6r6ylriatxBVDbGMfeixluV2myiu9rXwnRZzbDuut7Ogd9d6VUJuElJF1kI2RcZdiOx8MZmGRk0OOsMkY4OY4OZ0IPT9pd3iThCzkC3K1a4bYmY11mqSAQ/XUtPd8t/Nb1nirMCtkMlBFjm0acUbzFMHB7jJE1w2/emgFw2dHptYOe4kdeZiGHEfaLbboJLHZyGEt7HtQQzm2D1AI5j5+5dMsy1yUt8o5Y4NMYuGuGQiXEz1ngTVbMTx3Exu6fMBfLoJtFrn2teIIepjFxplLlOO5BVoMhr069m7E9zi94le5pEZHQa5SQSDs9OnetwcT33Y2OaCnUntOsZCJsA9jn7B0gYNk9CeVuyenXwVn18/KK/6bX4bILVwVq27kq0p5CfHsy1v1KmLOGreG4YswVIHWL17lbOYiBys13AkjprY+a7XCeanyDLcOTlgFyryOlY2rJWLGuBI215PToeoJB0Vxb+YtUuLM9HTtxiaRlCOuySCSw0vLZ3ODY2EHm5W77x0Gz3KqzMsnpPsWV4NVe2u5Fv0Sy2iBipvhzs/NWpw3jG4jDVaYA5mMHOR4uPUn6qLV+M8g6OpHLBUZayDIvU2nmaHOEjmz7BO9NaA7XeN9V5t4xzD3WG1Ia1/tYBYpPirSQtLDK1m/bd95prub2eXetDvCjdkzuSUiyjErpbcCweij3G+HdmcM6OBnPPE4SRgHW/MfMbXGp8UZnI2IsdQlxnr7GTSWZLNeaJo5C0BnZF3M0kPaSdkAFp67XhdzWatQSWbjMeKMWahpRxRiUSEiwxnOXB48z7OtHQ30JCphJxkpIvnBTi4y7EZ/RLLb6YucHzDmbH+5TPM2M/ZwFapBj7AsSx8tl7Xt20DpodfHzUfyvF3EEvDVud0uPh9Zx9ues+sHiSEwv1127rsHw1ynz2pLx7ckiwdTGPtSw2MlM2CSxXjcXRsA5pHtA2R0Gh36Lgr7MqdjTl4OavDrrTUfJBxwlldADFTf6mfmrH4O4fjwWP5XNabU2nTOHn4D4BRqrxbnLlHEw40UPWn0LMto22SaMtdzWOAAIIDiSdkHQIOvBa+U4nyWaqRzU/Vq+PjsYwvHM7tnmZ8b+jgQA0BwGtHfXu1orcqy1aZ7Th1Uy6orkn+XxtfLY+anaYHRyN17wfAj3hVVZ4OykE8kbaEsrWu02Rjm6ePMAlSD0g2JaWbqR07ssEOSYIcryte4Q1w8ASggjs3bcW7/AMW/2VyJ83lMfleJsRTlc45Gya2Ld1d6vK2FnabPcAGODx/lPvUaciyn4kr8Wu/5o73BEGaw9j1Kxj7ApSu3zOc3UR8x17j4hTwdygXo0nnmMbp5pZCcHjnEveTtxa/Z6+J8T4qejuCrsm5y6mWVVquPSuxlERQLAiIgCIiALwtU69vsvWYWS9jIJY+Yb5XjucPeF7ogOZkuHsNlZXS5LGVbUjmtaXSxhxIaSW9/ls6+JWpFw3WjzdG8xsUdbHVXwU6scIa2Ln1zu38GtAA1rbu/a7yIDnPweKkhZDJQrviZC+BrHMBAjdouZo+B5R09wXnQ4bwmOby0MXUrDkezUUQb7L9cw6efK3fwC6qIDSZiceyvNXbTh7GdoZLGW7a9oaGgEePsgBeOPwGIxscMePx1asyB7nxtiYGhrnDRPTxI6LpogOOeF8EX03nEUi6kNViYQexG96b5deqP4VwEluxbkw9J1iwHNmkMLeaQEaId5grsIgOZS4ew9ClYo08ZUhqWARNCyIBsgI0Q4ePTp8F4N4T4fbj/ALPbhqIp9oJexEI5ef8Ae15+9dpEBz4MJi67abYKFdgohwqgRj7jmGncvlsHS0v0O4a5Z2/YdDU41KOwbp45ubr8+vxXdRAcSXhHh2anFTmwtB9aJ7nxxOgaWtce8geZW63D45sHYNpQiHtxY5A3p2ocHB2vPYB+S3kQEZwXBWGxdSSOTH057M7Hx2bBrgOnY52yHeYPTfnpduPGUopq80daJslaIwwuDesbDrbR5D2R9FtogNEYfHCy+0KcPbvDw6Tl6kP1zfXlbv4BaknCnD8s9aeXD0nTVWMZBIYRzRtZ+qAfDXguyiA0psVQmfbfNUhkdciENgvYD2rACA13mPaPT3lfVXG0qbJWVq8cbZnc0vKP1zyhuz5nQA+S20QHBt8GcNXOy9bwdGbsYmwx88IPIxvRrR5ALutaGNDWjTQNAeSyiAIiIAiIgCIiAIiIAiIgCIiAIiIAiIgCIiAIiIAiIgCIiAIiIAiIgCIiAIiIAiIgP//Z"/>
-          <p:cNvSpPr>
-            <a:spLocks noChangeAspect="1" noChangeArrowheads="1"/>
-          </p:cNvSpPr>
-          <p:nvPr/>
-        </p:nvSpPr>
-        <p:spPr bwMode="auto">
-          <a:xfrm>
-            <a:off x="307975" y="7937"/>
-            <a:ext cx="304800" cy="304801"/>
-          </a:xfrm>
-          <a:prstGeom prst="rect">
-            <a:avLst/>
-          </a:prstGeom>
-          <a:noFill/>
-          <a:extLst>
-            <a:ext uri="{909E8E84-426E-40DD-AFC4-6F175D3DCCD1}">
-              <a14:hiddenFill xmlns:a14="http://schemas.microsoft.com/office/drawing/2010/main">
-                <a:solidFill>
-                  <a:srgbClr val="FFFFFF"/>
-                </a:solidFill>
-              </a14:hiddenFill>
-            </a:ext>
-          </a:extLst>
-        </p:spPr>
-        <p:txBody>
-          <a:bodyPr vert="horz" wrap="square" lIns="91440" tIns="45720" rIns="91440" bIns="45720" numCol="1" anchor="t" anchorCtr="0" compatLnSpc="1">
-            <a:prstTxWarp prst="textNoShape">
-              <a:avLst/>
-            </a:prstTxWarp>
-          </a:bodyPr>
-          <a:lstStyle/>
-          <a:p>
-            <a:endParaRPr lang="sv-SE"/>
-          </a:p>
-        </p:txBody>
-      </p:sp>
     </p:spTree>
+    <p:extLst>
+      <p:ext uri="{BB962C8B-B14F-4D97-AF65-F5344CB8AC3E}">
+        <p14:creationId xmlns:p14="http://schemas.microsoft.com/office/powerpoint/2010/main" val="3863134694"/>
+      </p:ext>
+    </p:extLst>
   </p:cSld>
   <p:clrMapOvr>
     <a:masterClrMapping/>
@@ -4482,6 +6632,233 @@
       </p:grpSpPr>
       <p:pic>
         <p:nvPicPr>
+          <p:cNvPr id="7" name="Bildobjekt 6"/>
+          <p:cNvPicPr>
+            <a:picLocks noChangeAspect="1"/>
+          </p:cNvPicPr>
+          <p:nvPr/>
+        </p:nvPicPr>
+        <p:blipFill>
+          <a:blip r:embed="rId3">
+            <a:duotone>
+              <a:schemeClr val="accent3">
+                <a:shade val="45000"/>
+                <a:satMod val="135000"/>
+              </a:schemeClr>
+              <a:prstClr val="white"/>
+            </a:duotone>
+            <a:extLst>
+              <a:ext uri="{28A0092B-C50C-407E-A947-70E740481C1C}">
+                <a14:useLocalDpi xmlns:a14="http://schemas.microsoft.com/office/drawing/2010/main" val="0"/>
+              </a:ext>
+            </a:extLst>
+          </a:blip>
+          <a:stretch>
+            <a:fillRect/>
+          </a:stretch>
+        </p:blipFill>
+        <p:spPr>
+          <a:xfrm>
+            <a:off x="471326" y="1722745"/>
+            <a:ext cx="9467793" cy="4713224"/>
+          </a:xfrm>
+          <a:prstGeom prst="rect">
+            <a:avLst/>
+          </a:prstGeom>
+          <a:noFill/>
+          <a:ln>
+            <a:noFill/>
+          </a:ln>
+          <a:scene3d>
+            <a:camera prst="isometricOffAxis2Top"/>
+            <a:lightRig rig="threePt" dir="t"/>
+          </a:scene3d>
+        </p:spPr>
+      </p:pic>
+      <p:sp>
+        <p:nvSpPr>
+          <p:cNvPr id="2" name="Rubrik 1"/>
+          <p:cNvSpPr>
+            <a:spLocks noGrp="1"/>
+          </p:cNvSpPr>
+          <p:nvPr>
+            <p:ph type="title"/>
+          </p:nvPr>
+        </p:nvSpPr>
+        <p:spPr/>
+        <p:txBody>
+          <a:bodyPr/>
+          <a:lstStyle/>
+          <a:p>
+            <a:r>
+              <a:rPr lang="sv-SE" dirty="0" smtClean="0"/>
+              <a:t>Använd Ajax när du…</a:t>
+            </a:r>
+            <a:endParaRPr lang="sv-SE" dirty="0"/>
+          </a:p>
+        </p:txBody>
+      </p:sp>
+      <p:sp>
+        <p:nvSpPr>
+          <p:cNvPr id="3" name="Platshållare för innehåll 2"/>
+          <p:cNvSpPr>
+            <a:spLocks noGrp="1"/>
+          </p:cNvSpPr>
+          <p:nvPr>
+            <p:ph idx="1"/>
+          </p:nvPr>
+        </p:nvSpPr>
+        <p:spPr>
+          <a:xfrm>
+            <a:off x="457199" y="817563"/>
+            <a:ext cx="8081890" cy="4619625"/>
+          </a:xfrm>
+        </p:spPr>
+        <p:txBody>
+          <a:bodyPr/>
+          <a:lstStyle/>
+          <a:p>
+            <a:r>
+              <a:rPr lang="sv-SE" dirty="0" smtClean="0"/>
+              <a:t>…har komplexa sidor och bara behöver uppdatera en liten del av sidan.</a:t>
+            </a:r>
+          </a:p>
+          <a:p>
+            <a:r>
+              <a:rPr lang="sv-SE" dirty="0" smtClean="0"/>
+              <a:t>…vill att användare ska uppfatta att din applikation har korta svarstider.</a:t>
+            </a:r>
+          </a:p>
+          <a:p>
+            <a:r>
+              <a:rPr lang="sv-SE" dirty="0" smtClean="0"/>
+              <a:t>…vill reducera belastningen av webbservern och databasserver.</a:t>
+            </a:r>
+          </a:p>
+          <a:p>
+            <a:r>
+              <a:rPr lang="sv-SE" dirty="0" smtClean="0"/>
+              <a:t>…har behov av asynkrona anrop.</a:t>
+            </a:r>
+            <a:endParaRPr lang="sv-SE" dirty="0"/>
+          </a:p>
+        </p:txBody>
+      </p:sp>
+      <p:sp>
+        <p:nvSpPr>
+          <p:cNvPr id="5" name="AutoShape 2" descr="data:image/jpeg;base64,/9j/4AAQSkZJRgABAQAAAQABAAD/2wBDAAkGBwgHBgkIBwgKCgkLDRYPDQwMDRsUFRAWIB0iIiAdHx8kKDQsJCYxJx8fLT0tMTU3Ojo6Iys/RD84QzQ5Ojf/2wBDAQoKCg0MDRoPDxo3JR8lNzc3Nzc3Nzc3Nzc3Nzc3Nzc3Nzc3Nzc3Nzc3Nzc3Nzc3Nzc3Nzc3Nzc3Nzc3Nzc3Nzf/wAARCAByAOUDASIAAhEBAxEB/8QAHAABAAIDAQEBAAAAAAAAAAAAAAYHAQQFAwII/8QAQxAAAQQCAAMEBwQGCAYDAAAAAQACAwQFEQYSIRMxQVEHFCJhcYGRFSOx0RYyQlKhsiQzQ1NicpKiNDZUdJPhRcHC/8QAGgEBAAMBAQEAAAAAAAAAAAAAAAIDBQQBBv/EACsRAAICAgEDAwMDBQAAAAAAAAABAgMEESESMUEFEzIUUcGx4fAVYZGh0f/aAAwDAQACEQMRAD8AvFERAEREAREQBERAERfEkjYml0jg1o7ySg2faLlyZ/GxnRstd/lBK+P0jxn9+f8AQVP25/Yh7kPuddFoVsvQsuDYrMZce5pOifqt4Hai013JKSfYyiIvD0IiIAiIgCIiAIiIAiIgCIiAIiIAiIgCIiAIiIAiIgMFQLifJvtZCSEP+5hPIG+BPiVPT3Kp8jLvI29/37/5iuvDgpTbfg482bjBJeTap1LmQkcyjX7Qs/Wc52mt92/Nbh4dzgBPq1c+4Tnf8qkfBDW/YTHgDb5Hknz9oj/6C769sybFNpeDyrFrcE35KrkEkUj4p2PjlYdOa7vBUq4Qy0kz3UZ3l2m80RPfod4WvxVhshbyvbUawkjMQBPOG9QSvLhnD5Opl4p7VcRxNa4E84PerLLK7Kdt8ldddld2orgm4WVgLKzzRCIiAIiIAiIgCIiAIiIAiIgCIiAIiIAiIgCIscw80BlFjmHmE5ggDu5U3lJdZO4PKd4/3FXISCFRmZn1mL48rMn8xWh6etykZnqc+mEX/ctLgQ83Ddc/45P5ypDvSjPo7dzcK1nH9+T+dy53HHFpoPdi6BIslo7WTu5AR05fM+9USqlZfKEfuzoV8aseNku2kevF3FTaxfQx0gMx6SStP6nuHv8AwWpwlxXyObRyUh5CdRTPPcfI/mq+9YcRzEEgk9T4nx6/NO3JB6bA7/d4LTWFX7XT/syn6hY7epf4L9adjoR8llV1wNxc4zQ4rIOLu0IbXl7zv90/mrE5gsi6mVUumRs0Xwvh1xPpFjmHmE2PNVF+zKIsEgeKAyixzDzTYQbMosbATmHmgMoscw81lAEREAREQBERAEREBg96qf0j5ySxmxTrTvZHTbp3I8jbzrfd5DX1KsfiDJR4jE2r0n9kzbR+87wH10qDnnfNLJPM7ckjnPefMk7K0vTqeqTm+yMr1S5xgq0+WbPr1n/qrH/ld+atH0f571vh+VlpznS0dhx6uc5mtg+Z8R8lBc/w5LisHir5aQ6dn9IB/YcfaaPpsfJfHBGY+yuIoHPdqvP9zNvu0e4/I6/iuu+EL6W4LscONKzGyFGb7/k78PpHndmu2kiAxjhyiIfrtH7+/P3KIZeZk2WuywuDo5J3vYR4gnYU1474Nc0yZXCxc3N7U9ZgHXzc33+Y8VXYeCAW9W66FSxFU1118ca0RzffT9uzlb2mTCnxdLieF6mOxpAucz3SSkbEYLyQBvvPVSCpXpekHFtlsRuq36rwySWJvQ+4E9CCPDwKhXC/D1riG72UYdHVYfvrGthv+Ee/8PxujFY6riqUdSlE2OKMaAHefMnzO/FceZKqt6r+W97O7BhbZHdnw1rRW3pJx9bFR4ipSibHExkvQDvO29T71rejevDdzNmvZjbJFJVcHMcNggkeC6XpfOrGL/yyfixc/wBFJ3xHL/2x/EK6Lf0Tfn9yiUEvUEtcfsTjh7g/H4O3NZj55ZHuPZuk6mJp/Zb+feVF/Sfm3+vQYyrM9gib2kpa4gknuH0/EKw8jbioUZ7c7uWKFhe4/BUBfuy37ti5OdyTyF592+4fIdPkqMGt22Oc+dHR6hNU1KuHGz09etf9VY/8rvzVk+i/MvtUp8dYlc+WB3PGXuJJYfee/R39Qobe4dfU4Pp5og88km5B5Ru0G/xA/wBS0eGsscNm6t0uPZtdyzAfuHv+nf8AJdl0IZFMuhco4KJWY18XN8P8l9rjcU4Y5nGOhimfBOw88UjHEadruOu8HxC67HB7Q5p209QV9aWFFuL2j6OUVKOmfn+xNfqWJK9qazHNE7lewyu2D9VYfo34mNuL7JuybniG4Xud1kb4j4j8FsekLhY5Ouchj4x67C08zWj+tYPD4jw/9qqq1mSrZisVnujmhcHMI6FpHn+XxW1H28ynXZmDJWYN++8X+hdPGXELMDjC5habcwLYGHz8XEeQVOvyFwvL327Bc47J7V3Ur0zmZtZy+bdx3UtDWMb+qwDwH4qVejrhc3pmZe/H/RmHdZjv7Q/v68h4fXySuEMSnqn3PLJ2Zt6jDiKJH6P8Dao1jkMnLK6zO0csT3k9k35nvPj9FMvBYaAOgHRfSxpzc5OTN6utVxUV4CIiiTCIiAIiIAsbWVr3rMdOrNZncGxRML3OPgANlNb4PG9LbK49LWYL56+Ihf7LR204Hif2B+J+ih3DVSG7nacVuRkdYP55XPcAOVvXXXzOh814ZW5Nk8jZvTb5p5C/XkPAfIaC9aeAy96Bs9THTzQuPsvbrR18Svoa4Rpo6JPWz5qyyV2R1xW9foWzxPJiMvgLNEZCpzuZuI9q3o4dW+PmAqUPVpD+/uK7H6KZ8d2Hs/7fzWlext/HSNjyFWSvI4czRJrqPltRxYV1bjGe9lmZO23U5Q1oubgjLjN8PwSyEOmj+5m8faA7/mNH5rg8Q8AVshlWWqFmOrFK7dlg1/qZ5E/Tx+Mf9GWVNDNmlK7UFxuuvcJB3fUbH0UWvxyxX7Ub+ZrmzPaQfMOK5oYso3yUJaOmWZCWPFzjv/qL7xGPqYyjHUoRMjijHQN8T47963VAPRNeg+zbFF0oFhsxk5HHq5pA6j6Kfk671nXQcLHFmnRZGytSiVl6Yf8AiMX/AJJPxYtD0Uf8xy/9sfxC+vSpkILuVrV6zxIarHCQt6gOdo6/h/FY9FTeTNW5nnTIq3tE9w2f/S1EmsHT/nJkuSl6gmv5wdv0s5gw06+JhJ5rB7SXXgwHoPmfwKrjF1WXsjWqyyNjileA97nAAN7z1+AK2+JclJmM3avE7Y95EQ8mDo3+HX5rxo4TKZCHtqNCaeIO5edmtb8upXRTBU0dMnrZzX2O+/cVvX4LjyU+EvYabGuv0xFJEYwBK32enTXwVHPY6J7o36LmEtJHcSDrp7l1f0Uz4/8Ah7P+381q38VkMdyfaFOWvz75C/XX6EqGLCuptRnvZPMnbalKUNaLY9GuY+0sAyCV+56buyds7Jb+yfp0+Sl21Sfo/wAqcRxDF2juWvZ+5kHhs/qn6/iVdRdob6aCzM2r27XrszVwbvdpX3XB52rEVWCWew8RxRtLnucegAVC8RXquSzVu3RgEMEj9gDpza73EeBKkvpC4odlbDsbQfqnE77x7T/WuH/5H4qNYHC2M5k46MG2td7Ur/7tm+p+Pl713YdPsQds+DPzcj6iapr55OexzWvaXsEjWuBcwno4eI+fcr64ZydLK4mvPjwGRhoaYgNGMjvaqq424WOAuMkrc7qMw9hx68jvFpPv7x81q8JZ+xw9kmzDb6shDZ4/MeY94U8itZVSnDuiGPa8O5ws7MvYIvCjahu1Y7NZ4kikaHNcPEFe6w+3c3001tBERD0IiIAiIgB7lGeOob9vFNp0K0kwmdqYscBpo666nxKky4nGOTdh+HL1yFzRYEfZ1+YEgyu9lg0Op9ojoOqlGXTJMjOKnFxZWbeEMu5wb9mzNJOtuczQ/iraxNKLG46tThGmQxhg346HeoHhM7fo4CTGYx0t6zj7TYXT2oHySdg9peyXs9tfJ3FvTXVp8luRcZXHurVWepPuXmwupHs3xtf7ThPtjjzAsDSddO/qrbsidySl4KKMWuhtw8k8Giopx/gn5ehFLWhMtiu/bWggFwPQjZ+R+S4x41zVSvWsXa+Pkbfq9rUEXOzs39vFD94STsffNd01rlI6r6ylriatxBVDbGMfeixluV2myiu9rXwnRZzbDuut7Ogd9d6VUJuElJF1kI2RcZdiOx8MZmGRk0OOsMkY4OY4OZ0IPT9pd3iThCzkC3K1a4bYmY11mqSAQ/XUtPd8t/Nb1nirMCtkMlBFjm0acUbzFMHB7jJE1w2/emgFw2dHptYOe4kdeZiGHEfaLbboJLHZyGEt7HtQQzm2D1AI5j5+5dMsy1yUt8o5Y4NMYuGuGQiXEz1ngTVbMTx3Exu6fMBfLoJtFrn2teIIepjFxplLlOO5BVoMhr069m7E9zi94le5pEZHQa5SQSDs9OnetwcT33Y2OaCnUntOsZCJsA9jn7B0gYNk9CeVuyenXwVn18/KK/6bX4bILVwVq27kq0p5CfHsy1v1KmLOGreG4YswVIHWL17lbOYiBys13AkjprY+a7XCeanyDLcOTlgFyryOlY2rJWLGuBI215PToeoJB0Vxb+YtUuLM9HTtxiaRlCOuySCSw0vLZ3ODY2EHm5W77x0Gz3KqzMsnpPsWV4NVe2u5Fv0Sy2iBipvhzs/NWpw3jG4jDVaYA5mMHOR4uPUn6qLV+M8g6OpHLBUZayDIvU2nmaHOEjmz7BO9NaA7XeN9V5t4xzD3WG1Ia1/tYBYpPirSQtLDK1m/bd95prub2eXetDvCjdkzuSUiyjErpbcCweij3G+HdmcM6OBnPPE4SRgHW/MfMbXGp8UZnI2IsdQlxnr7GTSWZLNeaJo5C0BnZF3M0kPaSdkAFp67XhdzWatQSWbjMeKMWahpRxRiUSEiwxnOXB48z7OtHQ30JCphJxkpIvnBTi4y7EZ/RLLb6YucHzDmbH+5TPM2M/ZwFapBj7AsSx8tl7Xt20DpodfHzUfyvF3EEvDVud0uPh9Zx9ues+sHiSEwv1127rsHw1ynz2pLx7ckiwdTGPtSw2MlM2CSxXjcXRsA5pHtA2R0Gh36Lgr7MqdjTl4OavDrrTUfJBxwlldADFTf6mfmrH4O4fjwWP5XNabU2nTOHn4D4BRqrxbnLlHEw40UPWn0LMto22SaMtdzWOAAIIDiSdkHQIOvBa+U4nyWaqRzU/Vq+PjsYwvHM7tnmZ8b+jgQA0BwGtHfXu1orcqy1aZ7Th1Uy6orkn+XxtfLY+anaYHRyN17wfAj3hVVZ4OykE8kbaEsrWu02Rjm6ePMAlSD0g2JaWbqR07ssEOSYIcryte4Q1w8ASggjs3bcW7/AMW/2VyJ83lMfleJsRTlc45Gya2Ld1d6vK2FnabPcAGODx/lPvUaciyn4kr8Wu/5o73BEGaw9j1Kxj7ApSu3zOc3UR8x17j4hTwdygXo0nnmMbp5pZCcHjnEveTtxa/Z6+J8T4qejuCrsm5y6mWVVquPSuxlERQLAiIgCIiALwtU69vsvWYWS9jIJY+Yb5XjucPeF7ogOZkuHsNlZXS5LGVbUjmtaXSxhxIaSW9/ls6+JWpFw3WjzdG8xsUdbHVXwU6scIa2Ln1zu38GtAA1rbu/a7yIDnPweKkhZDJQrviZC+BrHMBAjdouZo+B5R09wXnQ4bwmOby0MXUrDkezUUQb7L9cw6efK3fwC6qIDSZiceyvNXbTh7GdoZLGW7a9oaGgEePsgBeOPwGIxscMePx1asyB7nxtiYGhrnDRPTxI6LpogOOeF8EX03nEUi6kNViYQexG96b5deqP4VwEluxbkw9J1iwHNmkMLeaQEaId5grsIgOZS4ew9ClYo08ZUhqWARNCyIBsgI0Q4ePTp8F4N4T4fbj/ALPbhqIp9oJexEI5ef8Ae15+9dpEBz4MJi67abYKFdgohwqgRj7jmGncvlsHS0v0O4a5Z2/YdDU41KOwbp45ubr8+vxXdRAcSXhHh2anFTmwtB9aJ7nxxOgaWtce8geZW63D45sHYNpQiHtxY5A3p2ocHB2vPYB+S3kQEZwXBWGxdSSOTH057M7Hx2bBrgOnY52yHeYPTfnpduPGUopq80daJslaIwwuDesbDrbR5D2R9FtogNEYfHCy+0KcPbvDw6Tl6kP1zfXlbv4BaknCnD8s9aeXD0nTVWMZBIYRzRtZ+qAfDXguyiA0psVQmfbfNUhkdciENgvYD2rACA13mPaPT3lfVXG0qbJWVq8cbZnc0vKP1zyhuz5nQA+S20QHBt8GcNXOy9bwdGbsYmwx88IPIxvRrR5ALutaGNDWjTQNAeSyiAIiIAiIgCIiAIiIAiIgCIiAIiIAiIgCIiAIiIAiIgCIiAIiIAiIgCIiAIiIAiIgP//Z"/>
+          <p:cNvSpPr>
+            <a:spLocks noChangeAspect="1" noChangeArrowheads="1"/>
+          </p:cNvSpPr>
+          <p:nvPr/>
+        </p:nvSpPr>
+        <p:spPr bwMode="auto">
+          <a:xfrm>
+            <a:off x="155575" y="-144463"/>
+            <a:ext cx="304800" cy="304801"/>
+          </a:xfrm>
+          <a:prstGeom prst="rect">
+            <a:avLst/>
+          </a:prstGeom>
+          <a:noFill/>
+          <a:extLst>
+            <a:ext uri="{909E8E84-426E-40DD-AFC4-6F175D3DCCD1}">
+              <a14:hiddenFill xmlns:a14="http://schemas.microsoft.com/office/drawing/2010/main">
+                <a:solidFill>
+                  <a:srgbClr val="FFFFFF"/>
+                </a:solidFill>
+              </a14:hiddenFill>
+            </a:ext>
+          </a:extLst>
+        </p:spPr>
+        <p:txBody>
+          <a:bodyPr vert="horz" wrap="square" lIns="91440" tIns="45720" rIns="91440" bIns="45720" numCol="1" anchor="t" anchorCtr="0" compatLnSpc="1">
+            <a:prstTxWarp prst="textNoShape">
+              <a:avLst/>
+            </a:prstTxWarp>
+          </a:bodyPr>
+          <a:lstStyle/>
+          <a:p>
+            <a:endParaRPr lang="sv-SE"/>
+          </a:p>
+        </p:txBody>
+      </p:sp>
+      <p:sp>
+        <p:nvSpPr>
+          <p:cNvPr id="6" name="AutoShape 4" descr="data:image/jpeg;base64,/9j/4AAQSkZJRgABAQAAAQABAAD/2wBDAAkGBwgHBgkIBwgKCgkLDRYPDQwMDRsUFRAWIB0iIiAdHx8kKDQsJCYxJx8fLT0tMTU3Ojo6Iys/RD84QzQ5Ojf/2wBDAQoKCg0MDRoPDxo3JR8lNzc3Nzc3Nzc3Nzc3Nzc3Nzc3Nzc3Nzc3Nzc3Nzc3Nzc3Nzc3Nzc3Nzc3Nzc3Nzc3Nzf/wAARCAByAOUDASIAAhEBAxEB/8QAHAABAAIDAQEBAAAAAAAAAAAAAAYHAQQFAwII/8QAQxAAAQQCAAMEBwQGCAYDAAAAAQACAwQFEQYSIRMxQVEHFCJhcYGRFSOx0RYyQlKhsiQzQ1NicpKiNDZUdJPhRcHC/8QAGgEBAAMBAQEAAAAAAAAAAAAAAAIDBQQBBv/EACsRAAICAgEDAwMDBQAAAAAAAAABAgMEESESMUEFEzIUUcGx4fAVYZGh0f/aAAwDAQACEQMRAD8AvFERAEREAREQBERAERfEkjYml0jg1o7ySg2faLlyZ/GxnRstd/lBK+P0jxn9+f8AQVP25/Yh7kPuddFoVsvQsuDYrMZce5pOifqt4Hai013JKSfYyiIvD0IiIAiIgCIiAIiIAiIgCIiAIiIAiIgCIiAIiIAiIgMFQLifJvtZCSEP+5hPIG+BPiVPT3Kp8jLvI29/37/5iuvDgpTbfg482bjBJeTap1LmQkcyjX7Qs/Wc52mt92/Nbh4dzgBPq1c+4Tnf8qkfBDW/YTHgDb5Hknz9oj/6C769sybFNpeDyrFrcE35KrkEkUj4p2PjlYdOa7vBUq4Qy0kz3UZ3l2m80RPfod4WvxVhshbyvbUawkjMQBPOG9QSvLhnD5Opl4p7VcRxNa4E84PerLLK7Kdt8ldddld2orgm4WVgLKzzRCIiAIiIAiIgCIiAIiIAiIgCIiAIiIAiIgCIscw80BlFjmHmE5ggDu5U3lJdZO4PKd4/3FXISCFRmZn1mL48rMn8xWh6etykZnqc+mEX/ctLgQ83Ddc/45P5ypDvSjPo7dzcK1nH9+T+dy53HHFpoPdi6BIslo7WTu5AR05fM+9USqlZfKEfuzoV8aseNku2kevF3FTaxfQx0gMx6SStP6nuHv8AwWpwlxXyObRyUh5CdRTPPcfI/mq+9YcRzEEgk9T4nx6/NO3JB6bA7/d4LTWFX7XT/syn6hY7epf4L9adjoR8llV1wNxc4zQ4rIOLu0IbXl7zv90/mrE5gsi6mVUumRs0Xwvh1xPpFjmHmE2PNVF+zKIsEgeKAyixzDzTYQbMosbATmHmgMoscw81lAEREAREQBERAEREBg96qf0j5ySxmxTrTvZHTbp3I8jbzrfd5DX1KsfiDJR4jE2r0n9kzbR+87wH10qDnnfNLJPM7ckjnPefMk7K0vTqeqTm+yMr1S5xgq0+WbPr1n/qrH/ld+atH0f571vh+VlpznS0dhx6uc5mtg+Z8R8lBc/w5LisHir5aQ6dn9IB/YcfaaPpsfJfHBGY+yuIoHPdqvP9zNvu0e4/I6/iuu+EL6W4LscONKzGyFGb7/k78PpHndmu2kiAxjhyiIfrtH7+/P3KIZeZk2WuywuDo5J3vYR4gnYU1474Nc0yZXCxc3N7U9ZgHXzc33+Y8VXYeCAW9W66FSxFU1118ca0RzffT9uzlb2mTCnxdLieF6mOxpAucz3SSkbEYLyQBvvPVSCpXpekHFtlsRuq36rwySWJvQ+4E9CCPDwKhXC/D1riG72UYdHVYfvrGthv+Ee/8PxujFY6riqUdSlE2OKMaAHefMnzO/FceZKqt6r+W97O7BhbZHdnw1rRW3pJx9bFR4ipSibHExkvQDvO29T71rejevDdzNmvZjbJFJVcHMcNggkeC6XpfOrGL/yyfixc/wBFJ3xHL/2x/EK6Lf0Tfn9yiUEvUEtcfsTjh7g/H4O3NZj55ZHuPZuk6mJp/Zb+feVF/Sfm3+vQYyrM9gib2kpa4gknuH0/EKw8jbioUZ7c7uWKFhe4/BUBfuy37ti5OdyTyF592+4fIdPkqMGt22Oc+dHR6hNU1KuHGz09etf9VY/8rvzVk+i/MvtUp8dYlc+WB3PGXuJJYfee/R39Qobe4dfU4Pp5og88km5B5Ru0G/xA/wBS0eGsscNm6t0uPZtdyzAfuHv+nf8AJdl0IZFMuhco4KJWY18XN8P8l9rjcU4Y5nGOhimfBOw88UjHEadruOu8HxC67HB7Q5p209QV9aWFFuL2j6OUVKOmfn+xNfqWJK9qazHNE7lewyu2D9VYfo34mNuL7JuybniG4Xud1kb4j4j8FsekLhY5Ouchj4x67C08zWj+tYPD4jw/9qqq1mSrZisVnujmhcHMI6FpHn+XxW1H28ynXZmDJWYN++8X+hdPGXELMDjC5habcwLYGHz8XEeQVOvyFwvL327Bc47J7V3Ur0zmZtZy+bdx3UtDWMb+qwDwH4qVejrhc3pmZe/H/RmHdZjv7Q/v68h4fXySuEMSnqn3PLJ2Zt6jDiKJH6P8Dao1jkMnLK6zO0csT3k9k35nvPj9FMvBYaAOgHRfSxpzc5OTN6utVxUV4CIiiTCIiAIiIAsbWVr3rMdOrNZncGxRML3OPgANlNb4PG9LbK49LWYL56+Ihf7LR204Hif2B+J+ih3DVSG7nacVuRkdYP55XPcAOVvXXXzOh814ZW5Nk8jZvTb5p5C/XkPAfIaC9aeAy96Bs9THTzQuPsvbrR18Svoa4Rpo6JPWz5qyyV2R1xW9foWzxPJiMvgLNEZCpzuZuI9q3o4dW+PmAqUPVpD+/uK7H6KZ8d2Hs/7fzWlext/HSNjyFWSvI4czRJrqPltRxYV1bjGe9lmZO23U5Q1oubgjLjN8PwSyEOmj+5m8faA7/mNH5rg8Q8AVshlWWqFmOrFK7dlg1/qZ5E/Tx+Mf9GWVNDNmlK7UFxuuvcJB3fUbH0UWvxyxX7Ub+ZrmzPaQfMOK5oYso3yUJaOmWZCWPFzjv/qL7xGPqYyjHUoRMjijHQN8T47963VAPRNeg+zbFF0oFhsxk5HHq5pA6j6Kfk671nXQcLHFmnRZGytSiVl6Yf8AiMX/AJJPxYtD0Uf8xy/9sfxC+vSpkILuVrV6zxIarHCQt6gOdo6/h/FY9FTeTNW5nnTIq3tE9w2f/S1EmsHT/nJkuSl6gmv5wdv0s5gw06+JhJ5rB7SXXgwHoPmfwKrjF1WXsjWqyyNjileA97nAAN7z1+AK2+JclJmM3avE7Y95EQ8mDo3+HX5rxo4TKZCHtqNCaeIO5edmtb8upXRTBU0dMnrZzX2O+/cVvX4LjyU+EvYabGuv0xFJEYwBK32enTXwVHPY6J7o36LmEtJHcSDrp7l1f0Uz4/8Ah7P+381q38VkMdyfaFOWvz75C/XX6EqGLCuptRnvZPMnbalKUNaLY9GuY+0sAyCV+56buyds7Jb+yfp0+Sl21Sfo/wAqcRxDF2juWvZ+5kHhs/qn6/iVdRdob6aCzM2r27XrszVwbvdpX3XB52rEVWCWew8RxRtLnucegAVC8RXquSzVu3RgEMEj9gDpza73EeBKkvpC4odlbDsbQfqnE77x7T/WuH/5H4qNYHC2M5k46MG2td7Ur/7tm+p+Pl713YdPsQds+DPzcj6iapr55OexzWvaXsEjWuBcwno4eI+fcr64ZydLK4mvPjwGRhoaYgNGMjvaqq424WOAuMkrc7qMw9hx68jvFpPv7x81q8JZ+xw9kmzDb6shDZ4/MeY94U8itZVSnDuiGPa8O5ws7MvYIvCjahu1Y7NZ4kikaHNcPEFe6w+3c3001tBERD0IiIAiIgB7lGeOob9vFNp0K0kwmdqYscBpo666nxKky4nGOTdh+HL1yFzRYEfZ1+YEgyu9lg0Op9ojoOqlGXTJMjOKnFxZWbeEMu5wb9mzNJOtuczQ/iraxNKLG46tThGmQxhg346HeoHhM7fo4CTGYx0t6zj7TYXT2oHySdg9peyXs9tfJ3FvTXVp8luRcZXHurVWepPuXmwupHs3xtf7ThPtjjzAsDSddO/qrbsidySl4KKMWuhtw8k8Giopx/gn5ehFLWhMtiu/bWggFwPQjZ+R+S4x41zVSvWsXa+Pkbfq9rUEXOzs39vFD94STsffNd01rlI6r6ylriatxBVDbGMfeixluV2myiu9rXwnRZzbDuut7Ogd9d6VUJuElJF1kI2RcZdiOx8MZmGRk0OOsMkY4OY4OZ0IPT9pd3iThCzkC3K1a4bYmY11mqSAQ/XUtPd8t/Nb1nirMCtkMlBFjm0acUbzFMHB7jJE1w2/emgFw2dHptYOe4kdeZiGHEfaLbboJLHZyGEt7HtQQzm2D1AI5j5+5dMsy1yUt8o5Y4NMYuGuGQiXEz1ngTVbMTx3Exu6fMBfLoJtFrn2teIIepjFxplLlOO5BVoMhr069m7E9zi94le5pEZHQa5SQSDs9OnetwcT33Y2OaCnUntOsZCJsA9jn7B0gYNk9CeVuyenXwVn18/KK/6bX4bILVwVq27kq0p5CfHsy1v1KmLOGreG4YswVIHWL17lbOYiBys13AkjprY+a7XCeanyDLcOTlgFyryOlY2rJWLGuBI215PToeoJB0Vxb+YtUuLM9HTtxiaRlCOuySCSw0vLZ3ODY2EHm5W77x0Gz3KqzMsnpPsWV4NVe2u5Fv0Sy2iBipvhzs/NWpw3jG4jDVaYA5mMHOR4uPUn6qLV+M8g6OpHLBUZayDIvU2nmaHOEjmz7BO9NaA7XeN9V5t4xzD3WG1Ia1/tYBYpPirSQtLDK1m/bd95prub2eXetDvCjdkzuSUiyjErpbcCweij3G+HdmcM6OBnPPE4SRgHW/MfMbXGp8UZnI2IsdQlxnr7GTSWZLNeaJo5C0BnZF3M0kPaSdkAFp67XhdzWatQSWbjMeKMWahpRxRiUSEiwxnOXB48z7OtHQ30JCphJxkpIvnBTi4y7EZ/RLLb6YucHzDmbH+5TPM2M/ZwFapBj7AsSx8tl7Xt20DpodfHzUfyvF3EEvDVud0uPh9Zx9ues+sHiSEwv1127rsHw1ynz2pLx7ckiwdTGPtSw2MlM2CSxXjcXRsA5pHtA2R0Gh36Lgr7MqdjTl4OavDrrTUfJBxwlldADFTf6mfmrH4O4fjwWP5XNabU2nTOHn4D4BRqrxbnLlHEw40UPWn0LMto22SaMtdzWOAAIIDiSdkHQIOvBa+U4nyWaqRzU/Vq+PjsYwvHM7tnmZ8b+jgQA0BwGtHfXu1orcqy1aZ7Th1Uy6orkn+XxtfLY+anaYHRyN17wfAj3hVVZ4OykE8kbaEsrWu02Rjm6ePMAlSD0g2JaWbqR07ssEOSYIcryte4Q1w8ASggjs3bcW7/AMW/2VyJ83lMfleJsRTlc45Gya2Ld1d6vK2FnabPcAGODx/lPvUaciyn4kr8Wu/5o73BEGaw9j1Kxj7ApSu3zOc3UR8x17j4hTwdygXo0nnmMbp5pZCcHjnEveTtxa/Z6+J8T4qejuCrsm5y6mWVVquPSuxlERQLAiIgCIiALwtU69vsvWYWS9jIJY+Yb5XjucPeF7ogOZkuHsNlZXS5LGVbUjmtaXSxhxIaSW9/ls6+JWpFw3WjzdG8xsUdbHVXwU6scIa2Ln1zu38GtAA1rbu/a7yIDnPweKkhZDJQrviZC+BrHMBAjdouZo+B5R09wXnQ4bwmOby0MXUrDkezUUQb7L9cw6efK3fwC6qIDSZiceyvNXbTh7GdoZLGW7a9oaGgEePsgBeOPwGIxscMePx1asyB7nxtiYGhrnDRPTxI6LpogOOeF8EX03nEUi6kNViYQexG96b5deqP4VwEluxbkw9J1iwHNmkMLeaQEaId5grsIgOZS4ew9ClYo08ZUhqWARNCyIBsgI0Q4ePTp8F4N4T4fbj/ALPbhqIp9oJexEI5ef8Ae15+9dpEBz4MJi67abYKFdgohwqgRj7jmGncvlsHS0v0O4a5Z2/YdDU41KOwbp45ubr8+vxXdRAcSXhHh2anFTmwtB9aJ7nxxOgaWtce8geZW63D45sHYNpQiHtxY5A3p2ocHB2vPYB+S3kQEZwXBWGxdSSOTH057M7Hx2bBrgOnY52yHeYPTfnpduPGUopq80daJslaIwwuDesbDrbR5D2R9FtogNEYfHCy+0KcPbvDw6Tl6kP1zfXlbv4BaknCnD8s9aeXD0nTVWMZBIYRzRtZ+qAfDXguyiA0psVQmfbfNUhkdciENgvYD2rACA13mPaPT3lfVXG0qbJWVq8cbZnc0vKP1zyhuz5nQA+S20QHBt8GcNXOy9bwdGbsYmwx88IPIxvRrR5ALutaGNDWjTQNAeSyiAIiIAiIgCIiAIiIAiIgCIiAIiIAiIgCIiAIiIAiIgCIiAIiIAiIgCIiAIiIAiIgP//Z"/>
+          <p:cNvSpPr>
+            <a:spLocks noChangeAspect="1" noChangeArrowheads="1"/>
+          </p:cNvSpPr>
+          <p:nvPr/>
+        </p:nvSpPr>
+        <p:spPr bwMode="auto">
+          <a:xfrm>
+            <a:off x="307975" y="7937"/>
+            <a:ext cx="304800" cy="304801"/>
+          </a:xfrm>
+          <a:prstGeom prst="rect">
+            <a:avLst/>
+          </a:prstGeom>
+          <a:noFill/>
+          <a:extLst>
+            <a:ext uri="{909E8E84-426E-40DD-AFC4-6F175D3DCCD1}">
+              <a14:hiddenFill xmlns:a14="http://schemas.microsoft.com/office/drawing/2010/main">
+                <a:solidFill>
+                  <a:srgbClr val="FFFFFF"/>
+                </a:solidFill>
+              </a14:hiddenFill>
+            </a:ext>
+          </a:extLst>
+        </p:spPr>
+        <p:txBody>
+          <a:bodyPr vert="horz" wrap="square" lIns="91440" tIns="45720" rIns="91440" bIns="45720" numCol="1" anchor="t" anchorCtr="0" compatLnSpc="1">
+            <a:prstTxWarp prst="textNoShape">
+              <a:avLst/>
+            </a:prstTxWarp>
+          </a:bodyPr>
+          <a:lstStyle/>
+          <a:p>
+            <a:endParaRPr lang="sv-SE"/>
+          </a:p>
+        </p:txBody>
+      </p:sp>
+    </p:spTree>
+  </p:cSld>
+  <p:clrMapOvr>
+    <a:masterClrMapping/>
+  </p:clrMapOvr>
+  <p:transition>
+    <p:random/>
+  </p:transition>
+  <p:timing>
+    <p:tnLst>
+      <p:par>
+        <p:cTn id="1" dur="indefinite" restart="never" nodeType="tmRoot"/>
+      </p:par>
+    </p:tnLst>
+  </p:timing>
+</p:sld>
+</file>
+
+<file path=ppt/slides/slide4.xml><?xml version="1.0" encoding="utf-8"?>
+<p:sld xmlns:a="http://schemas.openxmlformats.org/drawingml/2006/main" xmlns:r="http://schemas.openxmlformats.org/officeDocument/2006/relationships" xmlns:p="http://schemas.openxmlformats.org/presentationml/2006/main">
+  <p:cSld>
+    <p:spTree>
+      <p:nvGrpSpPr>
+        <p:cNvPr id="1" name=""/>
+        <p:cNvGrpSpPr/>
+        <p:nvPr/>
+      </p:nvGrpSpPr>
+      <p:grpSpPr>
+        <a:xfrm>
+          <a:off x="0" y="0"/>
+          <a:ext cx="0" cy="0"/>
+          <a:chOff x="0" y="0"/>
+          <a:chExt cx="0" cy="0"/>
+        </a:xfrm>
+      </p:grpSpPr>
+      <p:pic>
+        <p:nvPicPr>
           <p:cNvPr id="6" name="Bildobjekt 5"/>
           <p:cNvPicPr>
             <a:picLocks noChangeAspect="1"/>
@@ -4489,7 +6866,7 @@
           <p:nvPr/>
         </p:nvPicPr>
         <p:blipFill>
-          <a:blip r:embed="rId2">
+          <a:blip r:embed="rId3">
             <a:duotone>
               <a:schemeClr val="accent2">
                 <a:shade val="45000"/>
@@ -4664,7 +7041,7 @@
 </p:sld>
 </file>
 
-<file path=ppt/slides/slide4.xml><?xml version="1.0" encoding="utf-8"?>
+<file path=ppt/slides/slide5.xml><?xml version="1.0" encoding="utf-8"?>
 <p:sld xmlns:a="http://schemas.openxmlformats.org/drawingml/2006/main" xmlns:r="http://schemas.openxmlformats.org/officeDocument/2006/relationships" xmlns:p="http://schemas.openxmlformats.org/presentationml/2006/main">
   <p:cSld>
     <p:spTree>
@@ -4855,15 +7232,7 @@
             </a:r>
             <a:r>
               <a:rPr lang="sv-SE" dirty="0" smtClean="0"/>
-              <a:t>” är det enkelt att </a:t>
-            </a:r>
-            <a:r>
-              <a:rPr lang="sv-SE" dirty="0" smtClean="0"/>
-              <a:t>skapa förutsättningar för asynkrona </a:t>
-            </a:r>
-            <a:r>
-              <a:rPr lang="sv-SE" dirty="0" smtClean="0"/>
-              <a:t>förfrågningar.</a:t>
+              <a:t>” är det enkelt att skapa förutsättningar för asynkrona förfrågningar.</a:t>
             </a:r>
           </a:p>
           <a:p>
@@ -4942,7 +7311,7 @@
 </p:sld>
 </file>
 
-<file path=ppt/slides/slide5.xml><?xml version="1.0" encoding="utf-8"?>
+<file path=ppt/slides/slide6.xml><?xml version="1.0" encoding="utf-8"?>
 <p:sld xmlns:a="http://schemas.openxmlformats.org/drawingml/2006/main" xmlns:r="http://schemas.openxmlformats.org/officeDocument/2006/relationships" xmlns:p="http://schemas.openxmlformats.org/presentationml/2006/main">
   <p:cSld>
     <p:spTree>
@@ -5002,7 +7371,7 @@
           <p:nvPr/>
         </p:nvPicPr>
         <p:blipFill>
-          <a:blip r:embed="rId2">
+          <a:blip r:embed="rId3">
             <a:extLst>
               <a:ext uri="{28A0092B-C50C-407E-A947-70E740481C1C}">
                 <a14:useLocalDpi xmlns:a14="http://schemas.microsoft.com/office/drawing/2010/main" val="0"/>
@@ -5054,25 +7423,7 @@
               <a:srgbClr val="FFFFFF"/>
             </a:contourClr>
           </a:sp3d>
-          <a:extLst>
-            <a:ext uri="{909E8E84-426E-40DD-AFC4-6F175D3DCCD1}">
-              <a14:hiddenFill xmlns:a14="http://schemas.microsoft.com/office/drawing/2010/main">
-                <a:solidFill>
-                  <a:schemeClr val="accent1"/>
-                </a:solidFill>
-              </a14:hiddenFill>
-            </a:ext>
-            <a:ext uri="{91240B29-F687-4F45-9708-019B960494DF}">
-              <a14:hiddenLine xmlns:a14="http://schemas.microsoft.com/office/drawing/2010/main" w="9525">
-                <a:solidFill>
-                  <a:schemeClr val="tx1"/>
-                </a:solidFill>
-                <a:miter lim="800000"/>
-                <a:headEnd/>
-                <a:tailEnd/>
-              </a14:hiddenLine>
-            </a:ext>
-          </a:extLst>
+          <a:extLst/>
         </p:spPr>
       </p:pic>
       <p:pic>
@@ -5084,7 +7435,7 @@
           <p:nvPr/>
         </p:nvPicPr>
         <p:blipFill>
-          <a:blip r:embed="rId3">
+          <a:blip r:embed="rId4">
             <a:duotone>
               <a:schemeClr val="bg2">
                 <a:shade val="45000"/>
@@ -5143,25 +7494,7 @@
               <a:srgbClr val="FFFFFF"/>
             </a:contourClr>
           </a:sp3d>
-          <a:extLst>
-            <a:ext uri="{909E8E84-426E-40DD-AFC4-6F175D3DCCD1}">
-              <a14:hiddenFill xmlns:a14="http://schemas.microsoft.com/office/drawing/2010/main">
-                <a:solidFill>
-                  <a:schemeClr val="accent1"/>
-                </a:solidFill>
-              </a14:hiddenFill>
-            </a:ext>
-            <a:ext uri="{91240B29-F687-4F45-9708-019B960494DF}">
-              <a14:hiddenLine xmlns:a14="http://schemas.microsoft.com/office/drawing/2010/main" w="9525">
-                <a:solidFill>
-                  <a:schemeClr val="tx1"/>
-                </a:solidFill>
-                <a:miter lim="800000"/>
-                <a:headEnd/>
-                <a:tailEnd/>
-              </a14:hiddenLine>
-            </a:ext>
-          </a:extLst>
+          <a:extLst/>
         </p:spPr>
       </p:pic>
       <p:sp>
@@ -5205,7 +7538,7 @@
 </p:sld>
 </file>
 
-<file path=ppt/slides/slide6.xml><?xml version="1.0" encoding="utf-8"?>
+<file path=ppt/slides/slide7.xml><?xml version="1.0" encoding="utf-8"?>
 <p:sld xmlns:a="http://schemas.openxmlformats.org/drawingml/2006/main" xmlns:r="http://schemas.openxmlformats.org/officeDocument/2006/relationships" xmlns:p="http://schemas.openxmlformats.org/presentationml/2006/main">
   <p:cSld>
     <p:spTree>
@@ -5317,25 +7650,7 @@
               <a:srgbClr val="FFFFFF"/>
             </a:contourClr>
           </a:sp3d>
-          <a:extLst>
-            <a:ext uri="{909E8E84-426E-40DD-AFC4-6F175D3DCCD1}">
-              <a14:hiddenFill xmlns:a14="http://schemas.microsoft.com/office/drawing/2010/main">
-                <a:solidFill>
-                  <a:schemeClr val="accent1"/>
-                </a:solidFill>
-              </a14:hiddenFill>
-            </a:ext>
-            <a:ext uri="{91240B29-F687-4F45-9708-019B960494DF}">
-              <a14:hiddenLine xmlns:a14="http://schemas.microsoft.com/office/drawing/2010/main" w="9525">
-                <a:solidFill>
-                  <a:schemeClr val="tx1"/>
-                </a:solidFill>
-                <a:miter lim="800000"/>
-                <a:headEnd/>
-                <a:tailEnd/>
-              </a14:hiddenLine>
-            </a:ext>
-          </a:extLst>
+          <a:extLst/>
         </p:spPr>
       </p:pic>
       <p:pic>
@@ -5406,25 +7721,7 @@
               <a:srgbClr val="FFFFFF"/>
             </a:contourClr>
           </a:sp3d>
-          <a:extLst>
-            <a:ext uri="{909E8E84-426E-40DD-AFC4-6F175D3DCCD1}">
-              <a14:hiddenFill xmlns:a14="http://schemas.microsoft.com/office/drawing/2010/main">
-                <a:solidFill>
-                  <a:schemeClr val="accent1"/>
-                </a:solidFill>
-              </a14:hiddenFill>
-            </a:ext>
-            <a:ext uri="{91240B29-F687-4F45-9708-019B960494DF}">
-              <a14:hiddenLine xmlns:a14="http://schemas.microsoft.com/office/drawing/2010/main" w="9525">
-                <a:solidFill>
-                  <a:schemeClr val="tx1"/>
-                </a:solidFill>
-                <a:miter lim="800000"/>
-                <a:headEnd/>
-                <a:tailEnd/>
-              </a14:hiddenLine>
-            </a:ext>
-          </a:extLst>
+          <a:extLst/>
         </p:spPr>
       </p:pic>
       <p:sp>
@@ -5468,7 +7765,7 @@
 </p:sld>
 </file>
 
-<file path=ppt/slides/slide7.xml><?xml version="1.0" encoding="utf-8"?>
+<file path=ppt/slides/slide8.xml><?xml version="1.0" encoding="utf-8"?>
 <p:sld xmlns:a="http://schemas.openxmlformats.org/drawingml/2006/main" xmlns:r="http://schemas.openxmlformats.org/officeDocument/2006/relationships" xmlns:p="http://schemas.openxmlformats.org/presentationml/2006/main">
   <p:cSld>
     <p:spTree>
@@ -5494,7 +7791,7 @@
           <p:nvPr/>
         </p:nvPicPr>
         <p:blipFill>
-          <a:blip r:embed="rId2">
+          <a:blip r:embed="rId3">
             <a:duotone>
               <a:schemeClr val="bg2">
                 <a:shade val="45000"/>
@@ -5587,7 +7884,7 @@
           <p:nvPr/>
         </p:nvPicPr>
         <p:blipFill>
-          <a:blip r:embed="rId3">
+          <a:blip r:embed="rId4">
             <a:extLst>
               <a:ext uri="{28A0092B-C50C-407E-A947-70E740481C1C}">
                 <a14:useLocalDpi xmlns:a14="http://schemas.microsoft.com/office/drawing/2010/main" val="0"/>
@@ -5665,7 +7962,7 @@
           <p:nvPr/>
         </p:nvPicPr>
         <p:blipFill>
-          <a:blip r:embed="rId4" cstate="print"/>
+          <a:blip r:embed="rId5" cstate="print"/>
           <a:srcRect/>
           <a:stretch>
             <a:fillRect/>
@@ -5722,7 +8019,7 @@
           <p:nvPr/>
         </p:nvPicPr>
         <p:blipFill>
-          <a:blip r:embed="rId5">
+          <a:blip r:embed="rId6">
             <a:extLst>
               <a:ext uri="{28A0092B-C50C-407E-A947-70E740481C1C}">
                 <a14:useLocalDpi xmlns:a14="http://schemas.microsoft.com/office/drawing/2010/main" val="0"/>
@@ -5774,25 +8071,7 @@
               <a:srgbClr val="969696"/>
             </a:contourClr>
           </a:sp3d>
-          <a:extLst>
-            <a:ext uri="{909E8E84-426E-40DD-AFC4-6F175D3DCCD1}">
-              <a14:hiddenFill xmlns:a14="http://schemas.microsoft.com/office/drawing/2010/main">
-                <a:solidFill>
-                  <a:schemeClr val="accent1"/>
-                </a:solidFill>
-              </a14:hiddenFill>
-            </a:ext>
-            <a:ext uri="{91240B29-F687-4F45-9708-019B960494DF}">
-              <a14:hiddenLine xmlns:a14="http://schemas.microsoft.com/office/drawing/2010/main" w="9525">
-                <a:solidFill>
-                  <a:schemeClr val="tx1"/>
-                </a:solidFill>
-                <a:miter lim="800000"/>
-                <a:headEnd/>
-                <a:tailEnd/>
-              </a14:hiddenLine>
-            </a:ext>
-          </a:extLst>
+          <a:extLst/>
         </p:spPr>
       </p:pic>
     </p:spTree>
@@ -5813,7 +8092,7 @@
 </p:sld>
 </file>
 
-<file path=ppt/slides/slide8.xml><?xml version="1.0" encoding="utf-8"?>
+<file path=ppt/slides/slide9.xml><?xml version="1.0" encoding="utf-8"?>
 <p:sld xmlns:a="http://schemas.openxmlformats.org/drawingml/2006/main" xmlns:r="http://schemas.openxmlformats.org/officeDocument/2006/relationships" xmlns:p="http://schemas.openxmlformats.org/presentationml/2006/main">
   <p:cSld>
     <p:spTree>
@@ -5839,7 +8118,7 @@
           <p:nvPr/>
         </p:nvPicPr>
         <p:blipFill>
-          <a:blip r:embed="rId2">
+          <a:blip r:embed="rId3">
             <a:duotone>
               <a:schemeClr val="bg2">
                 <a:shade val="45000"/>
@@ -6046,7 +8325,7 @@
           <p:nvPr/>
         </p:nvPicPr>
         <p:blipFill>
-          <a:blip r:embed="rId3">
+          <a:blip r:embed="rId4">
             <a:extLst>
               <a:ext uri="{28A0092B-C50C-407E-A947-70E740481C1C}">
                 <a14:useLocalDpi xmlns:a14="http://schemas.microsoft.com/office/drawing/2010/main" val="0"/>
@@ -6110,7 +8389,7 @@
           <p:nvPr/>
         </p:nvPicPr>
         <p:blipFill>
-          <a:blip r:embed="rId4">
+          <a:blip r:embed="rId5">
             <a:duotone>
               <a:schemeClr val="bg2">
                 <a:shade val="45000"/>
@@ -6166,254 +8445,6 @@
           </a:extLst>
         </p:spPr>
       </p:pic>
-    </p:spTree>
-  </p:cSld>
-  <p:clrMapOvr>
-    <a:masterClrMapping/>
-  </p:clrMapOvr>
-  <p:transition>
-    <p:random/>
-  </p:transition>
-  <p:timing>
-    <p:tnLst>
-      <p:par>
-        <p:cTn id="1" dur="indefinite" restart="never" nodeType="tmRoot"/>
-      </p:par>
-    </p:tnLst>
-  </p:timing>
-</p:sld>
-</file>
-
-<file path=ppt/slides/slide9.xml><?xml version="1.0" encoding="utf-8"?>
-<p:sld xmlns:a="http://schemas.openxmlformats.org/drawingml/2006/main" xmlns:r="http://schemas.openxmlformats.org/officeDocument/2006/relationships" xmlns:p="http://schemas.openxmlformats.org/presentationml/2006/main">
-  <p:cSld>
-    <p:spTree>
-      <p:nvGrpSpPr>
-        <p:cNvPr id="1" name=""/>
-        <p:cNvGrpSpPr/>
-        <p:nvPr/>
-      </p:nvGrpSpPr>
-      <p:grpSpPr>
-        <a:xfrm>
-          <a:off x="0" y="0"/>
-          <a:ext cx="0" cy="0"/>
-          <a:chOff x="0" y="0"/>
-          <a:chExt cx="0" cy="0"/>
-        </a:xfrm>
-      </p:grpSpPr>
-      <p:sp>
-        <p:nvSpPr>
-          <p:cNvPr id="3" name="Platshållare för innehåll 2"/>
-          <p:cNvSpPr>
-            <a:spLocks noGrp="1"/>
-          </p:cNvSpPr>
-          <p:nvPr>
-            <p:ph idx="1"/>
-          </p:nvPr>
-        </p:nvSpPr>
-        <p:spPr/>
-        <p:txBody>
-          <a:bodyPr/>
-          <a:lstStyle/>
-          <a:p>
-            <a:r>
-              <a:rPr lang="sv-SE" dirty="0" smtClean="0"/>
-              <a:t>Controllermetoden måste kunna hantera både en Ajax-förfrågan och en vanlig förfrågan. Genom att använda metoden </a:t>
-            </a:r>
-            <a:r>
-              <a:rPr lang="sv-SE" sz="1400" dirty="0" err="1" smtClean="0">
-                <a:latin typeface="Consolas" pitchFamily="49" charset="0"/>
-                <a:cs typeface="Consolas" pitchFamily="49" charset="0"/>
-              </a:rPr>
-              <a:t>Request.IsAjaxRequest</a:t>
-            </a:r>
-            <a:r>
-              <a:rPr lang="sv-SE" sz="1400" dirty="0" smtClean="0">
-                <a:latin typeface="Consolas" pitchFamily="49" charset="0"/>
-                <a:cs typeface="Consolas" pitchFamily="49" charset="0"/>
-              </a:rPr>
-              <a:t>()</a:t>
-            </a:r>
-            <a:r>
-              <a:rPr lang="sv-SE" dirty="0" smtClean="0"/>
-              <a:t> kan du ta reda på vilket sätt förfrågan görs.</a:t>
-            </a:r>
-          </a:p>
-          <a:p>
-            <a:pPr lvl="1"/>
-            <a:r>
-              <a:rPr lang="sv-SE" dirty="0" smtClean="0"/>
-              <a:t>Är det fråga om en Ajax-förfrågan returneras en sträng med hjälp av </a:t>
-            </a:r>
-            <a:r>
-              <a:rPr lang="sv-SE" sz="1400" dirty="0" err="1" smtClean="0">
-                <a:latin typeface="Consolas" pitchFamily="49" charset="0"/>
-                <a:cs typeface="Consolas" pitchFamily="49" charset="0"/>
-              </a:rPr>
-              <a:t>Content</a:t>
-            </a:r>
-            <a:r>
-              <a:rPr lang="sv-SE" dirty="0" smtClean="0"/>
-              <a:t>.</a:t>
-            </a:r>
-          </a:p>
-          <a:p>
-            <a:pPr lvl="1"/>
-            <a:r>
-              <a:rPr lang="sv-SE" dirty="0" smtClean="0"/>
-              <a:t>Är det en ”vanlig” förfrågan returneras en vy som vanligt</a:t>
-            </a:r>
-            <a:r>
-              <a:rPr lang="sv-SE" dirty="0" smtClean="0"/>
-              <a:t>. Observera att det inte går att skicka med modellen på vanligt sätt i detta fall på grund av den modellens typ är av typen </a:t>
-            </a:r>
-            <a:r>
-              <a:rPr lang="sv-SE" sz="1400" dirty="0">
-                <a:latin typeface="Consolas" pitchFamily="49" charset="0"/>
-                <a:cs typeface="Consolas" pitchFamily="49" charset="0"/>
-              </a:rPr>
-              <a:t>String</a:t>
-            </a:r>
-            <a:r>
-              <a:rPr lang="sv-SE" dirty="0" smtClean="0"/>
-              <a:t>, vilket medför att </a:t>
-            </a:r>
-            <a:r>
-              <a:rPr lang="sv-SE" dirty="0" err="1" smtClean="0"/>
-              <a:t>modelldatat</a:t>
-            </a:r>
-            <a:r>
-              <a:rPr lang="sv-SE" dirty="0" smtClean="0"/>
-              <a:t> tolkas som en ”</a:t>
-            </a:r>
-            <a:r>
-              <a:rPr lang="sv-SE" i="1" dirty="0" smtClean="0"/>
-              <a:t>page layout</a:t>
-            </a:r>
-            <a:r>
-              <a:rPr lang="sv-SE" dirty="0" smtClean="0"/>
-              <a:t>”. Egenskapen </a:t>
-            </a:r>
-            <a:r>
-              <a:rPr lang="sv-SE" sz="1400" dirty="0" err="1">
-                <a:latin typeface="Consolas" pitchFamily="49" charset="0"/>
-                <a:cs typeface="Consolas" pitchFamily="49" charset="0"/>
-              </a:rPr>
-              <a:t>ViewData.Model</a:t>
-            </a:r>
-            <a:r>
-              <a:rPr lang="sv-SE" dirty="0" smtClean="0"/>
-              <a:t> får istället användas.</a:t>
-            </a:r>
-            <a:endParaRPr lang="sv-SE" dirty="0"/>
-          </a:p>
-        </p:txBody>
-      </p:sp>
-      <p:pic>
-        <p:nvPicPr>
-          <p:cNvPr id="4099" name="Picture 3"/>
-          <p:cNvPicPr>
-            <a:picLocks noChangeAspect="1" noChangeArrowheads="1"/>
-          </p:cNvPicPr>
-          <p:nvPr/>
-        </p:nvPicPr>
-        <p:blipFill>
-          <a:blip r:embed="rId2">
-            <a:extLst>
-              <a:ext uri="{28A0092B-C50C-407E-A947-70E740481C1C}">
-                <a14:useLocalDpi xmlns:a14="http://schemas.microsoft.com/office/drawing/2010/main" val="0"/>
-              </a:ext>
-            </a:extLst>
-          </a:blip>
-          <a:srcRect/>
-          <a:stretch>
-            <a:fillRect/>
-          </a:stretch>
-        </p:blipFill>
-        <p:spPr bwMode="auto">
-          <a:xfrm>
-            <a:off x="2179767" y="3347111"/>
-            <a:ext cx="4162425" cy="2171700"/>
-          </a:xfrm>
-          <a:prstGeom prst="rect">
-            <a:avLst/>
-          </a:prstGeom>
-          <a:solidFill>
-            <a:srgbClr val="FFFFFF">
-              <a:shade val="85000"/>
-            </a:srgbClr>
-          </a:solidFill>
-          <a:ln w="190500" cap="sq">
-            <a:solidFill>
-              <a:srgbClr val="FFFFFF"/>
-            </a:solidFill>
-            <a:miter lim="800000"/>
-          </a:ln>
-          <a:effectLst>
-            <a:outerShdw blurRad="65000" dist="50800" dir="12900000" kx="195000" ky="145000" algn="tl" rotWithShape="0">
-              <a:srgbClr val="000000">
-                <a:alpha val="30000"/>
-              </a:srgbClr>
-            </a:outerShdw>
-          </a:effectLst>
-          <a:scene3d>
-            <a:camera prst="orthographicFront">
-              <a:rot lat="0" lon="0" rev="360000"/>
-            </a:camera>
-            <a:lightRig rig="twoPt" dir="t">
-              <a:rot lat="0" lon="0" rev="7200000"/>
-            </a:lightRig>
-          </a:scene3d>
-          <a:sp3d contourW="12700">
-            <a:bevelT w="25400" h="19050"/>
-            <a:contourClr>
-              <a:srgbClr val="969696"/>
-            </a:contourClr>
-          </a:sp3d>
-          <a:extLst>
-            <a:ext uri="{909E8E84-426E-40DD-AFC4-6F175D3DCCD1}">
-              <a14:hiddenFill xmlns:a14="http://schemas.microsoft.com/office/drawing/2010/main">
-                <a:solidFill>
-                  <a:schemeClr val="accent1"/>
-                </a:solidFill>
-              </a14:hiddenFill>
-            </a:ext>
-            <a:ext uri="{91240B29-F687-4F45-9708-019B960494DF}">
-              <a14:hiddenLine xmlns:a14="http://schemas.microsoft.com/office/drawing/2010/main" w="9525">
-                <a:solidFill>
-                  <a:schemeClr val="tx1"/>
-                </a:solidFill>
-                <a:miter lim="800000"/>
-                <a:headEnd/>
-                <a:tailEnd/>
-              </a14:hiddenLine>
-            </a:ext>
-          </a:extLst>
-        </p:spPr>
-      </p:pic>
-      <p:sp>
-        <p:nvSpPr>
-          <p:cNvPr id="2" name="Rubrik 1"/>
-          <p:cNvSpPr>
-            <a:spLocks noGrp="1"/>
-          </p:cNvSpPr>
-          <p:nvPr>
-            <p:ph type="title"/>
-          </p:nvPr>
-        </p:nvSpPr>
-        <p:spPr/>
-        <p:txBody>
-          <a:bodyPr/>
-          <a:lstStyle/>
-          <a:p>
-            <a:r>
-              <a:rPr lang="sv-SE" dirty="0" smtClean="0"/>
-              <a:t>En controllermetod – olika typer av förfrågningar</a:t>
-            </a:r>
-            <a:endParaRPr lang="sv-SE" dirty="0"/>
-          </a:p>
-        </p:txBody>
-      </p:sp>
     </p:spTree>
   </p:cSld>
   <p:clrMapOvr>

--- a/Presentationsmaterial/Dokument/1.7 Unobtrusive Ajax.pptx
+++ b/Presentationsmaterial/Dokument/1.7 Unobtrusive Ajax.pptx
@@ -236,7 +236,7 @@
             <a:fld id="{0B3BAAB0-D539-4A20-AE97-450346457396}" type="datetimeFigureOut">
               <a:rPr lang="sv-SE" smtClean="0"/>
               <a:pPr/>
-              <a:t>2013-11-24</a:t>
+              <a:t>2013-11-25</a:t>
             </a:fld>
             <a:endParaRPr lang="sv-SE" dirty="0"/>
           </a:p>
@@ -4238,19 +4238,7 @@
                 <a:latin typeface="Times New Roman" pitchFamily="18" charset="0"/>
                 <a:cs typeface="Times New Roman" pitchFamily="18" charset="0"/>
               </a:rPr>
-              <a:t>(</a:t>
-            </a:r>
-            <a:r>
-              <a:rPr lang="en-US" sz="700" dirty="0" smtClean="0">
-                <a:solidFill>
-                  <a:schemeClr val="bg1">
-                    <a:lumMod val="75000"/>
-                  </a:schemeClr>
-                </a:solidFill>
-                <a:latin typeface="Times New Roman" pitchFamily="18" charset="0"/>
-                <a:cs typeface="Times New Roman" pitchFamily="18" charset="0"/>
-              </a:rPr>
-              <a:t>14)</a:t>
+              <a:t>(14)</a:t>
             </a:r>
             <a:endParaRPr lang="en-US" sz="700" dirty="0">
               <a:solidFill>
@@ -6152,15 +6140,7 @@
             </a:r>
             <a:r>
               <a:rPr lang="sv-SE" dirty="0" smtClean="0"/>
-              <a:t> för att visa fel som inte är knutna till någon egenskap i modellen, </a:t>
-            </a:r>
-            <a:r>
-              <a:rPr lang="sv-SE" dirty="0" smtClean="0"/>
-              <a:t>medför det </a:t>
-            </a:r>
-            <a:r>
-              <a:rPr lang="sv-SE" dirty="0" smtClean="0"/>
-              <a:t>att skriptet som visar fel blir mer omfattande.</a:t>
+              <a:t> för att visa fel som inte är knutna till någon egenskap i modellen, medför det att skriptet som visar fel blir mer omfattande.</a:t>
             </a:r>
             <a:endParaRPr lang="sv-SE" dirty="0"/>
           </a:p>
@@ -7555,104 +7535,6 @@
           <a:chExt cx="0" cy="0"/>
         </a:xfrm>
       </p:grpSpPr>
-      <p:sp>
-        <p:nvSpPr>
-          <p:cNvPr id="3" name="Platshållare för innehåll 2"/>
-          <p:cNvSpPr>
-            <a:spLocks noGrp="1"/>
-          </p:cNvSpPr>
-          <p:nvPr>
-            <p:ph idx="1"/>
-          </p:nvPr>
-        </p:nvSpPr>
-        <p:spPr/>
-        <p:txBody>
-          <a:bodyPr/>
-          <a:lstStyle/>
-          <a:p>
-            <a:r>
-              <a:rPr lang="sv-SE" dirty="0" smtClean="0"/>
-              <a:t>Genom att använda </a:t>
-            </a:r>
-            <a:r>
-              <a:rPr lang="sv-SE" sz="1600" dirty="0" err="1" smtClean="0">
-                <a:latin typeface="Courier New" pitchFamily="49" charset="0"/>
-                <a:cs typeface="Courier New" pitchFamily="49" charset="0"/>
-              </a:rPr>
-              <a:t>Ajax.BeginForm</a:t>
-            </a:r>
-            <a:r>
-              <a:rPr lang="sv-SE" dirty="0" smtClean="0"/>
-              <a:t> renderas ett formulär som använder Ajax och endast innehållet i specificerat element ersätts. I övrigt är allt precis som då ett traditionellt formulär renderas. </a:t>
-            </a:r>
-            <a:endParaRPr lang="sv-SE" dirty="0"/>
-          </a:p>
-        </p:txBody>
-      </p:sp>
-      <p:pic>
-        <p:nvPicPr>
-          <p:cNvPr id="2050" name="Picture 2"/>
-          <p:cNvPicPr>
-            <a:picLocks noChangeAspect="1" noChangeArrowheads="1"/>
-          </p:cNvPicPr>
-          <p:nvPr/>
-        </p:nvPicPr>
-        <p:blipFill>
-          <a:blip r:embed="rId3">
-            <a:extLst>
-              <a:ext uri="{28A0092B-C50C-407E-A947-70E740481C1C}">
-                <a14:useLocalDpi xmlns:a14="http://schemas.microsoft.com/office/drawing/2010/main" val="0"/>
-              </a:ext>
-            </a:extLst>
-          </a:blip>
-          <a:srcRect/>
-          <a:stretch>
-            <a:fillRect/>
-          </a:stretch>
-        </p:blipFill>
-        <p:spPr bwMode="auto">
-          <a:xfrm>
-            <a:off x="550789" y="1039461"/>
-            <a:ext cx="4611429" cy="3625715"/>
-          </a:xfrm>
-          <a:prstGeom prst="rect">
-            <a:avLst/>
-          </a:prstGeom>
-          <a:solidFill>
-            <a:srgbClr val="FFFFFF">
-              <a:shade val="85000"/>
-            </a:srgbClr>
-          </a:solidFill>
-          <a:ln w="101600" cap="sq">
-            <a:solidFill>
-              <a:srgbClr val="FDFDFD"/>
-            </a:solidFill>
-            <a:miter lim="800000"/>
-          </a:ln>
-          <a:effectLst>
-            <a:outerShdw blurRad="57150" dist="37500" dir="7560000" sy="98000" kx="110000" ky="200000" algn="tl" rotWithShape="0">
-              <a:srgbClr val="000000">
-                <a:alpha val="20000"/>
-              </a:srgbClr>
-            </a:outerShdw>
-          </a:effectLst>
-          <a:scene3d>
-            <a:camera prst="perspectiveRelaxed">
-              <a:rot lat="18960000" lon="0" rev="0"/>
-            </a:camera>
-            <a:lightRig rig="twoPt" dir="t">
-              <a:rot lat="0" lon="0" rev="7200000"/>
-            </a:lightRig>
-          </a:scene3d>
-          <a:sp3d prstMaterial="matte">
-            <a:bevelT w="22860" h="12700"/>
-            <a:contourClr>
-              <a:srgbClr val="FFFFFF"/>
-            </a:contourClr>
-          </a:sp3d>
-          <a:extLst/>
-        </p:spPr>
-      </p:pic>
       <p:pic>
         <p:nvPicPr>
           <p:cNvPr id="2051" name="Picture 3"/>
@@ -7662,7 +7544,7 @@
           <p:nvPr/>
         </p:nvPicPr>
         <p:blipFill>
-          <a:blip r:embed="rId4">
+          <a:blip r:embed="rId3">
             <a:duotone>
               <a:schemeClr val="bg2">
                 <a:shade val="45000"/>
@@ -7724,6 +7606,122 @@
           <a:extLst/>
         </p:spPr>
       </p:pic>
+      <p:pic>
+        <p:nvPicPr>
+          <p:cNvPr id="1027" name="Picture 3"/>
+          <p:cNvPicPr>
+            <a:picLocks noChangeAspect="1" noChangeArrowheads="1"/>
+          </p:cNvPicPr>
+          <p:nvPr/>
+        </p:nvPicPr>
+        <p:blipFill>
+          <a:blip r:embed="rId4">
+            <a:extLst>
+              <a:ext uri="{28A0092B-C50C-407E-A947-70E740481C1C}">
+                <a14:useLocalDpi xmlns:a14="http://schemas.microsoft.com/office/drawing/2010/main" val="0"/>
+              </a:ext>
+            </a:extLst>
+          </a:blip>
+          <a:srcRect/>
+          <a:stretch>
+            <a:fillRect/>
+          </a:stretch>
+        </p:blipFill>
+        <p:spPr bwMode="auto">
+          <a:xfrm>
+            <a:off x="550789" y="1039461"/>
+            <a:ext cx="4671429" cy="3634286"/>
+          </a:xfrm>
+          <a:prstGeom prst="rect">
+            <a:avLst/>
+          </a:prstGeom>
+          <a:solidFill>
+            <a:srgbClr val="FFFFFF">
+              <a:shade val="85000"/>
+            </a:srgbClr>
+          </a:solidFill>
+          <a:ln w="101600" cap="sq">
+            <a:solidFill>
+              <a:srgbClr val="FDFDFD"/>
+            </a:solidFill>
+            <a:miter lim="800000"/>
+          </a:ln>
+          <a:effectLst>
+            <a:outerShdw blurRad="57150" dist="37500" dir="7560000" sy="98000" kx="110000" ky="200000" algn="tl" rotWithShape="0">
+              <a:srgbClr val="000000">
+                <a:alpha val="20000"/>
+              </a:srgbClr>
+            </a:outerShdw>
+          </a:effectLst>
+          <a:scene3d>
+            <a:camera prst="perspectiveRelaxed">
+              <a:rot lat="18960000" lon="0" rev="0"/>
+            </a:camera>
+            <a:lightRig rig="twoPt" dir="t">
+              <a:rot lat="0" lon="0" rev="7200000"/>
+            </a:lightRig>
+          </a:scene3d>
+          <a:sp3d prstMaterial="matte">
+            <a:bevelT w="22860" h="12700"/>
+            <a:contourClr>
+              <a:srgbClr val="FFFFFF"/>
+            </a:contourClr>
+          </a:sp3d>
+          <a:extLst>
+            <a:ext uri="{909E8E84-426E-40DD-AFC4-6F175D3DCCD1}">
+              <a14:hiddenFill xmlns:a14="http://schemas.microsoft.com/office/drawing/2010/main">
+                <a:solidFill>
+                  <a:schemeClr val="accent1"/>
+                </a:solidFill>
+              </a14:hiddenFill>
+            </a:ext>
+            <a:ext uri="{91240B29-F687-4F45-9708-019B960494DF}">
+              <a14:hiddenLine xmlns:a14="http://schemas.microsoft.com/office/drawing/2010/main" w="9525">
+                <a:solidFill>
+                  <a:schemeClr val="tx1"/>
+                </a:solidFill>
+                <a:miter lim="800000"/>
+                <a:headEnd/>
+                <a:tailEnd/>
+              </a14:hiddenLine>
+            </a:ext>
+          </a:extLst>
+        </p:spPr>
+      </p:pic>
+      <p:sp>
+        <p:nvSpPr>
+          <p:cNvPr id="3" name="Platshållare för innehåll 2"/>
+          <p:cNvSpPr>
+            <a:spLocks noGrp="1"/>
+          </p:cNvSpPr>
+          <p:nvPr>
+            <p:ph idx="1"/>
+          </p:nvPr>
+        </p:nvSpPr>
+        <p:spPr/>
+        <p:txBody>
+          <a:bodyPr/>
+          <a:lstStyle/>
+          <a:p>
+            <a:r>
+              <a:rPr lang="sv-SE" dirty="0" smtClean="0"/>
+              <a:t>Genom att använda </a:t>
+            </a:r>
+            <a:r>
+              <a:rPr lang="sv-SE" sz="1600" dirty="0" err="1" smtClean="0">
+                <a:latin typeface="Courier New" pitchFamily="49" charset="0"/>
+                <a:cs typeface="Courier New" pitchFamily="49" charset="0"/>
+              </a:rPr>
+              <a:t>Ajax.BeginForm</a:t>
+            </a:r>
+            <a:r>
+              <a:rPr lang="sv-SE" dirty="0" smtClean="0"/>
+              <a:t> renderas ett formulär som använder Ajax och endast innehållet i specificerat element ersätts. I övrigt är allt precis som då ett traditionellt formulär renderas. </a:t>
+            </a:r>
+            <a:endParaRPr lang="sv-SE" dirty="0"/>
+          </a:p>
+        </p:txBody>
+      </p:sp>
       <p:sp>
         <p:nvSpPr>
           <p:cNvPr id="2" name="Rubrik 1"/>

--- a/Presentationsmaterial/Dokument/1.7 Unobtrusive Ajax.pptx
+++ b/Presentationsmaterial/Dokument/1.7 Unobtrusive Ajax.pptx
@@ -5,23 +5,21 @@
     <p:sldMasterId id="2147483773" r:id="rId1"/>
   </p:sldMasterIdLst>
   <p:notesMasterIdLst>
-    <p:notesMasterId r:id="rId16"/>
+    <p:notesMasterId r:id="rId14"/>
   </p:notesMasterIdLst>
   <p:sldIdLst>
     <p:sldId id="256" r:id="rId2"/>
     <p:sldId id="271" r:id="rId3"/>
-    <p:sldId id="257" r:id="rId4"/>
-    <p:sldId id="258" r:id="rId5"/>
-    <p:sldId id="259" r:id="rId6"/>
-    <p:sldId id="260" r:id="rId7"/>
-    <p:sldId id="261" r:id="rId8"/>
-    <p:sldId id="262" r:id="rId9"/>
-    <p:sldId id="263" r:id="rId10"/>
-    <p:sldId id="264" r:id="rId11"/>
-    <p:sldId id="266" r:id="rId12"/>
-    <p:sldId id="267" r:id="rId13"/>
-    <p:sldId id="269" r:id="rId14"/>
-    <p:sldId id="270" r:id="rId15"/>
+    <p:sldId id="259" r:id="rId4"/>
+    <p:sldId id="260" r:id="rId5"/>
+    <p:sldId id="261" r:id="rId6"/>
+    <p:sldId id="262" r:id="rId7"/>
+    <p:sldId id="263" r:id="rId8"/>
+    <p:sldId id="264" r:id="rId9"/>
+    <p:sldId id="266" r:id="rId10"/>
+    <p:sldId id="267" r:id="rId11"/>
+    <p:sldId id="269" r:id="rId12"/>
+    <p:sldId id="270" r:id="rId13"/>
   </p:sldIdLst>
   <p:sldSz cx="9144000" cy="5715000" type="screen16x10"/>
   <p:notesSz cx="6858000" cy="9144000"/>
@@ -150,6 +148,22 @@
       </a:defRPr>
     </a:lvl9pPr>
   </p:defaultTextStyle>
+  <p:extLst>
+    <p:ext uri="{EFAFB233-063F-42B5-8137-9DF3F51BA10A}">
+      <p15:sldGuideLst xmlns:p15="http://schemas.microsoft.com/office/powerpoint/2012/main">
+        <p15:guide id="1" orient="horz">
+          <p15:clr>
+            <a:srgbClr val="A4A3A4"/>
+          </p15:clr>
+        </p15:guide>
+        <p15:guide id="2">
+          <p15:clr>
+            <a:srgbClr val="A4A3A4"/>
+          </p15:clr>
+        </p15:guide>
+      </p15:sldGuideLst>
+    </p:ext>
+  </p:extLst>
 </p:presentation>
 </file>
 
@@ -236,7 +250,7 @@
             <a:fld id="{0B3BAAB0-D539-4A20-AE97-450346457396}" type="datetimeFigureOut">
               <a:rPr lang="sv-SE" smtClean="0"/>
               <a:pPr/>
-              <a:t>2013-11-25</a:t>
+              <a:t>2014-11-19</a:t>
             </a:fld>
             <a:endParaRPr lang="sv-SE" dirty="0"/>
           </a:p>
@@ -667,7 +681,7 @@
     </p:spTree>
     <p:extLst>
       <p:ext uri="{BB962C8B-B14F-4D97-AF65-F5344CB8AC3E}">
-        <p14:creationId xmlns:p14="http://schemas.microsoft.com/office/powerpoint/2010/main" val="822777253"/>
+        <p14:creationId xmlns:p14="http://schemas.microsoft.com/office/powerpoint/2010/main" val="3640821167"/>
       </p:ext>
     </p:extLst>
   </p:cSld>
@@ -752,7 +766,7 @@
     </p:spTree>
     <p:extLst>
       <p:ext uri="{BB962C8B-B14F-4D97-AF65-F5344CB8AC3E}">
-        <p14:creationId xmlns:p14="http://schemas.microsoft.com/office/powerpoint/2010/main" val="2547597869"/>
+        <p14:creationId xmlns:p14="http://schemas.microsoft.com/office/powerpoint/2010/main" val="1177741933"/>
       </p:ext>
     </p:extLst>
   </p:cSld>
@@ -829,176 +843,6 @@
               <a:rPr lang="sv-SE" smtClean="0"/>
               <a:pPr/>
               <a:t>12</a:t>
-            </a:fld>
-            <a:endParaRPr lang="sv-SE" dirty="0"/>
-          </a:p>
-        </p:txBody>
-      </p:sp>
-    </p:spTree>
-    <p:extLst>
-      <p:ext uri="{BB962C8B-B14F-4D97-AF65-F5344CB8AC3E}">
-        <p14:creationId xmlns:p14="http://schemas.microsoft.com/office/powerpoint/2010/main" val="3640821167"/>
-      </p:ext>
-    </p:extLst>
-  </p:cSld>
-  <p:clrMapOvr>
-    <a:masterClrMapping/>
-  </p:clrMapOvr>
-</p:notes>
-</file>
-
-<file path=ppt/notesSlides/notesSlide13.xml><?xml version="1.0" encoding="utf-8"?>
-<p:notes xmlns:a="http://schemas.openxmlformats.org/drawingml/2006/main" xmlns:r="http://schemas.openxmlformats.org/officeDocument/2006/relationships" xmlns:p="http://schemas.openxmlformats.org/presentationml/2006/main">
-  <p:cSld>
-    <p:spTree>
-      <p:nvGrpSpPr>
-        <p:cNvPr id="1" name=""/>
-        <p:cNvGrpSpPr/>
-        <p:nvPr/>
-      </p:nvGrpSpPr>
-      <p:grpSpPr>
-        <a:xfrm>
-          <a:off x="0" y="0"/>
-          <a:ext cx="0" cy="0"/>
-          <a:chOff x="0" y="0"/>
-          <a:chExt cx="0" cy="0"/>
-        </a:xfrm>
-      </p:grpSpPr>
-      <p:sp>
-        <p:nvSpPr>
-          <p:cNvPr id="2" name="Platshållare för bildobjekt 1"/>
-          <p:cNvSpPr>
-            <a:spLocks noGrp="1" noRot="1" noChangeAspect="1"/>
-          </p:cNvSpPr>
-          <p:nvPr>
-            <p:ph type="sldImg"/>
-          </p:nvPr>
-        </p:nvSpPr>
-        <p:spPr/>
-      </p:sp>
-      <p:sp>
-        <p:nvSpPr>
-          <p:cNvPr id="3" name="Platshållare för anteckningar 2"/>
-          <p:cNvSpPr>
-            <a:spLocks noGrp="1"/>
-          </p:cNvSpPr>
-          <p:nvPr>
-            <p:ph type="body" idx="1"/>
-          </p:nvPr>
-        </p:nvSpPr>
-        <p:spPr/>
-        <p:txBody>
-          <a:bodyPr/>
-          <a:lstStyle/>
-          <a:p>
-            <a:endParaRPr lang="sv-SE"/>
-          </a:p>
-        </p:txBody>
-      </p:sp>
-      <p:sp>
-        <p:nvSpPr>
-          <p:cNvPr id="4" name="Platshållare för bildnummer 3"/>
-          <p:cNvSpPr>
-            <a:spLocks noGrp="1"/>
-          </p:cNvSpPr>
-          <p:nvPr>
-            <p:ph type="sldNum" sz="quarter" idx="10"/>
-          </p:nvPr>
-        </p:nvSpPr>
-        <p:spPr/>
-        <p:txBody>
-          <a:bodyPr/>
-          <a:lstStyle/>
-          <a:p>
-            <a:fld id="{4A768DEE-9E78-4909-9AEA-CE989E8CF6FD}" type="slidenum">
-              <a:rPr lang="sv-SE" smtClean="0"/>
-              <a:pPr/>
-              <a:t>13</a:t>
-            </a:fld>
-            <a:endParaRPr lang="sv-SE" dirty="0"/>
-          </a:p>
-        </p:txBody>
-      </p:sp>
-    </p:spTree>
-    <p:extLst>
-      <p:ext uri="{BB962C8B-B14F-4D97-AF65-F5344CB8AC3E}">
-        <p14:creationId xmlns:p14="http://schemas.microsoft.com/office/powerpoint/2010/main" val="1177741933"/>
-      </p:ext>
-    </p:extLst>
-  </p:cSld>
-  <p:clrMapOvr>
-    <a:masterClrMapping/>
-  </p:clrMapOvr>
-</p:notes>
-</file>
-
-<file path=ppt/notesSlides/notesSlide14.xml><?xml version="1.0" encoding="utf-8"?>
-<p:notes xmlns:a="http://schemas.openxmlformats.org/drawingml/2006/main" xmlns:r="http://schemas.openxmlformats.org/officeDocument/2006/relationships" xmlns:p="http://schemas.openxmlformats.org/presentationml/2006/main">
-  <p:cSld>
-    <p:spTree>
-      <p:nvGrpSpPr>
-        <p:cNvPr id="1" name=""/>
-        <p:cNvGrpSpPr/>
-        <p:nvPr/>
-      </p:nvGrpSpPr>
-      <p:grpSpPr>
-        <a:xfrm>
-          <a:off x="0" y="0"/>
-          <a:ext cx="0" cy="0"/>
-          <a:chOff x="0" y="0"/>
-          <a:chExt cx="0" cy="0"/>
-        </a:xfrm>
-      </p:grpSpPr>
-      <p:sp>
-        <p:nvSpPr>
-          <p:cNvPr id="2" name="Platshållare för bildobjekt 1"/>
-          <p:cNvSpPr>
-            <a:spLocks noGrp="1" noRot="1" noChangeAspect="1"/>
-          </p:cNvSpPr>
-          <p:nvPr>
-            <p:ph type="sldImg"/>
-          </p:nvPr>
-        </p:nvSpPr>
-        <p:spPr/>
-      </p:sp>
-      <p:sp>
-        <p:nvSpPr>
-          <p:cNvPr id="3" name="Platshållare för anteckningar 2"/>
-          <p:cNvSpPr>
-            <a:spLocks noGrp="1"/>
-          </p:cNvSpPr>
-          <p:nvPr>
-            <p:ph type="body" idx="1"/>
-          </p:nvPr>
-        </p:nvSpPr>
-        <p:spPr/>
-        <p:txBody>
-          <a:bodyPr/>
-          <a:lstStyle/>
-          <a:p>
-            <a:endParaRPr lang="sv-SE"/>
-          </a:p>
-        </p:txBody>
-      </p:sp>
-      <p:sp>
-        <p:nvSpPr>
-          <p:cNvPr id="4" name="Platshållare för bildnummer 3"/>
-          <p:cNvSpPr>
-            <a:spLocks noGrp="1"/>
-          </p:cNvSpPr>
-          <p:nvPr>
-            <p:ph type="sldNum" sz="quarter" idx="10"/>
-          </p:nvPr>
-        </p:nvSpPr>
-        <p:spPr/>
-        <p:txBody>
-          <a:bodyPr/>
-          <a:lstStyle/>
-          <a:p>
-            <a:fld id="{4A768DEE-9E78-4909-9AEA-CE989E8CF6FD}" type="slidenum">
-              <a:rPr lang="sv-SE" smtClean="0"/>
-              <a:pPr/>
-              <a:t>14</a:t>
             </a:fld>
             <a:endParaRPr lang="sv-SE" dirty="0"/>
           </a:p>
@@ -1177,7 +1021,7 @@
     </p:spTree>
     <p:extLst>
       <p:ext uri="{BB962C8B-B14F-4D97-AF65-F5344CB8AC3E}">
-        <p14:creationId xmlns:p14="http://schemas.microsoft.com/office/powerpoint/2010/main" val="2484059644"/>
+        <p14:creationId xmlns:p14="http://schemas.microsoft.com/office/powerpoint/2010/main" val="2643094055"/>
       </p:ext>
     </p:extLst>
   </p:cSld>
@@ -1262,7 +1106,7 @@
     </p:spTree>
     <p:extLst>
       <p:ext uri="{BB962C8B-B14F-4D97-AF65-F5344CB8AC3E}">
-        <p14:creationId xmlns:p14="http://schemas.microsoft.com/office/powerpoint/2010/main" val="95802147"/>
+        <p14:creationId xmlns:p14="http://schemas.microsoft.com/office/powerpoint/2010/main" val="318673568"/>
       </p:ext>
     </p:extLst>
   </p:cSld>
@@ -1316,7 +1160,7 @@
           <a:bodyPr/>
           <a:lstStyle/>
           <a:p>
-            <a:endParaRPr lang="sv-SE"/>
+            <a:endParaRPr lang="sv-SE" dirty="0"/>
           </a:p>
         </p:txBody>
       </p:sp>
@@ -1347,7 +1191,7 @@
     </p:spTree>
     <p:extLst>
       <p:ext uri="{BB962C8B-B14F-4D97-AF65-F5344CB8AC3E}">
-        <p14:creationId xmlns:p14="http://schemas.microsoft.com/office/powerpoint/2010/main" val="2643094055"/>
+        <p14:creationId xmlns:p14="http://schemas.microsoft.com/office/powerpoint/2010/main" val="919911888"/>
       </p:ext>
     </p:extLst>
   </p:cSld>
@@ -1432,7 +1276,7 @@
     </p:spTree>
     <p:extLst>
       <p:ext uri="{BB962C8B-B14F-4D97-AF65-F5344CB8AC3E}">
-        <p14:creationId xmlns:p14="http://schemas.microsoft.com/office/powerpoint/2010/main" val="318673568"/>
+        <p14:creationId xmlns:p14="http://schemas.microsoft.com/office/powerpoint/2010/main" val="1588286491"/>
       </p:ext>
     </p:extLst>
   </p:cSld>
@@ -1486,7 +1330,7 @@
           <a:bodyPr/>
           <a:lstStyle/>
           <a:p>
-            <a:endParaRPr lang="sv-SE" dirty="0"/>
+            <a:endParaRPr lang="sv-SE"/>
           </a:p>
         </p:txBody>
       </p:sp>
@@ -1517,7 +1361,7 @@
     </p:spTree>
     <p:extLst>
       <p:ext uri="{BB962C8B-B14F-4D97-AF65-F5344CB8AC3E}">
-        <p14:creationId xmlns:p14="http://schemas.microsoft.com/office/powerpoint/2010/main" val="919911888"/>
+        <p14:creationId xmlns:p14="http://schemas.microsoft.com/office/powerpoint/2010/main" val="1651544505"/>
       </p:ext>
     </p:extLst>
   </p:cSld>
@@ -1571,7 +1415,7 @@
           <a:bodyPr/>
           <a:lstStyle/>
           <a:p>
-            <a:endParaRPr lang="sv-SE"/>
+            <a:endParaRPr lang="sv-SE" dirty="0"/>
           </a:p>
         </p:txBody>
       </p:sp>
@@ -1602,7 +1446,7 @@
     </p:spTree>
     <p:extLst>
       <p:ext uri="{BB962C8B-B14F-4D97-AF65-F5344CB8AC3E}">
-        <p14:creationId xmlns:p14="http://schemas.microsoft.com/office/powerpoint/2010/main" val="1588286491"/>
+        <p14:creationId xmlns:p14="http://schemas.microsoft.com/office/powerpoint/2010/main" val="822777253"/>
       </p:ext>
     </p:extLst>
   </p:cSld>
@@ -1687,7 +1531,7 @@
     </p:spTree>
     <p:extLst>
       <p:ext uri="{BB962C8B-B14F-4D97-AF65-F5344CB8AC3E}">
-        <p14:creationId xmlns:p14="http://schemas.microsoft.com/office/powerpoint/2010/main" val="1651544505"/>
+        <p14:creationId xmlns:p14="http://schemas.microsoft.com/office/powerpoint/2010/main" val="2547597869"/>
       </p:ext>
     </p:extLst>
   </p:cSld>
@@ -4164,91 +4008,6 @@
               <a:rPr lang="sv-SE" dirty="0" smtClean="0"/>
               <a:t>Nivå fem</a:t>
             </a:r>
-          </a:p>
-        </p:txBody>
-      </p:sp>
-      <p:sp>
-        <p:nvSpPr>
-          <p:cNvPr id="243716" name="Rectangle 4"/>
-          <p:cNvSpPr>
-            <a:spLocks noChangeArrowheads="1"/>
-          </p:cNvSpPr>
-          <p:nvPr/>
-        </p:nvSpPr>
-        <p:spPr bwMode="auto">
-          <a:xfrm>
-            <a:off x="7619560" y="5512764"/>
-            <a:ext cx="1524440" cy="202236"/>
-          </a:xfrm>
-          <a:prstGeom prst="rect">
-            <a:avLst/>
-          </a:prstGeom>
-          <a:noFill/>
-          <a:ln w="9525">
-            <a:noFill/>
-            <a:miter lim="800000"/>
-            <a:headEnd/>
-            <a:tailEnd/>
-          </a:ln>
-          <a:effectLst/>
-        </p:spPr>
-        <p:txBody>
-          <a:bodyPr wrap="square" tIns="46800" rIns="90000" bIns="46800" anchor="b">
-            <a:spAutoFit/>
-          </a:bodyPr>
-          <a:lstStyle/>
-          <a:p>
-            <a:pPr algn="r" eaLnBrk="0" hangingPunct="0">
-              <a:defRPr/>
-            </a:pPr>
-            <a:fld id="{379C2104-876B-42DE-A891-A8777FA058E8}" type="slidenum">
-              <a:rPr lang="en-US" sz="700">
-                <a:solidFill>
-                  <a:schemeClr val="bg1">
-                    <a:lumMod val="75000"/>
-                  </a:schemeClr>
-                </a:solidFill>
-                <a:latin typeface="Times New Roman" pitchFamily="18" charset="0"/>
-                <a:cs typeface="Times New Roman" pitchFamily="18" charset="0"/>
-              </a:rPr>
-              <a:pPr algn="r" eaLnBrk="0" hangingPunct="0">
-                <a:defRPr/>
-              </a:pPr>
-              <a:t>‹#›</a:t>
-            </a:fld>
-            <a:r>
-              <a:rPr lang="en-US" sz="700" dirty="0">
-                <a:solidFill>
-                  <a:schemeClr val="bg1">
-                    <a:lumMod val="75000"/>
-                  </a:schemeClr>
-                </a:solidFill>
-                <a:latin typeface="Times New Roman" pitchFamily="18" charset="0"/>
-                <a:cs typeface="Times New Roman" pitchFamily="18" charset="0"/>
-              </a:rPr>
-              <a:t> </a:t>
-            </a:r>
-            <a:r>
-              <a:rPr lang="en-US" sz="700" dirty="0" smtClean="0">
-                <a:solidFill>
-                  <a:schemeClr val="bg1">
-                    <a:lumMod val="75000"/>
-                  </a:schemeClr>
-                </a:solidFill>
-                <a:latin typeface="Times New Roman" pitchFamily="18" charset="0"/>
-                <a:cs typeface="Times New Roman" pitchFamily="18" charset="0"/>
-              </a:rPr>
-              <a:t>(14)</a:t>
-            </a:r>
-            <a:endParaRPr lang="en-US" sz="700" dirty="0">
-              <a:solidFill>
-                <a:schemeClr val="bg1">
-                  <a:lumMod val="75000"/>
-                </a:schemeClr>
-              </a:solidFill>
-              <a:latin typeface="Times New Roman" pitchFamily="18" charset="0"/>
-              <a:cs typeface="Times New Roman" pitchFamily="18" charset="0"/>
-            </a:endParaRPr>
           </a:p>
         </p:txBody>
       </p:sp>
@@ -4902,135 +4661,57 @@
           <a:chExt cx="0" cy="0"/>
         </a:xfrm>
       </p:grpSpPr>
-      <p:sp>
-        <p:nvSpPr>
-          <p:cNvPr id="3" name="Platshållare för innehåll 2"/>
-          <p:cNvSpPr>
-            <a:spLocks noGrp="1"/>
-          </p:cNvSpPr>
-          <p:nvPr>
-            <p:ph idx="1"/>
-          </p:nvPr>
-        </p:nvSpPr>
-        <p:spPr/>
-        <p:txBody>
-          <a:bodyPr/>
-          <a:lstStyle/>
-          <a:p>
-            <a:r>
-              <a:rPr lang="sv-SE" dirty="0" smtClean="0"/>
-              <a:t>Controllermetoden måste kunna hantera både en Ajax-förfrågan och en vanlig förfrågan. Genom att använda metoden </a:t>
-            </a:r>
-            <a:r>
-              <a:rPr lang="sv-SE" sz="1400" dirty="0" err="1" smtClean="0">
-                <a:latin typeface="Consolas" pitchFamily="49" charset="0"/>
-                <a:cs typeface="Consolas" pitchFamily="49" charset="0"/>
-              </a:rPr>
-              <a:t>Request.IsAjaxRequest</a:t>
-            </a:r>
-            <a:r>
-              <a:rPr lang="sv-SE" sz="1400" dirty="0" smtClean="0">
-                <a:latin typeface="Consolas" pitchFamily="49" charset="0"/>
-                <a:cs typeface="Consolas" pitchFamily="49" charset="0"/>
-              </a:rPr>
-              <a:t>()</a:t>
-            </a:r>
-            <a:r>
-              <a:rPr lang="sv-SE" dirty="0" smtClean="0"/>
-              <a:t> kan du ta reda på vilket sätt förfrågan görs.</a:t>
-            </a:r>
-          </a:p>
-          <a:p>
-            <a:pPr lvl="1"/>
-            <a:r>
-              <a:rPr lang="sv-SE" dirty="0" smtClean="0"/>
-              <a:t>Är det fråga om en Ajax-förfrågan returneras en sträng med hjälp av </a:t>
-            </a:r>
-            <a:r>
-              <a:rPr lang="sv-SE" sz="1400" dirty="0" err="1" smtClean="0">
-                <a:latin typeface="Consolas" pitchFamily="49" charset="0"/>
-                <a:cs typeface="Consolas" pitchFamily="49" charset="0"/>
-              </a:rPr>
-              <a:t>Content</a:t>
-            </a:r>
-            <a:r>
-              <a:rPr lang="sv-SE" dirty="0" smtClean="0"/>
-              <a:t>.</a:t>
-            </a:r>
-          </a:p>
-          <a:p>
-            <a:pPr lvl="1"/>
-            <a:r>
-              <a:rPr lang="sv-SE" dirty="0" smtClean="0"/>
-              <a:t>Är det en ”vanlig” förfrågan returneras en vy som vanligt. Observera att det inte går att skicka med modellen på vanligt sätt i detta fall på grund av den modellens typ är av typen </a:t>
-            </a:r>
-            <a:r>
-              <a:rPr lang="sv-SE" sz="1400" dirty="0">
-                <a:latin typeface="Consolas" pitchFamily="49" charset="0"/>
-                <a:cs typeface="Consolas" pitchFamily="49" charset="0"/>
-              </a:rPr>
-              <a:t>String</a:t>
-            </a:r>
-            <a:r>
-              <a:rPr lang="sv-SE" dirty="0" smtClean="0"/>
-              <a:t>, vilket medför att </a:t>
-            </a:r>
-            <a:r>
-              <a:rPr lang="sv-SE" dirty="0" err="1" smtClean="0"/>
-              <a:t>modelldatat</a:t>
-            </a:r>
-            <a:r>
-              <a:rPr lang="sv-SE" dirty="0" smtClean="0"/>
-              <a:t> tolkas som en ”</a:t>
-            </a:r>
-            <a:r>
-              <a:rPr lang="sv-SE" i="1" dirty="0" smtClean="0"/>
-              <a:t>page layout</a:t>
-            </a:r>
-            <a:r>
-              <a:rPr lang="sv-SE" dirty="0" smtClean="0"/>
-              <a:t>”. Egenskapen </a:t>
-            </a:r>
-            <a:r>
-              <a:rPr lang="sv-SE" sz="1400" dirty="0" err="1">
-                <a:latin typeface="Consolas" pitchFamily="49" charset="0"/>
-                <a:cs typeface="Consolas" pitchFamily="49" charset="0"/>
-              </a:rPr>
-              <a:t>ViewData.Model</a:t>
-            </a:r>
-            <a:r>
-              <a:rPr lang="sv-SE" dirty="0" smtClean="0"/>
-              <a:t> får istället användas.</a:t>
-            </a:r>
-            <a:endParaRPr lang="sv-SE" dirty="0"/>
-          </a:p>
-        </p:txBody>
-      </p:sp>
       <p:pic>
         <p:nvPicPr>
-          <p:cNvPr id="4099" name="Picture 3"/>
+          <p:cNvPr id="9" name="Bildobjekt 8"/>
           <p:cNvPicPr>
-            <a:picLocks noChangeAspect="1" noChangeArrowheads="1"/>
+            <a:picLocks noChangeAspect="1"/>
           </p:cNvPicPr>
           <p:nvPr/>
         </p:nvPicPr>
         <p:blipFill>
           <a:blip r:embed="rId3">
-            <a:extLst>
-              <a:ext uri="{28A0092B-C50C-407E-A947-70E740481C1C}">
-                <a14:useLocalDpi xmlns:a14="http://schemas.microsoft.com/office/drawing/2010/main" val="0"/>
-              </a:ext>
-            </a:extLst>
+            <a:grayscl/>
           </a:blip>
-          <a:srcRect/>
           <a:stretch>
             <a:fillRect/>
           </a:stretch>
         </p:blipFill>
-        <p:spPr bwMode="auto">
+        <p:spPr>
           <a:xfrm>
-            <a:off x="2179767" y="3347111"/>
-            <a:ext cx="4162425" cy="2171700"/>
+            <a:off x="75970" y="1435587"/>
+            <a:ext cx="6657143" cy="1028571"/>
+          </a:xfrm>
+          <a:prstGeom prst="rect">
+            <a:avLst/>
+          </a:prstGeom>
+          <a:noFill/>
+          <a:scene3d>
+            <a:camera prst="perspectiveContrastingRightFacing" fov="3300000">
+              <a:rot lat="623786" lon="18963661" rev="513210"/>
+            </a:camera>
+            <a:lightRig rig="threePt" dir="t"/>
+          </a:scene3d>
+        </p:spPr>
+      </p:pic>
+      <p:pic>
+        <p:nvPicPr>
+          <p:cNvPr id="10" name="Bildobjekt 9"/>
+          <p:cNvPicPr>
+            <a:picLocks noChangeAspect="1"/>
+          </p:cNvPicPr>
+          <p:nvPr/>
+        </p:nvPicPr>
+        <p:blipFill>
+          <a:blip r:embed="rId4"/>
+          <a:stretch>
+            <a:fillRect/>
+          </a:stretch>
+        </p:blipFill>
+        <p:spPr>
+          <a:xfrm rot="480000">
+            <a:off x="3698268" y="1407928"/>
+            <a:ext cx="5440000" cy="4426666"/>
           </a:xfrm>
           <a:prstGeom prst="rect">
             <a:avLst/>
@@ -5067,7 +4748,62 @@
               <a:srgbClr val="969696"/>
             </a:contourClr>
           </a:sp3d>
-          <a:extLst/>
+        </p:spPr>
+      </p:pic>
+      <p:pic>
+        <p:nvPicPr>
+          <p:cNvPr id="5" name="Bildobjekt 4"/>
+          <p:cNvPicPr>
+            <a:picLocks noChangeAspect="1"/>
+          </p:cNvPicPr>
+          <p:nvPr/>
+        </p:nvPicPr>
+        <p:blipFill>
+          <a:blip r:embed="rId5"/>
+          <a:stretch>
+            <a:fillRect/>
+          </a:stretch>
+        </p:blipFill>
+        <p:spPr>
+          <a:xfrm>
+            <a:off x="619044" y="2872647"/>
+            <a:ext cx="2773334" cy="2586667"/>
+          </a:xfrm>
+          <a:prstGeom prst="rect">
+            <a:avLst/>
+          </a:prstGeom>
+          <a:solidFill>
+            <a:srgbClr val="FFFFFF">
+              <a:shade val="85000"/>
+            </a:srgbClr>
+          </a:solidFill>
+          <a:ln w="190500" cap="sq">
+            <a:solidFill>
+              <a:srgbClr val="FFFFFF"/>
+            </a:solidFill>
+            <a:miter lim="800000"/>
+          </a:ln>
+          <a:effectLst>
+            <a:outerShdw blurRad="65000" dist="50800" dir="12900000" kx="195000" ky="145000" algn="tl" rotWithShape="0">
+              <a:srgbClr val="000000">
+                <a:alpha val="30000"/>
+              </a:srgbClr>
+            </a:outerShdw>
+          </a:effectLst>
+          <a:scene3d>
+            <a:camera prst="orthographicFront">
+              <a:rot lat="0" lon="0" rev="360000"/>
+            </a:camera>
+            <a:lightRig rig="twoPt" dir="t">
+              <a:rot lat="0" lon="0" rev="7200000"/>
+            </a:lightRig>
+          </a:scene3d>
+          <a:sp3d contourW="12700">
+            <a:bevelT w="25400" h="19050"/>
+            <a:contourClr>
+              <a:srgbClr val="969696"/>
+            </a:contourClr>
+          </a:sp3d>
         </p:spPr>
       </p:pic>
       <p:sp>
@@ -5087,13 +4823,119 @@
           <a:p>
             <a:r>
               <a:rPr lang="sv-SE" dirty="0" smtClean="0"/>
-              <a:t>En controllermetod – olika typer av förfrågningar</a:t>
+              <a:t>Enkel hantering av fel vid Ajax-förfrågan</a:t>
             </a:r>
             <a:endParaRPr lang="sv-SE" dirty="0"/>
           </a:p>
         </p:txBody>
       </p:sp>
+      <p:sp>
+        <p:nvSpPr>
+          <p:cNvPr id="3" name="Platshållare för innehåll 2"/>
+          <p:cNvSpPr>
+            <a:spLocks noGrp="1"/>
+          </p:cNvSpPr>
+          <p:nvPr>
+            <p:ph idx="1"/>
+          </p:nvPr>
+        </p:nvSpPr>
+        <p:spPr/>
+        <p:txBody>
+          <a:bodyPr/>
+          <a:lstStyle/>
+          <a:p>
+            <a:r>
+              <a:rPr lang="sv-SE" dirty="0" smtClean="0"/>
+              <a:t>Det är viktigt att </a:t>
+            </a:r>
+            <a:r>
+              <a:rPr lang="sv-SE" sz="1400" dirty="0" err="1">
+                <a:latin typeface="Consolas" pitchFamily="49" charset="0"/>
+                <a:cs typeface="Consolas" pitchFamily="49" charset="0"/>
+              </a:rPr>
+              <a:t>Response.StatusCode</a:t>
+            </a:r>
+            <a:r>
+              <a:rPr lang="sv-SE" dirty="0" smtClean="0"/>
+              <a:t> sätts till lämplig felkod så att JavaScript-funktionen som definieras av </a:t>
+            </a:r>
+            <a:br>
+              <a:rPr lang="sv-SE" dirty="0" smtClean="0"/>
+            </a:br>
+            <a:r>
+              <a:rPr lang="sv-SE" sz="1400" dirty="0" err="1">
+                <a:latin typeface="Consolas" pitchFamily="49" charset="0"/>
+                <a:cs typeface="Consolas" pitchFamily="49" charset="0"/>
+              </a:rPr>
+              <a:t>OnFailure</a:t>
+            </a:r>
+            <a:r>
+              <a:rPr lang="sv-SE" dirty="0" smtClean="0"/>
+              <a:t> körs på klienten.</a:t>
+            </a:r>
+            <a:endParaRPr lang="sv-SE" dirty="0"/>
+          </a:p>
+        </p:txBody>
+      </p:sp>
+      <p:pic>
+        <p:nvPicPr>
+          <p:cNvPr id="8" name="Bildobjekt 7"/>
+          <p:cNvPicPr>
+            <a:picLocks noChangeAspect="1"/>
+          </p:cNvPicPr>
+          <p:nvPr/>
+        </p:nvPicPr>
+        <p:blipFill>
+          <a:blip r:embed="rId6"/>
+          <a:stretch>
+            <a:fillRect/>
+          </a:stretch>
+        </p:blipFill>
+        <p:spPr>
+          <a:xfrm>
+            <a:off x="7045229" y="1387352"/>
+            <a:ext cx="3961479" cy="2053502"/>
+          </a:xfrm>
+          <a:prstGeom prst="rect">
+            <a:avLst/>
+          </a:prstGeom>
+          <a:solidFill>
+            <a:srgbClr val="FFFFFF">
+              <a:shade val="85000"/>
+            </a:srgbClr>
+          </a:solidFill>
+          <a:ln w="190500" cap="rnd">
+            <a:solidFill>
+              <a:srgbClr val="FFFFFF"/>
+            </a:solidFill>
+          </a:ln>
+          <a:effectLst>
+            <a:outerShdw blurRad="36195" dist="12700" dir="11400000" algn="tl" rotWithShape="0">
+              <a:srgbClr val="000000">
+                <a:alpha val="33000"/>
+              </a:srgbClr>
+            </a:outerShdw>
+          </a:effectLst>
+          <a:scene3d>
+            <a:camera prst="perspectiveContrastingLeftFacing" fov="3300000">
+              <a:rot lat="599112" lon="3010598" rev="21450995"/>
+            </a:camera>
+            <a:lightRig rig="soft" dir="t"/>
+          </a:scene3d>
+          <a:sp3d contourW="12700" prstMaterial="matte">
+            <a:bevelT w="63500" h="50800"/>
+            <a:contourClr>
+              <a:srgbClr val="C0C0C0"/>
+            </a:contourClr>
+          </a:sp3d>
+        </p:spPr>
+      </p:pic>
     </p:spTree>
+    <p:extLst>
+      <p:ext uri="{BB962C8B-B14F-4D97-AF65-F5344CB8AC3E}">
+        <p14:creationId xmlns:p14="http://schemas.microsoft.com/office/powerpoint/2010/main" val="2396015752"/>
+      </p:ext>
+    </p:extLst>
   </p:cSld>
   <p:clrMapOvr>
     <a:masterClrMapping/>
@@ -5130,190 +4972,22 @@
       </p:grpSpPr>
       <p:pic>
         <p:nvPicPr>
-          <p:cNvPr id="5126" name="Picture 6"/>
+          <p:cNvPr id="4" name="Bildobjekt 3"/>
           <p:cNvPicPr>
-            <a:picLocks noChangeAspect="1" noChangeArrowheads="1"/>
+            <a:picLocks noChangeAspect="1"/>
           </p:cNvPicPr>
           <p:nvPr/>
         </p:nvPicPr>
         <p:blipFill>
-          <a:blip r:embed="rId3">
-            <a:duotone>
-              <a:schemeClr val="bg2">
-                <a:shade val="45000"/>
-                <a:satMod val="135000"/>
-              </a:schemeClr>
-              <a:prstClr val="white"/>
-            </a:duotone>
-            <a:extLst>
-              <a:ext uri="{28A0092B-C50C-407E-A947-70E740481C1C}">
-                <a14:useLocalDpi xmlns:a14="http://schemas.microsoft.com/office/drawing/2010/main" val="0"/>
-              </a:ext>
-            </a:extLst>
-          </a:blip>
-          <a:srcRect/>
+          <a:blip r:embed="rId3"/>
           <a:stretch>
             <a:fillRect/>
           </a:stretch>
         </p:blipFill>
-        <p:spPr bwMode="auto">
+        <p:spPr>
           <a:xfrm>
-            <a:off x="5826588" y="-307824"/>
-            <a:ext cx="3497143" cy="6377143"/>
-          </a:xfrm>
-          <a:prstGeom prst="rect">
-            <a:avLst/>
-          </a:prstGeom>
-          <a:noFill/>
-          <a:ln>
-            <a:noFill/>
-          </a:ln>
-          <a:effectLst/>
-          <a:scene3d>
-            <a:camera prst="perspectiveHeroicExtremeLeftFacing"/>
-            <a:lightRig rig="threePt" dir="t"/>
-          </a:scene3d>
-          <a:extLst>
-            <a:ext uri="{909E8E84-426E-40DD-AFC4-6F175D3DCCD1}">
-              <a14:hiddenFill xmlns:a14="http://schemas.microsoft.com/office/drawing/2010/main">
-                <a:solidFill>
-                  <a:schemeClr val="accent1"/>
-                </a:solidFill>
-              </a14:hiddenFill>
-            </a:ext>
-            <a:ext uri="{91240B29-F687-4F45-9708-019B960494DF}">
-              <a14:hiddenLine xmlns:a14="http://schemas.microsoft.com/office/drawing/2010/main" w="9525">
-                <a:solidFill>
-                  <a:schemeClr val="tx1"/>
-                </a:solidFill>
-                <a:miter lim="800000"/>
-                <a:headEnd/>
-                <a:tailEnd/>
-              </a14:hiddenLine>
-            </a:ext>
-          </a:extLst>
-        </p:spPr>
-      </p:pic>
-      <p:sp>
-        <p:nvSpPr>
-          <p:cNvPr id="8" name="Ellips 7"/>
-          <p:cNvSpPr/>
-          <p:nvPr/>
-        </p:nvSpPr>
-        <p:spPr bwMode="auto">
-          <a:xfrm>
-            <a:off x="3950439" y="4656546"/>
-            <a:ext cx="214406" cy="214406"/>
-          </a:xfrm>
-          <a:prstGeom prst="ellipse">
-            <a:avLst/>
-          </a:prstGeom>
-          <a:solidFill>
-            <a:schemeClr val="accent1"/>
-          </a:solidFill>
-          <a:ln w="9525" cap="flat" cmpd="sng" algn="ctr">
-            <a:solidFill>
-              <a:schemeClr val="tx1"/>
-            </a:solidFill>
-            <a:prstDash val="solid"/>
-            <a:round/>
-            <a:headEnd type="none" w="med" len="med"/>
-            <a:tailEnd type="none" w="med" len="med"/>
-          </a:ln>
-          <a:effectLst/>
-        </p:spPr>
-        <p:txBody>
-          <a:bodyPr vert="horz" wrap="square" lIns="90488" tIns="44450" rIns="90488" bIns="44450" numCol="1" rtlCol="0" anchor="t" anchorCtr="0" compatLnSpc="1">
-            <a:prstTxWarp prst="textNoShape">
-              <a:avLst/>
-            </a:prstTxWarp>
-          </a:bodyPr>
-          <a:lstStyle/>
-          <a:p>
-            <a:pPr marL="0" marR="0" indent="0" algn="l" defTabSz="914400" rtl="0" eaLnBrk="1" fontAlgn="base" latinLnBrk="0" hangingPunct="1">
-              <a:lnSpc>
-                <a:spcPct val="100000"/>
-              </a:lnSpc>
-              <a:spcBef>
-                <a:spcPct val="0"/>
-              </a:spcBef>
-              <a:spcAft>
-                <a:spcPct val="0"/>
-              </a:spcAft>
-              <a:buClrTx/>
-              <a:buSzTx/>
-              <a:buFontTx/>
-              <a:buNone/>
-              <a:tabLst/>
-            </a:pPr>
-            <a:endParaRPr kumimoji="0" lang="sv-SE" sz="1800" b="0" i="0" u="none" strike="noStrike" cap="none" normalizeH="0" baseline="0" smtClean="0">
-              <a:ln>
-                <a:noFill/>
-              </a:ln>
-              <a:solidFill>
-                <a:schemeClr val="tx1"/>
-              </a:solidFill>
-              <a:effectLst/>
-              <a:latin typeface="Arial" charset="0"/>
-            </a:endParaRPr>
-          </a:p>
-        </p:txBody>
-      </p:sp>
-      <p:sp>
-        <p:nvSpPr>
-          <p:cNvPr id="3" name="Platshållare för innehåll 2"/>
-          <p:cNvSpPr>
-            <a:spLocks noGrp="1"/>
-          </p:cNvSpPr>
-          <p:nvPr>
-            <p:ph idx="1"/>
-          </p:nvPr>
-        </p:nvSpPr>
-        <p:spPr/>
-        <p:txBody>
-          <a:bodyPr/>
-          <a:lstStyle/>
-          <a:p>
-            <a:r>
-              <a:rPr lang="sv-SE" dirty="0" smtClean="0"/>
-              <a:t>Istället för att ”bara” returnera en sträng kan en partiell vy</a:t>
-            </a:r>
-            <a:br>
-              <a:rPr lang="sv-SE" dirty="0" smtClean="0"/>
-            </a:br>
-            <a:r>
-              <a:rPr lang="sv-SE" dirty="0" smtClean="0"/>
-              <a:t>returneras, som även används då det inte är en Ajax-förfrågan.</a:t>
-            </a:r>
-            <a:endParaRPr lang="sv-SE" dirty="0"/>
-          </a:p>
-        </p:txBody>
-      </p:sp>
-      <p:pic>
-        <p:nvPicPr>
-          <p:cNvPr id="5122" name="Picture 2"/>
-          <p:cNvPicPr>
-            <a:picLocks noChangeAspect="1" noChangeArrowheads="1"/>
-          </p:cNvPicPr>
-          <p:nvPr/>
-        </p:nvPicPr>
-        <p:blipFill>
-          <a:blip r:embed="rId4">
-            <a:extLst>
-              <a:ext uri="{28A0092B-C50C-407E-A947-70E740481C1C}">
-                <a14:useLocalDpi xmlns:a14="http://schemas.microsoft.com/office/drawing/2010/main" val="0"/>
-              </a:ext>
-            </a:extLst>
-          </a:blip>
-          <a:srcRect/>
-          <a:stretch>
-            <a:fillRect/>
-          </a:stretch>
-        </p:blipFill>
-        <p:spPr bwMode="auto">
-          <a:xfrm>
-            <a:off x="611370" y="1695451"/>
-            <a:ext cx="2586667" cy="1520000"/>
+            <a:off x="907752" y="2177085"/>
+            <a:ext cx="4406667" cy="3440000"/>
           </a:xfrm>
           <a:prstGeom prst="rect">
             <a:avLst/>
@@ -5350,34 +5024,26 @@
               <a:srgbClr val="969696"/>
             </a:contourClr>
           </a:sp3d>
-          <a:extLst/>
         </p:spPr>
       </p:pic>
       <p:pic>
         <p:nvPicPr>
-          <p:cNvPr id="5123" name="Picture 3"/>
+          <p:cNvPr id="5" name="Bildobjekt 4"/>
           <p:cNvPicPr>
-            <a:picLocks noChangeAspect="1" noChangeArrowheads="1"/>
+            <a:picLocks noChangeAspect="1"/>
           </p:cNvPicPr>
           <p:nvPr/>
         </p:nvPicPr>
         <p:blipFill>
-          <a:blip r:embed="rId5">
-            <a:extLst>
-              <a:ext uri="{28A0092B-C50C-407E-A947-70E740481C1C}">
-                <a14:useLocalDpi xmlns:a14="http://schemas.microsoft.com/office/drawing/2010/main" val="0"/>
-              </a:ext>
-            </a:extLst>
-          </a:blip>
-          <a:srcRect/>
+          <a:blip r:embed="rId4"/>
           <a:stretch>
             <a:fillRect/>
           </a:stretch>
         </p:blipFill>
-        <p:spPr bwMode="auto">
-          <a:xfrm rot="473026">
-            <a:off x="3262942" y="1706588"/>
-            <a:ext cx="2186667" cy="793333"/>
+        <p:spPr>
+          <a:xfrm rot="658830">
+            <a:off x="5484467" y="879193"/>
+            <a:ext cx="3760000" cy="5173333"/>
           </a:xfrm>
           <a:prstGeom prst="rect">
             <a:avLst/>
@@ -5402,7 +5068,7 @@
           </a:effectLst>
           <a:scene3d>
             <a:camera prst="orthographicFront">
-              <a:rot lat="0" lon="0" rev="360000"/>
+              <a:rot lat="2086833" lon="251166" rev="438693"/>
             </a:camera>
             <a:lightRig rig="twoPt" dir="t">
               <a:rot lat="0" lon="0" rev="7200000"/>
@@ -5414,7 +5080,6 @@
               <a:srgbClr val="969696"/>
             </a:contourClr>
           </a:sp3d>
-          <a:extLst/>
         </p:spPr>
       </p:pic>
       <p:sp>
@@ -5434,7 +5099,99 @@
           <a:p>
             <a:r>
               <a:rPr lang="sv-SE" dirty="0" smtClean="0"/>
-              <a:t>Ajax och ”partial views”</a:t>
+              <a:t>Hantering </a:t>
+            </a:r>
+            <a:r>
+              <a:rPr lang="sv-SE" dirty="0"/>
+              <a:t>av fel vid </a:t>
+            </a:r>
+            <a:r>
+              <a:rPr lang="sv-SE" dirty="0" smtClean="0"/>
+              <a:t>Ajax-förfrågan med JSON</a:t>
+            </a:r>
+            <a:endParaRPr lang="sv-SE" dirty="0"/>
+          </a:p>
+        </p:txBody>
+      </p:sp>
+      <p:sp>
+        <p:nvSpPr>
+          <p:cNvPr id="3" name="Platshållare för innehåll 2"/>
+          <p:cNvSpPr>
+            <a:spLocks noGrp="1"/>
+          </p:cNvSpPr>
+          <p:nvPr>
+            <p:ph idx="1"/>
+          </p:nvPr>
+        </p:nvSpPr>
+        <p:spPr/>
+        <p:txBody>
+          <a:bodyPr/>
+          <a:lstStyle/>
+          <a:p>
+            <a:r>
+              <a:rPr lang="sv-SE" dirty="0" smtClean="0"/>
+              <a:t>För att skicka samtliga </a:t>
+            </a:r>
+            <a:r>
+              <a:rPr lang="sv-SE" dirty="0" smtClean="0"/>
+              <a:t>felmeddelanden </a:t>
+            </a:r>
+            <a:r>
+              <a:rPr lang="sv-SE" dirty="0" smtClean="0"/>
+              <a:t>gällande </a:t>
+            </a:r>
+            <a:r>
+              <a:rPr lang="sv-SE" dirty="0" smtClean="0"/>
+              <a:t>modellens egenskaper </a:t>
+            </a:r>
+            <a:r>
+              <a:rPr lang="sv-SE" dirty="0" smtClean="0"/>
+              <a:t>till klienten kan JSON användas.</a:t>
+            </a:r>
+          </a:p>
+          <a:p>
+            <a:r>
+              <a:rPr lang="sv-SE" dirty="0" smtClean="0"/>
+              <a:t>På klienten används </a:t>
+            </a:r>
+            <a:r>
+              <a:rPr lang="sv-SE" sz="1400" dirty="0" err="1">
+                <a:latin typeface="Consolas" pitchFamily="49" charset="0"/>
+                <a:cs typeface="Consolas" pitchFamily="49" charset="0"/>
+              </a:rPr>
+              <a:t>jQuery.validate</a:t>
+            </a:r>
+            <a:r>
+              <a:rPr lang="sv-SE" sz="1400" dirty="0">
+                <a:latin typeface="Consolas" pitchFamily="49" charset="0"/>
+                <a:cs typeface="Consolas" pitchFamily="49" charset="0"/>
+              </a:rPr>
+              <a:t>().</a:t>
+            </a:r>
+            <a:r>
+              <a:rPr lang="sv-SE" sz="1400" dirty="0" err="1">
+                <a:latin typeface="Consolas" pitchFamily="49" charset="0"/>
+                <a:cs typeface="Consolas" pitchFamily="49" charset="0"/>
+              </a:rPr>
+              <a:t>showErrors</a:t>
+            </a:r>
+            <a:r>
+              <a:rPr lang="sv-SE" sz="1400" dirty="0">
+                <a:latin typeface="Consolas" pitchFamily="49" charset="0"/>
+                <a:cs typeface="Consolas" pitchFamily="49" charset="0"/>
+              </a:rPr>
+              <a:t>()</a:t>
+            </a:r>
+            <a:r>
+              <a:rPr lang="sv-SE" dirty="0" smtClean="0"/>
+              <a:t/>
+            </a:r>
+            <a:br>
+              <a:rPr lang="sv-SE" dirty="0" smtClean="0"/>
+            </a:br>
+            <a:r>
+              <a:rPr lang="sv-SE" dirty="0" smtClean="0"/>
+              <a:t>för att visa felen där de ska visas.</a:t>
             </a:r>
             <a:endParaRPr lang="sv-SE" dirty="0"/>
           </a:p>
@@ -5442,29 +5199,22 @@
       </p:sp>
       <p:pic>
         <p:nvPicPr>
-          <p:cNvPr id="5127" name="Picture 7"/>
+          <p:cNvPr id="6" name="Bildobjekt 5"/>
           <p:cNvPicPr>
-            <a:picLocks noChangeAspect="1" noChangeArrowheads="1"/>
+            <a:picLocks noChangeAspect="1"/>
           </p:cNvPicPr>
           <p:nvPr/>
         </p:nvPicPr>
         <p:blipFill>
-          <a:blip r:embed="rId6">
-            <a:extLst>
-              <a:ext uri="{28A0092B-C50C-407E-A947-70E740481C1C}">
-                <a14:useLocalDpi xmlns:a14="http://schemas.microsoft.com/office/drawing/2010/main" val="0"/>
-              </a:ext>
-            </a:extLst>
-          </a:blip>
-          <a:srcRect/>
+          <a:blip r:embed="rId5"/>
           <a:stretch>
             <a:fillRect/>
           </a:stretch>
         </p:blipFill>
-        <p:spPr bwMode="auto">
-          <a:xfrm rot="180000">
-            <a:off x="2445308" y="2668267"/>
-            <a:ext cx="2606667" cy="2826667"/>
+        <p:spPr>
+          <a:xfrm>
+            <a:off x="6801889" y="1444903"/>
+            <a:ext cx="3580045" cy="1183149"/>
           </a:xfrm>
           <a:prstGeom prst="rect">
             <a:avLst/>
@@ -5474,76 +5224,38 @@
               <a:shade val="85000"/>
             </a:srgbClr>
           </a:solidFill>
-          <a:ln w="190500" cap="sq">
+          <a:ln w="190500" cap="rnd">
             <a:solidFill>
               <a:srgbClr val="FFFFFF"/>
             </a:solidFill>
-            <a:miter lim="800000"/>
           </a:ln>
           <a:effectLst>
-            <a:outerShdw blurRad="65000" dist="50800" dir="12900000" kx="195000" ky="145000" algn="tl" rotWithShape="0">
+            <a:outerShdw blurRad="36195" dist="12700" dir="11400000" algn="tl" rotWithShape="0">
               <a:srgbClr val="000000">
-                <a:alpha val="30000"/>
+                <a:alpha val="33000"/>
               </a:srgbClr>
             </a:outerShdw>
           </a:effectLst>
           <a:scene3d>
-            <a:camera prst="orthographicFront">
-              <a:rot lat="0" lon="0" rev="360000"/>
+            <a:camera prst="perspectiveContrastingLeftFacing" fov="3300000">
+              <a:rot lat="599112" lon="3010598" rev="21450995"/>
             </a:camera>
-            <a:lightRig rig="twoPt" dir="t">
-              <a:rot lat="0" lon="0" rev="7200000"/>
-            </a:lightRig>
+            <a:lightRig rig="soft" dir="t"/>
           </a:scene3d>
-          <a:sp3d contourW="12700">
-            <a:bevelT w="25400" h="19050"/>
+          <a:sp3d contourW="12700" prstMaterial="matte">
+            <a:bevelT w="63500" h="50800"/>
             <a:contourClr>
-              <a:srgbClr val="969696"/>
+              <a:srgbClr val="C0C0C0"/>
             </a:contourClr>
           </a:sp3d>
-          <a:extLst/>
         </p:spPr>
       </p:pic>
-      <p:cxnSp>
-        <p:nvCxnSpPr>
-          <p:cNvPr id="5" name="Kurva 4"/>
-          <p:cNvCxnSpPr>
-            <a:stCxn id="5123" idx="3"/>
-            <a:endCxn id="8" idx="6"/>
-          </p:cNvCxnSpPr>
-          <p:nvPr/>
-        </p:nvCxnSpPr>
-        <p:spPr bwMode="auto">
-          <a:xfrm flipH="1">
-            <a:off x="4164845" y="2253221"/>
-            <a:ext cx="1274430" cy="2510528"/>
-          </a:xfrm>
-          <a:prstGeom prst="curvedConnector3">
-            <a:avLst>
-              <a:gd name="adj1" fmla="val -18748"/>
-            </a:avLst>
-          </a:prstGeom>
-          <a:ln>
-            <a:headEnd type="none" w="med" len="med"/>
-            <a:tailEnd type="arrow"/>
-          </a:ln>
-        </p:spPr>
-        <p:style>
-          <a:lnRef idx="1">
-            <a:schemeClr val="accent6"/>
-          </a:lnRef>
-          <a:fillRef idx="0">
-            <a:schemeClr val="accent6"/>
-          </a:fillRef>
-          <a:effectRef idx="0">
-            <a:schemeClr val="accent6"/>
-          </a:effectRef>
-          <a:fontRef idx="minor">
-            <a:schemeClr val="tx1"/>
-          </a:fontRef>
-        </p:style>
-      </p:cxnSp>
     </p:spTree>
+    <p:extLst>
+      <p:ext uri="{BB962C8B-B14F-4D97-AF65-F5344CB8AC3E}">
+        <p14:creationId xmlns:p14="http://schemas.microsoft.com/office/powerpoint/2010/main" val="2547963178"/>
+      </p:ext>
+    </p:extLst>
   </p:cSld>
   <p:clrMapOvr>
     <a:masterClrMapping/>
@@ -5578,599 +5290,24 @@
           <a:chExt cx="0" cy="0"/>
         </a:xfrm>
       </p:grpSpPr>
-      <p:sp>
-        <p:nvSpPr>
-          <p:cNvPr id="2" name="Rubrik 1"/>
-          <p:cNvSpPr>
-            <a:spLocks noGrp="1"/>
-          </p:cNvSpPr>
-          <p:nvPr>
-            <p:ph type="title"/>
-          </p:nvPr>
-        </p:nvSpPr>
-        <p:spPr/>
-        <p:txBody>
-          <a:bodyPr/>
-          <a:lstStyle/>
-          <a:p>
-            <a:r>
-              <a:rPr lang="sv-SE" dirty="0" smtClean="0"/>
-              <a:t>Enkel hantering av fel vid Ajax-förfrågan</a:t>
-            </a:r>
-            <a:endParaRPr lang="sv-SE" dirty="0"/>
-          </a:p>
-        </p:txBody>
-      </p:sp>
-      <p:sp>
-        <p:nvSpPr>
-          <p:cNvPr id="3" name="Platshållare för innehåll 2"/>
-          <p:cNvSpPr>
-            <a:spLocks noGrp="1"/>
-          </p:cNvSpPr>
-          <p:nvPr>
-            <p:ph idx="1"/>
-          </p:nvPr>
-        </p:nvSpPr>
-        <p:spPr/>
-        <p:txBody>
-          <a:bodyPr/>
-          <a:lstStyle/>
-          <a:p>
-            <a:r>
-              <a:rPr lang="sv-SE" dirty="0" smtClean="0"/>
-              <a:t>Det är viktigt att </a:t>
-            </a:r>
-            <a:r>
-              <a:rPr lang="sv-SE" sz="1400" dirty="0" err="1">
-                <a:latin typeface="Consolas" pitchFamily="49" charset="0"/>
-                <a:cs typeface="Consolas" pitchFamily="49" charset="0"/>
-              </a:rPr>
-              <a:t>Response.StatusCode</a:t>
-            </a:r>
-            <a:r>
-              <a:rPr lang="sv-SE" dirty="0" smtClean="0"/>
-              <a:t> sätts till lämplig felkod så att JavaScript-funktionen som definieras av </a:t>
-            </a:r>
-            <a:br>
-              <a:rPr lang="sv-SE" dirty="0" smtClean="0"/>
-            </a:br>
-            <a:r>
-              <a:rPr lang="sv-SE" sz="1400" dirty="0" err="1">
-                <a:latin typeface="Consolas" pitchFamily="49" charset="0"/>
-                <a:cs typeface="Consolas" pitchFamily="49" charset="0"/>
-              </a:rPr>
-              <a:t>OnFailure</a:t>
-            </a:r>
-            <a:r>
-              <a:rPr lang="sv-SE" dirty="0" smtClean="0"/>
-              <a:t> körs på klienten.</a:t>
-            </a:r>
-            <a:endParaRPr lang="sv-SE" dirty="0"/>
-          </a:p>
-        </p:txBody>
-      </p:sp>
       <p:pic>
         <p:nvPicPr>
-          <p:cNvPr id="6146" name="Picture 2"/>
+          <p:cNvPr id="4" name="Bildobjekt 3"/>
           <p:cNvPicPr>
-            <a:picLocks noChangeAspect="1" noChangeArrowheads="1"/>
+            <a:picLocks noChangeAspect="1"/>
           </p:cNvPicPr>
           <p:nvPr/>
         </p:nvPicPr>
         <p:blipFill>
-          <a:blip r:embed="rId3">
-            <a:extLst>
-              <a:ext uri="{28A0092B-C50C-407E-A947-70E740481C1C}">
-                <a14:useLocalDpi xmlns:a14="http://schemas.microsoft.com/office/drawing/2010/main" val="0"/>
-              </a:ext>
-            </a:extLst>
-          </a:blip>
-          <a:srcRect/>
+          <a:blip r:embed="rId3"/>
           <a:stretch>
             <a:fillRect/>
           </a:stretch>
         </p:blipFill>
-        <p:spPr bwMode="auto">
-          <a:xfrm>
-            <a:off x="619044" y="2765981"/>
-            <a:ext cx="3286667" cy="2693333"/>
-          </a:xfrm>
-          <a:prstGeom prst="rect">
-            <a:avLst/>
-          </a:prstGeom>
-          <a:solidFill>
-            <a:srgbClr val="FFFFFF">
-              <a:shade val="85000"/>
-            </a:srgbClr>
-          </a:solidFill>
-          <a:ln w="190500" cap="sq">
-            <a:solidFill>
-              <a:srgbClr val="FFFFFF"/>
-            </a:solidFill>
-            <a:miter lim="800000"/>
-          </a:ln>
-          <a:effectLst>
-            <a:outerShdw blurRad="65000" dist="50800" dir="12900000" kx="195000" ky="145000" algn="tl" rotWithShape="0">
-              <a:srgbClr val="000000">
-                <a:alpha val="30000"/>
-              </a:srgbClr>
-            </a:outerShdw>
-          </a:effectLst>
-          <a:scene3d>
-            <a:camera prst="orthographicFront">
-              <a:rot lat="0" lon="0" rev="360000"/>
-            </a:camera>
-            <a:lightRig rig="twoPt" dir="t">
-              <a:rot lat="0" lon="0" rev="7200000"/>
-            </a:lightRig>
-          </a:scene3d>
-          <a:sp3d contourW="12700">
-            <a:bevelT w="25400" h="19050"/>
-            <a:contourClr>
-              <a:srgbClr val="969696"/>
-            </a:contourClr>
-          </a:sp3d>
-          <a:extLst/>
-        </p:spPr>
-      </p:pic>
-      <p:pic>
-        <p:nvPicPr>
-          <p:cNvPr id="6148" name="Picture 4"/>
-          <p:cNvPicPr>
-            <a:picLocks noChangeAspect="1" noChangeArrowheads="1"/>
-          </p:cNvPicPr>
-          <p:nvPr/>
-        </p:nvPicPr>
-        <p:blipFill>
-          <a:blip r:embed="rId4">
-            <a:extLst>
-              <a:ext uri="{28A0092B-C50C-407E-A947-70E740481C1C}">
-                <a14:useLocalDpi xmlns:a14="http://schemas.microsoft.com/office/drawing/2010/main" val="0"/>
-              </a:ext>
-            </a:extLst>
-          </a:blip>
-          <a:srcRect/>
-          <a:stretch>
-            <a:fillRect/>
-          </a:stretch>
-        </p:blipFill>
-        <p:spPr bwMode="auto">
-          <a:xfrm rot="496297">
-            <a:off x="4130787" y="1410224"/>
-            <a:ext cx="5393333" cy="4206667"/>
-          </a:xfrm>
-          <a:prstGeom prst="rect">
-            <a:avLst/>
-          </a:prstGeom>
-          <a:solidFill>
-            <a:srgbClr val="FFFFFF">
-              <a:shade val="85000"/>
-            </a:srgbClr>
-          </a:solidFill>
-          <a:ln w="190500" cap="sq">
-            <a:solidFill>
-              <a:srgbClr val="FFFFFF"/>
-            </a:solidFill>
-            <a:miter lim="800000"/>
-          </a:ln>
-          <a:effectLst>
-            <a:outerShdw blurRad="65000" dist="50800" dir="12900000" kx="195000" ky="145000" algn="tl" rotWithShape="0">
-              <a:srgbClr val="000000">
-                <a:alpha val="30000"/>
-              </a:srgbClr>
-            </a:outerShdw>
-          </a:effectLst>
-          <a:scene3d>
-            <a:camera prst="orthographicFront">
-              <a:rot lat="0" lon="0" rev="360000"/>
-            </a:camera>
-            <a:lightRig rig="twoPt" dir="t">
-              <a:rot lat="0" lon="0" rev="7200000"/>
-            </a:lightRig>
-          </a:scene3d>
-          <a:sp3d contourW="12700">
-            <a:bevelT w="25400" h="19050"/>
-            <a:contourClr>
-              <a:srgbClr val="969696"/>
-            </a:contourClr>
-          </a:sp3d>
-          <a:extLst/>
-        </p:spPr>
-      </p:pic>
-    </p:spTree>
-    <p:extLst>
-      <p:ext uri="{BB962C8B-B14F-4D97-AF65-F5344CB8AC3E}">
-        <p14:creationId xmlns:p14="http://schemas.microsoft.com/office/powerpoint/2010/main" val="2396015752"/>
-      </p:ext>
-    </p:extLst>
-  </p:cSld>
-  <p:clrMapOvr>
-    <a:masterClrMapping/>
-  </p:clrMapOvr>
-  <p:transition>
-    <p:random/>
-  </p:transition>
-  <p:timing>
-    <p:tnLst>
-      <p:par>
-        <p:cTn id="1" dur="indefinite" restart="never" nodeType="tmRoot"/>
-      </p:par>
-    </p:tnLst>
-  </p:timing>
-</p:sld>
-</file>
-
-<file path=ppt/slides/slide13.xml><?xml version="1.0" encoding="utf-8"?>
-<p:sld xmlns:a="http://schemas.openxmlformats.org/drawingml/2006/main" xmlns:r="http://schemas.openxmlformats.org/officeDocument/2006/relationships" xmlns:p="http://schemas.openxmlformats.org/presentationml/2006/main">
-  <p:cSld>
-    <p:spTree>
-      <p:nvGrpSpPr>
-        <p:cNvPr id="1" name=""/>
-        <p:cNvGrpSpPr/>
-        <p:nvPr/>
-      </p:nvGrpSpPr>
-      <p:grpSpPr>
-        <a:xfrm>
-          <a:off x="0" y="0"/>
-          <a:ext cx="0" cy="0"/>
-          <a:chOff x="0" y="0"/>
-          <a:chExt cx="0" cy="0"/>
-        </a:xfrm>
-      </p:grpSpPr>
-      <p:sp>
-        <p:nvSpPr>
-          <p:cNvPr id="2" name="Rubrik 1"/>
-          <p:cNvSpPr>
-            <a:spLocks noGrp="1"/>
-          </p:cNvSpPr>
-          <p:nvPr>
-            <p:ph type="title"/>
-          </p:nvPr>
-        </p:nvSpPr>
-        <p:spPr/>
-        <p:txBody>
-          <a:bodyPr/>
-          <a:lstStyle/>
-          <a:p>
-            <a:r>
-              <a:rPr lang="sv-SE" dirty="0" smtClean="0"/>
-              <a:t>Hantering </a:t>
-            </a:r>
-            <a:r>
-              <a:rPr lang="sv-SE" dirty="0"/>
-              <a:t>av fel vid </a:t>
-            </a:r>
-            <a:r>
-              <a:rPr lang="sv-SE" dirty="0" smtClean="0"/>
-              <a:t>Ajax-förfrågan med JSON</a:t>
-            </a:r>
-            <a:endParaRPr lang="sv-SE" dirty="0"/>
-          </a:p>
-        </p:txBody>
-      </p:sp>
-      <p:sp>
-        <p:nvSpPr>
-          <p:cNvPr id="3" name="Platshållare för innehåll 2"/>
-          <p:cNvSpPr>
-            <a:spLocks noGrp="1"/>
-          </p:cNvSpPr>
-          <p:nvPr>
-            <p:ph idx="1"/>
-          </p:nvPr>
-        </p:nvSpPr>
-        <p:spPr/>
-        <p:txBody>
-          <a:bodyPr/>
-          <a:lstStyle/>
-          <a:p>
-            <a:r>
-              <a:rPr lang="sv-SE" dirty="0" smtClean="0"/>
-              <a:t>För att skicka samtliga felmeddelanden, gällande så väl modellens egenskaper som formuläret i sig, till klienten kan JSON användas.</a:t>
-            </a:r>
-          </a:p>
-          <a:p>
-            <a:r>
-              <a:rPr lang="sv-SE" dirty="0" smtClean="0"/>
-              <a:t>På klienten används </a:t>
-            </a:r>
-            <a:r>
-              <a:rPr lang="sv-SE" sz="1400" dirty="0" err="1">
-                <a:latin typeface="Consolas" pitchFamily="49" charset="0"/>
-                <a:cs typeface="Consolas" pitchFamily="49" charset="0"/>
-              </a:rPr>
-              <a:t>jQuery.validate</a:t>
-            </a:r>
-            <a:r>
-              <a:rPr lang="sv-SE" sz="1400" dirty="0">
-                <a:latin typeface="Consolas" pitchFamily="49" charset="0"/>
-                <a:cs typeface="Consolas" pitchFamily="49" charset="0"/>
-              </a:rPr>
-              <a:t>().</a:t>
-            </a:r>
-            <a:r>
-              <a:rPr lang="sv-SE" sz="1400" dirty="0" err="1">
-                <a:latin typeface="Consolas" pitchFamily="49" charset="0"/>
-                <a:cs typeface="Consolas" pitchFamily="49" charset="0"/>
-              </a:rPr>
-              <a:t>showErrors</a:t>
-            </a:r>
-            <a:r>
-              <a:rPr lang="sv-SE" sz="1400" dirty="0">
-                <a:latin typeface="Consolas" pitchFamily="49" charset="0"/>
-                <a:cs typeface="Consolas" pitchFamily="49" charset="0"/>
-              </a:rPr>
-              <a:t>()</a:t>
-            </a:r>
-            <a:r>
-              <a:rPr lang="sv-SE" dirty="0" smtClean="0"/>
-              <a:t/>
-            </a:r>
-            <a:br>
-              <a:rPr lang="sv-SE" dirty="0" smtClean="0"/>
-            </a:br>
-            <a:r>
-              <a:rPr lang="sv-SE" dirty="0" smtClean="0"/>
-              <a:t>för att visa felen där de ska visas.</a:t>
-            </a:r>
-            <a:endParaRPr lang="sv-SE" dirty="0"/>
-          </a:p>
-        </p:txBody>
-      </p:sp>
-      <p:pic>
-        <p:nvPicPr>
-          <p:cNvPr id="7170" name="Picture 2"/>
-          <p:cNvPicPr>
-            <a:picLocks noChangeAspect="1" noChangeArrowheads="1"/>
-          </p:cNvPicPr>
-          <p:nvPr/>
-        </p:nvPicPr>
-        <p:blipFill>
-          <a:blip r:embed="rId3">
-            <a:extLst>
-              <a:ext uri="{28A0092B-C50C-407E-A947-70E740481C1C}">
-                <a14:useLocalDpi xmlns:a14="http://schemas.microsoft.com/office/drawing/2010/main" val="0"/>
-              </a:ext>
-            </a:extLst>
-          </a:blip>
-          <a:srcRect/>
-          <a:stretch>
-            <a:fillRect/>
-          </a:stretch>
-        </p:blipFill>
-        <p:spPr bwMode="auto">
-          <a:xfrm>
-            <a:off x="1822864" y="2149422"/>
-            <a:ext cx="3777143" cy="3131429"/>
-          </a:xfrm>
-          <a:prstGeom prst="rect">
-            <a:avLst/>
-          </a:prstGeom>
-          <a:solidFill>
-            <a:srgbClr val="FFFFFF">
-              <a:shade val="85000"/>
-            </a:srgbClr>
-          </a:solidFill>
-          <a:ln w="190500" cap="sq">
-            <a:solidFill>
-              <a:srgbClr val="FFFFFF"/>
-            </a:solidFill>
-            <a:miter lim="800000"/>
-          </a:ln>
-          <a:effectLst>
-            <a:outerShdw blurRad="65000" dist="50800" dir="12900000" kx="195000" ky="145000" algn="tl" rotWithShape="0">
-              <a:srgbClr val="000000">
-                <a:alpha val="30000"/>
-              </a:srgbClr>
-            </a:outerShdw>
-          </a:effectLst>
-          <a:scene3d>
-            <a:camera prst="orthographicFront">
-              <a:rot lat="0" lon="0" rev="360000"/>
-            </a:camera>
-            <a:lightRig rig="twoPt" dir="t">
-              <a:rot lat="0" lon="0" rev="7200000"/>
-            </a:lightRig>
-          </a:scene3d>
-          <a:sp3d contourW="12700">
-            <a:bevelT w="25400" h="19050"/>
-            <a:contourClr>
-              <a:srgbClr val="969696"/>
-            </a:contourClr>
-          </a:sp3d>
-          <a:extLst/>
-        </p:spPr>
-      </p:pic>
-      <p:pic>
-        <p:nvPicPr>
-          <p:cNvPr id="7171" name="Picture 3"/>
-          <p:cNvPicPr>
-            <a:picLocks noChangeAspect="1" noChangeArrowheads="1"/>
-          </p:cNvPicPr>
-          <p:nvPr/>
-        </p:nvPicPr>
-        <p:blipFill>
-          <a:blip r:embed="rId4">
-            <a:extLst>
-              <a:ext uri="{28A0092B-C50C-407E-A947-70E740481C1C}">
-                <a14:useLocalDpi xmlns:a14="http://schemas.microsoft.com/office/drawing/2010/main" val="0"/>
-              </a:ext>
-            </a:extLst>
-          </a:blip>
-          <a:srcRect/>
-          <a:stretch>
-            <a:fillRect/>
-          </a:stretch>
-        </p:blipFill>
-        <p:spPr bwMode="auto">
-          <a:xfrm rot="611593">
-            <a:off x="5767669" y="1384639"/>
-            <a:ext cx="3222857" cy="4160000"/>
-          </a:xfrm>
-          <a:prstGeom prst="rect">
-            <a:avLst/>
-          </a:prstGeom>
-          <a:solidFill>
-            <a:srgbClr val="FFFFFF">
-              <a:shade val="85000"/>
-            </a:srgbClr>
-          </a:solidFill>
-          <a:ln w="190500" cap="sq">
-            <a:solidFill>
-              <a:srgbClr val="FFFFFF"/>
-            </a:solidFill>
-            <a:miter lim="800000"/>
-          </a:ln>
-          <a:effectLst>
-            <a:outerShdw blurRad="65000" dist="50800" dir="12900000" kx="195000" ky="145000" algn="tl" rotWithShape="0">
-              <a:srgbClr val="000000">
-                <a:alpha val="30000"/>
-              </a:srgbClr>
-            </a:outerShdw>
-          </a:effectLst>
-          <a:scene3d>
-            <a:camera prst="orthographicFront">
-              <a:rot lat="0" lon="0" rev="360000"/>
-            </a:camera>
-            <a:lightRig rig="twoPt" dir="t">
-              <a:rot lat="0" lon="0" rev="7200000"/>
-            </a:lightRig>
-          </a:scene3d>
-          <a:sp3d contourW="12700">
-            <a:bevelT w="25400" h="19050"/>
-            <a:contourClr>
-              <a:srgbClr val="969696"/>
-            </a:contourClr>
-          </a:sp3d>
-          <a:extLst/>
-        </p:spPr>
-      </p:pic>
-    </p:spTree>
-    <p:extLst>
-      <p:ext uri="{BB962C8B-B14F-4D97-AF65-F5344CB8AC3E}">
-        <p14:creationId xmlns:p14="http://schemas.microsoft.com/office/powerpoint/2010/main" val="2547963178"/>
-      </p:ext>
-    </p:extLst>
-  </p:cSld>
-  <p:clrMapOvr>
-    <a:masterClrMapping/>
-  </p:clrMapOvr>
-  <p:transition>
-    <p:random/>
-  </p:transition>
-  <p:timing>
-    <p:tnLst>
-      <p:par>
-        <p:cTn id="1" dur="indefinite" restart="never" nodeType="tmRoot"/>
-      </p:par>
-    </p:tnLst>
-  </p:timing>
-</p:sld>
-</file>
-
-<file path=ppt/slides/slide14.xml><?xml version="1.0" encoding="utf-8"?>
-<p:sld xmlns:a="http://schemas.openxmlformats.org/drawingml/2006/main" xmlns:r="http://schemas.openxmlformats.org/officeDocument/2006/relationships" xmlns:p="http://schemas.openxmlformats.org/presentationml/2006/main">
-  <p:cSld>
-    <p:spTree>
-      <p:nvGrpSpPr>
-        <p:cNvPr id="1" name=""/>
-        <p:cNvGrpSpPr/>
-        <p:nvPr/>
-      </p:nvGrpSpPr>
-      <p:grpSpPr>
-        <a:xfrm>
-          <a:off x="0" y="0"/>
-          <a:ext cx="0" cy="0"/>
-          <a:chOff x="0" y="0"/>
-          <a:chExt cx="0" cy="0"/>
-        </a:xfrm>
-      </p:grpSpPr>
-      <p:sp>
-        <p:nvSpPr>
-          <p:cNvPr id="2" name="Rubrik 1"/>
-          <p:cNvSpPr>
-            <a:spLocks noGrp="1"/>
-          </p:cNvSpPr>
-          <p:nvPr>
-            <p:ph type="title"/>
-          </p:nvPr>
-        </p:nvSpPr>
-        <p:spPr/>
-        <p:txBody>
-          <a:bodyPr/>
-          <a:lstStyle/>
-          <a:p>
-            <a:r>
-              <a:rPr lang="sv-SE" dirty="0" smtClean="0"/>
-              <a:t>…används ValidationSummary så blir det komplexare</a:t>
-            </a:r>
-            <a:endParaRPr lang="sv-SE" dirty="0"/>
-          </a:p>
-        </p:txBody>
-      </p:sp>
-      <p:sp>
-        <p:nvSpPr>
-          <p:cNvPr id="3" name="Platshållare för innehåll 2"/>
-          <p:cNvSpPr>
-            <a:spLocks noGrp="1"/>
-          </p:cNvSpPr>
-          <p:nvPr>
-            <p:ph idx="1"/>
-          </p:nvPr>
-        </p:nvSpPr>
         <p:spPr>
-          <a:xfrm>
-            <a:off x="457200" y="817563"/>
-            <a:ext cx="3269985" cy="4619625"/>
-          </a:xfrm>
-        </p:spPr>
-        <p:txBody>
-          <a:bodyPr/>
-          <a:lstStyle/>
-          <a:p>
-            <a:r>
-              <a:rPr lang="sv-SE" dirty="0" smtClean="0"/>
-              <a:t>Används </a:t>
-            </a:r>
-            <a:r>
-              <a:rPr lang="sv-SE" sz="1400" dirty="0">
-                <a:latin typeface="Consolas" pitchFamily="49" charset="0"/>
-                <a:cs typeface="Consolas" pitchFamily="49" charset="0"/>
-              </a:rPr>
-              <a:t>ValidationSummary</a:t>
-            </a:r>
-            <a:r>
-              <a:rPr lang="sv-SE" dirty="0" smtClean="0"/>
-              <a:t> för att visa fel som inte är knutna till någon egenskap i modellen, medför det att skriptet som visar fel blir mer omfattande.</a:t>
-            </a:r>
-            <a:endParaRPr lang="sv-SE" dirty="0"/>
-          </a:p>
-        </p:txBody>
-      </p:sp>
-      <p:pic>
-        <p:nvPicPr>
-          <p:cNvPr id="9218" name="Picture 2"/>
-          <p:cNvPicPr>
-            <a:picLocks noChangeAspect="1" noChangeArrowheads="1"/>
-          </p:cNvPicPr>
-          <p:nvPr/>
-        </p:nvPicPr>
-        <p:blipFill>
-          <a:blip r:embed="rId3">
-            <a:extLst>
-              <a:ext uri="{28A0092B-C50C-407E-A947-70E740481C1C}">
-                <a14:useLocalDpi xmlns:a14="http://schemas.microsoft.com/office/drawing/2010/main" val="0"/>
-              </a:ext>
-            </a:extLst>
-          </a:blip>
-          <a:srcRect/>
-          <a:stretch>
-            <a:fillRect/>
-          </a:stretch>
-        </p:blipFill>
-        <p:spPr bwMode="auto">
-          <a:xfrm rot="334775">
-            <a:off x="3471856" y="-90791"/>
-            <a:ext cx="6006667" cy="5920000"/>
+          <a:xfrm rot="360000">
+            <a:off x="3350410" y="-357458"/>
+            <a:ext cx="6000000" cy="6453334"/>
           </a:xfrm>
           <a:prstGeom prst="rect">
             <a:avLst/>
@@ -6207,9 +5344,70 @@
               <a:srgbClr val="FFFFFF"/>
             </a:contourClr>
           </a:sp3d>
-          <a:extLst/>
         </p:spPr>
       </p:pic>
+      <p:sp>
+        <p:nvSpPr>
+          <p:cNvPr id="2" name="Rubrik 1"/>
+          <p:cNvSpPr>
+            <a:spLocks noGrp="1"/>
+          </p:cNvSpPr>
+          <p:nvPr>
+            <p:ph type="title"/>
+          </p:nvPr>
+        </p:nvSpPr>
+        <p:spPr/>
+        <p:txBody>
+          <a:bodyPr/>
+          <a:lstStyle/>
+          <a:p>
+            <a:r>
+              <a:rPr lang="sv-SE" dirty="0" smtClean="0"/>
+              <a:t>…används ValidationSummary så blir det komplexare</a:t>
+            </a:r>
+            <a:endParaRPr lang="sv-SE" dirty="0"/>
+          </a:p>
+        </p:txBody>
+      </p:sp>
+      <p:sp>
+        <p:nvSpPr>
+          <p:cNvPr id="3" name="Platshållare för innehåll 2"/>
+          <p:cNvSpPr>
+            <a:spLocks noGrp="1"/>
+          </p:cNvSpPr>
+          <p:nvPr>
+            <p:ph idx="1"/>
+          </p:nvPr>
+        </p:nvSpPr>
+        <p:spPr>
+          <a:xfrm>
+            <a:off x="457200" y="817563"/>
+            <a:ext cx="3269985" cy="4619625"/>
+          </a:xfrm>
+        </p:spPr>
+        <p:txBody>
+          <a:bodyPr/>
+          <a:lstStyle/>
+          <a:p>
+            <a:r>
+              <a:rPr lang="sv-SE" dirty="0" smtClean="0"/>
+              <a:t>Används </a:t>
+            </a:r>
+            <a:r>
+              <a:rPr lang="sv-SE" sz="1400" dirty="0">
+                <a:latin typeface="Consolas" pitchFamily="49" charset="0"/>
+                <a:cs typeface="Consolas" pitchFamily="49" charset="0"/>
+              </a:rPr>
+              <a:t>ValidationSummary</a:t>
+            </a:r>
+            <a:r>
+              <a:rPr lang="sv-SE" dirty="0" smtClean="0"/>
+              <a:t> för att visa fel som inte är knutna till någon egenskap i modellen, medför det att skriptet som visar fel blir mer omfattande.</a:t>
+            </a:r>
+            <a:endParaRPr lang="sv-SE" dirty="0"/>
+          </a:p>
+        </p:txBody>
+      </p:sp>
     </p:spTree>
     <p:extLst>
       <p:ext uri="{BB962C8B-B14F-4D97-AF65-F5344CB8AC3E}">
@@ -6223,6 +5421,13 @@
   <p:transition>
     <p:random/>
   </p:transition>
+  <p:timing>
+    <p:tnLst>
+      <p:par>
+        <p:cTn id="1" dur="indefinite" restart="never" nodeType="tmRoot"/>
+      </p:par>
+    </p:tnLst>
+  </p:timing>
 </p:sld>
 </file>
 
@@ -6610,51 +5815,6 @@
           <a:chExt cx="0" cy="0"/>
         </a:xfrm>
       </p:grpSpPr>
-      <p:pic>
-        <p:nvPicPr>
-          <p:cNvPr id="7" name="Bildobjekt 6"/>
-          <p:cNvPicPr>
-            <a:picLocks noChangeAspect="1"/>
-          </p:cNvPicPr>
-          <p:nvPr/>
-        </p:nvPicPr>
-        <p:blipFill>
-          <a:blip r:embed="rId3">
-            <a:duotone>
-              <a:schemeClr val="accent3">
-                <a:shade val="45000"/>
-                <a:satMod val="135000"/>
-              </a:schemeClr>
-              <a:prstClr val="white"/>
-            </a:duotone>
-            <a:extLst>
-              <a:ext uri="{28A0092B-C50C-407E-A947-70E740481C1C}">
-                <a14:useLocalDpi xmlns:a14="http://schemas.microsoft.com/office/drawing/2010/main" val="0"/>
-              </a:ext>
-            </a:extLst>
-          </a:blip>
-          <a:stretch>
-            <a:fillRect/>
-          </a:stretch>
-        </p:blipFill>
-        <p:spPr>
-          <a:xfrm>
-            <a:off x="471326" y="1722745"/>
-            <a:ext cx="9467793" cy="4713224"/>
-          </a:xfrm>
-          <a:prstGeom prst="rect">
-            <a:avLst/>
-          </a:prstGeom>
-          <a:noFill/>
-          <a:ln>
-            <a:noFill/>
-          </a:ln>
-          <a:scene3d>
-            <a:camera prst="isometricOffAxis2Top"/>
-            <a:lightRig rig="threePt" dir="t"/>
-          </a:scene3d>
-        </p:spPr>
-      </p:pic>
       <p:sp>
         <p:nvSpPr>
           <p:cNvPr id="2" name="Rubrik 1"/>
@@ -6672,7 +5832,15 @@
           <a:p>
             <a:r>
               <a:rPr lang="sv-SE" dirty="0" smtClean="0"/>
-              <a:t>Använd Ajax när du…</a:t>
+              <a:t>ASP.NET MVC och ”</a:t>
+            </a:r>
+            <a:r>
+              <a:rPr lang="sv-SE" i="1" dirty="0" smtClean="0"/>
+              <a:t>Ajax Helpers</a:t>
+            </a:r>
+            <a:r>
+              <a:rPr lang="sv-SE" dirty="0" smtClean="0"/>
+              <a:t>”</a:t>
             </a:r>
             <a:endParaRPr lang="sv-SE" dirty="0"/>
           </a:p>
@@ -6688,117 +5856,205 @@
             <p:ph idx="1"/>
           </p:nvPr>
         </p:nvSpPr>
-        <p:spPr>
-          <a:xfrm>
-            <a:off x="457199" y="817563"/>
-            <a:ext cx="8081890" cy="4619625"/>
-          </a:xfrm>
-        </p:spPr>
+        <p:spPr/>
         <p:txBody>
           <a:bodyPr/>
           <a:lstStyle/>
           <a:p>
             <a:r>
               <a:rPr lang="sv-SE" dirty="0" smtClean="0"/>
-              <a:t>…har komplexa sidor och bara behöver uppdatera en liten del av sidan.</a:t>
-            </a:r>
-          </a:p>
-          <a:p>
+              <a:t>MVC har stöd för Ajax-anrop. Från och med version 3 finns även stöd för ”</a:t>
+            </a:r>
+            <a:r>
+              <a:rPr lang="sv-SE" dirty="0" err="1" smtClean="0"/>
+              <a:t>unobtrusive</a:t>
+            </a:r>
             <a:r>
               <a:rPr lang="sv-SE" dirty="0" smtClean="0"/>
-              <a:t>…vill att användare ska uppfatta att din applikation har korta svarstider.</a:t>
-            </a:r>
-          </a:p>
-          <a:p>
+              <a:t> Ajax” baserad på jQuery. </a:t>
+            </a:r>
+          </a:p>
+          <a:p>
+            <a:pPr>
+              <a:spcBef>
+                <a:spcPts val="1200"/>
+              </a:spcBef>
+            </a:pPr>
+            <a:r>
+              <a:rPr lang="sv-SE" dirty="0"/>
+              <a:t>För att </a:t>
+            </a:r>
             <a:r>
               <a:rPr lang="sv-SE" dirty="0" smtClean="0"/>
-              <a:t>…vill reducera belastningen av webbservern och databasserver.</a:t>
-            </a:r>
-          </a:p>
-          <a:p>
+              <a:t>”</a:t>
+            </a:r>
+            <a:r>
+              <a:rPr lang="sv-SE" dirty="0" err="1" smtClean="0"/>
+              <a:t>unobtrusive</a:t>
+            </a:r>
             <a:r>
               <a:rPr lang="sv-SE" dirty="0" smtClean="0"/>
-              <a:t>…har behov av asynkrona anrop.</a:t>
-            </a:r>
-            <a:endParaRPr lang="sv-SE" dirty="0"/>
-          </a:p>
-        </p:txBody>
-      </p:sp>
-      <p:sp>
-        <p:nvSpPr>
-          <p:cNvPr id="5" name="AutoShape 2" descr="data:image/jpeg;base64,/9j/4AAQSkZJRgABAQAAAQABAAD/2wBDAAkGBwgHBgkIBwgKCgkLDRYPDQwMDRsUFRAWIB0iIiAdHx8kKDQsJCYxJx8fLT0tMTU3Ojo6Iys/RD84QzQ5Ojf/2wBDAQoKCg0MDRoPDxo3JR8lNzc3Nzc3Nzc3Nzc3Nzc3Nzc3Nzc3Nzc3Nzc3Nzc3Nzc3Nzc3Nzc3Nzc3Nzc3Nzc3Nzf/wAARCAByAOUDASIAAhEBAxEB/8QAHAABAAIDAQEBAAAAAAAAAAAAAAYHAQQFAwII/8QAQxAAAQQCAAMEBwQGCAYDAAAAAQACAwQFEQYSIRMxQVEHFCJhcYGRFSOx0RYyQlKhsiQzQ1NicpKiNDZUdJPhRcHC/8QAGgEBAAMBAQEAAAAAAAAAAAAAAAIDBQQBBv/EACsRAAICAgEDAwMDBQAAAAAAAAABAgMEESESMUEFEzIUUcGx4fAVYZGh0f/aAAwDAQACEQMRAD8AvFERAEREAREQBERAERfEkjYml0jg1o7ySg2faLlyZ/GxnRstd/lBK+P0jxn9+f8AQVP25/Yh7kPuddFoVsvQsuDYrMZce5pOifqt4Hai013JKSfYyiIvD0IiIAiIgCIiAIiIAiIgCIiAIiIAiIgCIiAIiIAiIgMFQLifJvtZCSEP+5hPIG+BPiVPT3Kp8jLvI29/37/5iuvDgpTbfg482bjBJeTap1LmQkcyjX7Qs/Wc52mt92/Nbh4dzgBPq1c+4Tnf8qkfBDW/YTHgDb5Hknz9oj/6C769sybFNpeDyrFrcE35KrkEkUj4p2PjlYdOa7vBUq4Qy0kz3UZ3l2m80RPfod4WvxVhshbyvbUawkjMQBPOG9QSvLhnD5Opl4p7VcRxNa4E84PerLLK7Kdt8ldddld2orgm4WVgLKzzRCIiAIiIAiIgCIiAIiIAiIgCIiAIiIAiIgCIscw80BlFjmHmE5ggDu5U3lJdZO4PKd4/3FXISCFRmZn1mL48rMn8xWh6etykZnqc+mEX/ctLgQ83Ddc/45P5ypDvSjPo7dzcK1nH9+T+dy53HHFpoPdi6BIslo7WTu5AR05fM+9USqlZfKEfuzoV8aseNku2kevF3FTaxfQx0gMx6SStP6nuHv8AwWpwlxXyObRyUh5CdRTPPcfI/mq+9YcRzEEgk9T4nx6/NO3JB6bA7/d4LTWFX7XT/syn6hY7epf4L9adjoR8llV1wNxc4zQ4rIOLu0IbXl7zv90/mrE5gsi6mVUumRs0Xwvh1xPpFjmHmE2PNVF+zKIsEgeKAyixzDzTYQbMosbATmHmgMoscw81lAEREAREQBERAEREBg96qf0j5ySxmxTrTvZHTbp3I8jbzrfd5DX1KsfiDJR4jE2r0n9kzbR+87wH10qDnnfNLJPM7ckjnPefMk7K0vTqeqTm+yMr1S5xgq0+WbPr1n/qrH/ld+atH0f571vh+VlpznS0dhx6uc5mtg+Z8R8lBc/w5LisHir5aQ6dn9IB/YcfaaPpsfJfHBGY+yuIoHPdqvP9zNvu0e4/I6/iuu+EL6W4LscONKzGyFGb7/k78PpHndmu2kiAxjhyiIfrtH7+/P3KIZeZk2WuywuDo5J3vYR4gnYU1474Nc0yZXCxc3N7U9ZgHXzc33+Y8VXYeCAW9W66FSxFU1118ca0RzffT9uzlb2mTCnxdLieF6mOxpAucz3SSkbEYLyQBvvPVSCpXpekHFtlsRuq36rwySWJvQ+4E9CCPDwKhXC/D1riG72UYdHVYfvrGthv+Ee/8PxujFY6riqUdSlE2OKMaAHefMnzO/FceZKqt6r+W97O7BhbZHdnw1rRW3pJx9bFR4ipSibHExkvQDvO29T71rejevDdzNmvZjbJFJVcHMcNggkeC6XpfOrGL/yyfixc/wBFJ3xHL/2x/EK6Lf0Tfn9yiUEvUEtcfsTjh7g/H4O3NZj55ZHuPZuk6mJp/Zb+feVF/Sfm3+vQYyrM9gib2kpa4gknuH0/EKw8jbioUZ7c7uWKFhe4/BUBfuy37ti5OdyTyF592+4fIdPkqMGt22Oc+dHR6hNU1KuHGz09etf9VY/8rvzVk+i/MvtUp8dYlc+WB3PGXuJJYfee/R39Qobe4dfU4Pp5og88km5B5Ru0G/xA/wBS0eGsscNm6t0uPZtdyzAfuHv+nf8AJdl0IZFMuhco4KJWY18XN8P8l9rjcU4Y5nGOhimfBOw88UjHEadruOu8HxC67HB7Q5p209QV9aWFFuL2j6OUVKOmfn+xNfqWJK9qazHNE7lewyu2D9VYfo34mNuL7JuybniG4Xud1kb4j4j8FsekLhY5Ouchj4x67C08zWj+tYPD4jw/9qqq1mSrZisVnujmhcHMI6FpHn+XxW1H28ynXZmDJWYN++8X+hdPGXELMDjC5habcwLYGHz8XEeQVOvyFwvL327Bc47J7V3Ur0zmZtZy+bdx3UtDWMb+qwDwH4qVejrhc3pmZe/H/RmHdZjv7Q/v68h4fXySuEMSnqn3PLJ2Zt6jDiKJH6P8Dao1jkMnLK6zO0csT3k9k35nvPj9FMvBYaAOgHRfSxpzc5OTN6utVxUV4CIiiTCIiAIiIAsbWVr3rMdOrNZncGxRML3OPgANlNb4PG9LbK49LWYL56+Ihf7LR204Hif2B+J+ih3DVSG7nacVuRkdYP55XPcAOVvXXXzOh814ZW5Nk8jZvTb5p5C/XkPAfIaC9aeAy96Bs9THTzQuPsvbrR18Svoa4Rpo6JPWz5qyyV2R1xW9foWzxPJiMvgLNEZCpzuZuI9q3o4dW+PmAqUPVpD+/uK7H6KZ8d2Hs/7fzWlext/HSNjyFWSvI4czRJrqPltRxYV1bjGe9lmZO23U5Q1oubgjLjN8PwSyEOmj+5m8faA7/mNH5rg8Q8AVshlWWqFmOrFK7dlg1/qZ5E/Tx+Mf9GWVNDNmlK7UFxuuvcJB3fUbH0UWvxyxX7Ub+ZrmzPaQfMOK5oYso3yUJaOmWZCWPFzjv/qL7xGPqYyjHUoRMjijHQN8T47963VAPRNeg+zbFF0oFhsxk5HHq5pA6j6Kfk671nXQcLHFmnRZGytSiVl6Yf8AiMX/AJJPxYtD0Uf8xy/9sfxC+vSpkILuVrV6zxIarHCQt6gOdo6/h/FY9FTeTNW5nnTIq3tE9w2f/S1EmsHT/nJkuSl6gmv5wdv0s5gw06+JhJ5rB7SXXgwHoPmfwKrjF1WXsjWqyyNjileA97nAAN7z1+AK2+JclJmM3avE7Y95EQ8mDo3+HX5rxo4TKZCHtqNCaeIO5edmtb8upXRTBU0dMnrZzX2O+/cVvX4LjyU+EvYabGuv0xFJEYwBK32enTXwVHPY6J7o36LmEtJHcSDrp7l1f0Uz4/8Ah7P+381q38VkMdyfaFOWvz75C/XX6EqGLCuptRnvZPMnbalKUNaLY9GuY+0sAyCV+56buyds7Jb+yfp0+Sl21Sfo/wAqcRxDF2juWvZ+5kHhs/qn6/iVdRdob6aCzM2r27XrszVwbvdpX3XB52rEVWCWew8RxRtLnucegAVC8RXquSzVu3RgEMEj9gDpza73EeBKkvpC4odlbDsbQfqnE77x7T/WuH/5H4qNYHC2M5k46MG2td7Ur/7tm+p+Pl713YdPsQds+DPzcj6iapr55OexzWvaXsEjWuBcwno4eI+fcr64ZydLK4mvPjwGRhoaYgNGMjvaqq424WOAuMkrc7qMw9hx68jvFpPv7x81q8JZ+xw9kmzDb6shDZ4/MeY94U8itZVSnDuiGPa8O5ws7MvYIvCjahu1Y7NZ4kikaHNcPEFe6w+3c3001tBERD0IiIAiIgB7lGeOob9vFNp0K0kwmdqYscBpo666nxKky4nGOTdh+HL1yFzRYEfZ1+YEgyu9lg0Op9ojoOqlGXTJMjOKnFxZWbeEMu5wb9mzNJOtuczQ/iraxNKLG46tThGmQxhg346HeoHhM7fo4CTGYx0t6zj7TYXT2oHySdg9peyXs9tfJ3FvTXVp8luRcZXHurVWepPuXmwupHs3xtf7ThPtjjzAsDSddO/qrbsidySl4KKMWuhtw8k8Giopx/gn5ehFLWhMtiu/bWggFwPQjZ+R+S4x41zVSvWsXa+Pkbfq9rUEXOzs39vFD94STsffNd01rlI6r6ylriatxBVDbGMfeixluV2myiu9rXwnRZzbDuut7Ogd9d6VUJuElJF1kI2RcZdiOx8MZmGRk0OOsMkY4OY4OZ0IPT9pd3iThCzkC3K1a4bYmY11mqSAQ/XUtPd8t/Nb1nirMCtkMlBFjm0acUbzFMHB7jJE1w2/emgFw2dHptYOe4kdeZiGHEfaLbboJLHZyGEt7HtQQzm2D1AI5j5+5dMsy1yUt8o5Y4NMYuGuGQiXEz1ngTVbMTx3Exu6fMBfLoJtFrn2teIIepjFxplLlOO5BVoMhr069m7E9zi94le5pEZHQa5SQSDs9OnetwcT33Y2OaCnUntOsZCJsA9jn7B0gYNk9CeVuyenXwVn18/KK/6bX4bILVwVq27kq0p5CfHsy1v1KmLOGreG4YswVIHWL17lbOYiBys13AkjprY+a7XCeanyDLcOTlgFyryOlY2rJWLGuBI215PToeoJB0Vxb+YtUuLM9HTtxiaRlCOuySCSw0vLZ3ODY2EHm5W77x0Gz3KqzMsnpPsWV4NVe2u5Fv0Sy2iBipvhzs/NWpw3jG4jDVaYA5mMHOR4uPUn6qLV+M8g6OpHLBUZayDIvU2nmaHOEjmz7BO9NaA7XeN9V5t4xzD3WG1Ia1/tYBYpPirSQtLDK1m/bd95prub2eXetDvCjdkzuSUiyjErpbcCweij3G+HdmcM6OBnPPE4SRgHW/MfMbXGp8UZnI2IsdQlxnr7GTSWZLNeaJo5C0BnZF3M0kPaSdkAFp67XhdzWatQSWbjMeKMWahpRxRiUSEiwxnOXB48z7OtHQ30JCphJxkpIvnBTi4y7EZ/RLLb6YucHzDmbH+5TPM2M/ZwFapBj7AsSx8tl7Xt20DpodfHzUfyvF3EEvDVud0uPh9Zx9ues+sHiSEwv1127rsHw1ynz2pLx7ckiwdTGPtSw2MlM2CSxXjcXRsA5pHtA2R0Gh36Lgr7MqdjTl4OavDrrTUfJBxwlldADFTf6mfmrH4O4fjwWP5XNabU2nTOHn4D4BRqrxbnLlHEw40UPWn0LMto22SaMtdzWOAAIIDiSdkHQIOvBa+U4nyWaqRzU/Vq+PjsYwvHM7tnmZ8b+jgQA0BwGtHfXu1orcqy1aZ7Th1Uy6orkn+XxtfLY+anaYHRyN17wfAj3hVVZ4OykE8kbaEsrWu02Rjm6ePMAlSD0g2JaWbqR07ssEOSYIcryte4Q1w8ASggjs3bcW7/AMW/2VyJ83lMfleJsRTlc45Gya2Ld1d6vK2FnabPcAGODx/lPvUaciyn4kr8Wu/5o73BEGaw9j1Kxj7ApSu3zOc3UR8x17j4hTwdygXo0nnmMbp5pZCcHjnEveTtxa/Z6+J8T4qejuCrsm5y6mWVVquPSuxlERQLAiIgCIiALwtU69vsvWYWS9jIJY+Yb5XjucPeF7ogOZkuHsNlZXS5LGVbUjmtaXSxhxIaSW9/ls6+JWpFw3WjzdG8xsUdbHVXwU6scIa2Ln1zu38GtAA1rbu/a7yIDnPweKkhZDJQrviZC+BrHMBAjdouZo+B5R09wXnQ4bwmOby0MXUrDkezUUQb7L9cw6efK3fwC6qIDSZiceyvNXbTh7GdoZLGW7a9oaGgEePsgBeOPwGIxscMePx1asyB7nxtiYGhrnDRPTxI6LpogOOeF8EX03nEUi6kNViYQexG96b5deqP4VwEluxbkw9J1iwHNmkMLeaQEaId5grsIgOZS4ew9ClYo08ZUhqWARNCyIBsgI0Q4ePTp8F4N4T4fbj/ALPbhqIp9oJexEI5ef8Ae15+9dpEBz4MJi67abYKFdgohwqgRj7jmGncvlsHS0v0O4a5Z2/YdDU41KOwbp45ubr8+vxXdRAcSXhHh2anFTmwtB9aJ7nxxOgaWtce8geZW63D45sHYNpQiHtxY5A3p2ocHB2vPYB+S3kQEZwXBWGxdSSOTH057M7Hx2bBrgOnY52yHeYPTfnpduPGUopq80daJslaIwwuDesbDrbR5D2R9FtogNEYfHCy+0KcPbvDw6Tl6kP1zfXlbv4BaknCnD8s9aeXD0nTVWMZBIYRzRtZ+qAfDXguyiA0psVQmfbfNUhkdciENgvYD2rACA13mPaPT3lfVXG0qbJWVq8cbZnc0vKP1zyhuz5nQA+S20QHBt8GcNXOy9bwdGbsYmwx88IPIxvRrR5ALutaGNDWjTQNAeSyiAIiIAiIgCIiAIiIAiIgCIiAIiIAiIgCIiAIiIAiIgCIiAIiIAiIgCIiAIiIAiIgP//Z"/>
-          <p:cNvSpPr>
-            <a:spLocks noChangeAspect="1" noChangeArrowheads="1"/>
-          </p:cNvSpPr>
-          <p:nvPr/>
-        </p:nvSpPr>
-        <p:spPr bwMode="auto">
-          <a:xfrm>
-            <a:off x="155575" y="-144463"/>
-            <a:ext cx="304800" cy="304801"/>
-          </a:xfrm>
-          <a:prstGeom prst="rect">
-            <a:avLst/>
-          </a:prstGeom>
-          <a:noFill/>
-          <a:extLst>
-            <a:ext uri="{909E8E84-426E-40DD-AFC4-6F175D3DCCD1}">
-              <a14:hiddenFill xmlns:a14="http://schemas.microsoft.com/office/drawing/2010/main">
-                <a:solidFill>
-                  <a:srgbClr val="FFFFFF"/>
-                </a:solidFill>
-              </a14:hiddenFill>
-            </a:ext>
-          </a:extLst>
-        </p:spPr>
-        <p:txBody>
-          <a:bodyPr vert="horz" wrap="square" lIns="91440" tIns="45720" rIns="91440" bIns="45720" numCol="1" anchor="t" anchorCtr="0" compatLnSpc="1">
-            <a:prstTxWarp prst="textNoShape">
-              <a:avLst/>
-            </a:prstTxWarp>
-          </a:bodyPr>
-          <a:lstStyle/>
-          <a:p>
-            <a:endParaRPr lang="sv-SE"/>
-          </a:p>
-        </p:txBody>
-      </p:sp>
-      <p:sp>
-        <p:nvSpPr>
-          <p:cNvPr id="6" name="AutoShape 4" descr="data:image/jpeg;base64,/9j/4AAQSkZJRgABAQAAAQABAAD/2wBDAAkGBwgHBgkIBwgKCgkLDRYPDQwMDRsUFRAWIB0iIiAdHx8kKDQsJCYxJx8fLT0tMTU3Ojo6Iys/RD84QzQ5Ojf/2wBDAQoKCg0MDRoPDxo3JR8lNzc3Nzc3Nzc3Nzc3Nzc3Nzc3Nzc3Nzc3Nzc3Nzc3Nzc3Nzc3Nzc3Nzc3Nzc3Nzc3Nzf/wAARCAByAOUDASIAAhEBAxEB/8QAHAABAAIDAQEBAAAAAAAAAAAAAAYHAQQFAwII/8QAQxAAAQQCAAMEBwQGCAYDAAAAAQACAwQFEQYSIRMxQVEHFCJhcYGRFSOx0RYyQlKhsiQzQ1NicpKiNDZUdJPhRcHC/8QAGgEBAAMBAQEAAAAAAAAAAAAAAAIDBQQBBv/EACsRAAICAgEDAwMDBQAAAAAAAAABAgMEESESMUEFEzIUUcGx4fAVYZGh0f/aAAwDAQACEQMRAD8AvFERAEREAREQBERAERfEkjYml0jg1o7ySg2faLlyZ/GxnRstd/lBK+P0jxn9+f8AQVP25/Yh7kPuddFoVsvQsuDYrMZce5pOifqt4Hai013JKSfYyiIvD0IiIAiIgCIiAIiIAiIgCIiAIiIAiIgCIiAIiIAiIgMFQLifJvtZCSEP+5hPIG+BPiVPT3Kp8jLvI29/37/5iuvDgpTbfg482bjBJeTap1LmQkcyjX7Qs/Wc52mt92/Nbh4dzgBPq1c+4Tnf8qkfBDW/YTHgDb5Hknz9oj/6C769sybFNpeDyrFrcE35KrkEkUj4p2PjlYdOa7vBUq4Qy0kz3UZ3l2m80RPfod4WvxVhshbyvbUawkjMQBPOG9QSvLhnD5Opl4p7VcRxNa4E84PerLLK7Kdt8ldddld2orgm4WVgLKzzRCIiAIiIAiIgCIiAIiIAiIgCIiAIiIAiIgCIscw80BlFjmHmE5ggDu5U3lJdZO4PKd4/3FXISCFRmZn1mL48rMn8xWh6etykZnqc+mEX/ctLgQ83Ddc/45P5ypDvSjPo7dzcK1nH9+T+dy53HHFpoPdi6BIslo7WTu5AR05fM+9USqlZfKEfuzoV8aseNku2kevF3FTaxfQx0gMx6SStP6nuHv8AwWpwlxXyObRyUh5CdRTPPcfI/mq+9YcRzEEgk9T4nx6/NO3JB6bA7/d4LTWFX7XT/syn6hY7epf4L9adjoR8llV1wNxc4zQ4rIOLu0IbXl7zv90/mrE5gsi6mVUumRs0Xwvh1xPpFjmHmE2PNVF+zKIsEgeKAyixzDzTYQbMosbATmHmgMoscw81lAEREAREQBERAEREBg96qf0j5ySxmxTrTvZHTbp3I8jbzrfd5DX1KsfiDJR4jE2r0n9kzbR+87wH10qDnnfNLJPM7ckjnPefMk7K0vTqeqTm+yMr1S5xgq0+WbPr1n/qrH/ld+atH0f571vh+VlpznS0dhx6uc5mtg+Z8R8lBc/w5LisHir5aQ6dn9IB/YcfaaPpsfJfHBGY+yuIoHPdqvP9zNvu0e4/I6/iuu+EL6W4LscONKzGyFGb7/k78PpHndmu2kiAxjhyiIfrtH7+/P3KIZeZk2WuywuDo5J3vYR4gnYU1474Nc0yZXCxc3N7U9ZgHXzc33+Y8VXYeCAW9W66FSxFU1118ca0RzffT9uzlb2mTCnxdLieF6mOxpAucz3SSkbEYLyQBvvPVSCpXpekHFtlsRuq36rwySWJvQ+4E9CCPDwKhXC/D1riG72UYdHVYfvrGthv+Ee/8PxujFY6riqUdSlE2OKMaAHefMnzO/FceZKqt6r+W97O7BhbZHdnw1rRW3pJx9bFR4ipSibHExkvQDvO29T71rejevDdzNmvZjbJFJVcHMcNggkeC6XpfOrGL/yyfixc/wBFJ3xHL/2x/EK6Lf0Tfn9yiUEvUEtcfsTjh7g/H4O3NZj55ZHuPZuk6mJp/Zb+feVF/Sfm3+vQYyrM9gib2kpa4gknuH0/EKw8jbioUZ7c7uWKFhe4/BUBfuy37ti5OdyTyF592+4fIdPkqMGt22Oc+dHR6hNU1KuHGz09etf9VY/8rvzVk+i/MvtUp8dYlc+WB3PGXuJJYfee/R39Qobe4dfU4Pp5og88km5B5Ru0G/xA/wBS0eGsscNm6t0uPZtdyzAfuHv+nf8AJdl0IZFMuhco4KJWY18XN8P8l9rjcU4Y5nGOhimfBOw88UjHEadruOu8HxC67HB7Q5p209QV9aWFFuL2j6OUVKOmfn+xNfqWJK9qazHNE7lewyu2D9VYfo34mNuL7JuybniG4Xud1kb4j4j8FsekLhY5Ouchj4x67C08zWj+tYPD4jw/9qqq1mSrZisVnujmhcHMI6FpHn+XxW1H28ynXZmDJWYN++8X+hdPGXELMDjC5habcwLYGHz8XEeQVOvyFwvL327Bc47J7V3Ur0zmZtZy+bdx3UtDWMb+qwDwH4qVejrhc3pmZe/H/RmHdZjv7Q/v68h4fXySuEMSnqn3PLJ2Zt6jDiKJH6P8Dao1jkMnLK6zO0csT3k9k35nvPj9FMvBYaAOgHRfSxpzc5OTN6utVxUV4CIiiTCIiAIiIAsbWVr3rMdOrNZncGxRML3OPgANlNb4PG9LbK49LWYL56+Ihf7LR204Hif2B+J+ih3DVSG7nacVuRkdYP55XPcAOVvXXXzOh814ZW5Nk8jZvTb5p5C/XkPAfIaC9aeAy96Bs9THTzQuPsvbrR18Svoa4Rpo6JPWz5qyyV2R1xW9foWzxPJiMvgLNEZCpzuZuI9q3o4dW+PmAqUPVpD+/uK7H6KZ8d2Hs/7fzWlext/HSNjyFWSvI4czRJrqPltRxYV1bjGe9lmZO23U5Q1oubgjLjN8PwSyEOmj+5m8faA7/mNH5rg8Q8AVshlWWqFmOrFK7dlg1/qZ5E/Tx+Mf9GWVNDNmlK7UFxuuvcJB3fUbH0UWvxyxX7Ub+ZrmzPaQfMOK5oYso3yUJaOmWZCWPFzjv/qL7xGPqYyjHUoRMjijHQN8T47963VAPRNeg+zbFF0oFhsxk5HHq5pA6j6Kfk671nXQcLHFmnRZGytSiVl6Yf8AiMX/AJJPxYtD0Uf8xy/9sfxC+vSpkILuVrV6zxIarHCQt6gOdo6/h/FY9FTeTNW5nnTIq3tE9w2f/S1EmsHT/nJkuSl6gmv5wdv0s5gw06+JhJ5rB7SXXgwHoPmfwKrjF1WXsjWqyyNjileA97nAAN7z1+AK2+JclJmM3avE7Y95EQ8mDo3+HX5rxo4TKZCHtqNCaeIO5edmtb8upXRTBU0dMnrZzX2O+/cVvX4LjyU+EvYabGuv0xFJEYwBK32enTXwVHPY6J7o36LmEtJHcSDrp7l1f0Uz4/8Ah7P+381q38VkMdyfaFOWvz75C/XX6EqGLCuptRnvZPMnbalKUNaLY9GuY+0sAyCV+56buyds7Jb+yfp0+Sl21Sfo/wAqcRxDF2juWvZ+5kHhs/qn6/iVdRdob6aCzM2r27XrszVwbvdpX3XB52rEVWCWew8RxRtLnucegAVC8RXquSzVu3RgEMEj9gDpza73EeBKkvpC4odlbDsbQfqnE77x7T/WuH/5H4qNYHC2M5k46MG2td7Ur/7tm+p+Pl713YdPsQds+DPzcj6iapr55OexzWvaXsEjWuBcwno4eI+fcr64ZydLK4mvPjwGRhoaYgNGMjvaqq424WOAuMkrc7qMw9hx68jvFpPv7x81q8JZ+xw9kmzDb6shDZ4/MeY94U8itZVSnDuiGPa8O5ws7MvYIvCjahu1Y7NZ4kikaHNcPEFe6w+3c3001tBERD0IiIAiIgB7lGeOob9vFNp0K0kwmdqYscBpo666nxKky4nGOTdh+HL1yFzRYEfZ1+YEgyu9lg0Op9ojoOqlGXTJMjOKnFxZWbeEMu5wb9mzNJOtuczQ/iraxNKLG46tThGmQxhg346HeoHhM7fo4CTGYx0t6zj7TYXT2oHySdg9peyXs9tfJ3FvTXVp8luRcZXHurVWepPuXmwupHs3xtf7ThPtjjzAsDSddO/qrbsidySl4KKMWuhtw8k8Giopx/gn5ehFLWhMtiu/bWggFwPQjZ+R+S4x41zVSvWsXa+Pkbfq9rUEXOzs39vFD94STsffNd01rlI6r6ylriatxBVDbGMfeixluV2myiu9rXwnRZzbDuut7Ogd9d6VUJuElJF1kI2RcZdiOx8MZmGRk0OOsMkY4OY4OZ0IPT9pd3iThCzkC3K1a4bYmY11mqSAQ/XUtPd8t/Nb1nirMCtkMlBFjm0acUbzFMHB7jJE1w2/emgFw2dHptYOe4kdeZiGHEfaLbboJLHZyGEt7HtQQzm2D1AI5j5+5dMsy1yUt8o5Y4NMYuGuGQiXEz1ngTVbMTx3Exu6fMBfLoJtFrn2teIIepjFxplLlOO5BVoMhr069m7E9zi94le5pEZHQa5SQSDs9OnetwcT33Y2OaCnUntOsZCJsA9jn7B0gYNk9CeVuyenXwVn18/KK/6bX4bILVwVq27kq0p5CfHsy1v1KmLOGreG4YswVIHWL17lbOYiBys13AkjprY+a7XCeanyDLcOTlgFyryOlY2rJWLGuBI215PToeoJB0Vxb+YtUuLM9HTtxiaRlCOuySCSw0vLZ3ODY2EHm5W77x0Gz3KqzMsnpPsWV4NVe2u5Fv0Sy2iBipvhzs/NWpw3jG4jDVaYA5mMHOR4uPUn6qLV+M8g6OpHLBUZayDIvU2nmaHOEjmz7BO9NaA7XeN9V5t4xzD3WG1Ia1/tYBYpPirSQtLDK1m/bd95prub2eXetDvCjdkzuSUiyjErpbcCweij3G+HdmcM6OBnPPE4SRgHW/MfMbXGp8UZnI2IsdQlxnr7GTSWZLNeaJo5C0BnZF3M0kPaSdkAFp67XhdzWatQSWbjMeKMWahpRxRiUSEiwxnOXB48z7OtHQ30JCphJxkpIvnBTi4y7EZ/RLLb6YucHzDmbH+5TPM2M/ZwFapBj7AsSx8tl7Xt20DpodfHzUfyvF3EEvDVud0uPh9Zx9ues+sHiSEwv1127rsHw1ynz2pLx7ckiwdTGPtSw2MlM2CSxXjcXRsA5pHtA2R0Gh36Lgr7MqdjTl4OavDrrTUfJBxwlldADFTf6mfmrH4O4fjwWP5XNabU2nTOHn4D4BRqrxbnLlHEw40UPWn0LMto22SaMtdzWOAAIIDiSdkHQIOvBa+U4nyWaqRzU/Vq+PjsYwvHM7tnmZ8b+jgQA0BwGtHfXu1orcqy1aZ7Th1Uy6orkn+XxtfLY+anaYHRyN17wfAj3hVVZ4OykE8kbaEsrWu02Rjm6ePMAlSD0g2JaWbqR07ssEOSYIcryte4Q1w8ASggjs3bcW7/AMW/2VyJ83lMfleJsRTlc45Gya2Ld1d6vK2FnabPcAGODx/lPvUaciyn4kr8Wu/5o73BEGaw9j1Kxj7ApSu3zOc3UR8x17j4hTwdygXo0nnmMbp5pZCcHjnEveTtxa/Z6+J8T4qejuCrsm5y6mWVVquPSuxlERQLAiIgCIiALwtU69vsvWYWS9jIJY+Yb5XjucPeF7ogOZkuHsNlZXS5LGVbUjmtaXSxhxIaSW9/ls6+JWpFw3WjzdG8xsUdbHVXwU6scIa2Ln1zu38GtAA1rbu/a7yIDnPweKkhZDJQrviZC+BrHMBAjdouZo+B5R09wXnQ4bwmOby0MXUrDkezUUQb7L9cw6efK3fwC6qIDSZiceyvNXbTh7GdoZLGW7a9oaGgEePsgBeOPwGIxscMePx1asyB7nxtiYGhrnDRPTxI6LpogOOeF8EX03nEUi6kNViYQexG96b5deqP4VwEluxbkw9J1iwHNmkMLeaQEaId5grsIgOZS4ew9ClYo08ZUhqWARNCyIBsgI0Q4ePTp8F4N4T4fbj/ALPbhqIp9oJexEI5ef8Ae15+9dpEBz4MJi67abYKFdgohwqgRj7jmGncvlsHS0v0O4a5Z2/YdDU41KOwbp45ubr8+vxXdRAcSXhHh2anFTmwtB9aJ7nxxOgaWtce8geZW63D45sHYNpQiHtxY5A3p2ocHB2vPYB+S3kQEZwXBWGxdSSOTH057M7Hx2bBrgOnY52yHeYPTfnpduPGUopq80daJslaIwwuDesbDrbR5D2R9FtogNEYfHCy+0KcPbvDw6Tl6kP1zfXlbv4BaknCnD8s9aeXD0nTVWMZBIYRzRtZ+qAfDXguyiA0psVQmfbfNUhkdciENgvYD2rACA13mPaPT3lfVXG0qbJWVq8cbZnc0vKP1zyhuz5nQA+S20QHBt8GcNXOy9bwdGbsYmwx88IPIxvRrR5ALutaGNDWjTQNAeSyiAIiIAiIgCIiAIiIAiIgCIiAIiIAiIgCIiAIiIAiIgCIiAIiIAiIgCIiAIiIAiIgP//Z"/>
-          <p:cNvSpPr>
-            <a:spLocks noChangeAspect="1" noChangeArrowheads="1"/>
-          </p:cNvSpPr>
-          <p:nvPr/>
-        </p:nvSpPr>
-        <p:spPr bwMode="auto">
-          <a:xfrm>
-            <a:off x="307975" y="7937"/>
-            <a:ext cx="304800" cy="304801"/>
-          </a:xfrm>
-          <a:prstGeom prst="rect">
-            <a:avLst/>
-          </a:prstGeom>
-          <a:noFill/>
-          <a:extLst>
-            <a:ext uri="{909E8E84-426E-40DD-AFC4-6F175D3DCCD1}">
-              <a14:hiddenFill xmlns:a14="http://schemas.microsoft.com/office/drawing/2010/main">
-                <a:solidFill>
-                  <a:srgbClr val="FFFFFF"/>
-                </a:solidFill>
-              </a14:hiddenFill>
-            </a:ext>
-          </a:extLst>
-        </p:spPr>
-        <p:txBody>
-          <a:bodyPr vert="horz" wrap="square" lIns="91440" tIns="45720" rIns="91440" bIns="45720" numCol="1" anchor="t" anchorCtr="0" compatLnSpc="1">
-            <a:prstTxWarp prst="textNoShape">
-              <a:avLst/>
-            </a:prstTxWarp>
-          </a:bodyPr>
-          <a:lstStyle/>
-          <a:p>
-            <a:endParaRPr lang="sv-SE"/>
+              <a:t> </a:t>
+            </a:r>
+            <a:r>
+              <a:rPr lang="sv-SE" dirty="0"/>
+              <a:t>Ajax” ska fungera på klienten måste…</a:t>
+            </a:r>
+          </a:p>
+          <a:p>
+            <a:pPr lvl="1"/>
+            <a:r>
+              <a:rPr lang="sv-SE" dirty="0"/>
+              <a:t>...</a:t>
+            </a:r>
+            <a:r>
+              <a:rPr lang="sv-SE" sz="1400" dirty="0" err="1">
+                <a:latin typeface="Consolas" pitchFamily="49" charset="0"/>
+                <a:cs typeface="Consolas" pitchFamily="49" charset="0"/>
+              </a:rPr>
+              <a:t>UnobtrusiveJavaScriptEnabled</a:t>
+            </a:r>
+            <a:r>
+              <a:rPr lang="sv-SE" dirty="0"/>
+              <a:t> vara satt till </a:t>
+            </a:r>
+            <a:r>
+              <a:rPr lang="sv-SE" sz="1400" dirty="0">
+                <a:latin typeface="Consolas" pitchFamily="49" charset="0"/>
+                <a:cs typeface="Consolas" pitchFamily="49" charset="0"/>
+              </a:rPr>
+              <a:t>true</a:t>
+            </a:r>
+            <a:r>
+              <a:rPr lang="sv-SE" dirty="0"/>
+              <a:t>, vilken den är som standard i </a:t>
+            </a:r>
+            <a:r>
+              <a:rPr lang="sv-SE" sz="1400" dirty="0">
+                <a:latin typeface="Consolas" pitchFamily="49" charset="0"/>
+                <a:cs typeface="Consolas" pitchFamily="49" charset="0"/>
+              </a:rPr>
+              <a:t>Web.config</a:t>
+            </a:r>
+            <a:r>
+              <a:rPr lang="sv-SE" dirty="0"/>
+              <a:t>.</a:t>
+            </a:r>
+          </a:p>
+          <a:p>
+            <a:pPr lvl="1"/>
+            <a:r>
+              <a:rPr lang="sv-SE" dirty="0"/>
+              <a:t>…</a:t>
+            </a:r>
+            <a:r>
+              <a:rPr lang="sv-SE" sz="1400" dirty="0" smtClean="0">
+                <a:latin typeface="Consolas" pitchFamily="49" charset="0"/>
+                <a:cs typeface="Consolas" pitchFamily="49" charset="0"/>
+              </a:rPr>
+              <a:t>jquery-2.1.1.min.js</a:t>
+            </a:r>
+            <a:r>
+              <a:rPr lang="sv-SE" dirty="0" smtClean="0"/>
+              <a:t> </a:t>
+            </a:r>
+            <a:r>
+              <a:rPr lang="sv-SE" dirty="0"/>
+              <a:t>, eller annan lämplig version, länkas in. </a:t>
+            </a:r>
+          </a:p>
+          <a:p>
+            <a:pPr lvl="1"/>
+            <a:r>
+              <a:rPr lang="sv-SE" dirty="0"/>
+              <a:t>…</a:t>
+            </a:r>
+            <a:r>
+              <a:rPr lang="sv-SE" sz="1400" dirty="0">
+                <a:latin typeface="Consolas" pitchFamily="49" charset="0"/>
+                <a:cs typeface="Consolas" pitchFamily="49" charset="0"/>
+              </a:rPr>
+              <a:t>jquery.unobtrusive-ajax.min.js</a:t>
+            </a:r>
+            <a:r>
+              <a:rPr lang="sv-SE" dirty="0"/>
+              <a:t> länkas in.</a:t>
+            </a:r>
+          </a:p>
+          <a:p>
+            <a:pPr>
+              <a:spcBef>
+                <a:spcPts val="1200"/>
+              </a:spcBef>
+            </a:pPr>
+            <a:r>
+              <a:rPr lang="sv-SE" dirty="0" smtClean="0"/>
+              <a:t>Med hjälp av ”</a:t>
+            </a:r>
+            <a:r>
+              <a:rPr lang="sv-SE" i="1" dirty="0" smtClean="0"/>
+              <a:t>Ajax Helpers</a:t>
+            </a:r>
+            <a:r>
+              <a:rPr lang="sv-SE" dirty="0" smtClean="0"/>
+              <a:t>” är det enkelt att skapa förutsättningar för asynkrona förfrågningar.</a:t>
+            </a:r>
+          </a:p>
+          <a:p>
+            <a:pPr lvl="1"/>
+            <a:r>
+              <a:rPr lang="sv-SE" sz="1400" dirty="0" err="1" smtClean="0">
+                <a:latin typeface="Courier New" pitchFamily="49" charset="0"/>
+                <a:cs typeface="Courier New" pitchFamily="49" charset="0"/>
+              </a:rPr>
+              <a:t>Ajax.ActionLink</a:t>
+            </a:r>
+            <a:endParaRPr lang="sv-SE" dirty="0" smtClean="0">
+              <a:latin typeface="Courier New" pitchFamily="49" charset="0"/>
+              <a:cs typeface="Courier New" pitchFamily="49" charset="0"/>
+            </a:endParaRPr>
+          </a:p>
+          <a:p>
+            <a:pPr lvl="1"/>
+            <a:r>
+              <a:rPr lang="sv-SE" sz="1400" dirty="0" err="1" smtClean="0">
+                <a:latin typeface="Courier New" pitchFamily="49" charset="0"/>
+                <a:cs typeface="Courier New" pitchFamily="49" charset="0"/>
+              </a:rPr>
+              <a:t>Ajax.BeginForm</a:t>
+            </a:r>
+            <a:endParaRPr lang="sv-SE" sz="1400" dirty="0" smtClean="0">
+              <a:latin typeface="Courier New" pitchFamily="49" charset="0"/>
+              <a:cs typeface="Courier New" pitchFamily="49" charset="0"/>
+            </a:endParaRPr>
+          </a:p>
+          <a:p>
+            <a:pPr lvl="1"/>
+            <a:r>
+              <a:rPr lang="sv-SE" sz="1400" dirty="0" err="1" smtClean="0">
+                <a:latin typeface="Courier New" pitchFamily="49" charset="0"/>
+                <a:cs typeface="Courier New" pitchFamily="49" charset="0"/>
+              </a:rPr>
+              <a:t>Ajax.RouteLink</a:t>
+            </a:r>
+            <a:endParaRPr lang="sv-SE" sz="1400" dirty="0" smtClean="0">
+              <a:latin typeface="Courier New" pitchFamily="49" charset="0"/>
+              <a:cs typeface="Courier New" pitchFamily="49" charset="0"/>
+            </a:endParaRPr>
+          </a:p>
+          <a:p>
+            <a:pPr lvl="1"/>
+            <a:r>
+              <a:rPr lang="sv-SE" sz="1400" dirty="0" err="1" smtClean="0">
+                <a:latin typeface="Courier New" pitchFamily="49" charset="0"/>
+                <a:cs typeface="Courier New" pitchFamily="49" charset="0"/>
+              </a:rPr>
+              <a:t>Ajax.BeginRouteForm</a:t>
+            </a:r>
+            <a:endParaRPr lang="sv-SE" sz="1400" dirty="0" smtClean="0">
+              <a:latin typeface="Courier New" pitchFamily="49" charset="0"/>
+              <a:cs typeface="Courier New" pitchFamily="49" charset="0"/>
+            </a:endParaRPr>
           </a:p>
         </p:txBody>
       </p:sp>
@@ -6839,534 +6095,22 @@
       </p:grpSpPr>
       <p:pic>
         <p:nvPicPr>
-          <p:cNvPr id="6" name="Bildobjekt 5"/>
+          <p:cNvPr id="5" name="Bildobjekt 4"/>
           <p:cNvPicPr>
             <a:picLocks noChangeAspect="1"/>
           </p:cNvPicPr>
           <p:nvPr/>
         </p:nvPicPr>
         <p:blipFill>
-          <a:blip r:embed="rId3">
-            <a:duotone>
-              <a:schemeClr val="accent2">
-                <a:shade val="45000"/>
-                <a:satMod val="135000"/>
-              </a:schemeClr>
-              <a:prstClr val="white"/>
-            </a:duotone>
-            <a:extLst>
-              <a:ext uri="{28A0092B-C50C-407E-A947-70E740481C1C}">
-                <a14:useLocalDpi xmlns:a14="http://schemas.microsoft.com/office/drawing/2010/main" val="0"/>
-              </a:ext>
-            </a:extLst>
-          </a:blip>
+          <a:blip r:embed="rId3"/>
           <a:stretch>
             <a:fillRect/>
           </a:stretch>
         </p:blipFill>
         <p:spPr>
-          <a:xfrm>
-            <a:off x="471326" y="1722745"/>
-            <a:ext cx="9467793" cy="4713224"/>
-          </a:xfrm>
-          <a:prstGeom prst="rect">
-            <a:avLst/>
-          </a:prstGeom>
-          <a:noFill/>
-          <a:ln>
-            <a:noFill/>
-          </a:ln>
-          <a:scene3d>
-            <a:camera prst="isometricOffAxis2Top"/>
-            <a:lightRig rig="threePt" dir="t"/>
-          </a:scene3d>
-        </p:spPr>
-      </p:pic>
-      <p:cxnSp>
-        <p:nvCxnSpPr>
-          <p:cNvPr id="5" name="Rak 4"/>
-          <p:cNvCxnSpPr/>
-          <p:nvPr/>
-        </p:nvCxnSpPr>
-        <p:spPr bwMode="auto">
-          <a:xfrm>
-            <a:off x="1315329" y="4009292"/>
-            <a:ext cx="7076049" cy="436099"/>
-          </a:xfrm>
-          <a:prstGeom prst="line">
-            <a:avLst/>
-          </a:prstGeom>
-          <a:solidFill>
-            <a:schemeClr val="accent1"/>
-          </a:solidFill>
-          <a:ln w="76200" cap="flat" cmpd="sng" algn="ctr">
-            <a:solidFill>
-              <a:srgbClr val="FF3300"/>
-            </a:solidFill>
-            <a:prstDash val="solid"/>
-            <a:round/>
-            <a:headEnd type="none" w="med" len="med"/>
-            <a:tailEnd type="none" w="med" len="med"/>
-          </a:ln>
-          <a:effectLst/>
-        </p:spPr>
-      </p:cxnSp>
-      <p:cxnSp>
-        <p:nvCxnSpPr>
-          <p:cNvPr id="10" name="Rak 9"/>
-          <p:cNvCxnSpPr/>
-          <p:nvPr/>
-        </p:nvCxnSpPr>
-        <p:spPr bwMode="auto">
-          <a:xfrm>
-            <a:off x="2609557" y="3530991"/>
-            <a:ext cx="5099538" cy="1533378"/>
-          </a:xfrm>
-          <a:prstGeom prst="line">
-            <a:avLst/>
-          </a:prstGeom>
-          <a:solidFill>
-            <a:schemeClr val="accent1"/>
-          </a:solidFill>
-          <a:ln w="76200" cap="flat" cmpd="sng" algn="ctr">
-            <a:solidFill>
-              <a:srgbClr val="FF3300"/>
-            </a:solidFill>
-            <a:prstDash val="solid"/>
-            <a:round/>
-            <a:headEnd type="none" w="med" len="med"/>
-            <a:tailEnd type="none" w="med" len="med"/>
-          </a:ln>
-          <a:effectLst/>
-        </p:spPr>
-      </p:cxnSp>
-      <p:sp>
-        <p:nvSpPr>
-          <p:cNvPr id="2" name="Rubrik 1"/>
-          <p:cNvSpPr>
-            <a:spLocks noGrp="1"/>
-          </p:cNvSpPr>
-          <p:nvPr>
-            <p:ph type="title"/>
-          </p:nvPr>
-        </p:nvSpPr>
-        <p:spPr/>
-        <p:txBody>
-          <a:bodyPr/>
-          <a:lstStyle/>
-          <a:p>
-            <a:r>
-              <a:rPr lang="sv-SE" dirty="0" smtClean="0"/>
-              <a:t>Använd INTE Ajax när…</a:t>
-            </a:r>
-            <a:endParaRPr lang="sv-SE" dirty="0"/>
-          </a:p>
-        </p:txBody>
-      </p:sp>
-      <p:sp>
-        <p:nvSpPr>
-          <p:cNvPr id="3" name="Platshållare för innehåll 2"/>
-          <p:cNvSpPr>
-            <a:spLocks noGrp="1"/>
-          </p:cNvSpPr>
-          <p:nvPr>
-            <p:ph idx="1"/>
-          </p:nvPr>
-        </p:nvSpPr>
-        <p:spPr>
-          <a:xfrm>
-            <a:off x="457200" y="817563"/>
-            <a:ext cx="8053754" cy="4619625"/>
-          </a:xfrm>
-        </p:spPr>
-        <p:txBody>
-          <a:bodyPr/>
-          <a:lstStyle/>
-          <a:p>
-            <a:r>
-              <a:rPr lang="sv-SE" dirty="0" smtClean="0"/>
-              <a:t>…din applikation blir beroende av att användare tillåter JavaScript. Användare ska kunna använda applikationen även om de inte tillåter JavaScript.</a:t>
-            </a:r>
-          </a:p>
-          <a:p>
-            <a:r>
-              <a:rPr lang="sv-SE" dirty="0" smtClean="0"/>
-              <a:t>…det negativt påverkar användarens upplevelse när historikknappar och bokmärken används i webbläsaren.</a:t>
-            </a:r>
-          </a:p>
-          <a:p>
-            <a:r>
-              <a:rPr lang="sv-SE" dirty="0" smtClean="0"/>
-              <a:t>…det inte finns goda själ för det. Det tar tid att ladda JavaScript, och det tar tid att exekvera dem.</a:t>
-            </a:r>
-            <a:endParaRPr lang="sv-SE" dirty="0"/>
-          </a:p>
-        </p:txBody>
-      </p:sp>
-    </p:spTree>
-  </p:cSld>
-  <p:clrMapOvr>
-    <a:masterClrMapping/>
-  </p:clrMapOvr>
-  <p:transition>
-    <p:random/>
-  </p:transition>
-  <p:timing>
-    <p:tnLst>
-      <p:par>
-        <p:cTn id="1" dur="indefinite" restart="never" nodeType="tmRoot"/>
-      </p:par>
-    </p:tnLst>
-  </p:timing>
-</p:sld>
-</file>
-
-<file path=ppt/slides/slide5.xml><?xml version="1.0" encoding="utf-8"?>
-<p:sld xmlns:a="http://schemas.openxmlformats.org/drawingml/2006/main" xmlns:r="http://schemas.openxmlformats.org/officeDocument/2006/relationships" xmlns:p="http://schemas.openxmlformats.org/presentationml/2006/main">
-  <p:cSld>
-    <p:spTree>
-      <p:nvGrpSpPr>
-        <p:cNvPr id="1" name=""/>
-        <p:cNvGrpSpPr/>
-        <p:nvPr/>
-      </p:nvGrpSpPr>
-      <p:grpSpPr>
-        <a:xfrm>
-          <a:off x="0" y="0"/>
-          <a:ext cx="0" cy="0"/>
-          <a:chOff x="0" y="0"/>
-          <a:chExt cx="0" cy="0"/>
-        </a:xfrm>
-      </p:grpSpPr>
-      <p:sp>
-        <p:nvSpPr>
-          <p:cNvPr id="2" name="Rubrik 1"/>
-          <p:cNvSpPr>
-            <a:spLocks noGrp="1"/>
-          </p:cNvSpPr>
-          <p:nvPr>
-            <p:ph type="title"/>
-          </p:nvPr>
-        </p:nvSpPr>
-        <p:spPr/>
-        <p:txBody>
-          <a:bodyPr/>
-          <a:lstStyle/>
-          <a:p>
-            <a:r>
-              <a:rPr lang="sv-SE" dirty="0" smtClean="0"/>
-              <a:t>ASP.NET MVC och ”</a:t>
-            </a:r>
-            <a:r>
-              <a:rPr lang="sv-SE" i="1" dirty="0" smtClean="0"/>
-              <a:t>Ajax Helpers</a:t>
-            </a:r>
-            <a:r>
-              <a:rPr lang="sv-SE" dirty="0" smtClean="0"/>
-              <a:t>”</a:t>
-            </a:r>
-            <a:endParaRPr lang="sv-SE" dirty="0"/>
-          </a:p>
-        </p:txBody>
-      </p:sp>
-      <p:sp>
-        <p:nvSpPr>
-          <p:cNvPr id="3" name="Platshållare för innehåll 2"/>
-          <p:cNvSpPr>
-            <a:spLocks noGrp="1"/>
-          </p:cNvSpPr>
-          <p:nvPr>
-            <p:ph idx="1"/>
-          </p:nvPr>
-        </p:nvSpPr>
-        <p:spPr/>
-        <p:txBody>
-          <a:bodyPr/>
-          <a:lstStyle/>
-          <a:p>
-            <a:r>
-              <a:rPr lang="sv-SE" dirty="0" smtClean="0"/>
-              <a:t>MVC har stöd för Ajax-anrop. Från och med version 3 finns även stöd för ”</a:t>
-            </a:r>
-            <a:r>
-              <a:rPr lang="sv-SE" dirty="0" err="1" smtClean="0"/>
-              <a:t>unobtrusive</a:t>
-            </a:r>
-            <a:r>
-              <a:rPr lang="sv-SE" dirty="0" smtClean="0"/>
-              <a:t> Ajax” baserad på jQuery. </a:t>
-            </a:r>
-          </a:p>
-          <a:p>
-            <a:pPr>
-              <a:spcBef>
-                <a:spcPts val="1200"/>
-              </a:spcBef>
-            </a:pPr>
-            <a:r>
-              <a:rPr lang="sv-SE" dirty="0"/>
-              <a:t>För att ” </a:t>
-            </a:r>
-            <a:r>
-              <a:rPr lang="sv-SE" dirty="0" err="1"/>
-              <a:t>unobtrusive</a:t>
-            </a:r>
-            <a:r>
-              <a:rPr lang="sv-SE" dirty="0"/>
-              <a:t> Ajax” ska fungera på klienten måste…</a:t>
-            </a:r>
-          </a:p>
-          <a:p>
-            <a:pPr lvl="1"/>
-            <a:r>
-              <a:rPr lang="sv-SE" dirty="0"/>
-              <a:t>...</a:t>
-            </a:r>
-            <a:r>
-              <a:rPr lang="sv-SE" sz="1400" dirty="0" err="1">
-                <a:latin typeface="Consolas" pitchFamily="49" charset="0"/>
-                <a:cs typeface="Consolas" pitchFamily="49" charset="0"/>
-              </a:rPr>
-              <a:t>UnobtrusiveJavaScriptEnabled</a:t>
-            </a:r>
-            <a:r>
-              <a:rPr lang="sv-SE" dirty="0"/>
-              <a:t> vara satt till </a:t>
-            </a:r>
-            <a:r>
-              <a:rPr lang="sv-SE" sz="1400" dirty="0">
-                <a:latin typeface="Consolas" pitchFamily="49" charset="0"/>
-                <a:cs typeface="Consolas" pitchFamily="49" charset="0"/>
-              </a:rPr>
-              <a:t>true</a:t>
-            </a:r>
-            <a:r>
-              <a:rPr lang="sv-SE" dirty="0"/>
-              <a:t>, vilken den är som standard i </a:t>
-            </a:r>
-            <a:r>
-              <a:rPr lang="sv-SE" sz="1400" dirty="0">
-                <a:latin typeface="Consolas" pitchFamily="49" charset="0"/>
-                <a:cs typeface="Consolas" pitchFamily="49" charset="0"/>
-              </a:rPr>
-              <a:t>Web.config</a:t>
-            </a:r>
-            <a:r>
-              <a:rPr lang="sv-SE" dirty="0"/>
-              <a:t>.</a:t>
-            </a:r>
-          </a:p>
-          <a:p>
-            <a:pPr lvl="1"/>
-            <a:r>
-              <a:rPr lang="sv-SE" dirty="0"/>
-              <a:t>…</a:t>
-            </a:r>
-            <a:r>
-              <a:rPr lang="sv-SE" sz="1400" dirty="0" smtClean="0">
-                <a:latin typeface="Consolas" pitchFamily="49" charset="0"/>
-                <a:cs typeface="Consolas" pitchFamily="49" charset="0"/>
-              </a:rPr>
-              <a:t>jquery-1.8.1.min.js</a:t>
-            </a:r>
-            <a:r>
-              <a:rPr lang="sv-SE" dirty="0" smtClean="0"/>
-              <a:t> </a:t>
-            </a:r>
-            <a:r>
-              <a:rPr lang="sv-SE" dirty="0"/>
-              <a:t>, eller annan lämplig version, länkas in. </a:t>
-            </a:r>
-          </a:p>
-          <a:p>
-            <a:pPr lvl="1"/>
-            <a:r>
-              <a:rPr lang="sv-SE" dirty="0"/>
-              <a:t>…</a:t>
-            </a:r>
-            <a:r>
-              <a:rPr lang="sv-SE" sz="1400" dirty="0">
-                <a:latin typeface="Consolas" pitchFamily="49" charset="0"/>
-                <a:cs typeface="Consolas" pitchFamily="49" charset="0"/>
-              </a:rPr>
-              <a:t>jquery.unobtrusive-ajax.min.js</a:t>
-            </a:r>
-            <a:r>
-              <a:rPr lang="sv-SE" dirty="0"/>
-              <a:t> länkas in.</a:t>
-            </a:r>
-          </a:p>
-          <a:p>
-            <a:pPr>
-              <a:spcBef>
-                <a:spcPts val="1200"/>
-              </a:spcBef>
-            </a:pPr>
-            <a:r>
-              <a:rPr lang="sv-SE" dirty="0" smtClean="0"/>
-              <a:t>Med hjälp av ”</a:t>
-            </a:r>
-            <a:r>
-              <a:rPr lang="sv-SE" i="1" dirty="0" smtClean="0"/>
-              <a:t>Ajax Helpers</a:t>
-            </a:r>
-            <a:r>
-              <a:rPr lang="sv-SE" dirty="0" smtClean="0"/>
-              <a:t>” är det enkelt att skapa förutsättningar för asynkrona förfrågningar.</a:t>
-            </a:r>
-          </a:p>
-          <a:p>
-            <a:pPr lvl="1"/>
-            <a:r>
-              <a:rPr lang="sv-SE" sz="1400" dirty="0" err="1" smtClean="0">
-                <a:latin typeface="Courier New" pitchFamily="49" charset="0"/>
-                <a:cs typeface="Courier New" pitchFamily="49" charset="0"/>
-              </a:rPr>
-              <a:t>Ajax.ActionLink</a:t>
-            </a:r>
-            <a:endParaRPr lang="sv-SE" dirty="0" smtClean="0">
-              <a:latin typeface="Courier New" pitchFamily="49" charset="0"/>
-              <a:cs typeface="Courier New" pitchFamily="49" charset="0"/>
-            </a:endParaRPr>
-          </a:p>
-          <a:p>
-            <a:pPr lvl="1"/>
-            <a:r>
-              <a:rPr lang="sv-SE" sz="1400" dirty="0" err="1" smtClean="0">
-                <a:latin typeface="Courier New" pitchFamily="49" charset="0"/>
-                <a:cs typeface="Courier New" pitchFamily="49" charset="0"/>
-              </a:rPr>
-              <a:t>Ajax.BeginForm</a:t>
-            </a:r>
-            <a:endParaRPr lang="sv-SE" sz="1400" dirty="0" smtClean="0">
-              <a:latin typeface="Courier New" pitchFamily="49" charset="0"/>
-              <a:cs typeface="Courier New" pitchFamily="49" charset="0"/>
-            </a:endParaRPr>
-          </a:p>
-          <a:p>
-            <a:pPr lvl="1"/>
-            <a:r>
-              <a:rPr lang="sv-SE" sz="1400" dirty="0" err="1" smtClean="0">
-                <a:latin typeface="Courier New" pitchFamily="49" charset="0"/>
-                <a:cs typeface="Courier New" pitchFamily="49" charset="0"/>
-              </a:rPr>
-              <a:t>Ajax.RouteLink</a:t>
-            </a:r>
-            <a:endParaRPr lang="sv-SE" sz="1400" dirty="0" smtClean="0">
-              <a:latin typeface="Courier New" pitchFamily="49" charset="0"/>
-              <a:cs typeface="Courier New" pitchFamily="49" charset="0"/>
-            </a:endParaRPr>
-          </a:p>
-          <a:p>
-            <a:pPr lvl="1"/>
-            <a:r>
-              <a:rPr lang="sv-SE" sz="1400" dirty="0" err="1" smtClean="0">
-                <a:latin typeface="Courier New" pitchFamily="49" charset="0"/>
-                <a:cs typeface="Courier New" pitchFamily="49" charset="0"/>
-              </a:rPr>
-              <a:t>Ajax.BeginRouteForm</a:t>
-            </a:r>
-            <a:endParaRPr lang="sv-SE" sz="1400" dirty="0" smtClean="0">
-              <a:latin typeface="Courier New" pitchFamily="49" charset="0"/>
-              <a:cs typeface="Courier New" pitchFamily="49" charset="0"/>
-            </a:endParaRPr>
-          </a:p>
-        </p:txBody>
-      </p:sp>
-    </p:spTree>
-  </p:cSld>
-  <p:clrMapOvr>
-    <a:masterClrMapping/>
-  </p:clrMapOvr>
-  <p:transition>
-    <p:random/>
-  </p:transition>
-  <p:timing>
-    <p:tnLst>
-      <p:par>
-        <p:cTn id="1" dur="indefinite" restart="never" nodeType="tmRoot"/>
-      </p:par>
-    </p:tnLst>
-  </p:timing>
-</p:sld>
-</file>
-
-<file path=ppt/slides/slide6.xml><?xml version="1.0" encoding="utf-8"?>
-<p:sld xmlns:a="http://schemas.openxmlformats.org/drawingml/2006/main" xmlns:r="http://schemas.openxmlformats.org/officeDocument/2006/relationships" xmlns:p="http://schemas.openxmlformats.org/presentationml/2006/main">
-  <p:cSld>
-    <p:spTree>
-      <p:nvGrpSpPr>
-        <p:cNvPr id="1" name=""/>
-        <p:cNvGrpSpPr/>
-        <p:nvPr/>
-      </p:nvGrpSpPr>
-      <p:grpSpPr>
-        <a:xfrm>
-          <a:off x="0" y="0"/>
-          <a:ext cx="0" cy="0"/>
-          <a:chOff x="0" y="0"/>
-          <a:chExt cx="0" cy="0"/>
-        </a:xfrm>
-      </p:grpSpPr>
-      <p:sp>
-        <p:nvSpPr>
-          <p:cNvPr id="3" name="Platshållare för innehåll 2"/>
-          <p:cNvSpPr>
-            <a:spLocks noGrp="1"/>
-          </p:cNvSpPr>
-          <p:nvPr>
-            <p:ph idx="1"/>
-          </p:nvPr>
-        </p:nvSpPr>
-        <p:spPr/>
-        <p:txBody>
-          <a:bodyPr/>
-          <a:lstStyle/>
-          <a:p>
-            <a:r>
-              <a:rPr lang="sv-SE" dirty="0" smtClean="0"/>
-              <a:t>Används </a:t>
-            </a:r>
-            <a:r>
-              <a:rPr lang="sv-SE" sz="1600" dirty="0" err="1" smtClean="0">
-                <a:latin typeface="Courier New" pitchFamily="49" charset="0"/>
-                <a:cs typeface="Courier New" pitchFamily="49" charset="0"/>
-              </a:rPr>
-              <a:t>Html.BeginForm</a:t>
-            </a:r>
-            <a:r>
-              <a:rPr lang="sv-SE" dirty="0" smtClean="0"/>
-              <a:t> renderas ett traditionellt formulär som postas tillbaka till servern och sidan renderas om fullständigt.</a:t>
-            </a:r>
-            <a:endParaRPr lang="sv-SE" dirty="0"/>
-          </a:p>
-        </p:txBody>
-      </p:sp>
-      <p:pic>
-        <p:nvPicPr>
-          <p:cNvPr id="1028" name="Picture 4"/>
-          <p:cNvPicPr>
-            <a:picLocks noChangeAspect="1" noChangeArrowheads="1"/>
-          </p:cNvPicPr>
-          <p:nvPr/>
-        </p:nvPicPr>
-        <p:blipFill>
-          <a:blip r:embed="rId3">
-            <a:extLst>
-              <a:ext uri="{28A0092B-C50C-407E-A947-70E740481C1C}">
-                <a14:useLocalDpi xmlns:a14="http://schemas.microsoft.com/office/drawing/2010/main" val="0"/>
-              </a:ext>
-            </a:extLst>
-          </a:blip>
-          <a:srcRect/>
-          <a:stretch>
-            <a:fillRect/>
-          </a:stretch>
-        </p:blipFill>
-        <p:spPr bwMode="auto">
-          <a:xfrm rot="21000000">
-            <a:off x="550896" y="1032076"/>
-            <a:ext cx="7360000" cy="3693333"/>
+          <a:xfrm rot="21123010">
+            <a:off x="302223" y="535948"/>
+            <a:ext cx="3990476" cy="4647619"/>
           </a:xfrm>
           <a:prstGeom prst="rect">
             <a:avLst/>
@@ -7403,14 +6147,70 @@
               <a:srgbClr val="FFFFFF"/>
             </a:contourClr>
           </a:sp3d>
-          <a:extLst/>
         </p:spPr>
       </p:pic>
+      <p:sp>
+        <p:nvSpPr>
+          <p:cNvPr id="3" name="Platshållare för innehåll 2"/>
+          <p:cNvSpPr>
+            <a:spLocks noGrp="1"/>
+          </p:cNvSpPr>
+          <p:nvPr>
+            <p:ph idx="1"/>
+          </p:nvPr>
+        </p:nvSpPr>
+        <p:spPr/>
+        <p:txBody>
+          <a:bodyPr/>
+          <a:lstStyle/>
+          <a:p>
+            <a:r>
+              <a:rPr lang="sv-SE" dirty="0" smtClean="0"/>
+              <a:t>Används </a:t>
+            </a:r>
+            <a:r>
+              <a:rPr lang="sv-SE" sz="1600" dirty="0" err="1" smtClean="0">
+                <a:latin typeface="Courier New" pitchFamily="49" charset="0"/>
+                <a:cs typeface="Courier New" pitchFamily="49" charset="0"/>
+              </a:rPr>
+              <a:t>Html.BeginForm</a:t>
+            </a:r>
+            <a:r>
+              <a:rPr lang="sv-SE" dirty="0" smtClean="0"/>
+              <a:t> renderas ett traditionellt formulär som postas tillbaka till servern och sidan renderas om fullständigt.</a:t>
+            </a:r>
+            <a:endParaRPr lang="sv-SE" dirty="0"/>
+          </a:p>
+        </p:txBody>
+      </p:sp>
+      <p:sp>
+        <p:nvSpPr>
+          <p:cNvPr id="2" name="Rubrik 1"/>
+          <p:cNvSpPr>
+            <a:spLocks noGrp="1"/>
+          </p:cNvSpPr>
+          <p:nvPr>
+            <p:ph type="title"/>
+          </p:nvPr>
+        </p:nvSpPr>
+        <p:spPr/>
+        <p:txBody>
+          <a:bodyPr/>
+          <a:lstStyle/>
+          <a:p>
+            <a:r>
+              <a:rPr lang="sv-SE" dirty="0" smtClean="0"/>
+              <a:t>Ett traditionellt formulär</a:t>
+            </a:r>
+            <a:endParaRPr lang="sv-SE" dirty="0"/>
+          </a:p>
+        </p:txBody>
+      </p:sp>
       <p:pic>
         <p:nvPicPr>
-          <p:cNvPr id="1029" name="Picture 5"/>
+          <p:cNvPr id="6" name="Bildobjekt 5"/>
           <p:cNvPicPr>
-            <a:picLocks noChangeAspect="1" noChangeArrowheads="1"/>
+            <a:picLocks noChangeAspect="1"/>
           </p:cNvPicPr>
           <p:nvPr/>
         </p:nvPicPr>
@@ -7423,21 +6223,15 @@
               </a:schemeClr>
               <a:prstClr val="white"/>
             </a:duotone>
-            <a:extLst>
-              <a:ext uri="{28A0092B-C50C-407E-A947-70E740481C1C}">
-                <a14:useLocalDpi xmlns:a14="http://schemas.microsoft.com/office/drawing/2010/main" val="0"/>
-              </a:ext>
-            </a:extLst>
           </a:blip>
-          <a:srcRect/>
           <a:stretch>
             <a:fillRect/>
           </a:stretch>
         </p:blipFill>
-        <p:spPr bwMode="auto">
+        <p:spPr>
           <a:xfrm rot="300000">
-            <a:off x="2397485" y="3751315"/>
-            <a:ext cx="7373334" cy="1946666"/>
+            <a:off x="3450819" y="3637795"/>
+            <a:ext cx="5266667" cy="2152381"/>
           </a:xfrm>
           <a:prstGeom prst="rect">
             <a:avLst/>
@@ -7474,32 +6268,8 @@
               <a:srgbClr val="FFFFFF"/>
             </a:contourClr>
           </a:sp3d>
-          <a:extLst/>
         </p:spPr>
       </p:pic>
-      <p:sp>
-        <p:nvSpPr>
-          <p:cNvPr id="2" name="Rubrik 1"/>
-          <p:cNvSpPr>
-            <a:spLocks noGrp="1"/>
-          </p:cNvSpPr>
-          <p:nvPr>
-            <p:ph type="title"/>
-          </p:nvPr>
-        </p:nvSpPr>
-        <p:spPr/>
-        <p:txBody>
-          <a:bodyPr/>
-          <a:lstStyle/>
-          <a:p>
-            <a:r>
-              <a:rPr lang="sv-SE" dirty="0" smtClean="0"/>
-              <a:t>Ett traditionellt formulär</a:t>
-            </a:r>
-            <a:endParaRPr lang="sv-SE" dirty="0"/>
-          </a:p>
-        </p:txBody>
-      </p:sp>
     </p:spTree>
   </p:cSld>
   <p:clrMapOvr>
@@ -7518,7 +6288,7 @@
 </p:sld>
 </file>
 
-<file path=ppt/slides/slide7.xml><?xml version="1.0" encoding="utf-8"?>
+<file path=ppt/slides/slide5.xml><?xml version="1.0" encoding="utf-8"?>
 <p:sld xmlns:a="http://schemas.openxmlformats.org/drawingml/2006/main" xmlns:r="http://schemas.openxmlformats.org/officeDocument/2006/relationships" xmlns:p="http://schemas.openxmlformats.org/presentationml/2006/main">
   <p:cSld>
     <p:spTree>
@@ -7537,9 +6307,9 @@
       </p:grpSpPr>
       <p:pic>
         <p:nvPicPr>
-          <p:cNvPr id="2051" name="Picture 3"/>
+          <p:cNvPr id="4" name="Bildobjekt 3"/>
           <p:cNvPicPr>
-            <a:picLocks noChangeAspect="1" noChangeArrowheads="1"/>
+            <a:picLocks noChangeAspect="1"/>
           </p:cNvPicPr>
           <p:nvPr/>
         </p:nvPicPr>
@@ -7552,21 +6322,69 @@
               </a:schemeClr>
               <a:prstClr val="white"/>
             </a:duotone>
-            <a:extLst>
-              <a:ext uri="{28A0092B-C50C-407E-A947-70E740481C1C}">
-                <a14:useLocalDpi xmlns:a14="http://schemas.microsoft.com/office/drawing/2010/main" val="0"/>
-              </a:ext>
-            </a:extLst>
           </a:blip>
-          <a:srcRect/>
           <a:stretch>
             <a:fillRect/>
           </a:stretch>
         </p:blipFill>
-        <p:spPr bwMode="auto">
-          <a:xfrm rot="267177">
-            <a:off x="1628968" y="3974729"/>
-            <a:ext cx="7422858" cy="1954286"/>
+        <p:spPr>
+          <a:xfrm rot="20833337">
+            <a:off x="-2541364" y="2963473"/>
+            <a:ext cx="9004366" cy="4728081"/>
+          </a:xfrm>
+          <a:prstGeom prst="rect">
+            <a:avLst/>
+          </a:prstGeom>
+          <a:solidFill>
+            <a:srgbClr val="FFFFFF">
+              <a:shade val="85000"/>
+            </a:srgbClr>
+          </a:solidFill>
+          <a:ln w="101600" cap="sq">
+            <a:noFill/>
+            <a:miter lim="800000"/>
+          </a:ln>
+          <a:effectLst>
+            <a:outerShdw blurRad="57150" dist="37500" dir="7560000" sy="98000" kx="110000" ky="200000" algn="tl" rotWithShape="0">
+              <a:srgbClr val="000000">
+                <a:alpha val="20000"/>
+              </a:srgbClr>
+            </a:outerShdw>
+          </a:effectLst>
+          <a:scene3d>
+            <a:camera prst="perspectiveRelaxed" fov="0">
+              <a:rot lat="18960000" lon="0" rev="0"/>
+            </a:camera>
+            <a:lightRig rig="twoPt" dir="t">
+              <a:rot lat="0" lon="0" rev="7200000"/>
+            </a:lightRig>
+          </a:scene3d>
+          <a:sp3d prstMaterial="matte">
+            <a:bevelT w="22860" h="12700"/>
+            <a:contourClr>
+              <a:srgbClr val="FFFFFF"/>
+            </a:contourClr>
+          </a:sp3d>
+        </p:spPr>
+      </p:pic>
+      <p:pic>
+        <p:nvPicPr>
+          <p:cNvPr id="7" name="Bildobjekt 6"/>
+          <p:cNvPicPr>
+            <a:picLocks noChangeAspect="1"/>
+          </p:cNvPicPr>
+          <p:nvPr/>
+        </p:nvPicPr>
+        <p:blipFill>
+          <a:blip r:embed="rId4"/>
+          <a:stretch>
+            <a:fillRect/>
+          </a:stretch>
+        </p:blipFill>
+        <p:spPr>
+          <a:xfrm rot="21210969">
+            <a:off x="-483486" y="955566"/>
+            <a:ext cx="7561905" cy="3847619"/>
           </a:xfrm>
           <a:prstGeom prst="rect">
             <a:avLst/>
@@ -7603,34 +6421,26 @@
               <a:srgbClr val="FFFFFF"/>
             </a:contourClr>
           </a:sp3d>
-          <a:extLst/>
         </p:spPr>
       </p:pic>
       <p:pic>
         <p:nvPicPr>
-          <p:cNvPr id="1027" name="Picture 3"/>
+          <p:cNvPr id="5" name="Bildobjekt 4"/>
           <p:cNvPicPr>
-            <a:picLocks noChangeAspect="1" noChangeArrowheads="1"/>
+            <a:picLocks noChangeAspect="1"/>
           </p:cNvPicPr>
           <p:nvPr/>
         </p:nvPicPr>
         <p:blipFill>
-          <a:blip r:embed="rId4">
-            <a:extLst>
-              <a:ext uri="{28A0092B-C50C-407E-A947-70E740481C1C}">
-                <a14:useLocalDpi xmlns:a14="http://schemas.microsoft.com/office/drawing/2010/main" val="0"/>
-              </a:ext>
-            </a:extLst>
-          </a:blip>
-          <a:srcRect/>
+          <a:blip r:embed="rId5"/>
           <a:stretch>
             <a:fillRect/>
           </a:stretch>
         </p:blipFill>
-        <p:spPr bwMode="auto">
-          <a:xfrm>
-            <a:off x="550789" y="1039461"/>
-            <a:ext cx="4671429" cy="3634286"/>
+        <p:spPr>
+          <a:xfrm rot="357073">
+            <a:off x="3508903" y="575378"/>
+            <a:ext cx="3591428" cy="5005715"/>
           </a:xfrm>
           <a:prstGeom prst="rect">
             <a:avLst/>
@@ -7667,25 +6477,6 @@
               <a:srgbClr val="FFFFFF"/>
             </a:contourClr>
           </a:sp3d>
-          <a:extLst>
-            <a:ext uri="{909E8E84-426E-40DD-AFC4-6F175D3DCCD1}">
-              <a14:hiddenFill xmlns:a14="http://schemas.microsoft.com/office/drawing/2010/main">
-                <a:solidFill>
-                  <a:schemeClr val="accent1"/>
-                </a:solidFill>
-              </a14:hiddenFill>
-            </a:ext>
-            <a:ext uri="{91240B29-F687-4F45-9708-019B960494DF}">
-              <a14:hiddenLine xmlns:a14="http://schemas.microsoft.com/office/drawing/2010/main" w="9525">
-                <a:solidFill>
-                  <a:schemeClr val="tx1"/>
-                </a:solidFill>
-                <a:miter lim="800000"/>
-                <a:headEnd/>
-                <a:tailEnd/>
-              </a14:hiddenLine>
-            </a:ext>
-          </a:extLst>
         </p:spPr>
       </p:pic>
       <p:sp>
@@ -7745,6 +6536,70 @@
           </a:p>
         </p:txBody>
       </p:sp>
+      <p:pic>
+        <p:nvPicPr>
+          <p:cNvPr id="6" name="Bildobjekt 5"/>
+          <p:cNvPicPr>
+            <a:picLocks noChangeAspect="1"/>
+          </p:cNvPicPr>
+          <p:nvPr/>
+        </p:nvPicPr>
+        <p:blipFill>
+          <a:blip r:embed="rId6">
+            <a:duotone>
+              <a:schemeClr val="bg2">
+                <a:shade val="45000"/>
+                <a:satMod val="135000"/>
+              </a:schemeClr>
+              <a:prstClr val="white"/>
+            </a:duotone>
+          </a:blip>
+          <a:stretch>
+            <a:fillRect/>
+          </a:stretch>
+        </p:blipFill>
+        <p:spPr>
+          <a:xfrm rot="20766102">
+            <a:off x="4891891" y="4182850"/>
+            <a:ext cx="5099320" cy="1960616"/>
+          </a:xfrm>
+          <a:prstGeom prst="rect">
+            <a:avLst/>
+          </a:prstGeom>
+          <a:solidFill>
+            <a:srgbClr val="FFFFFF">
+              <a:shade val="85000"/>
+            </a:srgbClr>
+          </a:solidFill>
+          <a:ln w="101600" cap="sq">
+            <a:solidFill>
+              <a:srgbClr val="FDFDFD"/>
+            </a:solidFill>
+            <a:miter lim="800000"/>
+          </a:ln>
+          <a:effectLst>
+            <a:outerShdw blurRad="57150" dist="37500" dir="7560000" sy="98000" kx="110000" ky="200000" algn="tl" rotWithShape="0">
+              <a:srgbClr val="000000">
+                <a:alpha val="20000"/>
+              </a:srgbClr>
+            </a:outerShdw>
+          </a:effectLst>
+          <a:scene3d>
+            <a:camera prst="perspectiveRelaxed">
+              <a:rot lat="18960000" lon="0" rev="0"/>
+            </a:camera>
+            <a:lightRig rig="twoPt" dir="t">
+              <a:rot lat="0" lon="0" rev="7200000"/>
+            </a:lightRig>
+          </a:scene3d>
+          <a:sp3d prstMaterial="matte">
+            <a:bevelT w="22860" h="12700"/>
+            <a:contourClr>
+              <a:srgbClr val="FFFFFF"/>
+            </a:contourClr>
+          </a:sp3d>
+        </p:spPr>
+      </p:pic>
     </p:spTree>
   </p:cSld>
   <p:clrMapOvr>
@@ -7763,7 +6618,7 @@
 </p:sld>
 </file>
 
-<file path=ppt/slides/slide8.xml><?xml version="1.0" encoding="utf-8"?>
+<file path=ppt/slides/slide6.xml><?xml version="1.0" encoding="utf-8"?>
 <p:sld xmlns:a="http://schemas.openxmlformats.org/drawingml/2006/main" xmlns:r="http://schemas.openxmlformats.org/officeDocument/2006/relationships" xmlns:p="http://schemas.openxmlformats.org/presentationml/2006/main">
   <p:cSld>
     <p:spTree>
@@ -7782,9 +6637,9 @@
       </p:grpSpPr>
       <p:pic>
         <p:nvPicPr>
-          <p:cNvPr id="3076" name="Picture 4"/>
+          <p:cNvPr id="5" name="Bildobjekt 4"/>
           <p:cNvPicPr>
-            <a:picLocks noChangeAspect="1" noChangeArrowheads="1"/>
+            <a:picLocks noChangeAspect="1"/>
           </p:cNvPicPr>
           <p:nvPr/>
         </p:nvPicPr>
@@ -7797,21 +6652,15 @@
               </a:schemeClr>
               <a:prstClr val="white"/>
             </a:duotone>
-            <a:extLst>
-              <a:ext uri="{28A0092B-C50C-407E-A947-70E740481C1C}">
-                <a14:useLocalDpi xmlns:a14="http://schemas.microsoft.com/office/drawing/2010/main" val="0"/>
-              </a:ext>
-            </a:extLst>
           </a:blip>
-          <a:srcRect/>
           <a:stretch>
             <a:fillRect/>
           </a:stretch>
         </p:blipFill>
-        <p:spPr bwMode="auto">
+        <p:spPr>
           <a:xfrm>
-            <a:off x="355518" y="3519456"/>
-            <a:ext cx="11546668" cy="2373333"/>
+            <a:off x="545453" y="1499856"/>
+            <a:ext cx="8598547" cy="4930027"/>
           </a:xfrm>
           <a:prstGeom prst="rect">
             <a:avLst/>
@@ -7829,25 +6678,6 @@
             </a:camera>
             <a:lightRig rig="threePt" dir="t"/>
           </a:scene3d>
-          <a:extLst>
-            <a:ext uri="{909E8E84-426E-40DD-AFC4-6F175D3DCCD1}">
-              <a14:hiddenFill xmlns:a14="http://schemas.microsoft.com/office/drawing/2010/main">
-                <a:solidFill>
-                  <a:schemeClr val="accent1"/>
-                </a:solidFill>
-              </a14:hiddenFill>
-            </a:ext>
-            <a:ext uri="{91240B29-F687-4F45-9708-019B960494DF}">
-              <a14:hiddenLine xmlns:a14="http://schemas.microsoft.com/office/drawing/2010/main" w="9525">
-                <a:solidFill>
-                  <a:schemeClr val="tx1"/>
-                </a:solidFill>
-                <a:miter lim="800000"/>
-                <a:headEnd/>
-                <a:tailEnd/>
-              </a14:hiddenLine>
-            </a:ext>
-          </a:extLst>
         </p:spPr>
       </p:pic>
       <p:sp>
@@ -7873,9 +6703,32 @@
           </a:p>
         </p:txBody>
       </p:sp>
+      <p:sp>
+        <p:nvSpPr>
+          <p:cNvPr id="2" name="Rubrik 1"/>
+          <p:cNvSpPr>
+            <a:spLocks noGrp="1"/>
+          </p:cNvSpPr>
+          <p:nvPr>
+            <p:ph type="title"/>
+          </p:nvPr>
+        </p:nvSpPr>
+        <p:spPr/>
+        <p:txBody>
+          <a:bodyPr/>
+          <a:lstStyle/>
+          <a:p>
+            <a:r>
+              <a:rPr lang="sv-SE" dirty="0" smtClean="0"/>
+              <a:t>Elementär hantering av Ajax-förfrågan</a:t>
+            </a:r>
+            <a:endParaRPr lang="sv-SE" dirty="0"/>
+          </a:p>
+        </p:txBody>
+      </p:sp>
       <p:pic>
         <p:nvPicPr>
-          <p:cNvPr id="3075" name="Picture 3"/>
+          <p:cNvPr id="3074" name="Picture 2"/>
           <p:cNvPicPr>
             <a:picLocks noChangeAspect="1" noChangeArrowheads="1"/>
           </p:cNvPicPr>
@@ -7895,143 +6748,8 @@
           </a:stretch>
         </p:blipFill>
         <p:spPr bwMode="auto">
-          <a:xfrm>
-            <a:off x="-126443" y="1973381"/>
-            <a:ext cx="5272382" cy="2041905"/>
-          </a:xfrm>
-          <a:prstGeom prst="rect">
-            <a:avLst/>
-          </a:prstGeom>
-          <a:noFill/>
-          <a:scene3d>
-            <a:camera prst="perspectiveContrastingRightFacing"/>
-            <a:lightRig rig="threePt" dir="t"/>
-          </a:scene3d>
-          <a:extLst>
-            <a:ext uri="{909E8E84-426E-40DD-AFC4-6F175D3DCCD1}">
-              <a14:hiddenFill xmlns:a14="http://schemas.microsoft.com/office/drawing/2010/main">
-                <a:solidFill>
-                  <a:schemeClr val="accent1"/>
-                </a:solidFill>
-              </a14:hiddenFill>
-            </a:ext>
-            <a:ext uri="{91240B29-F687-4F45-9708-019B960494DF}">
-              <a14:hiddenLine xmlns:a14="http://schemas.microsoft.com/office/drawing/2010/main" w="9525">
-                <a:solidFill>
-                  <a:schemeClr val="tx1"/>
-                </a:solidFill>
-                <a:miter lim="800000"/>
-                <a:headEnd/>
-                <a:tailEnd/>
-              </a14:hiddenLine>
-            </a:ext>
-          </a:extLst>
-        </p:spPr>
-      </p:pic>
-      <p:sp>
-        <p:nvSpPr>
-          <p:cNvPr id="2" name="Rubrik 1"/>
-          <p:cNvSpPr>
-            <a:spLocks noGrp="1"/>
-          </p:cNvSpPr>
-          <p:nvPr>
-            <p:ph type="title"/>
-          </p:nvPr>
-        </p:nvSpPr>
-        <p:spPr/>
-        <p:txBody>
-          <a:bodyPr/>
-          <a:lstStyle/>
-          <a:p>
-            <a:r>
-              <a:rPr lang="sv-SE" dirty="0" smtClean="0"/>
-              <a:t>Elementär hantering av Ajax-förfrågan</a:t>
-            </a:r>
-            <a:endParaRPr lang="sv-SE" dirty="0"/>
-          </a:p>
-        </p:txBody>
-      </p:sp>
-      <p:pic>
-        <p:nvPicPr>
-          <p:cNvPr id="2052" name="Picture 4"/>
-          <p:cNvPicPr>
-            <a:picLocks noChangeAspect="1" noChangeArrowheads="1"/>
-          </p:cNvPicPr>
-          <p:nvPr/>
-        </p:nvPicPr>
-        <p:blipFill>
-          <a:blip r:embed="rId5" cstate="print"/>
-          <a:srcRect/>
-          <a:stretch>
-            <a:fillRect/>
-          </a:stretch>
-        </p:blipFill>
-        <p:spPr bwMode="auto">
-          <a:xfrm rot="681089">
-            <a:off x="3532736" y="2190563"/>
-            <a:ext cx="4613333" cy="1333333"/>
-          </a:xfrm>
-          <a:prstGeom prst="rect">
-            <a:avLst/>
-          </a:prstGeom>
-          <a:solidFill>
-            <a:srgbClr val="FFFFFF">
-              <a:shade val="85000"/>
-            </a:srgbClr>
-          </a:solidFill>
-          <a:ln w="190500" cap="sq">
-            <a:solidFill>
-              <a:srgbClr val="FFFFFF"/>
-            </a:solidFill>
-            <a:miter lim="800000"/>
-          </a:ln>
-          <a:effectLst>
-            <a:outerShdw blurRad="65000" dist="50800" dir="12900000" kx="195000" ky="145000" algn="tl" rotWithShape="0">
-              <a:srgbClr val="000000">
-                <a:alpha val="30000"/>
-              </a:srgbClr>
-            </a:outerShdw>
-          </a:effectLst>
-          <a:scene3d>
-            <a:camera prst="orthographicFront">
-              <a:rot lat="0" lon="0" rev="360000"/>
-            </a:camera>
-            <a:lightRig rig="twoPt" dir="t">
-              <a:rot lat="0" lon="0" rev="7200000"/>
-            </a:lightRig>
-          </a:scene3d>
-          <a:sp3d contourW="12700">
-            <a:bevelT w="25400" h="19050"/>
-            <a:contourClr>
-              <a:srgbClr val="969696"/>
-            </a:contourClr>
-          </a:sp3d>
-        </p:spPr>
-      </p:pic>
-      <p:pic>
-        <p:nvPicPr>
-          <p:cNvPr id="3074" name="Picture 2"/>
-          <p:cNvPicPr>
-            <a:picLocks noChangeAspect="1" noChangeArrowheads="1"/>
-          </p:cNvPicPr>
-          <p:nvPr/>
-        </p:nvPicPr>
-        <p:blipFill>
-          <a:blip r:embed="rId6">
-            <a:extLst>
-              <a:ext uri="{28A0092B-C50C-407E-A947-70E740481C1C}">
-                <a14:useLocalDpi xmlns:a14="http://schemas.microsoft.com/office/drawing/2010/main" val="0"/>
-              </a:ext>
-            </a:extLst>
-          </a:blip>
-          <a:srcRect/>
-          <a:stretch>
-            <a:fillRect/>
-          </a:stretch>
-        </p:blipFill>
-        <p:spPr bwMode="auto">
           <a:xfrm rot="660000">
-            <a:off x="3493300" y="2088033"/>
+            <a:off x="3470929" y="2445607"/>
             <a:ext cx="4613333" cy="1760000"/>
           </a:xfrm>
           <a:prstGeom prst="rect">
@@ -8072,6 +6790,35 @@
           <a:extLst/>
         </p:spPr>
       </p:pic>
+      <p:pic>
+        <p:nvPicPr>
+          <p:cNvPr id="4" name="Bildobjekt 3"/>
+          <p:cNvPicPr>
+            <a:picLocks noChangeAspect="1"/>
+          </p:cNvPicPr>
+          <p:nvPr/>
+        </p:nvPicPr>
+        <p:blipFill>
+          <a:blip r:embed="rId5"/>
+          <a:stretch>
+            <a:fillRect/>
+          </a:stretch>
+        </p:blipFill>
+        <p:spPr>
+          <a:xfrm>
+            <a:off x="152382" y="2174994"/>
+            <a:ext cx="3104762" cy="1904762"/>
+          </a:xfrm>
+          <a:prstGeom prst="rect">
+            <a:avLst/>
+          </a:prstGeom>
+          <a:noFill/>
+          <a:scene3d>
+            <a:camera prst="perspectiveContrastingRightFacing"/>
+            <a:lightRig rig="threePt" dir="t"/>
+          </a:scene3d>
+        </p:spPr>
+      </p:pic>
     </p:spTree>
   </p:cSld>
   <p:clrMapOvr>
@@ -8090,7 +6837,7 @@
 </p:sld>
 </file>
 
-<file path=ppt/slides/slide9.xml><?xml version="1.0" encoding="utf-8"?>
+<file path=ppt/slides/slide7.xml><?xml version="1.0" encoding="utf-8"?>
 <p:sld xmlns:a="http://schemas.openxmlformats.org/drawingml/2006/main" xmlns:r="http://schemas.openxmlformats.org/officeDocument/2006/relationships" xmlns:p="http://schemas.openxmlformats.org/presentationml/2006/main">
   <p:cSld>
     <p:spTree>
@@ -8109,9 +6856,9 @@
       </p:grpSpPr>
       <p:pic>
         <p:nvPicPr>
-          <p:cNvPr id="11" name="Picture 3"/>
+          <p:cNvPr id="4" name="Bildobjekt 3"/>
           <p:cNvPicPr>
-            <a:picLocks noChangeAspect="1" noChangeArrowheads="1"/>
+            <a:picLocks noChangeAspect="1"/>
           </p:cNvPicPr>
           <p:nvPr/>
         </p:nvPicPr>
@@ -8124,21 +6871,71 @@
               </a:schemeClr>
               <a:prstClr val="white"/>
             </a:duotone>
-            <a:extLst>
-              <a:ext uri="{28A0092B-C50C-407E-A947-70E740481C1C}">
-                <a14:useLocalDpi xmlns:a14="http://schemas.microsoft.com/office/drawing/2010/main" val="0"/>
-              </a:ext>
-            </a:extLst>
           </a:blip>
-          <a:srcRect/>
           <a:stretch>
             <a:fillRect/>
           </a:stretch>
         </p:blipFill>
-        <p:spPr bwMode="auto">
+        <p:spPr>
+          <a:xfrm rot="276544">
+            <a:off x="3882536" y="2177061"/>
+            <a:ext cx="5647619" cy="2171429"/>
+          </a:xfrm>
+          <a:prstGeom prst="rect">
+            <a:avLst/>
+          </a:prstGeom>
+          <a:solidFill>
+            <a:srgbClr val="FFFFFF">
+              <a:shade val="85000"/>
+            </a:srgbClr>
+          </a:solidFill>
+          <a:ln w="101600" cap="sq">
+            <a:solidFill>
+              <a:srgbClr val="FDFDFD"/>
+            </a:solidFill>
+            <a:miter lim="800000"/>
+          </a:ln>
+          <a:effectLst>
+            <a:outerShdw blurRad="57150" dist="37500" dir="7560000" sy="98000" kx="110000" ky="200000" algn="tl" rotWithShape="0">
+              <a:srgbClr val="000000">
+                <a:alpha val="20000"/>
+              </a:srgbClr>
+            </a:outerShdw>
+          </a:effectLst>
+          <a:scene3d>
+            <a:camera prst="perspectiveRelaxed">
+              <a:rot lat="18960000" lon="0" rev="0"/>
+            </a:camera>
+            <a:lightRig rig="twoPt" dir="t">
+              <a:rot lat="0" lon="0" rev="7200000"/>
+            </a:lightRig>
+          </a:scene3d>
+          <a:sp3d prstMaterial="matte">
+            <a:bevelT w="22860" h="12700"/>
+            <a:contourClr>
+              <a:srgbClr val="FFFFFF"/>
+            </a:contourClr>
+          </a:sp3d>
+        </p:spPr>
+      </p:pic>
+      <p:pic>
+        <p:nvPicPr>
+          <p:cNvPr id="9" name="Bildobjekt 8"/>
+          <p:cNvPicPr>
+            <a:picLocks noChangeAspect="1"/>
+          </p:cNvPicPr>
+          <p:nvPr/>
+        </p:nvPicPr>
+        <p:blipFill>
+          <a:blip r:embed="rId4"/>
+          <a:stretch>
+            <a:fillRect/>
+          </a:stretch>
+        </p:blipFill>
+        <p:spPr>
           <a:xfrm>
-            <a:off x="-136589" y="3380347"/>
-            <a:ext cx="3163429" cy="1225143"/>
+            <a:off x="-291175" y="3177447"/>
+            <a:ext cx="3104762" cy="1904762"/>
           </a:xfrm>
           <a:prstGeom prst="rect">
             <a:avLst/>
@@ -8148,25 +6945,6 @@
             <a:camera prst="perspectiveContrastingRightFacing"/>
             <a:lightRig rig="threePt" dir="t"/>
           </a:scene3d>
-          <a:extLst>
-            <a:ext uri="{909E8E84-426E-40DD-AFC4-6F175D3DCCD1}">
-              <a14:hiddenFill xmlns:a14="http://schemas.microsoft.com/office/drawing/2010/main">
-                <a:solidFill>
-                  <a:schemeClr val="accent1"/>
-                </a:solidFill>
-              </a14:hiddenFill>
-            </a:ext>
-            <a:ext uri="{91240B29-F687-4F45-9708-019B960494DF}">
-              <a14:hiddenLine xmlns:a14="http://schemas.microsoft.com/office/drawing/2010/main" w="9525">
-                <a:solidFill>
-                  <a:schemeClr val="tx1"/>
-                </a:solidFill>
-                <a:miter lim="800000"/>
-                <a:headEnd/>
-                <a:tailEnd/>
-              </a14:hiddenLine>
-            </a:ext>
-          </a:extLst>
         </p:spPr>
       </p:pic>
       <p:cxnSp>
@@ -8298,7 +7076,15 @@
             <a:pPr lvl="1"/>
             <a:r>
               <a:rPr lang="sv-SE" dirty="0" smtClean="0"/>
-              <a:t>…formuläret istället använder det normala beteendet, d.v.s. det postar sig själv tillbaka till servern, och…</a:t>
+              <a:t>…formuläret istället </a:t>
+            </a:r>
+            <a:r>
+              <a:rPr lang="sv-SE" dirty="0" smtClean="0"/>
+              <a:t>postas som vanligt, </a:t>
+            </a:r>
+            <a:r>
+              <a:rPr lang="sv-SE" dirty="0" smtClean="0"/>
+              <a:t>och…</a:t>
             </a:r>
           </a:p>
           <a:p>
@@ -8323,7 +7109,7 @@
           <p:nvPr/>
         </p:nvPicPr>
         <p:blipFill>
-          <a:blip r:embed="rId4">
+          <a:blip r:embed="rId5">
             <a:extLst>
               <a:ext uri="{28A0092B-C50C-407E-A947-70E740481C1C}">
                 <a14:useLocalDpi xmlns:a14="http://schemas.microsoft.com/office/drawing/2010/main" val="0"/>
@@ -8337,7 +7123,7 @@
         </p:blipFill>
         <p:spPr bwMode="auto">
           <a:xfrm>
-            <a:off x="1261206" y="2728052"/>
+            <a:off x="1261206" y="3120905"/>
             <a:ext cx="9268528" cy="4995897"/>
           </a:xfrm>
           <a:prstGeom prst="rect">
@@ -8387,7 +7173,7 @@
           <p:nvPr/>
         </p:nvPicPr>
         <p:blipFill>
-          <a:blip r:embed="rId5">
+          <a:blip r:embed="rId6">
             <a:duotone>
               <a:schemeClr val="bg2">
                 <a:shade val="45000"/>
@@ -8408,7 +7194,7 @@
         </p:blipFill>
         <p:spPr bwMode="auto">
           <a:xfrm rot="20448478">
-            <a:off x="1432367" y="3222629"/>
+            <a:off x="947238" y="3725437"/>
             <a:ext cx="7249524" cy="2765715"/>
           </a:xfrm>
           <a:prstGeom prst="rect">
@@ -8443,6 +7229,693 @@
           </a:extLst>
         </p:spPr>
       </p:pic>
+    </p:spTree>
+  </p:cSld>
+  <p:clrMapOvr>
+    <a:masterClrMapping/>
+  </p:clrMapOvr>
+  <p:transition>
+    <p:random/>
+  </p:transition>
+  <p:timing>
+    <p:tnLst>
+      <p:par>
+        <p:cTn id="1" dur="indefinite" restart="never" nodeType="tmRoot"/>
+      </p:par>
+    </p:tnLst>
+  </p:timing>
+</p:sld>
+</file>
+
+<file path=ppt/slides/slide8.xml><?xml version="1.0" encoding="utf-8"?>
+<p:sld xmlns:a="http://schemas.openxmlformats.org/drawingml/2006/main" xmlns:r="http://schemas.openxmlformats.org/officeDocument/2006/relationships" xmlns:p="http://schemas.openxmlformats.org/presentationml/2006/main">
+  <p:cSld>
+    <p:spTree>
+      <p:nvGrpSpPr>
+        <p:cNvPr id="1" name=""/>
+        <p:cNvGrpSpPr/>
+        <p:nvPr/>
+      </p:nvGrpSpPr>
+      <p:grpSpPr>
+        <a:xfrm>
+          <a:off x="0" y="0"/>
+          <a:ext cx="0" cy="0"/>
+          <a:chOff x="0" y="0"/>
+          <a:chExt cx="0" cy="0"/>
+        </a:xfrm>
+      </p:grpSpPr>
+      <p:pic>
+        <p:nvPicPr>
+          <p:cNvPr id="8" name="Bildobjekt 7"/>
+          <p:cNvPicPr>
+            <a:picLocks noChangeAspect="1"/>
+          </p:cNvPicPr>
+          <p:nvPr/>
+        </p:nvPicPr>
+        <p:blipFill>
+          <a:blip r:embed="rId3">
+            <a:grayscl/>
+          </a:blip>
+          <a:stretch>
+            <a:fillRect/>
+          </a:stretch>
+        </p:blipFill>
+        <p:spPr>
+          <a:xfrm>
+            <a:off x="3902357" y="1802705"/>
+            <a:ext cx="5586666" cy="7573334"/>
+          </a:xfrm>
+          <a:prstGeom prst="rect">
+            <a:avLst/>
+          </a:prstGeom>
+          <a:noFill/>
+          <a:ln w="9525">
+            <a:noFill/>
+            <a:miter lim="800000"/>
+            <a:headEnd/>
+            <a:tailEnd/>
+          </a:ln>
+          <a:scene3d>
+            <a:camera prst="perspectiveContrastingLeftFacing" fov="2700000">
+              <a:rot lat="20705989" lon="2820516" rev="20519485"/>
+            </a:camera>
+            <a:lightRig rig="threePt" dir="t"/>
+          </a:scene3d>
+        </p:spPr>
+      </p:pic>
+      <p:pic>
+        <p:nvPicPr>
+          <p:cNvPr id="9" name="Bildobjekt 8"/>
+          <p:cNvPicPr>
+            <a:picLocks noChangeAspect="1"/>
+          </p:cNvPicPr>
+          <p:nvPr/>
+        </p:nvPicPr>
+        <p:blipFill>
+          <a:blip r:embed="rId4"/>
+          <a:stretch>
+            <a:fillRect/>
+          </a:stretch>
+        </p:blipFill>
+        <p:spPr>
+          <a:xfrm rot="180000">
+            <a:off x="822040" y="2785144"/>
+            <a:ext cx="4161905" cy="2780952"/>
+          </a:xfrm>
+          <a:prstGeom prst="rect">
+            <a:avLst/>
+          </a:prstGeom>
+          <a:solidFill>
+            <a:srgbClr val="FFFFFF">
+              <a:shade val="85000"/>
+            </a:srgbClr>
+          </a:solidFill>
+          <a:ln w="190500" cap="sq">
+            <a:solidFill>
+              <a:srgbClr val="FFFFFF"/>
+            </a:solidFill>
+            <a:miter lim="800000"/>
+          </a:ln>
+          <a:effectLst>
+            <a:outerShdw blurRad="65000" dist="50800" dir="12900000" kx="195000" ky="145000" algn="tl" rotWithShape="0">
+              <a:srgbClr val="000000">
+                <a:alpha val="30000"/>
+              </a:srgbClr>
+            </a:outerShdw>
+          </a:effectLst>
+          <a:scene3d>
+            <a:camera prst="orthographicFront">
+              <a:rot lat="0" lon="0" rev="360000"/>
+            </a:camera>
+            <a:lightRig rig="twoPt" dir="t">
+              <a:rot lat="0" lon="0" rev="7200000"/>
+            </a:lightRig>
+          </a:scene3d>
+          <a:sp3d contourW="12700">
+            <a:bevelT w="25400" h="19050"/>
+            <a:contourClr>
+              <a:srgbClr val="969696"/>
+            </a:contourClr>
+          </a:sp3d>
+        </p:spPr>
+      </p:pic>
+      <p:sp>
+        <p:nvSpPr>
+          <p:cNvPr id="3" name="Platshållare för innehåll 2"/>
+          <p:cNvSpPr>
+            <a:spLocks noGrp="1"/>
+          </p:cNvSpPr>
+          <p:nvPr>
+            <p:ph idx="1"/>
+          </p:nvPr>
+        </p:nvSpPr>
+        <p:spPr/>
+        <p:txBody>
+          <a:bodyPr/>
+          <a:lstStyle/>
+          <a:p>
+            <a:r>
+              <a:rPr lang="sv-SE" dirty="0" smtClean="0"/>
+              <a:t>Controllermetoden måste kunna hantera både en Ajax-förfrågan och en vanlig förfrågan. Genom att använda metoden </a:t>
+            </a:r>
+            <a:r>
+              <a:rPr lang="sv-SE" sz="1400" dirty="0" err="1" smtClean="0">
+                <a:latin typeface="Consolas" pitchFamily="49" charset="0"/>
+                <a:cs typeface="Consolas" pitchFamily="49" charset="0"/>
+              </a:rPr>
+              <a:t>Request.IsAjaxRequest</a:t>
+            </a:r>
+            <a:r>
+              <a:rPr lang="sv-SE" sz="1400" dirty="0" smtClean="0">
+                <a:latin typeface="Consolas" pitchFamily="49" charset="0"/>
+                <a:cs typeface="Consolas" pitchFamily="49" charset="0"/>
+              </a:rPr>
+              <a:t>()</a:t>
+            </a:r>
+            <a:r>
+              <a:rPr lang="sv-SE" dirty="0" smtClean="0"/>
+              <a:t> kan du ta reda på vilket sätt förfrågan görs.</a:t>
+            </a:r>
+          </a:p>
+          <a:p>
+            <a:pPr lvl="1"/>
+            <a:r>
+              <a:rPr lang="sv-SE" dirty="0" smtClean="0"/>
+              <a:t>Är det fråga om en Ajax-förfrågan returneras en sträng med hjälp av </a:t>
+            </a:r>
+            <a:r>
+              <a:rPr lang="sv-SE" sz="1400" dirty="0" err="1" smtClean="0">
+                <a:latin typeface="Consolas" pitchFamily="49" charset="0"/>
+                <a:cs typeface="Consolas" pitchFamily="49" charset="0"/>
+              </a:rPr>
+              <a:t>Content</a:t>
+            </a:r>
+            <a:r>
+              <a:rPr lang="sv-SE" dirty="0" smtClean="0"/>
+              <a:t>.</a:t>
+            </a:r>
+          </a:p>
+          <a:p>
+            <a:pPr lvl="1"/>
+            <a:r>
+              <a:rPr lang="sv-SE" dirty="0" smtClean="0"/>
+              <a:t>Är det en ”vanlig” förfrågan returneras en vy som vanligt</a:t>
+            </a:r>
+            <a:r>
+              <a:rPr lang="sv-SE" dirty="0" smtClean="0"/>
+              <a:t>.</a:t>
+            </a:r>
+            <a:endParaRPr lang="sv-SE" dirty="0"/>
+          </a:p>
+        </p:txBody>
+      </p:sp>
+      <p:sp>
+        <p:nvSpPr>
+          <p:cNvPr id="2" name="Rubrik 1"/>
+          <p:cNvSpPr>
+            <a:spLocks noGrp="1"/>
+          </p:cNvSpPr>
+          <p:nvPr>
+            <p:ph type="title"/>
+          </p:nvPr>
+        </p:nvSpPr>
+        <p:spPr/>
+        <p:txBody>
+          <a:bodyPr/>
+          <a:lstStyle/>
+          <a:p>
+            <a:r>
+              <a:rPr lang="sv-SE" dirty="0" smtClean="0"/>
+              <a:t>En controllermetod – olika typer av förfrågningar</a:t>
+            </a:r>
+            <a:endParaRPr lang="sv-SE" dirty="0"/>
+          </a:p>
+        </p:txBody>
+      </p:sp>
+    </p:spTree>
+  </p:cSld>
+  <p:clrMapOvr>
+    <a:masterClrMapping/>
+  </p:clrMapOvr>
+  <p:transition>
+    <p:random/>
+  </p:transition>
+  <p:timing>
+    <p:tnLst>
+      <p:par>
+        <p:cTn id="1" dur="indefinite" restart="never" nodeType="tmRoot"/>
+      </p:par>
+    </p:tnLst>
+  </p:timing>
+</p:sld>
+</file>
+
+<file path=ppt/slides/slide9.xml><?xml version="1.0" encoding="utf-8"?>
+<p:sld xmlns:a="http://schemas.openxmlformats.org/drawingml/2006/main" xmlns:r="http://schemas.openxmlformats.org/officeDocument/2006/relationships" xmlns:p="http://schemas.openxmlformats.org/presentationml/2006/main">
+  <p:cSld>
+    <p:spTree>
+      <p:nvGrpSpPr>
+        <p:cNvPr id="1" name=""/>
+        <p:cNvGrpSpPr/>
+        <p:nvPr/>
+      </p:nvGrpSpPr>
+      <p:grpSpPr>
+        <a:xfrm>
+          <a:off x="0" y="0"/>
+          <a:ext cx="0" cy="0"/>
+          <a:chOff x="0" y="0"/>
+          <a:chExt cx="0" cy="0"/>
+        </a:xfrm>
+      </p:grpSpPr>
+      <p:pic>
+        <p:nvPicPr>
+          <p:cNvPr id="5120" name="Bildobjekt 5119"/>
+          <p:cNvPicPr>
+            <a:picLocks noChangeAspect="1"/>
+          </p:cNvPicPr>
+          <p:nvPr/>
+        </p:nvPicPr>
+        <p:blipFill>
+          <a:blip r:embed="rId3">
+            <a:duotone>
+              <a:schemeClr val="bg2">
+                <a:shade val="45000"/>
+                <a:satMod val="135000"/>
+              </a:schemeClr>
+              <a:prstClr val="white"/>
+            </a:duotone>
+          </a:blip>
+          <a:stretch>
+            <a:fillRect/>
+          </a:stretch>
+        </p:blipFill>
+        <p:spPr>
+          <a:xfrm>
+            <a:off x="-386766" y="3567867"/>
+            <a:ext cx="4493046" cy="1972557"/>
+          </a:xfrm>
+          <a:prstGeom prst="rect">
+            <a:avLst/>
+          </a:prstGeom>
+          <a:noFill/>
+          <a:scene3d>
+            <a:camera prst="perspectiveContrastingRightFacing"/>
+            <a:lightRig rig="threePt" dir="t"/>
+          </a:scene3d>
+        </p:spPr>
+      </p:pic>
+      <p:sp>
+        <p:nvSpPr>
+          <p:cNvPr id="8" name="Ellips 7"/>
+          <p:cNvSpPr/>
+          <p:nvPr/>
+        </p:nvSpPr>
+        <p:spPr bwMode="auto">
+          <a:xfrm>
+            <a:off x="5597147" y="4732807"/>
+            <a:ext cx="214406" cy="214406"/>
+          </a:xfrm>
+          <a:prstGeom prst="ellipse">
+            <a:avLst/>
+          </a:prstGeom>
+          <a:solidFill>
+            <a:schemeClr val="accent1"/>
+          </a:solidFill>
+          <a:ln w="9525" cap="flat" cmpd="sng" algn="ctr">
+            <a:solidFill>
+              <a:schemeClr val="tx1"/>
+            </a:solidFill>
+            <a:prstDash val="solid"/>
+            <a:round/>
+            <a:headEnd type="none" w="med" len="med"/>
+            <a:tailEnd type="none" w="med" len="med"/>
+          </a:ln>
+          <a:effectLst/>
+        </p:spPr>
+        <p:txBody>
+          <a:bodyPr vert="horz" wrap="square" lIns="90488" tIns="44450" rIns="90488" bIns="44450" numCol="1" rtlCol="0" anchor="t" anchorCtr="0" compatLnSpc="1">
+            <a:prstTxWarp prst="textNoShape">
+              <a:avLst/>
+            </a:prstTxWarp>
+          </a:bodyPr>
+          <a:lstStyle/>
+          <a:p>
+            <a:pPr marL="0" marR="0" indent="0" algn="l" defTabSz="914400" rtl="0" eaLnBrk="1" fontAlgn="base" latinLnBrk="0" hangingPunct="1">
+              <a:lnSpc>
+                <a:spcPct val="100000"/>
+              </a:lnSpc>
+              <a:spcBef>
+                <a:spcPct val="0"/>
+              </a:spcBef>
+              <a:spcAft>
+                <a:spcPct val="0"/>
+              </a:spcAft>
+              <a:buClrTx/>
+              <a:buSzTx/>
+              <a:buFontTx/>
+              <a:buNone/>
+              <a:tabLst/>
+            </a:pPr>
+            <a:endParaRPr kumimoji="0" lang="sv-SE" sz="1800" b="0" i="0" u="none" strike="noStrike" cap="none" normalizeH="0" baseline="0" smtClean="0">
+              <a:ln>
+                <a:noFill/>
+              </a:ln>
+              <a:solidFill>
+                <a:schemeClr val="tx1"/>
+              </a:solidFill>
+              <a:effectLst/>
+              <a:latin typeface="Arial" charset="0"/>
+            </a:endParaRPr>
+          </a:p>
+        </p:txBody>
+      </p:sp>
+      <p:pic>
+        <p:nvPicPr>
+          <p:cNvPr id="27" name="Bildobjekt 26"/>
+          <p:cNvPicPr>
+            <a:picLocks noChangeAspect="1"/>
+          </p:cNvPicPr>
+          <p:nvPr/>
+        </p:nvPicPr>
+        <p:blipFill>
+          <a:blip r:embed="rId4"/>
+          <a:stretch>
+            <a:fillRect/>
+          </a:stretch>
+        </p:blipFill>
+        <p:spPr>
+          <a:xfrm rot="720000">
+            <a:off x="5431237" y="1734943"/>
+            <a:ext cx="3405714" cy="4205714"/>
+          </a:xfrm>
+          <a:prstGeom prst="rect">
+            <a:avLst/>
+          </a:prstGeom>
+          <a:solidFill>
+            <a:srgbClr val="FFFFFF">
+              <a:shade val="85000"/>
+            </a:srgbClr>
+          </a:solidFill>
+          <a:ln w="190500" cap="sq">
+            <a:solidFill>
+              <a:srgbClr val="FFFFFF"/>
+            </a:solidFill>
+            <a:miter lim="800000"/>
+          </a:ln>
+          <a:effectLst>
+            <a:outerShdw blurRad="65000" dist="50800" dir="12900000" kx="195000" ky="145000" algn="tl" rotWithShape="0">
+              <a:srgbClr val="000000">
+                <a:alpha val="30000"/>
+              </a:srgbClr>
+            </a:outerShdw>
+          </a:effectLst>
+          <a:scene3d>
+            <a:camera prst="orthographicFront">
+              <a:rot lat="0" lon="0" rev="360000"/>
+            </a:camera>
+            <a:lightRig rig="twoPt" dir="t">
+              <a:rot lat="0" lon="0" rev="7200000"/>
+            </a:lightRig>
+          </a:scene3d>
+          <a:sp3d contourW="12700">
+            <a:bevelT w="25400" h="19050"/>
+            <a:contourClr>
+              <a:srgbClr val="969696"/>
+            </a:contourClr>
+          </a:sp3d>
+        </p:spPr>
+      </p:pic>
+      <p:pic>
+        <p:nvPicPr>
+          <p:cNvPr id="26" name="Bildobjekt 25"/>
+          <p:cNvPicPr>
+            <a:picLocks noChangeAspect="1"/>
+          </p:cNvPicPr>
+          <p:nvPr/>
+        </p:nvPicPr>
+        <p:blipFill>
+          <a:blip r:embed="rId5"/>
+          <a:stretch>
+            <a:fillRect/>
+          </a:stretch>
+        </p:blipFill>
+        <p:spPr>
+          <a:xfrm rot="180000">
+            <a:off x="1644047" y="1684281"/>
+            <a:ext cx="2956190" cy="2224762"/>
+          </a:xfrm>
+          <a:prstGeom prst="rect">
+            <a:avLst/>
+          </a:prstGeom>
+          <a:solidFill>
+            <a:srgbClr val="FFFFFF">
+              <a:shade val="85000"/>
+            </a:srgbClr>
+          </a:solidFill>
+          <a:ln w="190500" cap="sq">
+            <a:solidFill>
+              <a:srgbClr val="FFFFFF"/>
+            </a:solidFill>
+            <a:miter lim="800000"/>
+          </a:ln>
+          <a:effectLst>
+            <a:outerShdw blurRad="65000" dist="50800" dir="12900000" kx="195000" ky="145000" algn="tl" rotWithShape="0">
+              <a:srgbClr val="000000">
+                <a:alpha val="30000"/>
+              </a:srgbClr>
+            </a:outerShdw>
+          </a:effectLst>
+          <a:scene3d>
+            <a:camera prst="orthographicFront">
+              <a:rot lat="0" lon="0" rev="360000"/>
+            </a:camera>
+            <a:lightRig rig="twoPt" dir="t">
+              <a:rot lat="0" lon="0" rev="7200000"/>
+            </a:lightRig>
+          </a:scene3d>
+          <a:sp3d contourW="12700">
+            <a:bevelT w="25400" h="19050"/>
+            <a:contourClr>
+              <a:srgbClr val="969696"/>
+            </a:contourClr>
+          </a:sp3d>
+        </p:spPr>
+      </p:pic>
+      <p:pic>
+        <p:nvPicPr>
+          <p:cNvPr id="31" name="Bildobjekt 30"/>
+          <p:cNvPicPr>
+            <a:picLocks noChangeAspect="1"/>
+          </p:cNvPicPr>
+          <p:nvPr/>
+        </p:nvPicPr>
+        <p:blipFill>
+          <a:blip r:embed="rId6"/>
+          <a:stretch>
+            <a:fillRect/>
+          </a:stretch>
+        </p:blipFill>
+        <p:spPr>
+          <a:xfrm>
+            <a:off x="2093212" y="3853194"/>
+            <a:ext cx="3139047" cy="1401905"/>
+          </a:xfrm>
+          <a:prstGeom prst="rect">
+            <a:avLst/>
+          </a:prstGeom>
+          <a:solidFill>
+            <a:srgbClr val="FFFFFF">
+              <a:shade val="85000"/>
+            </a:srgbClr>
+          </a:solidFill>
+          <a:ln w="190500" cap="sq">
+            <a:solidFill>
+              <a:srgbClr val="FFFFFF"/>
+            </a:solidFill>
+            <a:miter lim="800000"/>
+          </a:ln>
+          <a:effectLst>
+            <a:outerShdw blurRad="65000" dist="50800" dir="12900000" kx="195000" ky="145000" algn="tl" rotWithShape="0">
+              <a:srgbClr val="000000">
+                <a:alpha val="30000"/>
+              </a:srgbClr>
+            </a:outerShdw>
+          </a:effectLst>
+          <a:scene3d>
+            <a:camera prst="orthographicFront">
+              <a:rot lat="0" lon="0" rev="360000"/>
+            </a:camera>
+            <a:lightRig rig="twoPt" dir="t">
+              <a:rot lat="0" lon="0" rev="7200000"/>
+            </a:lightRig>
+          </a:scene3d>
+          <a:sp3d contourW="12700">
+            <a:bevelT w="25400" h="19050"/>
+            <a:contourClr>
+              <a:srgbClr val="969696"/>
+            </a:contourClr>
+          </a:sp3d>
+        </p:spPr>
+      </p:pic>
+      <p:pic>
+        <p:nvPicPr>
+          <p:cNvPr id="30" name="Bildobjekt 29"/>
+          <p:cNvPicPr>
+            <a:picLocks noChangeAspect="1"/>
+          </p:cNvPicPr>
+          <p:nvPr/>
+        </p:nvPicPr>
+        <p:blipFill>
+          <a:blip r:embed="rId7">
+            <a:grayscl/>
+          </a:blip>
+          <a:stretch>
+            <a:fillRect/>
+          </a:stretch>
+        </p:blipFill>
+        <p:spPr>
+          <a:xfrm rot="754885">
+            <a:off x="6127052" y="396801"/>
+            <a:ext cx="3412801" cy="1036425"/>
+          </a:xfrm>
+          <a:prstGeom prst="rect">
+            <a:avLst/>
+          </a:prstGeom>
+          <a:scene3d>
+            <a:camera prst="orthographicFront">
+              <a:rot lat="3000000" lon="0" rev="0"/>
+            </a:camera>
+            <a:lightRig rig="threePt" dir="t"/>
+          </a:scene3d>
+        </p:spPr>
+      </p:pic>
+      <p:sp>
+        <p:nvSpPr>
+          <p:cNvPr id="3" name="Platshållare för innehåll 2"/>
+          <p:cNvSpPr>
+            <a:spLocks noGrp="1"/>
+          </p:cNvSpPr>
+          <p:nvPr>
+            <p:ph idx="1"/>
+          </p:nvPr>
+        </p:nvSpPr>
+        <p:spPr/>
+        <p:txBody>
+          <a:bodyPr/>
+          <a:lstStyle/>
+          <a:p>
+            <a:r>
+              <a:rPr lang="sv-SE" dirty="0" smtClean="0"/>
+              <a:t>Istället för att ”bara” returnera en sträng kan en partiell vy</a:t>
+            </a:r>
+            <a:br>
+              <a:rPr lang="sv-SE" dirty="0" smtClean="0"/>
+            </a:br>
+            <a:r>
+              <a:rPr lang="sv-SE" dirty="0" smtClean="0"/>
+              <a:t>returneras, som även används då det inte är en Ajax-förfrågan.</a:t>
+            </a:r>
+            <a:endParaRPr lang="sv-SE" dirty="0"/>
+          </a:p>
+        </p:txBody>
+      </p:sp>
+      <p:sp>
+        <p:nvSpPr>
+          <p:cNvPr id="2" name="Rubrik 1"/>
+          <p:cNvSpPr>
+            <a:spLocks noGrp="1"/>
+          </p:cNvSpPr>
+          <p:nvPr>
+            <p:ph type="title"/>
+          </p:nvPr>
+        </p:nvSpPr>
+        <p:spPr/>
+        <p:txBody>
+          <a:bodyPr/>
+          <a:lstStyle/>
+          <a:p>
+            <a:r>
+              <a:rPr lang="sv-SE" dirty="0" smtClean="0"/>
+              <a:t>Ajax och ”partial views”</a:t>
+            </a:r>
+            <a:endParaRPr lang="sv-SE" dirty="0"/>
+          </a:p>
+        </p:txBody>
+      </p:sp>
+      <p:cxnSp>
+        <p:nvCxnSpPr>
+          <p:cNvPr id="5" name="Kurva 4"/>
+          <p:cNvCxnSpPr>
+            <a:endCxn id="8" idx="2"/>
+          </p:cNvCxnSpPr>
+          <p:nvPr/>
+        </p:nvCxnSpPr>
+        <p:spPr bwMode="auto">
+          <a:xfrm>
+            <a:off x="5106562" y="4518353"/>
+            <a:ext cx="490585" cy="321657"/>
+          </a:xfrm>
+          <a:prstGeom prst="curvedConnector3">
+            <a:avLst>
+              <a:gd name="adj1" fmla="val 50000"/>
+            </a:avLst>
+          </a:prstGeom>
+          <a:ln>
+            <a:headEnd type="arrow" w="med" len="med"/>
+            <a:tailEnd type="none" w="med" len="med"/>
+          </a:ln>
+        </p:spPr>
+        <p:style>
+          <a:lnRef idx="1">
+            <a:schemeClr val="accent6"/>
+          </a:lnRef>
+          <a:fillRef idx="0">
+            <a:schemeClr val="accent6"/>
+          </a:fillRef>
+          <a:effectRef idx="0">
+            <a:schemeClr val="accent6"/>
+          </a:effectRef>
+          <a:fontRef idx="minor">
+            <a:schemeClr val="tx1"/>
+          </a:fontRef>
+        </p:style>
+      </p:cxnSp>
+      <p:cxnSp>
+        <p:nvCxnSpPr>
+          <p:cNvPr id="24" name="Kurva 23"/>
+          <p:cNvCxnSpPr/>
+          <p:nvPr/>
+        </p:nvCxnSpPr>
+        <p:spPr bwMode="auto">
+          <a:xfrm rot="16200000" flipV="1">
+            <a:off x="3691363" y="3460405"/>
+            <a:ext cx="707460" cy="395672"/>
+          </a:xfrm>
+          <a:prstGeom prst="curvedConnector3">
+            <a:avLst>
+              <a:gd name="adj1" fmla="val 50000"/>
+            </a:avLst>
+          </a:prstGeom>
+          <a:ln>
+            <a:headEnd type="arrow" w="med" len="med"/>
+            <a:tailEnd type="none" w="med" len="med"/>
+          </a:ln>
+        </p:spPr>
+        <p:style>
+          <a:lnRef idx="1">
+            <a:schemeClr val="accent6"/>
+          </a:lnRef>
+          <a:fillRef idx="0">
+            <a:schemeClr val="accent6"/>
+          </a:fillRef>
+          <a:effectRef idx="0">
+            <a:schemeClr val="accent6"/>
+          </a:effectRef>
+          <a:fontRef idx="minor">
+            <a:schemeClr val="tx1"/>
+          </a:fontRef>
+        </p:style>
+      </p:cxnSp>
     </p:spTree>
   </p:cSld>
   <p:clrMapOvr>

--- a/Presentationsmaterial/Dokument/1.7 Unobtrusive Ajax.pptx
+++ b/Presentationsmaterial/Dokument/1.7 Unobtrusive Ajax.pptx
@@ -10,8 +10,8 @@
   <p:sldIdLst>
     <p:sldId id="256" r:id="rId2"/>
     <p:sldId id="271" r:id="rId3"/>
-    <p:sldId id="259" r:id="rId4"/>
-    <p:sldId id="260" r:id="rId5"/>
+    <p:sldId id="260" r:id="rId4"/>
+    <p:sldId id="259" r:id="rId5"/>
     <p:sldId id="261" r:id="rId6"/>
     <p:sldId id="262" r:id="rId7"/>
     <p:sldId id="263" r:id="rId8"/>
@@ -250,7 +250,7 @@
             <a:fld id="{0B3BAAB0-D539-4A20-AE97-450346457396}" type="datetimeFigureOut">
               <a:rPr lang="sv-SE" smtClean="0"/>
               <a:pPr/>
-              <a:t>2014-11-19</a:t>
+              <a:t>2014-11-25</a:t>
             </a:fld>
             <a:endParaRPr lang="sv-SE" dirty="0"/>
           </a:p>
@@ -1021,7 +1021,7 @@
     </p:spTree>
     <p:extLst>
       <p:ext uri="{BB962C8B-B14F-4D97-AF65-F5344CB8AC3E}">
-        <p14:creationId xmlns:p14="http://schemas.microsoft.com/office/powerpoint/2010/main" val="2643094055"/>
+        <p14:creationId xmlns:p14="http://schemas.microsoft.com/office/powerpoint/2010/main" val="318673568"/>
       </p:ext>
     </p:extLst>
   </p:cSld>
@@ -1106,7 +1106,7 @@
     </p:spTree>
     <p:extLst>
       <p:ext uri="{BB962C8B-B14F-4D97-AF65-F5344CB8AC3E}">
-        <p14:creationId xmlns:p14="http://schemas.microsoft.com/office/powerpoint/2010/main" val="318673568"/>
+        <p14:creationId xmlns:p14="http://schemas.microsoft.com/office/powerpoint/2010/main" val="2643094055"/>
       </p:ext>
     </p:extLst>
   </p:cSld>
@@ -5130,23 +5130,7 @@
           <a:p>
             <a:r>
               <a:rPr lang="sv-SE" dirty="0" smtClean="0"/>
-              <a:t>För att skicka samtliga </a:t>
-            </a:r>
-            <a:r>
-              <a:rPr lang="sv-SE" dirty="0" smtClean="0"/>
-              <a:t>felmeddelanden </a:t>
-            </a:r>
-            <a:r>
-              <a:rPr lang="sv-SE" dirty="0" smtClean="0"/>
-              <a:t>gällande </a:t>
-            </a:r>
-            <a:r>
-              <a:rPr lang="sv-SE" dirty="0" smtClean="0"/>
-              <a:t>modellens egenskaper </a:t>
-            </a:r>
-            <a:r>
-              <a:rPr lang="sv-SE" dirty="0" smtClean="0"/>
-              <a:t>till klienten kan JSON användas.</a:t>
+              <a:t>För att skicka samtliga felmeddelanden gällande modellens egenskaper till klienten kan JSON användas.</a:t>
             </a:r>
           </a:p>
           <a:p>
@@ -5815,284 +5799,6 @@
           <a:chExt cx="0" cy="0"/>
         </a:xfrm>
       </p:grpSpPr>
-      <p:sp>
-        <p:nvSpPr>
-          <p:cNvPr id="2" name="Rubrik 1"/>
-          <p:cNvSpPr>
-            <a:spLocks noGrp="1"/>
-          </p:cNvSpPr>
-          <p:nvPr>
-            <p:ph type="title"/>
-          </p:nvPr>
-        </p:nvSpPr>
-        <p:spPr/>
-        <p:txBody>
-          <a:bodyPr/>
-          <a:lstStyle/>
-          <a:p>
-            <a:r>
-              <a:rPr lang="sv-SE" dirty="0" smtClean="0"/>
-              <a:t>ASP.NET MVC och ”</a:t>
-            </a:r>
-            <a:r>
-              <a:rPr lang="sv-SE" i="1" dirty="0" smtClean="0"/>
-              <a:t>Ajax Helpers</a:t>
-            </a:r>
-            <a:r>
-              <a:rPr lang="sv-SE" dirty="0" smtClean="0"/>
-              <a:t>”</a:t>
-            </a:r>
-            <a:endParaRPr lang="sv-SE" dirty="0"/>
-          </a:p>
-        </p:txBody>
-      </p:sp>
-      <p:sp>
-        <p:nvSpPr>
-          <p:cNvPr id="3" name="Platshållare för innehåll 2"/>
-          <p:cNvSpPr>
-            <a:spLocks noGrp="1"/>
-          </p:cNvSpPr>
-          <p:nvPr>
-            <p:ph idx="1"/>
-          </p:nvPr>
-        </p:nvSpPr>
-        <p:spPr/>
-        <p:txBody>
-          <a:bodyPr/>
-          <a:lstStyle/>
-          <a:p>
-            <a:r>
-              <a:rPr lang="sv-SE" dirty="0" smtClean="0"/>
-              <a:t>MVC har stöd för Ajax-anrop. Från och med version 3 finns även stöd för ”</a:t>
-            </a:r>
-            <a:r>
-              <a:rPr lang="sv-SE" dirty="0" err="1" smtClean="0"/>
-              <a:t>unobtrusive</a:t>
-            </a:r>
-            <a:r>
-              <a:rPr lang="sv-SE" dirty="0" smtClean="0"/>
-              <a:t> Ajax” baserad på jQuery. </a:t>
-            </a:r>
-          </a:p>
-          <a:p>
-            <a:pPr>
-              <a:spcBef>
-                <a:spcPts val="1200"/>
-              </a:spcBef>
-            </a:pPr>
-            <a:r>
-              <a:rPr lang="sv-SE" dirty="0"/>
-              <a:t>För att </a:t>
-            </a:r>
-            <a:r>
-              <a:rPr lang="sv-SE" dirty="0" smtClean="0"/>
-              <a:t>”</a:t>
-            </a:r>
-            <a:r>
-              <a:rPr lang="sv-SE" dirty="0" err="1" smtClean="0"/>
-              <a:t>unobtrusive</a:t>
-            </a:r>
-            <a:r>
-              <a:rPr lang="sv-SE" dirty="0" smtClean="0"/>
-              <a:t> </a:t>
-            </a:r>
-            <a:r>
-              <a:rPr lang="sv-SE" dirty="0"/>
-              <a:t>Ajax” ska fungera på klienten måste…</a:t>
-            </a:r>
-          </a:p>
-          <a:p>
-            <a:pPr lvl="1"/>
-            <a:r>
-              <a:rPr lang="sv-SE" dirty="0"/>
-              <a:t>...</a:t>
-            </a:r>
-            <a:r>
-              <a:rPr lang="sv-SE" sz="1400" dirty="0" err="1">
-                <a:latin typeface="Consolas" pitchFamily="49" charset="0"/>
-                <a:cs typeface="Consolas" pitchFamily="49" charset="0"/>
-              </a:rPr>
-              <a:t>UnobtrusiveJavaScriptEnabled</a:t>
-            </a:r>
-            <a:r>
-              <a:rPr lang="sv-SE" dirty="0"/>
-              <a:t> vara satt till </a:t>
-            </a:r>
-            <a:r>
-              <a:rPr lang="sv-SE" sz="1400" dirty="0">
-                <a:latin typeface="Consolas" pitchFamily="49" charset="0"/>
-                <a:cs typeface="Consolas" pitchFamily="49" charset="0"/>
-              </a:rPr>
-              <a:t>true</a:t>
-            </a:r>
-            <a:r>
-              <a:rPr lang="sv-SE" dirty="0"/>
-              <a:t>, vilken den är som standard i </a:t>
-            </a:r>
-            <a:r>
-              <a:rPr lang="sv-SE" sz="1400" dirty="0">
-                <a:latin typeface="Consolas" pitchFamily="49" charset="0"/>
-                <a:cs typeface="Consolas" pitchFamily="49" charset="0"/>
-              </a:rPr>
-              <a:t>Web.config</a:t>
-            </a:r>
-            <a:r>
-              <a:rPr lang="sv-SE" dirty="0"/>
-              <a:t>.</a:t>
-            </a:r>
-          </a:p>
-          <a:p>
-            <a:pPr lvl="1"/>
-            <a:r>
-              <a:rPr lang="sv-SE" dirty="0"/>
-              <a:t>…</a:t>
-            </a:r>
-            <a:r>
-              <a:rPr lang="sv-SE" sz="1400" dirty="0" smtClean="0">
-                <a:latin typeface="Consolas" pitchFamily="49" charset="0"/>
-                <a:cs typeface="Consolas" pitchFamily="49" charset="0"/>
-              </a:rPr>
-              <a:t>jquery-2.1.1.min.js</a:t>
-            </a:r>
-            <a:r>
-              <a:rPr lang="sv-SE" dirty="0" smtClean="0"/>
-              <a:t> </a:t>
-            </a:r>
-            <a:r>
-              <a:rPr lang="sv-SE" dirty="0"/>
-              <a:t>, eller annan lämplig version, länkas in. </a:t>
-            </a:r>
-          </a:p>
-          <a:p>
-            <a:pPr lvl="1"/>
-            <a:r>
-              <a:rPr lang="sv-SE" dirty="0"/>
-              <a:t>…</a:t>
-            </a:r>
-            <a:r>
-              <a:rPr lang="sv-SE" sz="1400" dirty="0">
-                <a:latin typeface="Consolas" pitchFamily="49" charset="0"/>
-                <a:cs typeface="Consolas" pitchFamily="49" charset="0"/>
-              </a:rPr>
-              <a:t>jquery.unobtrusive-ajax.min.js</a:t>
-            </a:r>
-            <a:r>
-              <a:rPr lang="sv-SE" dirty="0"/>
-              <a:t> länkas in.</a:t>
-            </a:r>
-          </a:p>
-          <a:p>
-            <a:pPr>
-              <a:spcBef>
-                <a:spcPts val="1200"/>
-              </a:spcBef>
-            </a:pPr>
-            <a:r>
-              <a:rPr lang="sv-SE" dirty="0" smtClean="0"/>
-              <a:t>Med hjälp av ”</a:t>
-            </a:r>
-            <a:r>
-              <a:rPr lang="sv-SE" i="1" dirty="0" smtClean="0"/>
-              <a:t>Ajax Helpers</a:t>
-            </a:r>
-            <a:r>
-              <a:rPr lang="sv-SE" dirty="0" smtClean="0"/>
-              <a:t>” är det enkelt att skapa förutsättningar för asynkrona förfrågningar.</a:t>
-            </a:r>
-          </a:p>
-          <a:p>
-            <a:pPr lvl="1"/>
-            <a:r>
-              <a:rPr lang="sv-SE" sz="1400" dirty="0" err="1" smtClean="0">
-                <a:latin typeface="Courier New" pitchFamily="49" charset="0"/>
-                <a:cs typeface="Courier New" pitchFamily="49" charset="0"/>
-              </a:rPr>
-              <a:t>Ajax.ActionLink</a:t>
-            </a:r>
-            <a:endParaRPr lang="sv-SE" dirty="0" smtClean="0">
-              <a:latin typeface="Courier New" pitchFamily="49" charset="0"/>
-              <a:cs typeface="Courier New" pitchFamily="49" charset="0"/>
-            </a:endParaRPr>
-          </a:p>
-          <a:p>
-            <a:pPr lvl="1"/>
-            <a:r>
-              <a:rPr lang="sv-SE" sz="1400" dirty="0" err="1" smtClean="0">
-                <a:latin typeface="Courier New" pitchFamily="49" charset="0"/>
-                <a:cs typeface="Courier New" pitchFamily="49" charset="0"/>
-              </a:rPr>
-              <a:t>Ajax.BeginForm</a:t>
-            </a:r>
-            <a:endParaRPr lang="sv-SE" sz="1400" dirty="0" smtClean="0">
-              <a:latin typeface="Courier New" pitchFamily="49" charset="0"/>
-              <a:cs typeface="Courier New" pitchFamily="49" charset="0"/>
-            </a:endParaRPr>
-          </a:p>
-          <a:p>
-            <a:pPr lvl="1"/>
-            <a:r>
-              <a:rPr lang="sv-SE" sz="1400" dirty="0" err="1" smtClean="0">
-                <a:latin typeface="Courier New" pitchFamily="49" charset="0"/>
-                <a:cs typeface="Courier New" pitchFamily="49" charset="0"/>
-              </a:rPr>
-              <a:t>Ajax.RouteLink</a:t>
-            </a:r>
-            <a:endParaRPr lang="sv-SE" sz="1400" dirty="0" smtClean="0">
-              <a:latin typeface="Courier New" pitchFamily="49" charset="0"/>
-              <a:cs typeface="Courier New" pitchFamily="49" charset="0"/>
-            </a:endParaRPr>
-          </a:p>
-          <a:p>
-            <a:pPr lvl="1"/>
-            <a:r>
-              <a:rPr lang="sv-SE" sz="1400" dirty="0" err="1" smtClean="0">
-                <a:latin typeface="Courier New" pitchFamily="49" charset="0"/>
-                <a:cs typeface="Courier New" pitchFamily="49" charset="0"/>
-              </a:rPr>
-              <a:t>Ajax.BeginRouteForm</a:t>
-            </a:r>
-            <a:endParaRPr lang="sv-SE" sz="1400" dirty="0" smtClean="0">
-              <a:latin typeface="Courier New" pitchFamily="49" charset="0"/>
-              <a:cs typeface="Courier New" pitchFamily="49" charset="0"/>
-            </a:endParaRPr>
-          </a:p>
-        </p:txBody>
-      </p:sp>
-    </p:spTree>
-  </p:cSld>
-  <p:clrMapOvr>
-    <a:masterClrMapping/>
-  </p:clrMapOvr>
-  <p:transition>
-    <p:random/>
-  </p:transition>
-  <p:timing>
-    <p:tnLst>
-      <p:par>
-        <p:cTn id="1" dur="indefinite" restart="never" nodeType="tmRoot"/>
-      </p:par>
-    </p:tnLst>
-  </p:timing>
-</p:sld>
-</file>
-
-<file path=ppt/slides/slide4.xml><?xml version="1.0" encoding="utf-8"?>
-<p:sld xmlns:a="http://schemas.openxmlformats.org/drawingml/2006/main" xmlns:r="http://schemas.openxmlformats.org/officeDocument/2006/relationships" xmlns:p="http://schemas.openxmlformats.org/presentationml/2006/main">
-  <p:cSld>
-    <p:spTree>
-      <p:nvGrpSpPr>
-        <p:cNvPr id="1" name=""/>
-        <p:cNvGrpSpPr/>
-        <p:nvPr/>
-      </p:nvGrpSpPr>
-      <p:grpSpPr>
-        <a:xfrm>
-          <a:off x="0" y="0"/>
-          <a:ext cx="0" cy="0"/>
-          <a:chOff x="0" y="0"/>
-          <a:chExt cx="0" cy="0"/>
-        </a:xfrm>
-      </p:grpSpPr>
       <p:pic>
         <p:nvPicPr>
           <p:cNvPr id="5" name="Bildobjekt 4"/>
@@ -6270,6 +5976,292 @@
           </a:sp3d>
         </p:spPr>
       </p:pic>
+    </p:spTree>
+  </p:cSld>
+  <p:clrMapOvr>
+    <a:masterClrMapping/>
+  </p:clrMapOvr>
+  <p:transition>
+    <p:random/>
+  </p:transition>
+  <p:timing>
+    <p:tnLst>
+      <p:par>
+        <p:cTn id="1" dur="indefinite" restart="never" nodeType="tmRoot"/>
+      </p:par>
+    </p:tnLst>
+  </p:timing>
+</p:sld>
+</file>
+
+<file path=ppt/slides/slide4.xml><?xml version="1.0" encoding="utf-8"?>
+<p:sld xmlns:a="http://schemas.openxmlformats.org/drawingml/2006/main" xmlns:r="http://schemas.openxmlformats.org/officeDocument/2006/relationships" xmlns:p="http://schemas.openxmlformats.org/presentationml/2006/main">
+  <p:cSld>
+    <p:spTree>
+      <p:nvGrpSpPr>
+        <p:cNvPr id="1" name=""/>
+        <p:cNvGrpSpPr/>
+        <p:nvPr/>
+      </p:nvGrpSpPr>
+      <p:grpSpPr>
+        <a:xfrm>
+          <a:off x="0" y="0"/>
+          <a:ext cx="0" cy="0"/>
+          <a:chOff x="0" y="0"/>
+          <a:chExt cx="0" cy="0"/>
+        </a:xfrm>
+      </p:grpSpPr>
+      <p:sp>
+        <p:nvSpPr>
+          <p:cNvPr id="2" name="Rubrik 1"/>
+          <p:cNvSpPr>
+            <a:spLocks noGrp="1"/>
+          </p:cNvSpPr>
+          <p:nvPr>
+            <p:ph type="title"/>
+          </p:nvPr>
+        </p:nvSpPr>
+        <p:spPr/>
+        <p:txBody>
+          <a:bodyPr/>
+          <a:lstStyle/>
+          <a:p>
+            <a:r>
+              <a:rPr lang="sv-SE" dirty="0" smtClean="0"/>
+              <a:t>ASP.NET MVC och ”</a:t>
+            </a:r>
+            <a:r>
+              <a:rPr lang="sv-SE" i="1" dirty="0" smtClean="0"/>
+              <a:t>Ajax Helpers</a:t>
+            </a:r>
+            <a:r>
+              <a:rPr lang="sv-SE" dirty="0" smtClean="0"/>
+              <a:t>”</a:t>
+            </a:r>
+            <a:endParaRPr lang="sv-SE" dirty="0"/>
+          </a:p>
+        </p:txBody>
+      </p:sp>
+      <p:sp>
+        <p:nvSpPr>
+          <p:cNvPr id="3" name="Platshållare för innehåll 2"/>
+          <p:cNvSpPr>
+            <a:spLocks noGrp="1"/>
+          </p:cNvSpPr>
+          <p:nvPr>
+            <p:ph idx="1"/>
+          </p:nvPr>
+        </p:nvSpPr>
+        <p:spPr/>
+        <p:txBody>
+          <a:bodyPr/>
+          <a:lstStyle/>
+          <a:p>
+            <a:r>
+              <a:rPr lang="sv-SE" dirty="0" smtClean="0"/>
+              <a:t>MVC har stöd för Ajax-anrop. Från och med version 3 finns även stöd för ”</a:t>
+            </a:r>
+            <a:r>
+              <a:rPr lang="sv-SE" dirty="0" err="1" smtClean="0"/>
+              <a:t>unobtrusive</a:t>
+            </a:r>
+            <a:r>
+              <a:rPr lang="sv-SE" dirty="0" smtClean="0"/>
+              <a:t> Ajax” baserad på jQuery. </a:t>
+            </a:r>
+          </a:p>
+          <a:p>
+            <a:pPr>
+              <a:spcBef>
+                <a:spcPts val="1200"/>
+              </a:spcBef>
+            </a:pPr>
+            <a:r>
+              <a:rPr lang="sv-SE" dirty="0"/>
+              <a:t>För att </a:t>
+            </a:r>
+            <a:r>
+              <a:rPr lang="sv-SE" dirty="0" smtClean="0"/>
+              <a:t>”</a:t>
+            </a:r>
+            <a:r>
+              <a:rPr lang="sv-SE" dirty="0" err="1" smtClean="0"/>
+              <a:t>unobtrusive</a:t>
+            </a:r>
+            <a:r>
+              <a:rPr lang="sv-SE" dirty="0" smtClean="0"/>
+              <a:t> </a:t>
+            </a:r>
+            <a:r>
+              <a:rPr lang="sv-SE" dirty="0"/>
+              <a:t>Ajax” ska fungera </a:t>
+            </a:r>
+            <a:r>
+              <a:rPr lang="sv-SE" dirty="0" smtClean="0"/>
+              <a:t>måste</a:t>
+            </a:r>
+            <a:r>
+              <a:rPr lang="sv-SE" dirty="0"/>
+              <a:t>…</a:t>
+            </a:r>
+          </a:p>
+          <a:p>
+            <a:pPr lvl="1"/>
+            <a:r>
+              <a:rPr lang="sv-SE" dirty="0"/>
+              <a:t>...</a:t>
+            </a:r>
+            <a:r>
+              <a:rPr lang="sv-SE" sz="1400" dirty="0" err="1">
+                <a:latin typeface="Consolas" pitchFamily="49" charset="0"/>
+                <a:cs typeface="Consolas" pitchFamily="49" charset="0"/>
+              </a:rPr>
+              <a:t>UnobtrusiveJavaScriptEnabled</a:t>
+            </a:r>
+            <a:r>
+              <a:rPr lang="sv-SE" dirty="0"/>
+              <a:t> vara satt till </a:t>
+            </a:r>
+            <a:r>
+              <a:rPr lang="sv-SE" sz="1400" dirty="0">
+                <a:latin typeface="Consolas" pitchFamily="49" charset="0"/>
+                <a:cs typeface="Consolas" pitchFamily="49" charset="0"/>
+              </a:rPr>
+              <a:t>true</a:t>
+            </a:r>
+            <a:r>
+              <a:rPr lang="sv-SE" dirty="0"/>
+              <a:t>, vilken den är som standard i </a:t>
+            </a:r>
+            <a:r>
+              <a:rPr lang="sv-SE" sz="1400" dirty="0">
+                <a:latin typeface="Consolas" pitchFamily="49" charset="0"/>
+                <a:cs typeface="Consolas" pitchFamily="49" charset="0"/>
+              </a:rPr>
+              <a:t>Web.config</a:t>
+            </a:r>
+            <a:r>
+              <a:rPr lang="sv-SE" dirty="0"/>
+              <a:t>.</a:t>
+            </a:r>
+          </a:p>
+          <a:p>
+            <a:pPr lvl="1"/>
+            <a:r>
+              <a:rPr lang="sv-SE" dirty="0"/>
+              <a:t>…</a:t>
+            </a:r>
+            <a:r>
+              <a:rPr lang="sv-SE" sz="1400" dirty="0" smtClean="0">
+                <a:latin typeface="Consolas" pitchFamily="49" charset="0"/>
+                <a:cs typeface="Consolas" pitchFamily="49" charset="0"/>
+              </a:rPr>
+              <a:t>jquery-2.1.1.min.js</a:t>
+            </a:r>
+            <a:r>
+              <a:rPr lang="sv-SE" dirty="0" smtClean="0"/>
+              <a:t> </a:t>
+            </a:r>
+            <a:r>
+              <a:rPr lang="sv-SE" dirty="0"/>
+              <a:t>, eller annan lämplig version, länkas in. </a:t>
+            </a:r>
+          </a:p>
+          <a:p>
+            <a:pPr lvl="1"/>
+            <a:r>
+              <a:rPr lang="sv-SE" dirty="0"/>
+              <a:t>…</a:t>
+            </a:r>
+            <a:r>
+              <a:rPr lang="sv-SE" sz="1400" dirty="0">
+                <a:latin typeface="Consolas" pitchFamily="49" charset="0"/>
+                <a:cs typeface="Consolas" pitchFamily="49" charset="0"/>
+              </a:rPr>
+              <a:t>jquery.unobtrusive-ajax.min.js</a:t>
+            </a:r>
+            <a:r>
+              <a:rPr lang="sv-SE" dirty="0"/>
+              <a:t> länkas in.</a:t>
+            </a:r>
+          </a:p>
+          <a:p>
+            <a:pPr>
+              <a:spcBef>
+                <a:spcPts val="1200"/>
+              </a:spcBef>
+            </a:pPr>
+            <a:r>
+              <a:rPr lang="sv-SE" dirty="0" smtClean="0"/>
+              <a:t>Med hjälp av ”</a:t>
+            </a:r>
+            <a:r>
+              <a:rPr lang="sv-SE" i="1" dirty="0" smtClean="0"/>
+              <a:t>Ajax Helpers</a:t>
+            </a:r>
+            <a:r>
+              <a:rPr lang="sv-SE" dirty="0" smtClean="0"/>
+              <a:t>” är det enkelt att skapa förutsättningar för asynkrona förfrågningar.</a:t>
+            </a:r>
+          </a:p>
+          <a:p>
+            <a:pPr lvl="1"/>
+            <a:r>
+              <a:rPr lang="sv-SE" sz="1400" dirty="0" err="1" smtClean="0">
+                <a:latin typeface="Courier New" pitchFamily="49" charset="0"/>
+                <a:cs typeface="Courier New" pitchFamily="49" charset="0"/>
+              </a:rPr>
+              <a:t>Ajax.ActionLink</a:t>
+            </a:r>
+            <a:endParaRPr lang="sv-SE" dirty="0" smtClean="0">
+              <a:latin typeface="Courier New" pitchFamily="49" charset="0"/>
+              <a:cs typeface="Courier New" pitchFamily="49" charset="0"/>
+            </a:endParaRPr>
+          </a:p>
+          <a:p>
+            <a:pPr lvl="1"/>
+            <a:r>
+              <a:rPr lang="sv-SE" sz="1400" dirty="0" err="1" smtClean="0">
+                <a:latin typeface="Courier New" pitchFamily="49" charset="0"/>
+                <a:cs typeface="Courier New" pitchFamily="49" charset="0"/>
+              </a:rPr>
+              <a:t>Ajax.BeginForm</a:t>
+            </a:r>
+            <a:endParaRPr lang="sv-SE" sz="1400" dirty="0" smtClean="0">
+              <a:latin typeface="Courier New" pitchFamily="49" charset="0"/>
+              <a:cs typeface="Courier New" pitchFamily="49" charset="0"/>
+            </a:endParaRPr>
+          </a:p>
+          <a:p>
+            <a:pPr lvl="1"/>
+            <a:r>
+              <a:rPr lang="sv-SE" sz="1400" dirty="0" err="1" smtClean="0">
+                <a:latin typeface="Courier New" pitchFamily="49" charset="0"/>
+                <a:cs typeface="Courier New" pitchFamily="49" charset="0"/>
+              </a:rPr>
+              <a:t>Ajax.RouteLink</a:t>
+            </a:r>
+            <a:endParaRPr lang="sv-SE" sz="1400" dirty="0" smtClean="0">
+              <a:latin typeface="Courier New" pitchFamily="49" charset="0"/>
+              <a:cs typeface="Courier New" pitchFamily="49" charset="0"/>
+            </a:endParaRPr>
+          </a:p>
+          <a:p>
+            <a:pPr lvl="1"/>
+            <a:r>
+              <a:rPr lang="sv-SE" sz="1400" dirty="0" err="1" smtClean="0">
+                <a:latin typeface="Courier New" pitchFamily="49" charset="0"/>
+                <a:cs typeface="Courier New" pitchFamily="49" charset="0"/>
+              </a:rPr>
+              <a:t>Ajax.BeginRouteForm</a:t>
+            </a:r>
+            <a:endParaRPr lang="sv-SE" sz="1400" dirty="0" smtClean="0">
+              <a:latin typeface="Courier New" pitchFamily="49" charset="0"/>
+              <a:cs typeface="Courier New" pitchFamily="49" charset="0"/>
+            </a:endParaRPr>
+          </a:p>
+        </p:txBody>
+      </p:sp>
     </p:spTree>
   </p:cSld>
   <p:clrMapOvr>
@@ -6425,7 +6417,7 @@
       </p:pic>
       <p:pic>
         <p:nvPicPr>
-          <p:cNvPr id="5" name="Bildobjekt 4"/>
+          <p:cNvPr id="8" name="Bildobjekt 7"/>
           <p:cNvPicPr>
             <a:picLocks noChangeAspect="1"/>
           </p:cNvPicPr>
@@ -6438,9 +6430,9 @@
           </a:stretch>
         </p:blipFill>
         <p:spPr>
-          <a:xfrm rot="357073">
-            <a:off x="3508903" y="575378"/>
-            <a:ext cx="3591428" cy="5005715"/>
+          <a:xfrm rot="360000">
+            <a:off x="3508903" y="783661"/>
+            <a:ext cx="3591428" cy="4457143"/>
           </a:xfrm>
           <a:prstGeom prst="rect">
             <a:avLst/>
@@ -6538,7 +6530,7 @@
       </p:sp>
       <p:pic>
         <p:nvPicPr>
-          <p:cNvPr id="6" name="Bildobjekt 5"/>
+          <p:cNvPr id="9" name="Bildobjekt 8"/>
           <p:cNvPicPr>
             <a:picLocks noChangeAspect="1"/>
           </p:cNvPicPr>
@@ -6559,9 +6551,9 @@
           </a:stretch>
         </p:blipFill>
         <p:spPr>
-          <a:xfrm rot="20766102">
-            <a:off x="4891891" y="4182850"/>
-            <a:ext cx="5099320" cy="1960616"/>
+          <a:xfrm rot="20969029">
+            <a:off x="4071849" y="4000972"/>
+            <a:ext cx="7002857" cy="1817143"/>
           </a:xfrm>
           <a:prstGeom prst="rect">
             <a:avLst/>
@@ -6728,26 +6720,19 @@
       </p:sp>
       <p:pic>
         <p:nvPicPr>
-          <p:cNvPr id="3074" name="Picture 2"/>
+          <p:cNvPr id="6" name="Bildobjekt 5"/>
           <p:cNvPicPr>
-            <a:picLocks noChangeAspect="1" noChangeArrowheads="1"/>
+            <a:picLocks noChangeAspect="1"/>
           </p:cNvPicPr>
           <p:nvPr/>
         </p:nvPicPr>
         <p:blipFill>
-          <a:blip r:embed="rId4">
-            <a:extLst>
-              <a:ext uri="{28A0092B-C50C-407E-A947-70E740481C1C}">
-                <a14:useLocalDpi xmlns:a14="http://schemas.microsoft.com/office/drawing/2010/main" val="0"/>
-              </a:ext>
-            </a:extLst>
-          </a:blip>
-          <a:srcRect/>
+          <a:blip r:embed="rId4"/>
           <a:stretch>
             <a:fillRect/>
           </a:stretch>
         </p:blipFill>
-        <p:spPr bwMode="auto">
+        <p:spPr>
           <a:xfrm rot="660000">
             <a:off x="3470929" y="2445607"/>
             <a:ext cx="4613333" cy="1760000"/>
@@ -6787,7 +6772,6 @@
               <a:srgbClr val="969696"/>
             </a:contourClr>
           </a:sp3d>
-          <a:extLst/>
         </p:spPr>
       </p:pic>
       <p:pic>
@@ -6856,70 +6840,6 @@
       </p:grpSpPr>
       <p:pic>
         <p:nvPicPr>
-          <p:cNvPr id="4" name="Bildobjekt 3"/>
-          <p:cNvPicPr>
-            <a:picLocks noChangeAspect="1"/>
-          </p:cNvPicPr>
-          <p:nvPr/>
-        </p:nvPicPr>
-        <p:blipFill>
-          <a:blip r:embed="rId3">
-            <a:duotone>
-              <a:schemeClr val="bg2">
-                <a:shade val="45000"/>
-                <a:satMod val="135000"/>
-              </a:schemeClr>
-              <a:prstClr val="white"/>
-            </a:duotone>
-          </a:blip>
-          <a:stretch>
-            <a:fillRect/>
-          </a:stretch>
-        </p:blipFill>
-        <p:spPr>
-          <a:xfrm rot="276544">
-            <a:off x="3882536" y="2177061"/>
-            <a:ext cx="5647619" cy="2171429"/>
-          </a:xfrm>
-          <a:prstGeom prst="rect">
-            <a:avLst/>
-          </a:prstGeom>
-          <a:solidFill>
-            <a:srgbClr val="FFFFFF">
-              <a:shade val="85000"/>
-            </a:srgbClr>
-          </a:solidFill>
-          <a:ln w="101600" cap="sq">
-            <a:solidFill>
-              <a:srgbClr val="FDFDFD"/>
-            </a:solidFill>
-            <a:miter lim="800000"/>
-          </a:ln>
-          <a:effectLst>
-            <a:outerShdw blurRad="57150" dist="37500" dir="7560000" sy="98000" kx="110000" ky="200000" algn="tl" rotWithShape="0">
-              <a:srgbClr val="000000">
-                <a:alpha val="20000"/>
-              </a:srgbClr>
-            </a:outerShdw>
-          </a:effectLst>
-          <a:scene3d>
-            <a:camera prst="perspectiveRelaxed">
-              <a:rot lat="18960000" lon="0" rev="0"/>
-            </a:camera>
-            <a:lightRig rig="twoPt" dir="t">
-              <a:rot lat="0" lon="0" rev="7200000"/>
-            </a:lightRig>
-          </a:scene3d>
-          <a:sp3d prstMaterial="matte">
-            <a:bevelT w="22860" h="12700"/>
-            <a:contourClr>
-              <a:srgbClr val="FFFFFF"/>
-            </a:contourClr>
-          </a:sp3d>
-        </p:spPr>
-      </p:pic>
-      <p:pic>
-        <p:nvPicPr>
           <p:cNvPr id="9" name="Bildobjekt 8"/>
           <p:cNvPicPr>
             <a:picLocks noChangeAspect="1"/>
@@ -6927,7 +6847,7 @@
           <p:nvPr/>
         </p:nvPicPr>
         <p:blipFill>
-          <a:blip r:embed="rId4"/>
+          <a:blip r:embed="rId3"/>
           <a:stretch>
             <a:fillRect/>
           </a:stretch>
@@ -6979,6 +6899,62 @@
           <a:effectLst/>
         </p:spPr>
       </p:cxnSp>
+      <p:pic>
+        <p:nvPicPr>
+          <p:cNvPr id="8" name="Bildobjekt 7"/>
+          <p:cNvPicPr>
+            <a:picLocks noChangeAspect="1"/>
+          </p:cNvPicPr>
+          <p:nvPr/>
+        </p:nvPicPr>
+        <p:blipFill>
+          <a:blip r:embed="rId4"/>
+          <a:stretch>
+            <a:fillRect/>
+          </a:stretch>
+        </p:blipFill>
+        <p:spPr>
+          <a:xfrm rot="21240000">
+            <a:off x="1586940" y="2167923"/>
+            <a:ext cx="7780952" cy="2019048"/>
+          </a:xfrm>
+          <a:prstGeom prst="rect">
+            <a:avLst/>
+          </a:prstGeom>
+          <a:solidFill>
+            <a:srgbClr val="FFFFFF">
+              <a:shade val="85000"/>
+            </a:srgbClr>
+          </a:solidFill>
+          <a:ln w="101600" cap="sq">
+            <a:solidFill>
+              <a:srgbClr val="FDFDFD"/>
+            </a:solidFill>
+            <a:miter lim="800000"/>
+          </a:ln>
+          <a:effectLst>
+            <a:outerShdw blurRad="57150" dist="37500" dir="7560000" sy="98000" kx="110000" ky="200000" algn="tl" rotWithShape="0">
+              <a:srgbClr val="000000">
+                <a:alpha val="20000"/>
+              </a:srgbClr>
+            </a:outerShdw>
+          </a:effectLst>
+          <a:scene3d>
+            <a:camera prst="perspectiveRelaxed">
+              <a:rot lat="18960000" lon="0" rev="0"/>
+            </a:camera>
+            <a:lightRig rig="twoPt" dir="t">
+              <a:rot lat="0" lon="0" rev="7200000"/>
+            </a:lightRig>
+          </a:scene3d>
+          <a:sp3d prstMaterial="matte">
+            <a:bevelT w="22860" h="12700"/>
+            <a:contourClr>
+              <a:srgbClr val="FFFFFF"/>
+            </a:contourClr>
+          </a:sp3d>
+        </p:spPr>
+      </p:pic>
       <p:cxnSp>
         <p:nvCxnSpPr>
           <p:cNvPr id="7" name="Rak 6"/>
@@ -7076,15 +7052,7 @@
             <a:pPr lvl="1"/>
             <a:r>
               <a:rPr lang="sv-SE" dirty="0" smtClean="0"/>
-              <a:t>…formuläret istället </a:t>
-            </a:r>
-            <a:r>
-              <a:rPr lang="sv-SE" dirty="0" smtClean="0"/>
-              <a:t>postas som vanligt, </a:t>
-            </a:r>
-            <a:r>
-              <a:rPr lang="sv-SE" dirty="0" smtClean="0"/>
-              <a:t>och…</a:t>
+              <a:t>…formuläret istället postas som vanligt, och…</a:t>
             </a:r>
           </a:p>
           <a:p>
@@ -7166,9 +7134,9 @@
       </p:pic>
       <p:pic>
         <p:nvPicPr>
-          <p:cNvPr id="12" name="Picture 2"/>
+          <p:cNvPr id="10" name="Bildobjekt 9"/>
           <p:cNvPicPr>
-            <a:picLocks noChangeAspect="1" noChangeArrowheads="1"/>
+            <a:picLocks noChangeAspect="1"/>
           </p:cNvPicPr>
           <p:nvPr/>
         </p:nvPicPr>
@@ -7181,20 +7149,14 @@
               </a:schemeClr>
               <a:prstClr val="white"/>
             </a:duotone>
-            <a:extLst>
-              <a:ext uri="{28A0092B-C50C-407E-A947-70E740481C1C}">
-                <a14:useLocalDpi xmlns:a14="http://schemas.microsoft.com/office/drawing/2010/main" val="0"/>
-              </a:ext>
-            </a:extLst>
           </a:blip>
-          <a:srcRect/>
           <a:stretch>
             <a:fillRect/>
           </a:stretch>
         </p:blipFill>
-        <p:spPr bwMode="auto">
-          <a:xfrm rot="20448478">
-            <a:off x="947238" y="3725437"/>
+        <p:spPr>
+          <a:xfrm rot="20460000">
+            <a:off x="914455" y="3749702"/>
             <a:ext cx="7249524" cy="2765715"/>
           </a:xfrm>
           <a:prstGeom prst="rect">
@@ -7208,25 +7170,6 @@
             <a:camera prst="perspectiveContrastingLeftFacing"/>
             <a:lightRig rig="threePt" dir="t"/>
           </a:scene3d>
-          <a:extLst>
-            <a:ext uri="{909E8E84-426E-40DD-AFC4-6F175D3DCCD1}">
-              <a14:hiddenFill xmlns:a14="http://schemas.microsoft.com/office/drawing/2010/main">
-                <a:solidFill>
-                  <a:schemeClr val="accent1"/>
-                </a:solidFill>
-              </a14:hiddenFill>
-            </a:ext>
-            <a:ext uri="{91240B29-F687-4F45-9708-019B960494DF}">
-              <a14:hiddenLine xmlns:a14="http://schemas.microsoft.com/office/drawing/2010/main" w="9525">
-                <a:solidFill>
-                  <a:schemeClr val="tx1"/>
-                </a:solidFill>
-                <a:miter lim="800000"/>
-                <a:headEnd/>
-                <a:tailEnd/>
-              </a14:hiddenLine>
-            </a:ext>
-          </a:extLst>
         </p:spPr>
       </p:pic>
     </p:spTree>
@@ -7419,11 +7362,7 @@
             <a:pPr lvl="1"/>
             <a:r>
               <a:rPr lang="sv-SE" dirty="0" smtClean="0"/>
-              <a:t>Är det en ”vanlig” förfrågan returneras en vy som vanligt</a:t>
-            </a:r>
-            <a:r>
-              <a:rPr lang="sv-SE" dirty="0" smtClean="0"/>
-              <a:t>.</a:t>
+              <a:t>Är det en ”vanlig” förfrågan returneras en vy som vanligt.</a:t>
             </a:r>
             <a:endParaRPr lang="sv-SE" dirty="0"/>
           </a:p>
